--- a/MythicalIoT.pptx
+++ b/MythicalIoT.pptx
@@ -5,19 +5,14 @@
     <p:sldMasterId id="2147483648" r:id="rId1"/>
   </p:sldMasterIdLst>
   <p:notesMasterIdLst>
-    <p:notesMasterId r:id="rId12"/>
+    <p:notesMasterId r:id="rId7"/>
   </p:notesMasterIdLst>
   <p:sldIdLst>
     <p:sldId id="258" r:id="rId2"/>
     <p:sldId id="283" r:id="rId3"/>
     <p:sldId id="284" r:id="rId4"/>
     <p:sldId id="282" r:id="rId5"/>
-    <p:sldId id="281" r:id="rId6"/>
-    <p:sldId id="259" r:id="rId7"/>
-    <p:sldId id="261" r:id="rId8"/>
-    <p:sldId id="262" r:id="rId9"/>
-    <p:sldId id="260" r:id="rId10"/>
-    <p:sldId id="280" r:id="rId11"/>
+    <p:sldId id="285" r:id="rId6"/>
   </p:sldIdLst>
   <p:sldSz cx="12192000" cy="6858000"/>
   <p:notesSz cx="6858000" cy="9144000"/>
@@ -206,7 +201,7 @@
           <a:p>
             <a:fld id="{00F9A49F-B39A-6D40-8171-0C8144D2F78C}" type="datetimeFigureOut">
               <a:rPr lang="en-US" smtClean="0"/>
-              <a:t>11/20/20</a:t>
+              <a:t>11/26/20</a:t>
             </a:fld>
             <a:endParaRPr lang="en-US"/>
           </a:p>
@@ -473,90 +468,6 @@
 </p:notesMaster>
 </file>
 
-<file path=ppt/notesSlides/notesSlide1.xml><?xml version="1.0" encoding="utf-8"?>
-<p:notes xmlns:a="http://schemas.openxmlformats.org/drawingml/2006/main" xmlns:r="http://schemas.openxmlformats.org/officeDocument/2006/relationships" xmlns:p="http://schemas.openxmlformats.org/presentationml/2006/main">
-  <p:cSld>
-    <p:spTree>
-      <p:nvGrpSpPr>
-        <p:cNvPr id="1" name=""/>
-        <p:cNvGrpSpPr/>
-        <p:nvPr/>
-      </p:nvGrpSpPr>
-      <p:grpSpPr>
-        <a:xfrm>
-          <a:off x="0" y="0"/>
-          <a:ext cx="0" cy="0"/>
-          <a:chOff x="0" y="0"/>
-          <a:chExt cx="0" cy="0"/>
-        </a:xfrm>
-      </p:grpSpPr>
-      <p:sp>
-        <p:nvSpPr>
-          <p:cNvPr id="2" name="Slide Image Placeholder 1"/>
-          <p:cNvSpPr>
-            <a:spLocks noGrp="1" noRot="1" noChangeAspect="1"/>
-          </p:cNvSpPr>
-          <p:nvPr>
-            <p:ph type="sldImg"/>
-          </p:nvPr>
-        </p:nvSpPr>
-        <p:spPr/>
-      </p:sp>
-      <p:sp>
-        <p:nvSpPr>
-          <p:cNvPr id="3" name="Notes Placeholder 2"/>
-          <p:cNvSpPr>
-            <a:spLocks noGrp="1"/>
-          </p:cNvSpPr>
-          <p:nvPr>
-            <p:ph type="body" idx="1"/>
-          </p:nvPr>
-        </p:nvSpPr>
-        <p:spPr/>
-        <p:txBody>
-          <a:bodyPr/>
-          <a:lstStyle/>
-          <a:p>
-            <a:endParaRPr lang="en-US" dirty="0"/>
-          </a:p>
-        </p:txBody>
-      </p:sp>
-      <p:sp>
-        <p:nvSpPr>
-          <p:cNvPr id="4" name="Slide Number Placeholder 3"/>
-          <p:cNvSpPr>
-            <a:spLocks noGrp="1"/>
-          </p:cNvSpPr>
-          <p:nvPr>
-            <p:ph type="sldNum" sz="quarter" idx="5"/>
-          </p:nvPr>
-        </p:nvSpPr>
-        <p:spPr/>
-        <p:txBody>
-          <a:bodyPr/>
-          <a:lstStyle/>
-          <a:p>
-            <a:fld id="{42AD4E99-4B62-744D-91BB-0CAB2074D394}" type="slidenum">
-              <a:rPr lang="en-US" smtClean="0"/>
-              <a:t>6</a:t>
-            </a:fld>
-            <a:endParaRPr lang="en-US"/>
-          </a:p>
-        </p:txBody>
-      </p:sp>
-    </p:spTree>
-    <p:extLst>
-      <p:ext uri="{BB962C8B-B14F-4D97-AF65-F5344CB8AC3E}">
-        <p14:creationId xmlns:p14="http://schemas.microsoft.com/office/powerpoint/2010/main" val="406614055"/>
-      </p:ext>
-    </p:extLst>
-  </p:cSld>
-  <p:clrMapOvr>
-    <a:masterClrMapping/>
-  </p:clrMapOvr>
-</p:notes>
-</file>
-
 <file path=ppt/slideLayouts/slideLayout1.xml><?xml version="1.0" encoding="utf-8"?>
 <p:sldLayout xmlns:a="http://schemas.openxmlformats.org/drawingml/2006/main" xmlns:r="http://schemas.openxmlformats.org/officeDocument/2006/relationships" xmlns:p="http://schemas.openxmlformats.org/presentationml/2006/main" type="title" preserve="1">
   <p:cSld name="Title Slide">
@@ -704,7 +615,7 @@
           <a:p>
             <a:fld id="{0010EDA1-2036-5448-A4CE-E7A3E6B521D5}" type="datetimeFigureOut">
               <a:rPr lang="en-US" smtClean="0"/>
-              <a:t>11/20/20</a:t>
+              <a:t>11/26/20</a:t>
             </a:fld>
             <a:endParaRPr lang="en-US"/>
           </a:p>
@@ -902,7 +813,7 @@
           <a:p>
             <a:fld id="{0010EDA1-2036-5448-A4CE-E7A3E6B521D5}" type="datetimeFigureOut">
               <a:rPr lang="en-US" smtClean="0"/>
-              <a:t>11/20/20</a:t>
+              <a:t>11/26/20</a:t>
             </a:fld>
             <a:endParaRPr lang="en-US"/>
           </a:p>
@@ -1110,7 +1021,7 @@
           <a:p>
             <a:fld id="{0010EDA1-2036-5448-A4CE-E7A3E6B521D5}" type="datetimeFigureOut">
               <a:rPr lang="en-US" smtClean="0"/>
-              <a:t>11/20/20</a:t>
+              <a:t>11/26/20</a:t>
             </a:fld>
             <a:endParaRPr lang="en-US"/>
           </a:p>
@@ -1308,7 +1219,7 @@
           <a:p>
             <a:fld id="{0010EDA1-2036-5448-A4CE-E7A3E6B521D5}" type="datetimeFigureOut">
               <a:rPr lang="en-US" smtClean="0"/>
-              <a:t>11/20/20</a:t>
+              <a:t>11/26/20</a:t>
             </a:fld>
             <a:endParaRPr lang="en-US"/>
           </a:p>
@@ -1583,7 +1494,7 @@
           <a:p>
             <a:fld id="{0010EDA1-2036-5448-A4CE-E7A3E6B521D5}" type="datetimeFigureOut">
               <a:rPr lang="en-US" smtClean="0"/>
-              <a:t>11/20/20</a:t>
+              <a:t>11/26/20</a:t>
             </a:fld>
             <a:endParaRPr lang="en-US"/>
           </a:p>
@@ -1848,7 +1759,7 @@
           <a:p>
             <a:fld id="{0010EDA1-2036-5448-A4CE-E7A3E6B521D5}" type="datetimeFigureOut">
               <a:rPr lang="en-US" smtClean="0"/>
-              <a:t>11/20/20</a:t>
+              <a:t>11/26/20</a:t>
             </a:fld>
             <a:endParaRPr lang="en-US"/>
           </a:p>
@@ -2260,7 +2171,7 @@
           <a:p>
             <a:fld id="{0010EDA1-2036-5448-A4CE-E7A3E6B521D5}" type="datetimeFigureOut">
               <a:rPr lang="en-US" smtClean="0"/>
-              <a:t>11/20/20</a:t>
+              <a:t>11/26/20</a:t>
             </a:fld>
             <a:endParaRPr lang="en-US"/>
           </a:p>
@@ -2401,7 +2312,7 @@
           <a:p>
             <a:fld id="{0010EDA1-2036-5448-A4CE-E7A3E6B521D5}" type="datetimeFigureOut">
               <a:rPr lang="en-US" smtClean="0"/>
-              <a:t>11/20/20</a:t>
+              <a:t>11/26/20</a:t>
             </a:fld>
             <a:endParaRPr lang="en-US"/>
           </a:p>
@@ -2514,7 +2425,7 @@
           <a:p>
             <a:fld id="{0010EDA1-2036-5448-A4CE-E7A3E6B521D5}" type="datetimeFigureOut">
               <a:rPr lang="en-US" smtClean="0"/>
-              <a:t>11/20/20</a:t>
+              <a:t>11/26/20</a:t>
             </a:fld>
             <a:endParaRPr lang="en-US"/>
           </a:p>
@@ -2825,7 +2736,7 @@
           <a:p>
             <a:fld id="{0010EDA1-2036-5448-A4CE-E7A3E6B521D5}" type="datetimeFigureOut">
               <a:rPr lang="en-US" smtClean="0"/>
-              <a:t>11/20/20</a:t>
+              <a:t>11/26/20</a:t>
             </a:fld>
             <a:endParaRPr lang="en-US"/>
           </a:p>
@@ -3113,7 +3024,7 @@
           <a:p>
             <a:fld id="{0010EDA1-2036-5448-A4CE-E7A3E6B521D5}" type="datetimeFigureOut">
               <a:rPr lang="en-US" smtClean="0"/>
-              <a:t>11/20/20</a:t>
+              <a:t>11/26/20</a:t>
             </a:fld>
             <a:endParaRPr lang="en-US"/>
           </a:p>
@@ -3354,7 +3265,7 @@
           <a:p>
             <a:fld id="{0010EDA1-2036-5448-A4CE-E7A3E6B521D5}" type="datetimeFigureOut">
               <a:rPr lang="en-US" smtClean="0"/>
-              <a:t>11/20/20</a:t>
+              <a:t>11/26/20</a:t>
             </a:fld>
             <a:endParaRPr lang="en-US"/>
           </a:p>
@@ -8263,584 +8174,6 @@
 </p:sld>
 </file>
 
-<file path=ppt/slides/slide10.xml><?xml version="1.0" encoding="utf-8"?>
-<p:sld xmlns:a="http://schemas.openxmlformats.org/drawingml/2006/main" xmlns:r="http://schemas.openxmlformats.org/officeDocument/2006/relationships" xmlns:p="http://schemas.openxmlformats.org/presentationml/2006/main">
-  <p:cSld>
-    <p:spTree>
-      <p:nvGrpSpPr>
-        <p:cNvPr id="1" name=""/>
-        <p:cNvGrpSpPr/>
-        <p:nvPr/>
-      </p:nvGrpSpPr>
-      <p:grpSpPr>
-        <a:xfrm>
-          <a:off x="0" y="0"/>
-          <a:ext cx="0" cy="0"/>
-          <a:chOff x="0" y="0"/>
-          <a:chExt cx="0" cy="0"/>
-        </a:xfrm>
-      </p:grpSpPr>
-      <p:sp>
-        <p:nvSpPr>
-          <p:cNvPr id="83" name="Rectangle 82">
-            <a:extLst>
-              <a:ext uri="{FF2B5EF4-FFF2-40B4-BE49-F238E27FC236}">
-                <a16:creationId xmlns:a16="http://schemas.microsoft.com/office/drawing/2014/main" id="{73DD1DE6-7195-6B44-B63F-129EF3117FDC}"/>
-              </a:ext>
-            </a:extLst>
-          </p:cNvPr>
-          <p:cNvSpPr/>
-          <p:nvPr/>
-        </p:nvSpPr>
-        <p:spPr>
-          <a:xfrm>
-            <a:off x="631596" y="4790685"/>
-            <a:ext cx="1357460" cy="1046375"/>
-          </a:xfrm>
-          <a:prstGeom prst="rect">
-            <a:avLst/>
-          </a:prstGeom>
-        </p:spPr>
-        <p:style>
-          <a:lnRef idx="1">
-            <a:schemeClr val="accent6"/>
-          </a:lnRef>
-          <a:fillRef idx="3">
-            <a:schemeClr val="accent6"/>
-          </a:fillRef>
-          <a:effectRef idx="2">
-            <a:schemeClr val="accent6"/>
-          </a:effectRef>
-          <a:fontRef idx="minor">
-            <a:schemeClr val="lt1"/>
-          </a:fontRef>
-        </p:style>
-        <p:txBody>
-          <a:bodyPr rtlCol="0" anchor="ctr"/>
-          <a:lstStyle/>
-          <a:p>
-            <a:pPr algn="ctr"/>
-            <a:r>
-              <a:rPr lang="en-US"/>
-              <a:t>PowerApps</a:t>
-            </a:r>
-          </a:p>
-        </p:txBody>
-      </p:sp>
-      <p:sp>
-        <p:nvSpPr>
-          <p:cNvPr id="104" name="Rectangle 103">
-            <a:extLst>
-              <a:ext uri="{FF2B5EF4-FFF2-40B4-BE49-F238E27FC236}">
-                <a16:creationId xmlns:a16="http://schemas.microsoft.com/office/drawing/2014/main" id="{E01D0EAC-960D-EF4C-95A7-E11CE1C4E660}"/>
-              </a:ext>
-            </a:extLst>
-          </p:cNvPr>
-          <p:cNvSpPr/>
-          <p:nvPr/>
-        </p:nvSpPr>
-        <p:spPr>
-          <a:xfrm>
-            <a:off x="2320446" y="828285"/>
-            <a:ext cx="1357460" cy="1046375"/>
-          </a:xfrm>
-          <a:prstGeom prst="rect">
-            <a:avLst/>
-          </a:prstGeom>
-        </p:spPr>
-        <p:style>
-          <a:lnRef idx="1">
-            <a:schemeClr val="accent6"/>
-          </a:lnRef>
-          <a:fillRef idx="3">
-            <a:schemeClr val="accent6"/>
-          </a:fillRef>
-          <a:effectRef idx="2">
-            <a:schemeClr val="accent6"/>
-          </a:effectRef>
-          <a:fontRef idx="minor">
-            <a:schemeClr val="lt1"/>
-          </a:fontRef>
-        </p:style>
-        <p:txBody>
-          <a:bodyPr rtlCol="0" anchor="ctr"/>
-          <a:lstStyle/>
-          <a:p>
-            <a:pPr algn="ctr"/>
-            <a:r>
-              <a:rPr lang="en-US"/>
-              <a:t>Power Automate</a:t>
-            </a:r>
-          </a:p>
-        </p:txBody>
-      </p:sp>
-      <p:sp>
-        <p:nvSpPr>
-          <p:cNvPr id="105" name="Rectangle 104">
-            <a:extLst>
-              <a:ext uri="{FF2B5EF4-FFF2-40B4-BE49-F238E27FC236}">
-                <a16:creationId xmlns:a16="http://schemas.microsoft.com/office/drawing/2014/main" id="{01245563-C544-9349-B464-C0DF6C169F68}"/>
-              </a:ext>
-            </a:extLst>
-          </p:cNvPr>
-          <p:cNvSpPr/>
-          <p:nvPr/>
-        </p:nvSpPr>
-        <p:spPr>
-          <a:xfrm>
-            <a:off x="4092009" y="828285"/>
-            <a:ext cx="1357460" cy="1046375"/>
-          </a:xfrm>
-          <a:prstGeom prst="rect">
-            <a:avLst/>
-          </a:prstGeom>
-        </p:spPr>
-        <p:style>
-          <a:lnRef idx="1">
-            <a:schemeClr val="accent6"/>
-          </a:lnRef>
-          <a:fillRef idx="3">
-            <a:schemeClr val="accent6"/>
-          </a:fillRef>
-          <a:effectRef idx="2">
-            <a:schemeClr val="accent6"/>
-          </a:effectRef>
-          <a:fontRef idx="minor">
-            <a:schemeClr val="lt1"/>
-          </a:fontRef>
-        </p:style>
-        <p:txBody>
-          <a:bodyPr rtlCol="0" anchor="ctr"/>
-          <a:lstStyle/>
-          <a:p>
-            <a:pPr algn="ctr"/>
-            <a:r>
-              <a:rPr lang="en-US" dirty="0"/>
-              <a:t>Azure Functions</a:t>
-            </a:r>
-          </a:p>
-        </p:txBody>
-      </p:sp>
-      <p:sp>
-        <p:nvSpPr>
-          <p:cNvPr id="111" name="Rectangle 110">
-            <a:extLst>
-              <a:ext uri="{FF2B5EF4-FFF2-40B4-BE49-F238E27FC236}">
-                <a16:creationId xmlns:a16="http://schemas.microsoft.com/office/drawing/2014/main" id="{4D2ACA7F-8CA3-1845-9309-4AE1FDBC68F5}"/>
-              </a:ext>
-            </a:extLst>
-          </p:cNvPr>
-          <p:cNvSpPr/>
-          <p:nvPr/>
-        </p:nvSpPr>
-        <p:spPr>
-          <a:xfrm>
-            <a:off x="5951937" y="828284"/>
-            <a:ext cx="1357460" cy="1046375"/>
-          </a:xfrm>
-          <a:prstGeom prst="rect">
-            <a:avLst/>
-          </a:prstGeom>
-        </p:spPr>
-        <p:style>
-          <a:lnRef idx="1">
-            <a:schemeClr val="accent6"/>
-          </a:lnRef>
-          <a:fillRef idx="3">
-            <a:schemeClr val="accent6"/>
-          </a:fillRef>
-          <a:effectRef idx="2">
-            <a:schemeClr val="accent6"/>
-          </a:effectRef>
-          <a:fontRef idx="minor">
-            <a:schemeClr val="lt1"/>
-          </a:fontRef>
-        </p:style>
-        <p:txBody>
-          <a:bodyPr rtlCol="0" anchor="ctr"/>
-          <a:lstStyle/>
-          <a:p>
-            <a:pPr algn="ctr"/>
-            <a:r>
-              <a:rPr lang="en-US"/>
-              <a:t>Azure </a:t>
-            </a:r>
-            <a:r>
-              <a:rPr lang="en-US" err="1"/>
-              <a:t>IoTHub</a:t>
-            </a:r>
-            <a:endParaRPr lang="en-US"/>
-          </a:p>
-        </p:txBody>
-      </p:sp>
-      <p:sp>
-        <p:nvSpPr>
-          <p:cNvPr id="113" name="Rectangle 112">
-            <a:extLst>
-              <a:ext uri="{FF2B5EF4-FFF2-40B4-BE49-F238E27FC236}">
-                <a16:creationId xmlns:a16="http://schemas.microsoft.com/office/drawing/2014/main" id="{D9A4F33A-21EF-6440-9AA7-C8B8D3241402}"/>
-              </a:ext>
-            </a:extLst>
-          </p:cNvPr>
-          <p:cNvSpPr/>
-          <p:nvPr/>
-        </p:nvSpPr>
-        <p:spPr>
-          <a:xfrm>
-            <a:off x="7946770" y="828284"/>
-            <a:ext cx="1357460" cy="1046375"/>
-          </a:xfrm>
-          <a:prstGeom prst="rect">
-            <a:avLst/>
-          </a:prstGeom>
-        </p:spPr>
-        <p:style>
-          <a:lnRef idx="1">
-            <a:schemeClr val="accent6"/>
-          </a:lnRef>
-          <a:fillRef idx="3">
-            <a:schemeClr val="accent6"/>
-          </a:fillRef>
-          <a:effectRef idx="2">
-            <a:schemeClr val="accent6"/>
-          </a:effectRef>
-          <a:fontRef idx="minor">
-            <a:schemeClr val="lt1"/>
-          </a:fontRef>
-        </p:style>
-        <p:txBody>
-          <a:bodyPr rtlCol="0" anchor="ctr"/>
-          <a:lstStyle/>
-          <a:p>
-            <a:pPr algn="ctr"/>
-            <a:r>
-              <a:rPr lang="en-US"/>
-              <a:t>Azure </a:t>
-            </a:r>
-            <a:r>
-              <a:rPr lang="en-US" err="1"/>
-              <a:t>IoTEdge</a:t>
-            </a:r>
-            <a:endParaRPr lang="en-US"/>
-          </a:p>
-        </p:txBody>
-      </p:sp>
-      <p:cxnSp>
-        <p:nvCxnSpPr>
-          <p:cNvPr id="133" name="Straight Arrow Connector 132">
-            <a:extLst>
-              <a:ext uri="{FF2B5EF4-FFF2-40B4-BE49-F238E27FC236}">
-                <a16:creationId xmlns:a16="http://schemas.microsoft.com/office/drawing/2014/main" id="{17568F8C-F4F0-DD41-B002-A89BFF7FBE2B}"/>
-              </a:ext>
-            </a:extLst>
-          </p:cNvPr>
-          <p:cNvCxnSpPr>
-            <a:cxnSpLocks/>
-            <a:stCxn id="104" idx="3"/>
-            <a:endCxn id="105" idx="1"/>
-          </p:cNvCxnSpPr>
-          <p:nvPr/>
-        </p:nvCxnSpPr>
-        <p:spPr>
-          <a:xfrm>
-            <a:off x="3677906" y="1351473"/>
-            <a:ext cx="414103" cy="0"/>
-          </a:xfrm>
-          <a:prstGeom prst="straightConnector1">
-            <a:avLst/>
-          </a:prstGeom>
-          <a:ln>
-            <a:tailEnd type="triangle"/>
-          </a:ln>
-        </p:spPr>
-        <p:style>
-          <a:lnRef idx="1">
-            <a:schemeClr val="accent1"/>
-          </a:lnRef>
-          <a:fillRef idx="0">
-            <a:schemeClr val="accent1"/>
-          </a:fillRef>
-          <a:effectRef idx="0">
-            <a:schemeClr val="accent1"/>
-          </a:effectRef>
-          <a:fontRef idx="minor">
-            <a:schemeClr val="tx1"/>
-          </a:fontRef>
-        </p:style>
-      </p:cxnSp>
-      <p:cxnSp>
-        <p:nvCxnSpPr>
-          <p:cNvPr id="143" name="Straight Arrow Connector 142">
-            <a:extLst>
-              <a:ext uri="{FF2B5EF4-FFF2-40B4-BE49-F238E27FC236}">
-                <a16:creationId xmlns:a16="http://schemas.microsoft.com/office/drawing/2014/main" id="{666BE9D8-1873-6B4B-97CB-2932028BF9A7}"/>
-              </a:ext>
-            </a:extLst>
-          </p:cNvPr>
-          <p:cNvCxnSpPr>
-            <a:cxnSpLocks/>
-            <a:stCxn id="105" idx="3"/>
-            <a:endCxn id="111" idx="1"/>
-          </p:cNvCxnSpPr>
-          <p:nvPr/>
-        </p:nvCxnSpPr>
-        <p:spPr>
-          <a:xfrm flipV="1">
-            <a:off x="5449469" y="1351472"/>
-            <a:ext cx="502468" cy="1"/>
-          </a:xfrm>
-          <a:prstGeom prst="straightConnector1">
-            <a:avLst/>
-          </a:prstGeom>
-          <a:ln>
-            <a:tailEnd type="triangle"/>
-          </a:ln>
-        </p:spPr>
-        <p:style>
-          <a:lnRef idx="1">
-            <a:schemeClr val="accent1"/>
-          </a:lnRef>
-          <a:fillRef idx="0">
-            <a:schemeClr val="accent1"/>
-          </a:fillRef>
-          <a:effectRef idx="0">
-            <a:schemeClr val="accent1"/>
-          </a:effectRef>
-          <a:fontRef idx="minor">
-            <a:schemeClr val="tx1"/>
-          </a:fontRef>
-        </p:style>
-      </p:cxnSp>
-      <p:cxnSp>
-        <p:nvCxnSpPr>
-          <p:cNvPr id="146" name="Straight Arrow Connector 145">
-            <a:extLst>
-              <a:ext uri="{FF2B5EF4-FFF2-40B4-BE49-F238E27FC236}">
-                <a16:creationId xmlns:a16="http://schemas.microsoft.com/office/drawing/2014/main" id="{E4A8619C-F2EE-1A4C-A42D-B379EF9F83CC}"/>
-              </a:ext>
-            </a:extLst>
-          </p:cNvPr>
-          <p:cNvCxnSpPr>
-            <a:cxnSpLocks/>
-            <a:stCxn id="111" idx="3"/>
-            <a:endCxn id="113" idx="1"/>
-          </p:cNvCxnSpPr>
-          <p:nvPr/>
-        </p:nvCxnSpPr>
-        <p:spPr>
-          <a:xfrm>
-            <a:off x="7309397" y="1351472"/>
-            <a:ext cx="637373" cy="0"/>
-          </a:xfrm>
-          <a:prstGeom prst="straightConnector1">
-            <a:avLst/>
-          </a:prstGeom>
-          <a:ln>
-            <a:tailEnd type="triangle"/>
-          </a:ln>
-        </p:spPr>
-        <p:style>
-          <a:lnRef idx="1">
-            <a:schemeClr val="accent1"/>
-          </a:lnRef>
-          <a:fillRef idx="0">
-            <a:schemeClr val="accent1"/>
-          </a:fillRef>
-          <a:effectRef idx="0">
-            <a:schemeClr val="accent1"/>
-          </a:effectRef>
-          <a:fontRef idx="minor">
-            <a:schemeClr val="tx1"/>
-          </a:fontRef>
-        </p:style>
-      </p:cxnSp>
-      <p:sp>
-        <p:nvSpPr>
-          <p:cNvPr id="23" name="Rectangle 22">
-            <a:extLst>
-              <a:ext uri="{FF2B5EF4-FFF2-40B4-BE49-F238E27FC236}">
-                <a16:creationId xmlns:a16="http://schemas.microsoft.com/office/drawing/2014/main" id="{4958BFAD-F318-E543-8EC8-DF12E9655A4E}"/>
-              </a:ext>
-            </a:extLst>
-          </p:cNvPr>
-          <p:cNvSpPr/>
-          <p:nvPr/>
-        </p:nvSpPr>
-        <p:spPr>
-          <a:xfrm>
-            <a:off x="5864848" y="2024705"/>
-            <a:ext cx="3439381" cy="646332"/>
-          </a:xfrm>
-          <a:prstGeom prst="rect">
-            <a:avLst/>
-          </a:prstGeom>
-        </p:spPr>
-        <p:style>
-          <a:lnRef idx="1">
-            <a:schemeClr val="accent6"/>
-          </a:lnRef>
-          <a:fillRef idx="3">
-            <a:schemeClr val="accent6"/>
-          </a:fillRef>
-          <a:effectRef idx="2">
-            <a:schemeClr val="accent6"/>
-          </a:effectRef>
-          <a:fontRef idx="minor">
-            <a:schemeClr val="lt1"/>
-          </a:fontRef>
-        </p:style>
-        <p:txBody>
-          <a:bodyPr rtlCol="0" anchor="ctr"/>
-          <a:lstStyle/>
-          <a:p>
-            <a:pPr algn="ctr"/>
-            <a:r>
-              <a:rPr lang="en-US"/>
-              <a:t>Module Direct Messaging</a:t>
-            </a:r>
-          </a:p>
-        </p:txBody>
-      </p:sp>
-      <p:cxnSp>
-        <p:nvCxnSpPr>
-          <p:cNvPr id="11" name="Elbow Connector 10">
-            <a:extLst>
-              <a:ext uri="{FF2B5EF4-FFF2-40B4-BE49-F238E27FC236}">
-                <a16:creationId xmlns:a16="http://schemas.microsoft.com/office/drawing/2014/main" id="{638D546D-3CB0-BA44-B507-E949DF097231}"/>
-              </a:ext>
-            </a:extLst>
-          </p:cNvPr>
-          <p:cNvCxnSpPr>
-            <a:cxnSpLocks/>
-            <a:stCxn id="83" idx="0"/>
-            <a:endCxn id="104" idx="1"/>
-          </p:cNvCxnSpPr>
-          <p:nvPr/>
-        </p:nvCxnSpPr>
-        <p:spPr>
-          <a:xfrm rot="5400000" flipH="1" flipV="1">
-            <a:off x="95780" y="2566019"/>
-            <a:ext cx="3439212" cy="1010120"/>
-          </a:xfrm>
-          <a:prstGeom prst="bentConnector2">
-            <a:avLst/>
-          </a:prstGeom>
-          <a:ln>
-            <a:tailEnd type="triangle"/>
-          </a:ln>
-        </p:spPr>
-        <p:style>
-          <a:lnRef idx="1">
-            <a:schemeClr val="accent1"/>
-          </a:lnRef>
-          <a:fillRef idx="0">
-            <a:schemeClr val="accent1"/>
-          </a:fillRef>
-          <a:effectRef idx="0">
-            <a:schemeClr val="accent1"/>
-          </a:effectRef>
-          <a:fontRef idx="minor">
-            <a:schemeClr val="tx1"/>
-          </a:fontRef>
-        </p:style>
-      </p:cxnSp>
-      <p:sp>
-        <p:nvSpPr>
-          <p:cNvPr id="16" name="TextBox 15">
-            <a:extLst>
-              <a:ext uri="{FF2B5EF4-FFF2-40B4-BE49-F238E27FC236}">
-                <a16:creationId xmlns:a16="http://schemas.microsoft.com/office/drawing/2014/main" id="{F957E312-27A8-1440-A93B-4AAD1531D6CA}"/>
-              </a:ext>
-            </a:extLst>
-          </p:cNvPr>
-          <p:cNvSpPr txBox="1"/>
-          <p:nvPr/>
-        </p:nvSpPr>
-        <p:spPr>
-          <a:xfrm>
-            <a:off x="6347867" y="2671037"/>
-            <a:ext cx="2473342" cy="646331"/>
-          </a:xfrm>
-          <a:prstGeom prst="rect">
-            <a:avLst/>
-          </a:prstGeom>
-          <a:noFill/>
-        </p:spPr>
-        <p:txBody>
-          <a:bodyPr wrap="square" rtlCol="0">
-            <a:spAutoFit/>
-          </a:bodyPr>
-          <a:lstStyle/>
-          <a:p>
-            <a:r>
-              <a:rPr lang="en-US" dirty="0"/>
-              <a:t>Media Graph Messaging</a:t>
-            </a:r>
-          </a:p>
-        </p:txBody>
-      </p:sp>
-      <p:sp>
-        <p:nvSpPr>
-          <p:cNvPr id="19" name="Oval 18">
-            <a:extLst>
-              <a:ext uri="{FF2B5EF4-FFF2-40B4-BE49-F238E27FC236}">
-                <a16:creationId xmlns:a16="http://schemas.microsoft.com/office/drawing/2014/main" id="{C13E54B6-718E-1D46-945E-06C8E16F4E49}"/>
-              </a:ext>
-            </a:extLst>
-          </p:cNvPr>
-          <p:cNvSpPr/>
-          <p:nvPr/>
-        </p:nvSpPr>
-        <p:spPr>
-          <a:xfrm>
-            <a:off x="660097" y="4273277"/>
-            <a:ext cx="1155289" cy="511628"/>
-          </a:xfrm>
-          <a:prstGeom prst="ellipse">
-            <a:avLst/>
-          </a:prstGeom>
-        </p:spPr>
-        <p:style>
-          <a:lnRef idx="2">
-            <a:schemeClr val="accent1">
-              <a:shade val="50000"/>
-            </a:schemeClr>
-          </a:lnRef>
-          <a:fillRef idx="1">
-            <a:schemeClr val="accent1"/>
-          </a:fillRef>
-          <a:effectRef idx="0">
-            <a:schemeClr val="accent1"/>
-          </a:effectRef>
-          <a:fontRef idx="minor">
-            <a:schemeClr val="lt1"/>
-          </a:fontRef>
-        </p:style>
-        <p:txBody>
-          <a:bodyPr rtlCol="0" anchor="ctr"/>
-          <a:lstStyle/>
-          <a:p>
-            <a:pPr algn="ctr"/>
-            <a:r>
-              <a:rPr lang="en-US" dirty="0"/>
-              <a:t>Button</a:t>
-            </a:r>
-          </a:p>
-        </p:txBody>
-      </p:sp>
-    </p:spTree>
-    <p:extLst>
-      <p:ext uri="{BB962C8B-B14F-4D97-AF65-F5344CB8AC3E}">
-        <p14:creationId xmlns:p14="http://schemas.microsoft.com/office/powerpoint/2010/main" val="3618630509"/>
-      </p:ext>
-    </p:extLst>
-  </p:cSld>
-  <p:clrMapOvr>
-    <a:masterClrMapping/>
-  </p:clrMapOvr>
-</p:sld>
-</file>
-
 <file path=ppt/slides/slide2.xml><?xml version="1.0" encoding="utf-8"?>
 <p:sld xmlns:a="http://schemas.openxmlformats.org/drawingml/2006/main" xmlns:r="http://schemas.openxmlformats.org/officeDocument/2006/relationships" xmlns:p="http://schemas.openxmlformats.org/presentationml/2006/main">
   <p:cSld>
@@ -8872,7 +8205,7 @@
         </p:nvSpPr>
         <p:spPr>
           <a:xfrm>
-            <a:off x="3749039" y="5209215"/>
+            <a:off x="3768289" y="4901207"/>
             <a:ext cx="2097187" cy="1532593"/>
           </a:xfrm>
           <a:prstGeom prst="rect">
@@ -8921,7 +8254,7 @@
         </p:nvSpPr>
         <p:spPr>
           <a:xfrm>
-            <a:off x="11287760" y="629920"/>
+            <a:off x="11307010" y="321912"/>
             <a:ext cx="680720" cy="599440"/>
           </a:xfrm>
           <a:prstGeom prst="rect">
@@ -8970,7 +8303,7 @@
         </p:nvSpPr>
         <p:spPr>
           <a:xfrm>
-            <a:off x="11287760" y="1341120"/>
+            <a:off x="11307010" y="1033112"/>
             <a:ext cx="680720" cy="599440"/>
           </a:xfrm>
           <a:prstGeom prst="rect">
@@ -9019,7 +8352,7 @@
         </p:nvSpPr>
         <p:spPr>
           <a:xfrm>
-            <a:off x="11287760" y="2052320"/>
+            <a:off x="11307010" y="1744312"/>
             <a:ext cx="680720" cy="599440"/>
           </a:xfrm>
           <a:prstGeom prst="rect">
@@ -9068,7 +8401,7 @@
         </p:nvSpPr>
         <p:spPr>
           <a:xfrm>
-            <a:off x="11287760" y="2763520"/>
+            <a:off x="11307010" y="2455512"/>
             <a:ext cx="680720" cy="599440"/>
           </a:xfrm>
           <a:prstGeom prst="rect">
@@ -9117,7 +8450,7 @@
         </p:nvSpPr>
         <p:spPr>
           <a:xfrm>
-            <a:off x="11287760" y="3474720"/>
+            <a:off x="11307010" y="3166712"/>
             <a:ext cx="680720" cy="599440"/>
           </a:xfrm>
           <a:prstGeom prst="rect">
@@ -9166,7 +8499,7 @@
         </p:nvSpPr>
         <p:spPr>
           <a:xfrm>
-            <a:off x="11287760" y="4185920"/>
+            <a:off x="11307010" y="3877912"/>
             <a:ext cx="680720" cy="599440"/>
           </a:xfrm>
           <a:prstGeom prst="rect">
@@ -9215,7 +8548,7 @@
         </p:nvSpPr>
         <p:spPr>
           <a:xfrm>
-            <a:off x="11287760" y="4897120"/>
+            <a:off x="11307010" y="4589112"/>
             <a:ext cx="680720" cy="599440"/>
           </a:xfrm>
           <a:prstGeom prst="rect">
@@ -9264,7 +8597,7 @@
         </p:nvSpPr>
         <p:spPr>
           <a:xfrm>
-            <a:off x="11287760" y="5608320"/>
+            <a:off x="11307010" y="5300312"/>
             <a:ext cx="680720" cy="599440"/>
           </a:xfrm>
           <a:prstGeom prst="rect">
@@ -9313,7 +8646,7 @@
         </p:nvSpPr>
         <p:spPr>
           <a:xfrm>
-            <a:off x="11165840" y="711200"/>
+            <a:off x="11185090" y="403192"/>
             <a:ext cx="680720" cy="599440"/>
           </a:xfrm>
           <a:prstGeom prst="rect">
@@ -9362,7 +8695,7 @@
         </p:nvSpPr>
         <p:spPr>
           <a:xfrm>
-            <a:off x="11165840" y="1422400"/>
+            <a:off x="11185090" y="1114392"/>
             <a:ext cx="680720" cy="599440"/>
           </a:xfrm>
           <a:prstGeom prst="rect">
@@ -9411,7 +8744,7 @@
         </p:nvSpPr>
         <p:spPr>
           <a:xfrm>
-            <a:off x="11165840" y="2133600"/>
+            <a:off x="11185090" y="1825592"/>
             <a:ext cx="680720" cy="599440"/>
           </a:xfrm>
           <a:prstGeom prst="rect">
@@ -9460,7 +8793,7 @@
         </p:nvSpPr>
         <p:spPr>
           <a:xfrm>
-            <a:off x="11165840" y="2844800"/>
+            <a:off x="11185090" y="2536792"/>
             <a:ext cx="680720" cy="599440"/>
           </a:xfrm>
           <a:prstGeom prst="rect">
@@ -9509,7 +8842,7 @@
         </p:nvSpPr>
         <p:spPr>
           <a:xfrm>
-            <a:off x="11165840" y="3556000"/>
+            <a:off x="11185090" y="3247992"/>
             <a:ext cx="680720" cy="599440"/>
           </a:xfrm>
           <a:prstGeom prst="rect">
@@ -9558,7 +8891,7 @@
         </p:nvSpPr>
         <p:spPr>
           <a:xfrm>
-            <a:off x="11165840" y="4267200"/>
+            <a:off x="11185090" y="3959192"/>
             <a:ext cx="680720" cy="599440"/>
           </a:xfrm>
           <a:prstGeom prst="rect">
@@ -9607,7 +8940,7 @@
         </p:nvSpPr>
         <p:spPr>
           <a:xfrm>
-            <a:off x="11165840" y="4978400"/>
+            <a:off x="11185090" y="4670392"/>
             <a:ext cx="680720" cy="599440"/>
           </a:xfrm>
           <a:prstGeom prst="rect">
@@ -9656,7 +8989,7 @@
         </p:nvSpPr>
         <p:spPr>
           <a:xfrm>
-            <a:off x="11165840" y="5689600"/>
+            <a:off x="11185090" y="5381592"/>
             <a:ext cx="680720" cy="599440"/>
           </a:xfrm>
           <a:prstGeom prst="rect">
@@ -9705,7 +9038,7 @@
         </p:nvSpPr>
         <p:spPr>
           <a:xfrm>
-            <a:off x="11064240" y="782320"/>
+            <a:off x="11083490" y="474312"/>
             <a:ext cx="680720" cy="599440"/>
           </a:xfrm>
           <a:prstGeom prst="rect">
@@ -9754,7 +9087,7 @@
         </p:nvSpPr>
         <p:spPr>
           <a:xfrm>
-            <a:off x="11064240" y="1493520"/>
+            <a:off x="11083490" y="1185512"/>
             <a:ext cx="680720" cy="599440"/>
           </a:xfrm>
           <a:prstGeom prst="rect">
@@ -9803,7 +9136,7 @@
         </p:nvSpPr>
         <p:spPr>
           <a:xfrm>
-            <a:off x="11064240" y="2204720"/>
+            <a:off x="11083490" y="1896712"/>
             <a:ext cx="680720" cy="599440"/>
           </a:xfrm>
           <a:prstGeom prst="rect">
@@ -9852,7 +9185,7 @@
         </p:nvSpPr>
         <p:spPr>
           <a:xfrm>
-            <a:off x="11064240" y="2915920"/>
+            <a:off x="11083490" y="2607912"/>
             <a:ext cx="680720" cy="599440"/>
           </a:xfrm>
           <a:prstGeom prst="rect">
@@ -9901,7 +9234,7 @@
         </p:nvSpPr>
         <p:spPr>
           <a:xfrm>
-            <a:off x="11064240" y="3627120"/>
+            <a:off x="11083490" y="3319112"/>
             <a:ext cx="680720" cy="599440"/>
           </a:xfrm>
           <a:prstGeom prst="rect">
@@ -9950,7 +9283,7 @@
         </p:nvSpPr>
         <p:spPr>
           <a:xfrm>
-            <a:off x="11064240" y="4338320"/>
+            <a:off x="11083490" y="4030312"/>
             <a:ext cx="680720" cy="599440"/>
           </a:xfrm>
           <a:prstGeom prst="rect">
@@ -9999,7 +9332,7 @@
         </p:nvSpPr>
         <p:spPr>
           <a:xfrm>
-            <a:off x="11064240" y="5049520"/>
+            <a:off x="11083490" y="4741512"/>
             <a:ext cx="680720" cy="599440"/>
           </a:xfrm>
           <a:prstGeom prst="rect">
@@ -10048,7 +9381,7 @@
         </p:nvSpPr>
         <p:spPr>
           <a:xfrm>
-            <a:off x="11064240" y="5760720"/>
+            <a:off x="11083490" y="5452712"/>
             <a:ext cx="680720" cy="599440"/>
           </a:xfrm>
           <a:prstGeom prst="rect">
@@ -10097,7 +9430,7 @@
         </p:nvSpPr>
         <p:spPr>
           <a:xfrm>
-            <a:off x="10942320" y="863600"/>
+            <a:off x="10961570" y="555592"/>
             <a:ext cx="680720" cy="599440"/>
           </a:xfrm>
           <a:prstGeom prst="rect">
@@ -10146,7 +9479,7 @@
         </p:nvSpPr>
         <p:spPr>
           <a:xfrm>
-            <a:off x="10942320" y="1574800"/>
+            <a:off x="10961570" y="1266792"/>
             <a:ext cx="680720" cy="599440"/>
           </a:xfrm>
           <a:prstGeom prst="rect">
@@ -10195,7 +9528,7 @@
         </p:nvSpPr>
         <p:spPr>
           <a:xfrm>
-            <a:off x="10942320" y="2286000"/>
+            <a:off x="10961570" y="1977992"/>
             <a:ext cx="680720" cy="599440"/>
           </a:xfrm>
           <a:prstGeom prst="rect">
@@ -10244,7 +9577,7 @@
         </p:nvSpPr>
         <p:spPr>
           <a:xfrm>
-            <a:off x="10942320" y="2997200"/>
+            <a:off x="10961570" y="2689192"/>
             <a:ext cx="680720" cy="599440"/>
           </a:xfrm>
           <a:prstGeom prst="rect">
@@ -10293,7 +9626,7 @@
         </p:nvSpPr>
         <p:spPr>
           <a:xfrm>
-            <a:off x="10942320" y="3708400"/>
+            <a:off x="10961570" y="3400392"/>
             <a:ext cx="680720" cy="599440"/>
           </a:xfrm>
           <a:prstGeom prst="rect">
@@ -10342,7 +9675,7 @@
         </p:nvSpPr>
         <p:spPr>
           <a:xfrm>
-            <a:off x="10942320" y="4419600"/>
+            <a:off x="10961570" y="4111592"/>
             <a:ext cx="680720" cy="599440"/>
           </a:xfrm>
           <a:prstGeom prst="rect">
@@ -10391,7 +9724,7 @@
         </p:nvSpPr>
         <p:spPr>
           <a:xfrm>
-            <a:off x="10942320" y="5130800"/>
+            <a:off x="10961570" y="4822792"/>
             <a:ext cx="680720" cy="599440"/>
           </a:xfrm>
           <a:prstGeom prst="rect">
@@ -10440,7 +9773,7 @@
         </p:nvSpPr>
         <p:spPr>
           <a:xfrm>
-            <a:off x="10942320" y="5842000"/>
+            <a:off x="10961570" y="5533992"/>
             <a:ext cx="680720" cy="599440"/>
           </a:xfrm>
           <a:prstGeom prst="rect">
@@ -10489,7 +9822,7 @@
         </p:nvSpPr>
         <p:spPr>
           <a:xfrm>
-            <a:off x="3749040" y="3393440"/>
+            <a:off x="3768290" y="3085432"/>
             <a:ext cx="2103120" cy="965200"/>
           </a:xfrm>
           <a:prstGeom prst="rect">
@@ -10538,7 +9871,7 @@
         </p:nvSpPr>
         <p:spPr>
           <a:xfrm>
-            <a:off x="6492240" y="3393440"/>
+            <a:off x="6511490" y="3085432"/>
             <a:ext cx="2499360" cy="965200"/>
           </a:xfrm>
           <a:prstGeom prst="rect">
@@ -10587,7 +9920,7 @@
         </p:nvSpPr>
         <p:spPr>
           <a:xfrm>
-            <a:off x="10789920" y="924560"/>
+            <a:off x="10809170" y="616552"/>
             <a:ext cx="680720" cy="599440"/>
           </a:xfrm>
           <a:prstGeom prst="rect">
@@ -10636,7 +9969,7 @@
         </p:nvSpPr>
         <p:spPr>
           <a:xfrm>
-            <a:off x="10789920" y="1635760"/>
+            <a:off x="10809170" y="1327752"/>
             <a:ext cx="680720" cy="599440"/>
           </a:xfrm>
           <a:prstGeom prst="rect">
@@ -10685,7 +10018,7 @@
         </p:nvSpPr>
         <p:spPr>
           <a:xfrm>
-            <a:off x="10789920" y="2346960"/>
+            <a:off x="10809170" y="2038952"/>
             <a:ext cx="680720" cy="599440"/>
           </a:xfrm>
           <a:prstGeom prst="rect">
@@ -10734,7 +10067,7 @@
         </p:nvSpPr>
         <p:spPr>
           <a:xfrm>
-            <a:off x="10789920" y="3058160"/>
+            <a:off x="10809170" y="2750152"/>
             <a:ext cx="680720" cy="599440"/>
           </a:xfrm>
           <a:prstGeom prst="rect">
@@ -10783,7 +10116,7 @@
         </p:nvSpPr>
         <p:spPr>
           <a:xfrm>
-            <a:off x="10789920" y="3769360"/>
+            <a:off x="10809170" y="3461352"/>
             <a:ext cx="680720" cy="599440"/>
           </a:xfrm>
           <a:prstGeom prst="rect">
@@ -10832,7 +10165,7 @@
         </p:nvSpPr>
         <p:spPr>
           <a:xfrm>
-            <a:off x="10789920" y="4480560"/>
+            <a:off x="10809170" y="4172552"/>
             <a:ext cx="680720" cy="599440"/>
           </a:xfrm>
           <a:prstGeom prst="rect">
@@ -10881,7 +10214,7 @@
         </p:nvSpPr>
         <p:spPr>
           <a:xfrm>
-            <a:off x="10789920" y="5191760"/>
+            <a:off x="10809170" y="4883752"/>
             <a:ext cx="680720" cy="599440"/>
           </a:xfrm>
           <a:prstGeom prst="rect">
@@ -10930,7 +10263,7 @@
         </p:nvSpPr>
         <p:spPr>
           <a:xfrm>
-            <a:off x="10789920" y="5902960"/>
+            <a:off x="10809170" y="5594952"/>
             <a:ext cx="680720" cy="599440"/>
           </a:xfrm>
           <a:prstGeom prst="rect">
@@ -10983,7 +10316,7 @@
         </p:nvCxnSpPr>
         <p:spPr>
           <a:xfrm flipV="1">
-            <a:off x="8991600" y="1224280"/>
+            <a:off x="9010850" y="916272"/>
             <a:ext cx="1798320" cy="2651760"/>
           </a:xfrm>
           <a:prstGeom prst="line">
@@ -11023,7 +10356,7 @@
         </p:nvCxnSpPr>
         <p:spPr>
           <a:xfrm flipV="1">
-            <a:off x="8991600" y="1935480"/>
+            <a:off x="9010850" y="1627472"/>
             <a:ext cx="1798320" cy="1940560"/>
           </a:xfrm>
           <a:prstGeom prst="line">
@@ -11063,7 +10396,7 @@
         </p:nvCxnSpPr>
         <p:spPr>
           <a:xfrm flipV="1">
-            <a:off x="8991600" y="2646680"/>
+            <a:off x="9010850" y="2338672"/>
             <a:ext cx="1798320" cy="1229360"/>
           </a:xfrm>
           <a:prstGeom prst="line">
@@ -11103,7 +10436,7 @@
         </p:nvCxnSpPr>
         <p:spPr>
           <a:xfrm flipV="1">
-            <a:off x="8991600" y="3357880"/>
+            <a:off x="9010850" y="3049872"/>
             <a:ext cx="1798320" cy="518160"/>
           </a:xfrm>
           <a:prstGeom prst="line">
@@ -11143,7 +10476,7 @@
         </p:nvCxnSpPr>
         <p:spPr>
           <a:xfrm>
-            <a:off x="8991600" y="3876040"/>
+            <a:off x="9010850" y="3568032"/>
             <a:ext cx="1798320" cy="193040"/>
           </a:xfrm>
           <a:prstGeom prst="line">
@@ -11183,7 +10516,7 @@
         </p:nvCxnSpPr>
         <p:spPr>
           <a:xfrm>
-            <a:off x="8991600" y="3876040"/>
+            <a:off x="9010850" y="3568032"/>
             <a:ext cx="1798320" cy="904240"/>
           </a:xfrm>
           <a:prstGeom prst="line">
@@ -11223,7 +10556,7 @@
         </p:nvCxnSpPr>
         <p:spPr>
           <a:xfrm>
-            <a:off x="8991600" y="3876040"/>
+            <a:off x="9010850" y="3568032"/>
             <a:ext cx="1798320" cy="1615440"/>
           </a:xfrm>
           <a:prstGeom prst="line">
@@ -11263,7 +10596,7 @@
         </p:nvCxnSpPr>
         <p:spPr>
           <a:xfrm>
-            <a:off x="8991600" y="3876040"/>
+            <a:off x="9010850" y="3568032"/>
             <a:ext cx="1798320" cy="2326640"/>
           </a:xfrm>
           <a:prstGeom prst="line">
@@ -11299,8 +10632,8 @@
         </p:nvSpPr>
         <p:spPr>
           <a:xfrm>
-            <a:off x="3695273" y="4382254"/>
-            <a:ext cx="2387600" cy="369332"/>
+            <a:off x="3803850" y="3716321"/>
+            <a:ext cx="2097187" cy="276999"/>
           </a:xfrm>
           <a:prstGeom prst="rect">
             <a:avLst/>
@@ -11313,8 +10646,13 @@
           </a:bodyPr>
           <a:lstStyle/>
           <a:p>
-            <a:r>
-              <a:rPr lang="en-US" dirty="0"/>
+            <a:pPr algn="ctr"/>
+            <a:r>
+              <a:rPr lang="en-US" sz="1200" dirty="0">
+                <a:solidFill>
+                  <a:schemeClr val="bg1"/>
+                </a:solidFill>
+              </a:rPr>
               <a:t>Azure IoT Service SDK</a:t>
             </a:r>
           </a:p>
@@ -11342,7 +10680,7 @@
         </p:blipFill>
         <p:spPr>
           <a:xfrm>
-            <a:off x="219295" y="2174240"/>
+            <a:off x="229238" y="1525872"/>
             <a:ext cx="2487491" cy="4084320"/>
           </a:xfrm>
           <a:prstGeom prst="rect">
@@ -11367,7 +10705,7 @@
         </p:nvCxnSpPr>
         <p:spPr>
           <a:xfrm>
-            <a:off x="2706786" y="3876040"/>
+            <a:off x="2726036" y="3568032"/>
             <a:ext cx="1042254" cy="0"/>
           </a:xfrm>
           <a:prstGeom prst="straightConnector1">
@@ -11406,7 +10744,7 @@
         </p:nvSpPr>
         <p:spPr>
           <a:xfrm>
-            <a:off x="2743200" y="3523734"/>
+            <a:off x="2762450" y="3215726"/>
             <a:ext cx="741680" cy="369332"/>
           </a:xfrm>
           <a:prstGeom prst="rect">
@@ -11445,7 +10783,7 @@
         </p:nvCxnSpPr>
         <p:spPr>
           <a:xfrm>
-            <a:off x="5852160" y="3876040"/>
+            <a:off x="5871410" y="3568032"/>
             <a:ext cx="640080" cy="0"/>
           </a:xfrm>
           <a:prstGeom prst="straightConnector1">
@@ -11472,10 +10810,10 @@
       </p:cxnSp>
       <p:sp>
         <p:nvSpPr>
-          <p:cNvPr id="159" name="Double Brace 158">
-            <a:extLst>
-              <a:ext uri="{FF2B5EF4-FFF2-40B4-BE49-F238E27FC236}">
-                <a16:creationId xmlns:a16="http://schemas.microsoft.com/office/drawing/2014/main" id="{FF32F5CA-1D9B-DC49-B286-AF64CDBEACFE}"/>
+          <p:cNvPr id="160" name="Double Brace 159">
+            <a:extLst>
+              <a:ext uri="{FF2B5EF4-FFF2-40B4-BE49-F238E27FC236}">
+                <a16:creationId xmlns:a16="http://schemas.microsoft.com/office/drawing/2014/main" id="{E0CE6AE5-058B-4E47-BE11-923AB4F3D663}"/>
               </a:ext>
             </a:extLst>
           </p:cNvPr>
@@ -11484,7 +10822,7 @@
         </p:nvSpPr>
         <p:spPr>
           <a:xfrm>
-            <a:off x="4023173" y="5594165"/>
+            <a:off x="4941744" y="5531556"/>
             <a:ext cx="693019" cy="497841"/>
           </a:xfrm>
           <a:prstGeom prst="bracePair">
@@ -11517,17 +10855,17 @@
             <a:pPr algn="ctr"/>
             <a:r>
               <a:rPr lang="en-US" sz="1200" dirty="0"/>
-              <a:t>alledges</a:t>
-            </a:r>
-          </a:p>
-        </p:txBody>
-      </p:sp>
-      <p:sp>
-        <p:nvSpPr>
-          <p:cNvPr id="160" name="Double Brace 159">
-            <a:extLst>
-              <a:ext uri="{FF2B5EF4-FFF2-40B4-BE49-F238E27FC236}">
-                <a16:creationId xmlns:a16="http://schemas.microsoft.com/office/drawing/2014/main" id="{E0CE6AE5-058B-4E47-BE11-923AB4F3D663}"/>
+              <a:t>allmodules</a:t>
+            </a:r>
+          </a:p>
+        </p:txBody>
+      </p:sp>
+      <p:sp>
+        <p:nvSpPr>
+          <p:cNvPr id="166" name="Double Brace 165">
+            <a:extLst>
+              <a:ext uri="{FF2B5EF4-FFF2-40B4-BE49-F238E27FC236}">
+                <a16:creationId xmlns:a16="http://schemas.microsoft.com/office/drawing/2014/main" id="{29149029-3285-F84F-BDFA-1B44BF5A78DB}"/>
               </a:ext>
             </a:extLst>
           </p:cNvPr>
@@ -11536,7 +10874,7 @@
         </p:nvSpPr>
         <p:spPr>
           <a:xfrm>
-            <a:off x="4974554" y="5593079"/>
+            <a:off x="4013976" y="5541715"/>
             <a:ext cx="693019" cy="497841"/>
           </a:xfrm>
           <a:prstGeom prst="bracePair">
@@ -11569,58 +10907,6 @@
             <a:pPr algn="ctr"/>
             <a:r>
               <a:rPr lang="en-US" sz="1200" dirty="0"/>
-              <a:t>allmodules</a:t>
-            </a:r>
-          </a:p>
-        </p:txBody>
-      </p:sp>
-      <p:sp>
-        <p:nvSpPr>
-          <p:cNvPr id="166" name="Double Brace 165">
-            <a:extLst>
-              <a:ext uri="{FF2B5EF4-FFF2-40B4-BE49-F238E27FC236}">
-                <a16:creationId xmlns:a16="http://schemas.microsoft.com/office/drawing/2014/main" id="{29149029-3285-F84F-BDFA-1B44BF5A78DB}"/>
-              </a:ext>
-            </a:extLst>
-          </p:cNvPr>
-          <p:cNvSpPr/>
-          <p:nvPr/>
-        </p:nvSpPr>
-        <p:spPr>
-          <a:xfrm>
-            <a:off x="4493290" y="6202679"/>
-            <a:ext cx="693019" cy="497841"/>
-          </a:xfrm>
-          <a:prstGeom prst="bracePair">
-            <a:avLst/>
-          </a:prstGeom>
-          <a:ln>
-            <a:solidFill>
-              <a:schemeClr val="bg1"/>
-            </a:solidFill>
-          </a:ln>
-        </p:spPr>
-        <p:style>
-          <a:lnRef idx="1">
-            <a:schemeClr val="accent1"/>
-          </a:lnRef>
-          <a:fillRef idx="0">
-            <a:schemeClr val="accent1"/>
-          </a:fillRef>
-          <a:effectRef idx="0">
-            <a:schemeClr val="accent1"/>
-          </a:effectRef>
-          <a:fontRef idx="minor">
-            <a:schemeClr val="tx1"/>
-          </a:fontRef>
-        </p:style>
-        <p:txBody>
-          <a:bodyPr wrap="none" rtlCol="0" anchor="ctr"/>
-          <a:lstStyle/>
-          <a:p>
-            <a:pPr algn="ctr"/>
-            <a:r>
-              <a:rPr lang="en-US" sz="1200" dirty="0"/>
               <a:t>manifest</a:t>
             </a:r>
           </a:p>
@@ -11643,7 +10929,7 @@
         </p:nvCxnSpPr>
         <p:spPr>
           <a:xfrm flipH="1">
-            <a:off x="4797633" y="4358640"/>
+            <a:off x="4816883" y="4050632"/>
             <a:ext cx="2967" cy="850575"/>
           </a:xfrm>
           <a:prstGeom prst="line">
@@ -15183,10 +14469,10 @@
       </p:grpSpPr>
       <p:sp>
         <p:nvSpPr>
-          <p:cNvPr id="53" name="Rectangle 52">
-            <a:extLst>
-              <a:ext uri="{FF2B5EF4-FFF2-40B4-BE49-F238E27FC236}">
-                <a16:creationId xmlns:a16="http://schemas.microsoft.com/office/drawing/2014/main" id="{7766CB01-0F58-3F42-B03A-4A37BD3094E1}"/>
+          <p:cNvPr id="4" name="Rectangle 3">
+            <a:extLst>
+              <a:ext uri="{FF2B5EF4-FFF2-40B4-BE49-F238E27FC236}">
+                <a16:creationId xmlns:a16="http://schemas.microsoft.com/office/drawing/2014/main" id="{BB536057-D3D8-804D-8C2E-480A1344C6A5}"/>
               </a:ext>
             </a:extLst>
           </p:cNvPr>
@@ -15195,3878 +14481,42 @@
         </p:nvSpPr>
         <p:spPr>
           <a:xfrm>
-            <a:off x="1676398" y="1866834"/>
-            <a:ext cx="3374573" cy="2524643"/>
-          </a:xfrm>
-          <a:prstGeom prst="rect">
-            <a:avLst/>
-          </a:prstGeom>
-          <a:noFill/>
-          <a:ln w="28575">
-            <a:solidFill>
-              <a:schemeClr val="tx1"/>
-            </a:solidFill>
-          </a:ln>
-        </p:spPr>
-        <p:style>
-          <a:lnRef idx="2">
-            <a:schemeClr val="accent1">
-              <a:shade val="50000"/>
-            </a:schemeClr>
-          </a:lnRef>
-          <a:fillRef idx="1">
-            <a:schemeClr val="accent1"/>
-          </a:fillRef>
-          <a:effectRef idx="0">
-            <a:schemeClr val="accent1"/>
-          </a:effectRef>
-          <a:fontRef idx="minor">
-            <a:schemeClr val="lt1"/>
-          </a:fontRef>
-        </p:style>
-        <p:txBody>
-          <a:bodyPr rtlCol="0" anchor="ctr"/>
-          <a:lstStyle/>
-          <a:p>
-            <a:pPr algn="ctr"/>
-            <a:endParaRPr lang="en-US"/>
-          </a:p>
-        </p:txBody>
-      </p:sp>
-      <p:pic>
-        <p:nvPicPr>
-          <p:cNvPr id="14" name="Graphic 13" descr="Web cam">
-            <a:extLst>
-              <a:ext uri="{FF2B5EF4-FFF2-40B4-BE49-F238E27FC236}">
-                <a16:creationId xmlns:a16="http://schemas.microsoft.com/office/drawing/2014/main" id="{E0541165-E28F-9543-866C-920E2194A474}"/>
-              </a:ext>
-            </a:extLst>
-          </p:cNvPr>
-          <p:cNvPicPr>
-            <a:picLocks noChangeAspect="1"/>
-          </p:cNvPicPr>
-          <p:nvPr/>
-        </p:nvPicPr>
-        <p:blipFill>
-          <a:blip r:embed="rId2">
-            <a:extLst>
-              <a:ext uri="{96DAC541-7B7A-43D3-8B79-37D633B846F1}">
-                <asvg:svgBlip xmlns:asvg="http://schemas.microsoft.com/office/drawing/2016/SVG/main" r:embed="rId3"/>
-              </a:ext>
-            </a:extLst>
-          </a:blip>
-          <a:stretch>
-            <a:fillRect/>
-          </a:stretch>
-        </p:blipFill>
-        <p:spPr>
-          <a:xfrm>
-            <a:off x="3777342" y="489177"/>
-            <a:ext cx="914400" cy="914400"/>
-          </a:xfrm>
-          <a:prstGeom prst="rect">
-            <a:avLst/>
-          </a:prstGeom>
-        </p:spPr>
-      </p:pic>
-      <p:pic>
-        <p:nvPicPr>
-          <p:cNvPr id="16" name="Graphic 15" descr="Television">
-            <a:extLst>
-              <a:ext uri="{FF2B5EF4-FFF2-40B4-BE49-F238E27FC236}">
-                <a16:creationId xmlns:a16="http://schemas.microsoft.com/office/drawing/2014/main" id="{B7115815-860D-5D44-A7C8-0E71AC66F1FF}"/>
-              </a:ext>
-            </a:extLst>
-          </p:cNvPr>
-          <p:cNvPicPr>
-            <a:picLocks noChangeAspect="1"/>
-          </p:cNvPicPr>
-          <p:nvPr/>
-        </p:nvPicPr>
-        <p:blipFill>
-          <a:blip r:embed="rId4">
-            <a:extLst>
-              <a:ext uri="{96DAC541-7B7A-43D3-8B79-37D633B846F1}">
-                <asvg:svgBlip xmlns:asvg="http://schemas.microsoft.com/office/drawing/2016/SVG/main" r:embed="rId5"/>
-              </a:ext>
-            </a:extLst>
-          </a:blip>
-          <a:stretch>
-            <a:fillRect/>
-          </a:stretch>
-        </p:blipFill>
-        <p:spPr>
-          <a:xfrm>
-            <a:off x="2100943" y="524985"/>
-            <a:ext cx="914400" cy="914400"/>
-          </a:xfrm>
-          <a:prstGeom prst="rect">
-            <a:avLst/>
-          </a:prstGeom>
-        </p:spPr>
-      </p:pic>
-      <p:cxnSp>
-        <p:nvCxnSpPr>
-          <p:cNvPr id="18" name="Straight Arrow Connector 17">
-            <a:extLst>
-              <a:ext uri="{FF2B5EF4-FFF2-40B4-BE49-F238E27FC236}">
-                <a16:creationId xmlns:a16="http://schemas.microsoft.com/office/drawing/2014/main" id="{C9604C92-E738-DD47-BBBE-5834534C3EB5}"/>
-              </a:ext>
-            </a:extLst>
-          </p:cNvPr>
-          <p:cNvCxnSpPr>
-            <a:cxnSpLocks/>
-            <a:stCxn id="14" idx="2"/>
-          </p:cNvCxnSpPr>
-          <p:nvPr/>
-        </p:nvCxnSpPr>
-        <p:spPr>
-          <a:xfrm>
-            <a:off x="4234542" y="1403577"/>
-            <a:ext cx="1" cy="707814"/>
-          </a:xfrm>
-          <a:prstGeom prst="straightConnector1">
-            <a:avLst/>
-          </a:prstGeom>
-          <a:ln w="28575">
-            <a:tailEnd type="triangle"/>
-          </a:ln>
-        </p:spPr>
-        <p:style>
-          <a:lnRef idx="1">
-            <a:schemeClr val="accent1"/>
-          </a:lnRef>
-          <a:fillRef idx="0">
-            <a:schemeClr val="accent1"/>
-          </a:fillRef>
-          <a:effectRef idx="0">
-            <a:schemeClr val="accent1"/>
-          </a:effectRef>
-          <a:fontRef idx="minor">
-            <a:schemeClr val="tx1"/>
-          </a:fontRef>
-        </p:style>
-      </p:cxnSp>
-      <p:pic>
-        <p:nvPicPr>
-          <p:cNvPr id="23" name="Graphic 22" descr="User">
-            <a:extLst>
-              <a:ext uri="{FF2B5EF4-FFF2-40B4-BE49-F238E27FC236}">
-                <a16:creationId xmlns:a16="http://schemas.microsoft.com/office/drawing/2014/main" id="{9135233C-1805-2D4A-B962-15E657A055F6}"/>
-              </a:ext>
-            </a:extLst>
-          </p:cNvPr>
-          <p:cNvPicPr>
-            <a:picLocks noChangeAspect="1"/>
-          </p:cNvPicPr>
-          <p:nvPr/>
-        </p:nvPicPr>
-        <p:blipFill>
-          <a:blip r:embed="rId6">
-            <a:extLst>
-              <a:ext uri="{96DAC541-7B7A-43D3-8B79-37D633B846F1}">
-                <asvg:svgBlip xmlns:asvg="http://schemas.microsoft.com/office/drawing/2016/SVG/main" r:embed="rId7"/>
-              </a:ext>
-            </a:extLst>
-          </a:blip>
-          <a:stretch>
-            <a:fillRect/>
-          </a:stretch>
-        </p:blipFill>
-        <p:spPr>
-          <a:xfrm>
-            <a:off x="11138439" y="106875"/>
-            <a:ext cx="914400" cy="914400"/>
-          </a:xfrm>
-          <a:prstGeom prst="rect">
-            <a:avLst/>
-          </a:prstGeom>
-        </p:spPr>
-      </p:pic>
-      <p:cxnSp>
-        <p:nvCxnSpPr>
-          <p:cNvPr id="37" name="Straight Arrow Connector 36">
-            <a:extLst>
-              <a:ext uri="{FF2B5EF4-FFF2-40B4-BE49-F238E27FC236}">
-                <a16:creationId xmlns:a16="http://schemas.microsoft.com/office/drawing/2014/main" id="{BF764286-17DF-D241-AE81-BA25A5F79FA2}"/>
-              </a:ext>
-            </a:extLst>
-          </p:cNvPr>
-          <p:cNvCxnSpPr>
-            <a:cxnSpLocks/>
-          </p:cNvCxnSpPr>
-          <p:nvPr/>
-        </p:nvCxnSpPr>
-        <p:spPr>
-          <a:xfrm flipH="1" flipV="1">
-            <a:off x="2558143" y="1460779"/>
-            <a:ext cx="1" cy="687347"/>
-          </a:xfrm>
-          <a:prstGeom prst="straightConnector1">
-            <a:avLst/>
-          </a:prstGeom>
-          <a:ln w="28575">
-            <a:tailEnd type="triangle"/>
-          </a:ln>
-        </p:spPr>
-        <p:style>
-          <a:lnRef idx="1">
-            <a:schemeClr val="accent1"/>
-          </a:lnRef>
-          <a:fillRef idx="0">
-            <a:schemeClr val="accent1"/>
-          </a:fillRef>
-          <a:effectRef idx="0">
-            <a:schemeClr val="accent1"/>
-          </a:effectRef>
-          <a:fontRef idx="minor">
-            <a:schemeClr val="tx1"/>
-          </a:fontRef>
-        </p:style>
-      </p:cxnSp>
-      <p:sp>
-        <p:nvSpPr>
-          <p:cNvPr id="3" name="Rounded Rectangle 2">
-            <a:extLst>
-              <a:ext uri="{FF2B5EF4-FFF2-40B4-BE49-F238E27FC236}">
-                <a16:creationId xmlns:a16="http://schemas.microsoft.com/office/drawing/2014/main" id="{0F298744-11D2-9F49-A69A-6BC4FA26C184}"/>
-              </a:ext>
-            </a:extLst>
-          </p:cNvPr>
-          <p:cNvSpPr/>
-          <p:nvPr/>
-        </p:nvSpPr>
-        <p:spPr>
-          <a:xfrm>
-            <a:off x="3583755" y="2139100"/>
-            <a:ext cx="1240971" cy="892872"/>
-          </a:xfrm>
-          <a:prstGeom prst="roundRect">
-            <a:avLst/>
-          </a:prstGeom>
-          <a:noFill/>
-        </p:spPr>
-        <p:style>
-          <a:lnRef idx="2">
-            <a:schemeClr val="accent1">
-              <a:shade val="50000"/>
-            </a:schemeClr>
-          </a:lnRef>
-          <a:fillRef idx="1">
-            <a:schemeClr val="accent1"/>
-          </a:fillRef>
-          <a:effectRef idx="0">
-            <a:schemeClr val="accent1"/>
-          </a:effectRef>
-          <a:fontRef idx="minor">
-            <a:schemeClr val="lt1"/>
-          </a:fontRef>
-        </p:style>
-        <p:txBody>
-          <a:bodyPr rtlCol="0" anchor="ctr"/>
-          <a:lstStyle/>
-          <a:p>
-            <a:pPr algn="ctr"/>
-            <a:r>
-              <a:rPr lang="en-US" sz="1200" dirty="0">
-                <a:solidFill>
-                  <a:schemeClr val="tx1"/>
-                </a:solidFill>
-              </a:rPr>
-              <a:t>AMS Live Video Analytics</a:t>
-            </a:r>
-          </a:p>
-        </p:txBody>
-      </p:sp>
-      <p:sp>
-        <p:nvSpPr>
-          <p:cNvPr id="5" name="Rounded Rectangle 4">
-            <a:extLst>
-              <a:ext uri="{FF2B5EF4-FFF2-40B4-BE49-F238E27FC236}">
-                <a16:creationId xmlns:a16="http://schemas.microsoft.com/office/drawing/2014/main" id="{3066F1CF-5967-3144-8B88-0C0D4482BC73}"/>
-              </a:ext>
-            </a:extLst>
-          </p:cNvPr>
-          <p:cNvSpPr/>
-          <p:nvPr/>
-        </p:nvSpPr>
-        <p:spPr>
-          <a:xfrm>
-            <a:off x="1937659" y="2139100"/>
-            <a:ext cx="1240971" cy="892872"/>
-          </a:xfrm>
-          <a:prstGeom prst="roundRect">
-            <a:avLst/>
-          </a:prstGeom>
-          <a:noFill/>
-        </p:spPr>
-        <p:style>
-          <a:lnRef idx="2">
-            <a:schemeClr val="accent1">
-              <a:shade val="50000"/>
-            </a:schemeClr>
-          </a:lnRef>
-          <a:fillRef idx="1">
-            <a:schemeClr val="accent1"/>
-          </a:fillRef>
-          <a:effectRef idx="0">
-            <a:schemeClr val="accent1"/>
-          </a:effectRef>
-          <a:fontRef idx="minor">
-            <a:schemeClr val="lt1"/>
-          </a:fontRef>
-        </p:style>
-        <p:txBody>
-          <a:bodyPr rtlCol="0" anchor="ctr"/>
-          <a:lstStyle/>
-          <a:p>
-            <a:pPr algn="ctr"/>
-            <a:r>
-              <a:rPr lang="en-US" sz="1200" dirty="0">
-                <a:solidFill>
-                  <a:schemeClr val="tx1"/>
-                </a:solidFill>
-              </a:rPr>
-              <a:t>PySendModule</a:t>
-            </a:r>
-          </a:p>
-        </p:txBody>
-      </p:sp>
-      <p:sp>
-        <p:nvSpPr>
-          <p:cNvPr id="7" name="Rectangle 6">
-            <a:extLst>
-              <a:ext uri="{FF2B5EF4-FFF2-40B4-BE49-F238E27FC236}">
-                <a16:creationId xmlns:a16="http://schemas.microsoft.com/office/drawing/2014/main" id="{1A4AA4AC-FFB4-3346-9FA0-DC82540F6B7D}"/>
-              </a:ext>
-            </a:extLst>
-          </p:cNvPr>
-          <p:cNvSpPr/>
-          <p:nvPr/>
-        </p:nvSpPr>
-        <p:spPr>
-          <a:xfrm>
-            <a:off x="1937659" y="3463874"/>
-            <a:ext cx="2887067" cy="765895"/>
-          </a:xfrm>
-          <a:prstGeom prst="rect">
-            <a:avLst/>
-          </a:prstGeom>
-          <a:solidFill>
-            <a:schemeClr val="accent5">
-              <a:lumMod val="20000"/>
-              <a:lumOff val="80000"/>
-            </a:schemeClr>
-          </a:solidFill>
-          <a:ln w="28575">
-            <a:solidFill>
-              <a:srgbClr val="0070C0"/>
-            </a:solidFill>
-          </a:ln>
-        </p:spPr>
-        <p:style>
-          <a:lnRef idx="2">
-            <a:schemeClr val="accent1">
-              <a:shade val="50000"/>
-            </a:schemeClr>
-          </a:lnRef>
-          <a:fillRef idx="1">
-            <a:schemeClr val="accent1"/>
-          </a:fillRef>
-          <a:effectRef idx="0">
-            <a:schemeClr val="accent1"/>
-          </a:effectRef>
-          <a:fontRef idx="minor">
-            <a:schemeClr val="lt1"/>
-          </a:fontRef>
-        </p:style>
-        <p:txBody>
-          <a:bodyPr rtlCol="0" anchor="ctr"/>
-          <a:lstStyle/>
-          <a:p>
-            <a:pPr algn="ctr"/>
-            <a:r>
-              <a:rPr lang="en-US" sz="1200" dirty="0">
-                <a:solidFill>
-                  <a:schemeClr val="tx1"/>
-                </a:solidFill>
-              </a:rPr>
-              <a:t>Azure IoT Edge runtime</a:t>
-            </a:r>
-          </a:p>
-        </p:txBody>
-      </p:sp>
-      <p:cxnSp>
-        <p:nvCxnSpPr>
-          <p:cNvPr id="9" name="Elbow Connector 8">
-            <a:extLst>
-              <a:ext uri="{FF2B5EF4-FFF2-40B4-BE49-F238E27FC236}">
-                <a16:creationId xmlns:a16="http://schemas.microsoft.com/office/drawing/2014/main" id="{A03DC0E2-7703-F44C-B758-A371B9886C85}"/>
-              </a:ext>
-            </a:extLst>
-          </p:cNvPr>
-          <p:cNvCxnSpPr>
-            <a:cxnSpLocks/>
-            <a:stCxn id="5" idx="2"/>
-          </p:cNvCxnSpPr>
-          <p:nvPr/>
-        </p:nvCxnSpPr>
-        <p:spPr>
-          <a:xfrm rot="5400000" flipH="1" flipV="1">
-            <a:off x="3270584" y="2300879"/>
-            <a:ext cx="18654" cy="1443532"/>
-          </a:xfrm>
-          <a:prstGeom prst="bentConnector4">
-            <a:avLst>
-              <a:gd name="adj1" fmla="val -3559714"/>
-              <a:gd name="adj2" fmla="val 99394"/>
-            </a:avLst>
-          </a:prstGeom>
-          <a:ln w="28575">
-            <a:tailEnd type="triangle"/>
-          </a:ln>
-        </p:spPr>
-        <p:style>
-          <a:lnRef idx="1">
-            <a:schemeClr val="accent1"/>
-          </a:lnRef>
-          <a:fillRef idx="0">
-            <a:schemeClr val="accent1"/>
-          </a:fillRef>
-          <a:effectRef idx="0">
-            <a:schemeClr val="accent1"/>
-          </a:effectRef>
-          <a:fontRef idx="minor">
-            <a:schemeClr val="tx1"/>
-          </a:fontRef>
-        </p:style>
-      </p:cxnSp>
-      <p:pic>
-        <p:nvPicPr>
-          <p:cNvPr id="17" name="Graphic 16">
-            <a:extLst>
-              <a:ext uri="{FF2B5EF4-FFF2-40B4-BE49-F238E27FC236}">
-                <a16:creationId xmlns:a16="http://schemas.microsoft.com/office/drawing/2014/main" id="{79EA5153-DFA4-7447-8326-4C2A1EA47D39}"/>
-              </a:ext>
-            </a:extLst>
-          </p:cNvPr>
-          <p:cNvPicPr>
-            <a:picLocks noChangeAspect="1"/>
-          </p:cNvPicPr>
-          <p:nvPr/>
-        </p:nvPicPr>
-        <p:blipFill>
-          <a:blip r:embed="rId8">
-            <a:extLst>
-              <a:ext uri="{96DAC541-7B7A-43D3-8B79-37D633B846F1}">
-                <asvg:svgBlip xmlns:asvg="http://schemas.microsoft.com/office/drawing/2016/SVG/main" r:embed="rId9"/>
-              </a:ext>
-            </a:extLst>
-          </a:blip>
-          <a:stretch>
-            <a:fillRect/>
-          </a:stretch>
-        </p:blipFill>
-        <p:spPr>
-          <a:xfrm>
-            <a:off x="7966081" y="2416277"/>
-            <a:ext cx="1012723" cy="1012723"/>
-          </a:xfrm>
-          <a:prstGeom prst="rect">
-            <a:avLst/>
-          </a:prstGeom>
-        </p:spPr>
-      </p:pic>
-      <p:pic>
-        <p:nvPicPr>
-          <p:cNvPr id="19" name="Picture 18">
-            <a:extLst>
-              <a:ext uri="{FF2B5EF4-FFF2-40B4-BE49-F238E27FC236}">
-                <a16:creationId xmlns:a16="http://schemas.microsoft.com/office/drawing/2014/main" id="{CD74F683-B90C-854A-AFC7-9DBAFFAAFE46}"/>
-              </a:ext>
-            </a:extLst>
-          </p:cNvPr>
-          <p:cNvPicPr>
-            <a:picLocks noChangeAspect="1"/>
-          </p:cNvPicPr>
-          <p:nvPr/>
-        </p:nvPicPr>
-        <p:blipFill>
-          <a:blip r:embed="rId10"/>
-          <a:stretch>
-            <a:fillRect/>
-          </a:stretch>
-        </p:blipFill>
-        <p:spPr>
-          <a:xfrm>
-            <a:off x="7966081" y="255482"/>
-            <a:ext cx="1012722" cy="937147"/>
-          </a:xfrm>
-          <a:prstGeom prst="rect">
-            <a:avLst/>
-          </a:prstGeom>
-        </p:spPr>
-      </p:pic>
-      <p:cxnSp>
-        <p:nvCxnSpPr>
-          <p:cNvPr id="34" name="Straight Arrow Connector 33">
-            <a:extLst>
-              <a:ext uri="{FF2B5EF4-FFF2-40B4-BE49-F238E27FC236}">
-                <a16:creationId xmlns:a16="http://schemas.microsoft.com/office/drawing/2014/main" id="{A6C53384-D8D9-F54F-8740-F020A4BF4791}"/>
-              </a:ext>
-            </a:extLst>
-          </p:cNvPr>
-          <p:cNvCxnSpPr>
-            <a:cxnSpLocks/>
-          </p:cNvCxnSpPr>
-          <p:nvPr/>
-        </p:nvCxnSpPr>
-        <p:spPr>
-          <a:xfrm flipH="1" flipV="1">
-            <a:off x="9272537" y="705198"/>
-            <a:ext cx="1734378" cy="1965"/>
-          </a:xfrm>
-          <a:prstGeom prst="straightConnector1">
-            <a:avLst/>
-          </a:prstGeom>
-          <a:ln w="28575">
-            <a:tailEnd type="triangle"/>
-          </a:ln>
-        </p:spPr>
-        <p:style>
-          <a:lnRef idx="1">
-            <a:schemeClr val="accent1"/>
-          </a:lnRef>
-          <a:fillRef idx="0">
-            <a:schemeClr val="accent1"/>
-          </a:fillRef>
-          <a:effectRef idx="0">
-            <a:schemeClr val="accent1"/>
-          </a:effectRef>
-          <a:fontRef idx="minor">
-            <a:schemeClr val="tx1"/>
-          </a:fontRef>
-        </p:style>
-      </p:cxnSp>
-      <p:sp>
-        <p:nvSpPr>
-          <p:cNvPr id="35" name="TextBox 34">
-            <a:extLst>
-              <a:ext uri="{FF2B5EF4-FFF2-40B4-BE49-F238E27FC236}">
-                <a16:creationId xmlns:a16="http://schemas.microsoft.com/office/drawing/2014/main" id="{97C1ED9B-BBBB-A245-95CC-EDF5AA44C20A}"/>
-              </a:ext>
-            </a:extLst>
-          </p:cNvPr>
-          <p:cNvSpPr txBox="1"/>
-          <p:nvPr/>
-        </p:nvSpPr>
-        <p:spPr>
-          <a:xfrm>
-            <a:off x="9382290" y="335866"/>
-            <a:ext cx="1734378" cy="369332"/>
-          </a:xfrm>
-          <a:prstGeom prst="rect">
-            <a:avLst/>
-          </a:prstGeom>
-          <a:noFill/>
-        </p:spPr>
-        <p:txBody>
-          <a:bodyPr wrap="square" rtlCol="0">
+            <a:off x="3656153" y="2397311"/>
+            <a:ext cx="2973891" cy="369332"/>
+          </a:xfrm>
+          <a:prstGeom prst="rect">
+            <a:avLst/>
+          </a:prstGeom>
+        </p:spPr>
+        <p:txBody>
+          <a:bodyPr wrap="none">
             <a:spAutoFit/>
           </a:bodyPr>
           <a:lstStyle/>
           <a:p>
             <a:r>
-              <a:rPr lang="en-US" dirty="0"/>
-              <a:t>Cloud 2 Device</a:t>
-            </a:r>
-          </a:p>
-        </p:txBody>
-      </p:sp>
-      <p:cxnSp>
-        <p:nvCxnSpPr>
-          <p:cNvPr id="36" name="Straight Arrow Connector 35">
-            <a:extLst>
-              <a:ext uri="{FF2B5EF4-FFF2-40B4-BE49-F238E27FC236}">
-                <a16:creationId xmlns:a16="http://schemas.microsoft.com/office/drawing/2014/main" id="{1707DEE6-D9CA-1549-9468-3A964695827E}"/>
-              </a:ext>
-            </a:extLst>
-          </p:cNvPr>
-          <p:cNvCxnSpPr>
-            <a:cxnSpLocks/>
-          </p:cNvCxnSpPr>
-          <p:nvPr/>
-        </p:nvCxnSpPr>
-        <p:spPr>
-          <a:xfrm>
-            <a:off x="5566025" y="2922638"/>
-            <a:ext cx="2173811" cy="3176"/>
-          </a:xfrm>
-          <a:prstGeom prst="straightConnector1">
-            <a:avLst/>
-          </a:prstGeom>
-          <a:ln w="28575">
-            <a:tailEnd type="triangle"/>
-          </a:ln>
-        </p:spPr>
-        <p:style>
-          <a:lnRef idx="1">
-            <a:schemeClr val="accent1"/>
-          </a:lnRef>
-          <a:fillRef idx="0">
-            <a:schemeClr val="accent1"/>
-          </a:fillRef>
-          <a:effectRef idx="0">
-            <a:schemeClr val="accent1"/>
-          </a:effectRef>
-          <a:fontRef idx="minor">
-            <a:schemeClr val="tx1"/>
-          </a:fontRef>
-        </p:style>
-      </p:cxnSp>
-      <p:sp>
-        <p:nvSpPr>
-          <p:cNvPr id="38" name="TextBox 37">
-            <a:extLst>
-              <a:ext uri="{FF2B5EF4-FFF2-40B4-BE49-F238E27FC236}">
-                <a16:creationId xmlns:a16="http://schemas.microsoft.com/office/drawing/2014/main" id="{F5B58770-A05C-2049-A6C3-83189BBEE8B4}"/>
-              </a:ext>
-            </a:extLst>
-          </p:cNvPr>
-          <p:cNvSpPr txBox="1"/>
-          <p:nvPr/>
-        </p:nvSpPr>
-        <p:spPr>
-          <a:xfrm>
-            <a:off x="5785741" y="2971362"/>
-            <a:ext cx="1734378" cy="369332"/>
-          </a:xfrm>
-          <a:prstGeom prst="rect">
-            <a:avLst/>
-          </a:prstGeom>
-          <a:noFill/>
-        </p:spPr>
-        <p:txBody>
-          <a:bodyPr wrap="square" rtlCol="0">
-            <a:spAutoFit/>
-          </a:bodyPr>
-          <a:lstStyle/>
-          <a:p>
-            <a:r>
-              <a:rPr lang="en-US" dirty="0"/>
-              <a:t>Device 2 Cloud</a:t>
-            </a:r>
-          </a:p>
-        </p:txBody>
-      </p:sp>
-      <p:cxnSp>
-        <p:nvCxnSpPr>
-          <p:cNvPr id="39" name="Straight Arrow Connector 38">
-            <a:extLst>
-              <a:ext uri="{FF2B5EF4-FFF2-40B4-BE49-F238E27FC236}">
-                <a16:creationId xmlns:a16="http://schemas.microsoft.com/office/drawing/2014/main" id="{9D67DFF9-710C-4843-AEFE-6BB91B41CA3F}"/>
-              </a:ext>
-            </a:extLst>
-          </p:cNvPr>
-          <p:cNvCxnSpPr>
-            <a:cxnSpLocks/>
-            <a:stCxn id="19" idx="2"/>
-            <a:endCxn id="17" idx="0"/>
-          </p:cNvCxnSpPr>
-          <p:nvPr/>
-        </p:nvCxnSpPr>
-        <p:spPr>
-          <a:xfrm>
-            <a:off x="8472442" y="1192629"/>
-            <a:ext cx="1" cy="1223648"/>
-          </a:xfrm>
-          <a:prstGeom prst="straightConnector1">
-            <a:avLst/>
-          </a:prstGeom>
-          <a:ln w="28575">
-            <a:tailEnd type="triangle"/>
-          </a:ln>
-        </p:spPr>
-        <p:style>
-          <a:lnRef idx="1">
-            <a:schemeClr val="accent1"/>
-          </a:lnRef>
-          <a:fillRef idx="0">
-            <a:schemeClr val="accent1"/>
-          </a:fillRef>
-          <a:effectRef idx="0">
-            <a:schemeClr val="accent1"/>
-          </a:effectRef>
-          <a:fontRef idx="minor">
-            <a:schemeClr val="tx1"/>
-          </a:fontRef>
-        </p:style>
-      </p:cxnSp>
-      <p:pic>
-        <p:nvPicPr>
-          <p:cNvPr id="27" name="Picture 26">
-            <a:extLst>
-              <a:ext uri="{FF2B5EF4-FFF2-40B4-BE49-F238E27FC236}">
-                <a16:creationId xmlns:a16="http://schemas.microsoft.com/office/drawing/2014/main" id="{F5018C31-60B2-FA46-AF31-A92F1ADCA93A}"/>
-              </a:ext>
-            </a:extLst>
-          </p:cNvPr>
-          <p:cNvPicPr>
-            <a:picLocks noChangeAspect="1"/>
-          </p:cNvPicPr>
-          <p:nvPr/>
-        </p:nvPicPr>
-        <p:blipFill rotWithShape="1">
-          <a:blip r:embed="rId11"/>
-          <a:srcRect l="14857" r="13687"/>
-          <a:stretch/>
-        </p:blipFill>
-        <p:spPr>
-          <a:xfrm>
-            <a:off x="7966081" y="5320741"/>
-            <a:ext cx="1169519" cy="856547"/>
-          </a:xfrm>
-          <a:prstGeom prst="rect">
-            <a:avLst/>
-          </a:prstGeom>
-        </p:spPr>
-      </p:pic>
-      <p:cxnSp>
-        <p:nvCxnSpPr>
-          <p:cNvPr id="45" name="Straight Arrow Connector 44">
-            <a:extLst>
-              <a:ext uri="{FF2B5EF4-FFF2-40B4-BE49-F238E27FC236}">
-                <a16:creationId xmlns:a16="http://schemas.microsoft.com/office/drawing/2014/main" id="{56DC9BD8-9126-BB4F-A775-56541EF625BB}"/>
-              </a:ext>
-            </a:extLst>
-          </p:cNvPr>
-          <p:cNvCxnSpPr>
-            <a:cxnSpLocks/>
-          </p:cNvCxnSpPr>
-          <p:nvPr/>
-        </p:nvCxnSpPr>
-        <p:spPr>
-          <a:xfrm>
-            <a:off x="8472441" y="3617945"/>
-            <a:ext cx="1" cy="1223648"/>
-          </a:xfrm>
-          <a:prstGeom prst="straightConnector1">
-            <a:avLst/>
-          </a:prstGeom>
-          <a:ln w="28575">
-            <a:tailEnd type="triangle"/>
-          </a:ln>
-        </p:spPr>
-        <p:style>
-          <a:lnRef idx="1">
-            <a:schemeClr val="accent1"/>
-          </a:lnRef>
-          <a:fillRef idx="0">
-            <a:schemeClr val="accent1"/>
-          </a:fillRef>
-          <a:effectRef idx="0">
-            <a:schemeClr val="accent1"/>
-          </a:effectRef>
-          <a:fontRef idx="minor">
-            <a:schemeClr val="tx1"/>
-          </a:fontRef>
-        </p:style>
-      </p:cxnSp>
-      <p:sp>
-        <p:nvSpPr>
-          <p:cNvPr id="28" name="TextBox 27">
-            <a:extLst>
-              <a:ext uri="{FF2B5EF4-FFF2-40B4-BE49-F238E27FC236}">
-                <a16:creationId xmlns:a16="http://schemas.microsoft.com/office/drawing/2014/main" id="{255B8F93-34AB-FF4D-A9F3-18F27422AADE}"/>
-              </a:ext>
-            </a:extLst>
-          </p:cNvPr>
-          <p:cNvSpPr txBox="1"/>
-          <p:nvPr/>
-        </p:nvSpPr>
-        <p:spPr>
-          <a:xfrm rot="5400000">
-            <a:off x="8083745" y="4206811"/>
-            <a:ext cx="1734378" cy="369332"/>
-          </a:xfrm>
-          <a:prstGeom prst="rect">
-            <a:avLst/>
-          </a:prstGeom>
-          <a:noFill/>
-        </p:spPr>
-        <p:txBody>
-          <a:bodyPr wrap="square" rtlCol="0">
-            <a:spAutoFit/>
-          </a:bodyPr>
-          <a:lstStyle/>
-          <a:p>
-            <a:r>
-              <a:rPr lang="en-US" dirty="0"/>
-              <a:t>Device 2 Cloud</a:t>
-            </a:r>
+              <a:rPr lang="en-US" dirty="0" err="1">
+                <a:solidFill>
+                  <a:srgbClr val="4EC9B0"/>
+                </a:solidFill>
+                <a:latin typeface="Menlo" panose="020B0609030804020204" pitchFamily="49" charset="0"/>
+              </a:rPr>
+              <a:t>MythicalConfigReader</a:t>
+            </a:r>
+            <a:endParaRPr lang="en-US" b="0" dirty="0">
+              <a:solidFill>
+                <a:srgbClr val="D4D4D4"/>
+              </a:solidFill>
+              <a:effectLst/>
+              <a:latin typeface="Menlo" panose="020B0609030804020204" pitchFamily="49" charset="0"/>
+            </a:endParaRPr>
           </a:p>
         </p:txBody>
       </p:sp>
     </p:spTree>
     <p:extLst>
       <p:ext uri="{BB962C8B-B14F-4D97-AF65-F5344CB8AC3E}">
-        <p14:creationId xmlns:p14="http://schemas.microsoft.com/office/powerpoint/2010/main" val="4079903407"/>
-      </p:ext>
-    </p:extLst>
-  </p:cSld>
-  <p:clrMapOvr>
-    <a:masterClrMapping/>
-  </p:clrMapOvr>
-</p:sld>
-</file>
-
-<file path=ppt/slides/slide6.xml><?xml version="1.0" encoding="utf-8"?>
-<p:sld xmlns:a="http://schemas.openxmlformats.org/drawingml/2006/main" xmlns:r="http://schemas.openxmlformats.org/officeDocument/2006/relationships" xmlns:p="http://schemas.openxmlformats.org/presentationml/2006/main">
-  <p:cSld>
-    <p:spTree>
-      <p:nvGrpSpPr>
-        <p:cNvPr id="1" name=""/>
-        <p:cNvGrpSpPr/>
-        <p:nvPr/>
-      </p:nvGrpSpPr>
-      <p:grpSpPr>
-        <a:xfrm>
-          <a:off x="0" y="0"/>
-          <a:ext cx="0" cy="0"/>
-          <a:chOff x="0" y="0"/>
-          <a:chExt cx="0" cy="0"/>
-        </a:xfrm>
-      </p:grpSpPr>
-      <p:cxnSp>
-        <p:nvCxnSpPr>
-          <p:cNvPr id="24" name="Straight Connector 23">
-            <a:extLst>
-              <a:ext uri="{FF2B5EF4-FFF2-40B4-BE49-F238E27FC236}">
-                <a16:creationId xmlns:a16="http://schemas.microsoft.com/office/drawing/2014/main" id="{A153DA69-648A-1344-AAA4-6C66AF73B8F9}"/>
-              </a:ext>
-            </a:extLst>
-          </p:cNvPr>
-          <p:cNvCxnSpPr>
-            <a:cxnSpLocks/>
-            <a:stCxn id="8" idx="2"/>
-          </p:cNvCxnSpPr>
-          <p:nvPr/>
-        </p:nvCxnSpPr>
-        <p:spPr>
-          <a:xfrm flipH="1">
-            <a:off x="1830172" y="798343"/>
-            <a:ext cx="74048" cy="5907258"/>
-          </a:xfrm>
-          <a:prstGeom prst="line">
-            <a:avLst/>
-          </a:prstGeom>
-          <a:ln w="28575"/>
-        </p:spPr>
-        <p:style>
-          <a:lnRef idx="1">
-            <a:schemeClr val="accent1"/>
-          </a:lnRef>
-          <a:fillRef idx="0">
-            <a:schemeClr val="accent1"/>
-          </a:fillRef>
-          <a:effectRef idx="0">
-            <a:schemeClr val="accent1"/>
-          </a:effectRef>
-          <a:fontRef idx="minor">
-            <a:schemeClr val="tx1"/>
-          </a:fontRef>
-        </p:style>
-      </p:cxnSp>
-      <p:sp>
-        <p:nvSpPr>
-          <p:cNvPr id="4" name="Rectangle 3">
-            <a:extLst>
-              <a:ext uri="{FF2B5EF4-FFF2-40B4-BE49-F238E27FC236}">
-                <a16:creationId xmlns:a16="http://schemas.microsoft.com/office/drawing/2014/main" id="{E3CB89FE-4A3B-684C-A537-FC6ACB61BAC8}"/>
-              </a:ext>
-            </a:extLst>
-          </p:cNvPr>
-          <p:cNvSpPr/>
-          <p:nvPr/>
-        </p:nvSpPr>
-        <p:spPr>
-          <a:xfrm>
-            <a:off x="5396742" y="341143"/>
-            <a:ext cx="1492498" cy="457200"/>
-          </a:xfrm>
-          <a:prstGeom prst="rect">
-            <a:avLst/>
-          </a:prstGeom>
-        </p:spPr>
-        <p:style>
-          <a:lnRef idx="2">
-            <a:schemeClr val="accent1">
-              <a:shade val="50000"/>
-            </a:schemeClr>
-          </a:lnRef>
-          <a:fillRef idx="1">
-            <a:schemeClr val="accent1"/>
-          </a:fillRef>
-          <a:effectRef idx="0">
-            <a:schemeClr val="accent1"/>
-          </a:effectRef>
-          <a:fontRef idx="minor">
-            <a:schemeClr val="lt1"/>
-          </a:fontRef>
-        </p:style>
-        <p:txBody>
-          <a:bodyPr rtlCol="0" anchor="ctr"/>
-          <a:lstStyle/>
-          <a:p>
-            <a:pPr algn="ctr"/>
-            <a:r>
-              <a:rPr lang="en-US" sz="1400" dirty="0"/>
-              <a:t>PySendModule</a:t>
-            </a:r>
-          </a:p>
-        </p:txBody>
-      </p:sp>
-      <p:sp>
-        <p:nvSpPr>
-          <p:cNvPr id="6" name="Rectangle 5">
-            <a:extLst>
-              <a:ext uri="{FF2B5EF4-FFF2-40B4-BE49-F238E27FC236}">
-                <a16:creationId xmlns:a16="http://schemas.microsoft.com/office/drawing/2014/main" id="{2F53F5C8-B09A-9040-A3F8-49FB0387D088}"/>
-              </a:ext>
-            </a:extLst>
-          </p:cNvPr>
-          <p:cNvSpPr/>
-          <p:nvPr/>
-        </p:nvSpPr>
-        <p:spPr>
-          <a:xfrm>
-            <a:off x="7225029" y="341143"/>
-            <a:ext cx="1603131" cy="457200"/>
-          </a:xfrm>
-          <a:prstGeom prst="rect">
-            <a:avLst/>
-          </a:prstGeom>
-        </p:spPr>
-        <p:style>
-          <a:lnRef idx="2">
-            <a:schemeClr val="accent1">
-              <a:shade val="50000"/>
-            </a:schemeClr>
-          </a:lnRef>
-          <a:fillRef idx="1">
-            <a:schemeClr val="accent1"/>
-          </a:fillRef>
-          <a:effectRef idx="0">
-            <a:schemeClr val="accent1"/>
-          </a:effectRef>
-          <a:fontRef idx="minor">
-            <a:schemeClr val="lt1"/>
-          </a:fontRef>
-        </p:style>
-        <p:txBody>
-          <a:bodyPr rtlCol="0" anchor="ctr"/>
-          <a:lstStyle/>
-          <a:p>
-            <a:pPr algn="ctr"/>
-            <a:r>
-              <a:rPr lang="en-US" sz="1400" dirty="0"/>
-              <a:t>LiveVideoAnalytics</a:t>
-            </a:r>
-          </a:p>
-        </p:txBody>
-      </p:sp>
-      <p:sp>
-        <p:nvSpPr>
-          <p:cNvPr id="8" name="Rectangle 7">
-            <a:extLst>
-              <a:ext uri="{FF2B5EF4-FFF2-40B4-BE49-F238E27FC236}">
-                <a16:creationId xmlns:a16="http://schemas.microsoft.com/office/drawing/2014/main" id="{CB0984FF-1EB4-0840-9D4D-729FEA9C6049}"/>
-              </a:ext>
-            </a:extLst>
-          </p:cNvPr>
-          <p:cNvSpPr/>
-          <p:nvPr/>
-        </p:nvSpPr>
-        <p:spPr>
-          <a:xfrm>
-            <a:off x="1098682" y="341143"/>
-            <a:ext cx="1611076" cy="457200"/>
-          </a:xfrm>
-          <a:prstGeom prst="rect">
-            <a:avLst/>
-          </a:prstGeom>
-        </p:spPr>
-        <p:style>
-          <a:lnRef idx="2">
-            <a:schemeClr val="accent1">
-              <a:shade val="50000"/>
-            </a:schemeClr>
-          </a:lnRef>
-          <a:fillRef idx="1">
-            <a:schemeClr val="accent1"/>
-          </a:fillRef>
-          <a:effectRef idx="0">
-            <a:schemeClr val="accent1"/>
-          </a:effectRef>
-          <a:fontRef idx="minor">
-            <a:schemeClr val="lt1"/>
-          </a:fontRef>
-        </p:style>
-        <p:txBody>
-          <a:bodyPr rtlCol="0" anchor="ctr"/>
-          <a:lstStyle/>
-          <a:p>
-            <a:pPr algn="ctr"/>
-            <a:r>
-              <a:rPr lang="en-US" sz="1400" dirty="0"/>
-              <a:t>PyCloud</a:t>
-            </a:r>
-          </a:p>
-        </p:txBody>
-      </p:sp>
-      <p:sp>
-        <p:nvSpPr>
-          <p:cNvPr id="9" name="Rectangle 8">
-            <a:extLst>
-              <a:ext uri="{FF2B5EF4-FFF2-40B4-BE49-F238E27FC236}">
-                <a16:creationId xmlns:a16="http://schemas.microsoft.com/office/drawing/2014/main" id="{649FAF7E-42D9-C54A-8E92-D1877634589F}"/>
-              </a:ext>
-            </a:extLst>
-          </p:cNvPr>
-          <p:cNvSpPr/>
-          <p:nvPr/>
-        </p:nvSpPr>
-        <p:spPr>
-          <a:xfrm>
-            <a:off x="1798891" y="1273236"/>
-            <a:ext cx="135377" cy="1698908"/>
-          </a:xfrm>
-          <a:prstGeom prst="rect">
-            <a:avLst/>
-          </a:prstGeom>
-        </p:spPr>
-        <p:style>
-          <a:lnRef idx="2">
-            <a:schemeClr val="accent1">
-              <a:shade val="50000"/>
-            </a:schemeClr>
-          </a:lnRef>
-          <a:fillRef idx="1">
-            <a:schemeClr val="accent1"/>
-          </a:fillRef>
-          <a:effectRef idx="0">
-            <a:schemeClr val="accent1"/>
-          </a:effectRef>
-          <a:fontRef idx="minor">
-            <a:schemeClr val="lt1"/>
-          </a:fontRef>
-        </p:style>
-        <p:txBody>
-          <a:bodyPr rtlCol="0" anchor="ctr"/>
-          <a:lstStyle/>
-          <a:p>
-            <a:pPr algn="ctr"/>
-            <a:endParaRPr lang="en-US"/>
-          </a:p>
-        </p:txBody>
-      </p:sp>
-      <p:sp>
-        <p:nvSpPr>
-          <p:cNvPr id="14" name="TextBox 13">
-            <a:extLst>
-              <a:ext uri="{FF2B5EF4-FFF2-40B4-BE49-F238E27FC236}">
-                <a16:creationId xmlns:a16="http://schemas.microsoft.com/office/drawing/2014/main" id="{414571AF-DB0E-6D41-B603-3D5F31FC611E}"/>
-              </a:ext>
-            </a:extLst>
-          </p:cNvPr>
-          <p:cNvSpPr txBox="1"/>
-          <p:nvPr/>
-        </p:nvSpPr>
-        <p:spPr>
-          <a:xfrm>
-            <a:off x="990016" y="1186543"/>
-            <a:ext cx="1051741" cy="769441"/>
-          </a:xfrm>
-          <a:prstGeom prst="rect">
-            <a:avLst/>
-          </a:prstGeom>
-          <a:noFill/>
-        </p:spPr>
-        <p:txBody>
-          <a:bodyPr wrap="square" rtlCol="0">
-            <a:spAutoFit/>
-          </a:bodyPr>
-          <a:lstStyle/>
-          <a:p>
-            <a:r>
-              <a:rPr lang="en-US" sz="1100" dirty="0"/>
-              <a:t>Send a Message to Display on  Device XYZ</a:t>
-            </a:r>
-          </a:p>
-        </p:txBody>
-      </p:sp>
-      <p:cxnSp>
-        <p:nvCxnSpPr>
-          <p:cNvPr id="16" name="Straight Arrow Connector 15">
-            <a:extLst>
-              <a:ext uri="{FF2B5EF4-FFF2-40B4-BE49-F238E27FC236}">
-                <a16:creationId xmlns:a16="http://schemas.microsoft.com/office/drawing/2014/main" id="{512FBFCC-7792-3045-BD19-CF82F161BE2D}"/>
-              </a:ext>
-            </a:extLst>
-          </p:cNvPr>
-          <p:cNvCxnSpPr>
-            <a:cxnSpLocks/>
-            <a:stCxn id="18" idx="3"/>
-          </p:cNvCxnSpPr>
-          <p:nvPr/>
-        </p:nvCxnSpPr>
-        <p:spPr>
-          <a:xfrm>
-            <a:off x="1017660" y="1382486"/>
-            <a:ext cx="732222" cy="0"/>
-          </a:xfrm>
-          <a:prstGeom prst="straightConnector1">
-            <a:avLst/>
-          </a:prstGeom>
-          <a:ln>
-            <a:tailEnd type="triangle"/>
-          </a:ln>
-        </p:spPr>
-        <p:style>
-          <a:lnRef idx="1">
-            <a:schemeClr val="accent1"/>
-          </a:lnRef>
-          <a:fillRef idx="0">
-            <a:schemeClr val="accent1"/>
-          </a:fillRef>
-          <a:effectRef idx="0">
-            <a:schemeClr val="accent1"/>
-          </a:effectRef>
-          <a:fontRef idx="minor">
-            <a:schemeClr val="tx1"/>
-          </a:fontRef>
-        </p:style>
-      </p:cxnSp>
-      <p:pic>
-        <p:nvPicPr>
-          <p:cNvPr id="18" name="Graphic 17" descr="User">
-            <a:extLst>
-              <a:ext uri="{FF2B5EF4-FFF2-40B4-BE49-F238E27FC236}">
-                <a16:creationId xmlns:a16="http://schemas.microsoft.com/office/drawing/2014/main" id="{01D8E3DB-D0D8-5540-BBEB-5BA422FFCA4C}"/>
-              </a:ext>
-            </a:extLst>
-          </p:cNvPr>
-          <p:cNvPicPr>
-            <a:picLocks noChangeAspect="1"/>
-          </p:cNvPicPr>
-          <p:nvPr/>
-        </p:nvPicPr>
-        <p:blipFill>
-          <a:blip r:embed="rId3">
-            <a:extLst>
-              <a:ext uri="{96DAC541-7B7A-43D3-8B79-37D633B846F1}">
-                <asvg:svgBlip xmlns:asvg="http://schemas.microsoft.com/office/drawing/2016/SVG/main" r:embed="rId4"/>
-              </a:ext>
-            </a:extLst>
-          </a:blip>
-          <a:stretch>
-            <a:fillRect/>
-          </a:stretch>
-        </p:blipFill>
-        <p:spPr>
-          <a:xfrm>
-            <a:off x="103260" y="925286"/>
-            <a:ext cx="914400" cy="914400"/>
-          </a:xfrm>
-          <a:prstGeom prst="rect">
-            <a:avLst/>
-          </a:prstGeom>
-        </p:spPr>
-      </p:pic>
-      <p:sp>
-        <p:nvSpPr>
-          <p:cNvPr id="20" name="Rectangle 19">
-            <a:extLst>
-              <a:ext uri="{FF2B5EF4-FFF2-40B4-BE49-F238E27FC236}">
-                <a16:creationId xmlns:a16="http://schemas.microsoft.com/office/drawing/2014/main" id="{FD63EC8B-00A9-FE47-B2E8-D85F982677DE}"/>
-              </a:ext>
-            </a:extLst>
-          </p:cNvPr>
-          <p:cNvSpPr/>
-          <p:nvPr/>
-        </p:nvSpPr>
-        <p:spPr>
-          <a:xfrm>
-            <a:off x="3565140" y="341143"/>
-            <a:ext cx="1365734" cy="457200"/>
-          </a:xfrm>
-          <a:prstGeom prst="rect">
-            <a:avLst/>
-          </a:prstGeom>
-        </p:spPr>
-        <p:style>
-          <a:lnRef idx="2">
-            <a:schemeClr val="accent1">
-              <a:shade val="50000"/>
-            </a:schemeClr>
-          </a:lnRef>
-          <a:fillRef idx="1">
-            <a:schemeClr val="accent1"/>
-          </a:fillRef>
-          <a:effectRef idx="0">
-            <a:schemeClr val="accent1"/>
-          </a:effectRef>
-          <a:fontRef idx="minor">
-            <a:schemeClr val="lt1"/>
-          </a:fontRef>
-        </p:style>
-        <p:txBody>
-          <a:bodyPr rtlCol="0" anchor="ctr"/>
-          <a:lstStyle/>
-          <a:p>
-            <a:pPr algn="ctr"/>
-            <a:r>
-              <a:rPr lang="en-US" sz="1400" dirty="0"/>
-              <a:t>Azure IoT Hub</a:t>
-            </a:r>
-          </a:p>
-        </p:txBody>
-      </p:sp>
-      <p:cxnSp>
-        <p:nvCxnSpPr>
-          <p:cNvPr id="25" name="Straight Connector 24">
-            <a:extLst>
-              <a:ext uri="{FF2B5EF4-FFF2-40B4-BE49-F238E27FC236}">
-                <a16:creationId xmlns:a16="http://schemas.microsoft.com/office/drawing/2014/main" id="{8BCAEFA4-0452-944A-881A-7AB80CA4D7EA}"/>
-              </a:ext>
-            </a:extLst>
-          </p:cNvPr>
-          <p:cNvCxnSpPr/>
-          <p:nvPr/>
-        </p:nvCxnSpPr>
-        <p:spPr>
-          <a:xfrm flipH="1">
-            <a:off x="4252237" y="794657"/>
-            <a:ext cx="1" cy="5910944"/>
-          </a:xfrm>
-          <a:prstGeom prst="line">
-            <a:avLst/>
-          </a:prstGeom>
-          <a:ln w="28575"/>
-        </p:spPr>
-        <p:style>
-          <a:lnRef idx="1">
-            <a:schemeClr val="accent1"/>
-          </a:lnRef>
-          <a:fillRef idx="0">
-            <a:schemeClr val="accent1"/>
-          </a:fillRef>
-          <a:effectRef idx="0">
-            <a:schemeClr val="accent1"/>
-          </a:effectRef>
-          <a:fontRef idx="minor">
-            <a:schemeClr val="tx1"/>
-          </a:fontRef>
-        </p:style>
-      </p:cxnSp>
-      <p:cxnSp>
-        <p:nvCxnSpPr>
-          <p:cNvPr id="35" name="Straight Connector 34">
-            <a:extLst>
-              <a:ext uri="{FF2B5EF4-FFF2-40B4-BE49-F238E27FC236}">
-                <a16:creationId xmlns:a16="http://schemas.microsoft.com/office/drawing/2014/main" id="{2F1FCC5C-1941-D049-B0A5-EA70BBD14C31}"/>
-              </a:ext>
-            </a:extLst>
-          </p:cNvPr>
-          <p:cNvCxnSpPr>
-            <a:cxnSpLocks/>
-          </p:cNvCxnSpPr>
-          <p:nvPr/>
-        </p:nvCxnSpPr>
-        <p:spPr>
-          <a:xfrm>
-            <a:off x="6195611" y="794657"/>
-            <a:ext cx="0" cy="5910944"/>
-          </a:xfrm>
-          <a:prstGeom prst="line">
-            <a:avLst/>
-          </a:prstGeom>
-          <a:ln w="28575"/>
-        </p:spPr>
-        <p:style>
-          <a:lnRef idx="1">
-            <a:schemeClr val="accent1"/>
-          </a:lnRef>
-          <a:fillRef idx="0">
-            <a:schemeClr val="accent1"/>
-          </a:fillRef>
-          <a:effectRef idx="0">
-            <a:schemeClr val="accent1"/>
-          </a:effectRef>
-          <a:fontRef idx="minor">
-            <a:schemeClr val="tx1"/>
-          </a:fontRef>
-        </p:style>
-      </p:cxnSp>
-      <p:cxnSp>
-        <p:nvCxnSpPr>
-          <p:cNvPr id="39" name="Straight Connector 38">
-            <a:extLst>
-              <a:ext uri="{FF2B5EF4-FFF2-40B4-BE49-F238E27FC236}">
-                <a16:creationId xmlns:a16="http://schemas.microsoft.com/office/drawing/2014/main" id="{2EC00F0D-A713-DB47-A834-8C2B247DD946}"/>
-              </a:ext>
-            </a:extLst>
-          </p:cNvPr>
-          <p:cNvCxnSpPr>
-            <a:cxnSpLocks/>
-            <a:stCxn id="6" idx="2"/>
-          </p:cNvCxnSpPr>
-          <p:nvPr/>
-        </p:nvCxnSpPr>
-        <p:spPr>
-          <a:xfrm flipH="1">
-            <a:off x="8006439" y="798343"/>
-            <a:ext cx="20156" cy="5907258"/>
-          </a:xfrm>
-          <a:prstGeom prst="line">
-            <a:avLst/>
-          </a:prstGeom>
-          <a:ln w="28575"/>
-        </p:spPr>
-        <p:style>
-          <a:lnRef idx="1">
-            <a:schemeClr val="accent1"/>
-          </a:lnRef>
-          <a:fillRef idx="0">
-            <a:schemeClr val="accent1"/>
-          </a:fillRef>
-          <a:effectRef idx="0">
-            <a:schemeClr val="accent1"/>
-          </a:effectRef>
-          <a:fontRef idx="minor">
-            <a:schemeClr val="tx1"/>
-          </a:fontRef>
-        </p:style>
-      </p:cxnSp>
-      <p:cxnSp>
-        <p:nvCxnSpPr>
-          <p:cNvPr id="42" name="Straight Arrow Connector 41">
-            <a:extLst>
-              <a:ext uri="{FF2B5EF4-FFF2-40B4-BE49-F238E27FC236}">
-                <a16:creationId xmlns:a16="http://schemas.microsoft.com/office/drawing/2014/main" id="{F9897D18-5EB2-2547-B5ED-06BE0E5069A7}"/>
-              </a:ext>
-            </a:extLst>
-          </p:cNvPr>
-          <p:cNvCxnSpPr>
-            <a:cxnSpLocks/>
-          </p:cNvCxnSpPr>
-          <p:nvPr/>
-        </p:nvCxnSpPr>
-        <p:spPr>
-          <a:xfrm flipV="1">
-            <a:off x="1955350" y="2511268"/>
-            <a:ext cx="2160146" cy="8189"/>
-          </a:xfrm>
-          <a:prstGeom prst="straightConnector1">
-            <a:avLst/>
-          </a:prstGeom>
-          <a:ln>
-            <a:tailEnd type="triangle"/>
-          </a:ln>
-        </p:spPr>
-        <p:style>
-          <a:lnRef idx="1">
-            <a:schemeClr val="accent1"/>
-          </a:lnRef>
-          <a:fillRef idx="0">
-            <a:schemeClr val="accent1"/>
-          </a:fillRef>
-          <a:effectRef idx="0">
-            <a:schemeClr val="accent1"/>
-          </a:effectRef>
-          <a:fontRef idx="minor">
-            <a:schemeClr val="tx1"/>
-          </a:fontRef>
-        </p:style>
-      </p:cxnSp>
-      <p:sp>
-        <p:nvSpPr>
-          <p:cNvPr id="45" name="TextBox 44">
-            <a:extLst>
-              <a:ext uri="{FF2B5EF4-FFF2-40B4-BE49-F238E27FC236}">
-                <a16:creationId xmlns:a16="http://schemas.microsoft.com/office/drawing/2014/main" id="{E3D3DC39-C133-2147-860E-B2EE7661DA34}"/>
-              </a:ext>
-            </a:extLst>
-          </p:cNvPr>
-          <p:cNvSpPr txBox="1"/>
-          <p:nvPr/>
-        </p:nvSpPr>
-        <p:spPr>
-          <a:xfrm>
-            <a:off x="2071014" y="1796144"/>
-            <a:ext cx="1472563" cy="261610"/>
-          </a:xfrm>
-          <a:prstGeom prst="rect">
-            <a:avLst/>
-          </a:prstGeom>
-          <a:noFill/>
-        </p:spPr>
-        <p:txBody>
-          <a:bodyPr wrap="square" rtlCol="0">
-            <a:spAutoFit/>
-          </a:bodyPr>
-          <a:lstStyle/>
-          <a:p>
-            <a:r>
-              <a:rPr lang="en-US" sz="1100" dirty="0"/>
-              <a:t>Generate SAS token</a:t>
-            </a:r>
-          </a:p>
-        </p:txBody>
-      </p:sp>
-      <p:cxnSp>
-        <p:nvCxnSpPr>
-          <p:cNvPr id="47" name="Elbow Connector 46">
-            <a:extLst>
-              <a:ext uri="{FF2B5EF4-FFF2-40B4-BE49-F238E27FC236}">
-                <a16:creationId xmlns:a16="http://schemas.microsoft.com/office/drawing/2014/main" id="{1BEA8262-203A-0344-87D0-5E9950A01E62}"/>
-              </a:ext>
-            </a:extLst>
-          </p:cNvPr>
-          <p:cNvCxnSpPr>
-            <a:cxnSpLocks/>
-            <a:endCxn id="45" idx="0"/>
-          </p:cNvCxnSpPr>
-          <p:nvPr/>
-        </p:nvCxnSpPr>
-        <p:spPr>
-          <a:xfrm>
-            <a:off x="1908673" y="1647430"/>
-            <a:ext cx="898623" cy="148714"/>
-          </a:xfrm>
-          <a:prstGeom prst="bentConnector2">
-            <a:avLst/>
-          </a:prstGeom>
-          <a:ln>
-            <a:tailEnd type="triangle"/>
-          </a:ln>
-        </p:spPr>
-        <p:style>
-          <a:lnRef idx="1">
-            <a:schemeClr val="accent1"/>
-          </a:lnRef>
-          <a:fillRef idx="0">
-            <a:schemeClr val="accent1"/>
-          </a:fillRef>
-          <a:effectRef idx="0">
-            <a:schemeClr val="accent1"/>
-          </a:effectRef>
-          <a:fontRef idx="minor">
-            <a:schemeClr val="tx1"/>
-          </a:fontRef>
-        </p:style>
-      </p:cxnSp>
-      <p:cxnSp>
-        <p:nvCxnSpPr>
-          <p:cNvPr id="50" name="Elbow Connector 49">
-            <a:extLst>
-              <a:ext uri="{FF2B5EF4-FFF2-40B4-BE49-F238E27FC236}">
-                <a16:creationId xmlns:a16="http://schemas.microsoft.com/office/drawing/2014/main" id="{F2BAF9A1-A2DB-D049-B6F0-2A31832CCFBE}"/>
-              </a:ext>
-            </a:extLst>
-          </p:cNvPr>
-          <p:cNvCxnSpPr>
-            <a:cxnSpLocks/>
-            <a:stCxn id="45" idx="2"/>
-          </p:cNvCxnSpPr>
-          <p:nvPr/>
-        </p:nvCxnSpPr>
-        <p:spPr>
-          <a:xfrm rot="5400000">
-            <a:off x="2282438" y="1681610"/>
-            <a:ext cx="148714" cy="901003"/>
-          </a:xfrm>
-          <a:prstGeom prst="bentConnector2">
-            <a:avLst/>
-          </a:prstGeom>
-          <a:ln>
-            <a:tailEnd type="triangle"/>
-          </a:ln>
-        </p:spPr>
-        <p:style>
-          <a:lnRef idx="1">
-            <a:schemeClr val="accent1"/>
-          </a:lnRef>
-          <a:fillRef idx="0">
-            <a:schemeClr val="accent1"/>
-          </a:fillRef>
-          <a:effectRef idx="0">
-            <a:schemeClr val="accent1"/>
-          </a:effectRef>
-          <a:fontRef idx="minor">
-            <a:schemeClr val="tx1"/>
-          </a:fontRef>
-        </p:style>
-      </p:cxnSp>
-      <p:sp>
-        <p:nvSpPr>
-          <p:cNvPr id="59" name="TextBox 58">
-            <a:extLst>
-              <a:ext uri="{FF2B5EF4-FFF2-40B4-BE49-F238E27FC236}">
-                <a16:creationId xmlns:a16="http://schemas.microsoft.com/office/drawing/2014/main" id="{6CFEC49E-979F-994C-9B99-EE35147F8233}"/>
-              </a:ext>
-            </a:extLst>
-          </p:cNvPr>
-          <p:cNvSpPr txBox="1"/>
-          <p:nvPr/>
-        </p:nvSpPr>
-        <p:spPr>
-          <a:xfrm>
-            <a:off x="2209947" y="2514954"/>
-            <a:ext cx="1905549" cy="261610"/>
-          </a:xfrm>
-          <a:prstGeom prst="rect">
-            <a:avLst/>
-          </a:prstGeom>
-          <a:noFill/>
-        </p:spPr>
-        <p:txBody>
-          <a:bodyPr wrap="square" rtlCol="0">
-            <a:spAutoFit/>
-          </a:bodyPr>
-          <a:lstStyle/>
-          <a:p>
-            <a:r>
-              <a:rPr lang="en-US" sz="1100" dirty="0"/>
-              <a:t>Http Post (DeviceID, Message)</a:t>
-            </a:r>
-          </a:p>
-        </p:txBody>
-      </p:sp>
-      <p:cxnSp>
-        <p:nvCxnSpPr>
-          <p:cNvPr id="60" name="Straight Arrow Connector 59">
-            <a:extLst>
-              <a:ext uri="{FF2B5EF4-FFF2-40B4-BE49-F238E27FC236}">
-                <a16:creationId xmlns:a16="http://schemas.microsoft.com/office/drawing/2014/main" id="{D08DC89E-B7FC-2847-8D1B-885CBDF0A2EC}"/>
-              </a:ext>
-            </a:extLst>
-          </p:cNvPr>
-          <p:cNvCxnSpPr>
-            <a:cxnSpLocks/>
-            <a:stCxn id="62" idx="0"/>
-          </p:cNvCxnSpPr>
-          <p:nvPr/>
-        </p:nvCxnSpPr>
-        <p:spPr>
-          <a:xfrm>
-            <a:off x="4258354" y="2514955"/>
-            <a:ext cx="1917297" cy="65316"/>
-          </a:xfrm>
-          <a:prstGeom prst="straightConnector1">
-            <a:avLst/>
-          </a:prstGeom>
-          <a:ln>
-            <a:tailEnd type="triangle"/>
-          </a:ln>
-        </p:spPr>
-        <p:style>
-          <a:lnRef idx="1">
-            <a:schemeClr val="accent1"/>
-          </a:lnRef>
-          <a:fillRef idx="0">
-            <a:schemeClr val="accent1"/>
-          </a:fillRef>
-          <a:effectRef idx="0">
-            <a:schemeClr val="accent1"/>
-          </a:effectRef>
-          <a:fontRef idx="minor">
-            <a:schemeClr val="tx1"/>
-          </a:fontRef>
-        </p:style>
-      </p:cxnSp>
-      <p:sp>
-        <p:nvSpPr>
-          <p:cNvPr id="62" name="Rectangle 61">
-            <a:extLst>
-              <a:ext uri="{FF2B5EF4-FFF2-40B4-BE49-F238E27FC236}">
-                <a16:creationId xmlns:a16="http://schemas.microsoft.com/office/drawing/2014/main" id="{1E376013-6637-5641-84AA-9410D86CB8C9}"/>
-              </a:ext>
-            </a:extLst>
-          </p:cNvPr>
-          <p:cNvSpPr/>
-          <p:nvPr/>
-        </p:nvSpPr>
-        <p:spPr>
-          <a:xfrm>
-            <a:off x="4193724" y="2514955"/>
-            <a:ext cx="129260" cy="457195"/>
-          </a:xfrm>
-          <a:prstGeom prst="rect">
-            <a:avLst/>
-          </a:prstGeom>
-        </p:spPr>
-        <p:style>
-          <a:lnRef idx="2">
-            <a:schemeClr val="accent1">
-              <a:shade val="50000"/>
-            </a:schemeClr>
-          </a:lnRef>
-          <a:fillRef idx="1">
-            <a:schemeClr val="accent1"/>
-          </a:fillRef>
-          <a:effectRef idx="0">
-            <a:schemeClr val="accent1"/>
-          </a:effectRef>
-          <a:fontRef idx="minor">
-            <a:schemeClr val="lt1"/>
-          </a:fontRef>
-        </p:style>
-        <p:txBody>
-          <a:bodyPr rtlCol="0" anchor="ctr"/>
-          <a:lstStyle/>
-          <a:p>
-            <a:pPr algn="ctr"/>
-            <a:endParaRPr lang="en-US"/>
-          </a:p>
-        </p:txBody>
-      </p:sp>
-      <p:sp>
-        <p:nvSpPr>
-          <p:cNvPr id="67" name="TextBox 66">
-            <a:extLst>
-              <a:ext uri="{FF2B5EF4-FFF2-40B4-BE49-F238E27FC236}">
-                <a16:creationId xmlns:a16="http://schemas.microsoft.com/office/drawing/2014/main" id="{17DF8BF3-03A4-EF4C-91E5-AF227440A0A7}"/>
-              </a:ext>
-            </a:extLst>
-          </p:cNvPr>
-          <p:cNvSpPr txBox="1"/>
-          <p:nvPr/>
-        </p:nvSpPr>
-        <p:spPr>
-          <a:xfrm>
-            <a:off x="4545849" y="2373619"/>
-            <a:ext cx="1905549" cy="261610"/>
-          </a:xfrm>
-          <a:prstGeom prst="rect">
-            <a:avLst/>
-          </a:prstGeom>
-          <a:noFill/>
-        </p:spPr>
-        <p:txBody>
-          <a:bodyPr wrap="square" rtlCol="0">
-            <a:spAutoFit/>
-          </a:bodyPr>
-          <a:lstStyle/>
-          <a:p>
-            <a:r>
-              <a:rPr lang="en-US" sz="1100" dirty="0"/>
-              <a:t>Send (DeviceID, Message)</a:t>
-            </a:r>
-          </a:p>
-        </p:txBody>
-      </p:sp>
-      <p:pic>
-        <p:nvPicPr>
-          <p:cNvPr id="86" name="Graphic 85" descr="Web cam">
-            <a:extLst>
-              <a:ext uri="{FF2B5EF4-FFF2-40B4-BE49-F238E27FC236}">
-                <a16:creationId xmlns:a16="http://schemas.microsoft.com/office/drawing/2014/main" id="{D07D0607-C017-9A4B-BFC1-524446E5DE9A}"/>
-              </a:ext>
-            </a:extLst>
-          </p:cNvPr>
-          <p:cNvPicPr>
-            <a:picLocks noChangeAspect="1"/>
-          </p:cNvPicPr>
-          <p:nvPr/>
-        </p:nvPicPr>
-        <p:blipFill>
-          <a:blip r:embed="rId5">
-            <a:extLst>
-              <a:ext uri="{96DAC541-7B7A-43D3-8B79-37D633B846F1}">
-                <asvg:svgBlip xmlns:asvg="http://schemas.microsoft.com/office/drawing/2016/SVG/main" r:embed="rId6"/>
-              </a:ext>
-            </a:extLst>
-          </a:blip>
-          <a:stretch>
-            <a:fillRect/>
-          </a:stretch>
-        </p:blipFill>
-        <p:spPr>
-          <a:xfrm>
-            <a:off x="11296813" y="112543"/>
-            <a:ext cx="914400" cy="914400"/>
-          </a:xfrm>
-          <a:prstGeom prst="rect">
-            <a:avLst/>
-          </a:prstGeom>
-        </p:spPr>
-      </p:pic>
-      <p:pic>
-        <p:nvPicPr>
-          <p:cNvPr id="88" name="Graphic 87" descr="Television">
-            <a:extLst>
-              <a:ext uri="{FF2B5EF4-FFF2-40B4-BE49-F238E27FC236}">
-                <a16:creationId xmlns:a16="http://schemas.microsoft.com/office/drawing/2014/main" id="{60CD9A0A-6FF5-1545-97A9-983593ED66EF}"/>
-              </a:ext>
-            </a:extLst>
-          </p:cNvPr>
-          <p:cNvPicPr>
-            <a:picLocks noChangeAspect="1"/>
-          </p:cNvPicPr>
-          <p:nvPr/>
-        </p:nvPicPr>
-        <p:blipFill>
-          <a:blip r:embed="rId7">
-            <a:extLst>
-              <a:ext uri="{96DAC541-7B7A-43D3-8B79-37D633B846F1}">
-                <asvg:svgBlip xmlns:asvg="http://schemas.microsoft.com/office/drawing/2016/SVG/main" r:embed="rId8"/>
-              </a:ext>
-            </a:extLst>
-          </a:blip>
-          <a:stretch>
-            <a:fillRect/>
-          </a:stretch>
-        </p:blipFill>
-        <p:spPr>
-          <a:xfrm>
-            <a:off x="10179251" y="112543"/>
-            <a:ext cx="914400" cy="914400"/>
-          </a:xfrm>
-          <a:prstGeom prst="rect">
-            <a:avLst/>
-          </a:prstGeom>
-        </p:spPr>
-      </p:pic>
-      <p:cxnSp>
-        <p:nvCxnSpPr>
-          <p:cNvPr id="89" name="Straight Connector 88">
-            <a:extLst>
-              <a:ext uri="{FF2B5EF4-FFF2-40B4-BE49-F238E27FC236}">
-                <a16:creationId xmlns:a16="http://schemas.microsoft.com/office/drawing/2014/main" id="{D6399AA7-6E26-DA41-BBDD-26D48048775D}"/>
-              </a:ext>
-            </a:extLst>
-          </p:cNvPr>
-          <p:cNvCxnSpPr>
-            <a:cxnSpLocks/>
-          </p:cNvCxnSpPr>
-          <p:nvPr/>
-        </p:nvCxnSpPr>
-        <p:spPr>
-          <a:xfrm flipH="1">
-            <a:off x="11740569" y="838199"/>
-            <a:ext cx="20156" cy="5907258"/>
-          </a:xfrm>
-          <a:prstGeom prst="line">
-            <a:avLst/>
-          </a:prstGeom>
-          <a:ln w="28575"/>
-        </p:spPr>
-        <p:style>
-          <a:lnRef idx="1">
-            <a:schemeClr val="accent1"/>
-          </a:lnRef>
-          <a:fillRef idx="0">
-            <a:schemeClr val="accent1"/>
-          </a:fillRef>
-          <a:effectRef idx="0">
-            <a:schemeClr val="accent1"/>
-          </a:effectRef>
-          <a:fontRef idx="minor">
-            <a:schemeClr val="tx1"/>
-          </a:fontRef>
-        </p:style>
-      </p:cxnSp>
-      <p:cxnSp>
-        <p:nvCxnSpPr>
-          <p:cNvPr id="90" name="Straight Connector 89">
-            <a:extLst>
-              <a:ext uri="{FF2B5EF4-FFF2-40B4-BE49-F238E27FC236}">
-                <a16:creationId xmlns:a16="http://schemas.microsoft.com/office/drawing/2014/main" id="{ED917768-9A2C-3B46-81DA-3620E8EDB6BF}"/>
-              </a:ext>
-            </a:extLst>
-          </p:cNvPr>
-          <p:cNvCxnSpPr>
-            <a:cxnSpLocks/>
-          </p:cNvCxnSpPr>
-          <p:nvPr/>
-        </p:nvCxnSpPr>
-        <p:spPr>
-          <a:xfrm flipH="1">
-            <a:off x="10618893" y="798343"/>
-            <a:ext cx="20156" cy="5907258"/>
-          </a:xfrm>
-          <a:prstGeom prst="line">
-            <a:avLst/>
-          </a:prstGeom>
-          <a:ln w="28575"/>
-        </p:spPr>
-        <p:style>
-          <a:lnRef idx="1">
-            <a:schemeClr val="accent1"/>
-          </a:lnRef>
-          <a:fillRef idx="0">
-            <a:schemeClr val="accent1"/>
-          </a:fillRef>
-          <a:effectRef idx="0">
-            <a:schemeClr val="accent1"/>
-          </a:effectRef>
-          <a:fontRef idx="minor">
-            <a:schemeClr val="tx1"/>
-          </a:fontRef>
-        </p:style>
-      </p:cxnSp>
-      <p:cxnSp>
-        <p:nvCxnSpPr>
-          <p:cNvPr id="29" name="Straight Arrow Connector 28">
-            <a:extLst>
-              <a:ext uri="{FF2B5EF4-FFF2-40B4-BE49-F238E27FC236}">
-                <a16:creationId xmlns:a16="http://schemas.microsoft.com/office/drawing/2014/main" id="{925B9F35-A8D5-F74E-AB4D-6A8817F28B03}"/>
-              </a:ext>
-            </a:extLst>
-          </p:cNvPr>
-          <p:cNvCxnSpPr>
-            <a:cxnSpLocks/>
-          </p:cNvCxnSpPr>
-          <p:nvPr/>
-        </p:nvCxnSpPr>
-        <p:spPr>
-          <a:xfrm flipH="1">
-            <a:off x="4377379" y="2961271"/>
-            <a:ext cx="1928902" cy="0"/>
-          </a:xfrm>
-          <a:prstGeom prst="straightConnector1">
-            <a:avLst/>
-          </a:prstGeom>
-          <a:ln>
-            <a:tailEnd type="triangle"/>
-          </a:ln>
-        </p:spPr>
-        <p:style>
-          <a:lnRef idx="1">
-            <a:schemeClr val="accent1"/>
-          </a:lnRef>
-          <a:fillRef idx="0">
-            <a:schemeClr val="accent1"/>
-          </a:fillRef>
-          <a:effectRef idx="0">
-            <a:schemeClr val="accent1"/>
-          </a:effectRef>
-          <a:fontRef idx="minor">
-            <a:schemeClr val="tx1"/>
-          </a:fontRef>
-        </p:style>
-      </p:cxnSp>
-      <p:sp>
-        <p:nvSpPr>
-          <p:cNvPr id="30" name="TextBox 29">
-            <a:extLst>
-              <a:ext uri="{FF2B5EF4-FFF2-40B4-BE49-F238E27FC236}">
-                <a16:creationId xmlns:a16="http://schemas.microsoft.com/office/drawing/2014/main" id="{C9B14D82-987D-9740-AE6D-C4D9D343E7B6}"/>
-              </a:ext>
-            </a:extLst>
-          </p:cNvPr>
-          <p:cNvSpPr txBox="1"/>
-          <p:nvPr/>
-        </p:nvSpPr>
-        <p:spPr>
-          <a:xfrm>
-            <a:off x="4499677" y="2712918"/>
-            <a:ext cx="1905549" cy="261610"/>
-          </a:xfrm>
-          <a:prstGeom prst="rect">
-            <a:avLst/>
-          </a:prstGeom>
-          <a:noFill/>
-        </p:spPr>
-        <p:txBody>
-          <a:bodyPr wrap="square" rtlCol="0">
-            <a:spAutoFit/>
-          </a:bodyPr>
-          <a:lstStyle/>
-          <a:p>
-            <a:r>
-              <a:rPr lang="en-US" sz="1100" dirty="0"/>
-              <a:t>200 OK, Return Message</a:t>
-            </a:r>
-          </a:p>
-        </p:txBody>
-      </p:sp>
-      <p:cxnSp>
-        <p:nvCxnSpPr>
-          <p:cNvPr id="31" name="Straight Arrow Connector 30">
-            <a:extLst>
-              <a:ext uri="{FF2B5EF4-FFF2-40B4-BE49-F238E27FC236}">
-                <a16:creationId xmlns:a16="http://schemas.microsoft.com/office/drawing/2014/main" id="{B88A62F5-31EC-4E4F-ABD4-1D12EF8320A5}"/>
-              </a:ext>
-            </a:extLst>
-          </p:cNvPr>
-          <p:cNvCxnSpPr>
-            <a:cxnSpLocks/>
-          </p:cNvCxnSpPr>
-          <p:nvPr/>
-        </p:nvCxnSpPr>
-        <p:spPr>
-          <a:xfrm flipH="1">
-            <a:off x="1955350" y="2961271"/>
-            <a:ext cx="2171144" cy="0"/>
-          </a:xfrm>
-          <a:prstGeom prst="straightConnector1">
-            <a:avLst/>
-          </a:prstGeom>
-          <a:ln>
-            <a:tailEnd type="triangle"/>
-          </a:ln>
-        </p:spPr>
-        <p:style>
-          <a:lnRef idx="1">
-            <a:schemeClr val="accent1"/>
-          </a:lnRef>
-          <a:fillRef idx="0">
-            <a:schemeClr val="accent1"/>
-          </a:fillRef>
-          <a:effectRef idx="0">
-            <a:schemeClr val="accent1"/>
-          </a:effectRef>
-          <a:fontRef idx="minor">
-            <a:schemeClr val="tx1"/>
-          </a:fontRef>
-        </p:style>
-      </p:cxnSp>
-      <p:sp>
-        <p:nvSpPr>
-          <p:cNvPr id="32" name="TextBox 31">
-            <a:extLst>
-              <a:ext uri="{FF2B5EF4-FFF2-40B4-BE49-F238E27FC236}">
-                <a16:creationId xmlns:a16="http://schemas.microsoft.com/office/drawing/2014/main" id="{52593E24-F28E-0D4B-8BE6-5BB9A5A3FF8A}"/>
-              </a:ext>
-            </a:extLst>
-          </p:cNvPr>
-          <p:cNvSpPr txBox="1"/>
-          <p:nvPr/>
-        </p:nvSpPr>
-        <p:spPr>
-          <a:xfrm>
-            <a:off x="2319890" y="2712918"/>
-            <a:ext cx="1905549" cy="261610"/>
-          </a:xfrm>
-          <a:prstGeom prst="rect">
-            <a:avLst/>
-          </a:prstGeom>
-          <a:noFill/>
-        </p:spPr>
-        <p:txBody>
-          <a:bodyPr wrap="square" rtlCol="0">
-            <a:spAutoFit/>
-          </a:bodyPr>
-          <a:lstStyle/>
-          <a:p>
-            <a:r>
-              <a:rPr lang="en-US" sz="1100" dirty="0"/>
-              <a:t>200 OK</a:t>
-            </a:r>
-            <a:r>
-              <a:rPr lang="en-US" sz="1100" b="1" dirty="0"/>
-              <a:t>, </a:t>
-            </a:r>
-            <a:r>
-              <a:rPr lang="en-US" sz="1100" dirty="0"/>
-              <a:t>Return Message</a:t>
-            </a:r>
-          </a:p>
-        </p:txBody>
-      </p:sp>
-      <p:cxnSp>
-        <p:nvCxnSpPr>
-          <p:cNvPr id="36" name="Straight Arrow Connector 35">
-            <a:extLst>
-              <a:ext uri="{FF2B5EF4-FFF2-40B4-BE49-F238E27FC236}">
-                <a16:creationId xmlns:a16="http://schemas.microsoft.com/office/drawing/2014/main" id="{365F5440-6280-474D-BBDB-01AE4F8ADE42}"/>
-              </a:ext>
-            </a:extLst>
-          </p:cNvPr>
-          <p:cNvCxnSpPr>
-            <a:cxnSpLocks/>
-          </p:cNvCxnSpPr>
-          <p:nvPr/>
-        </p:nvCxnSpPr>
-        <p:spPr>
-          <a:xfrm>
-            <a:off x="6195611" y="2695827"/>
-            <a:ext cx="4423282" cy="0"/>
-          </a:xfrm>
-          <a:prstGeom prst="straightConnector1">
-            <a:avLst/>
-          </a:prstGeom>
-          <a:ln>
-            <a:tailEnd type="triangle"/>
-          </a:ln>
-        </p:spPr>
-        <p:style>
-          <a:lnRef idx="1">
-            <a:schemeClr val="accent1"/>
-          </a:lnRef>
-          <a:fillRef idx="0">
-            <a:schemeClr val="accent1"/>
-          </a:fillRef>
-          <a:effectRef idx="0">
-            <a:schemeClr val="accent1"/>
-          </a:effectRef>
-          <a:fontRef idx="minor">
-            <a:schemeClr val="tx1"/>
-          </a:fontRef>
-        </p:style>
-      </p:cxnSp>
-      <p:sp>
-        <p:nvSpPr>
-          <p:cNvPr id="37" name="TextBox 36">
-            <a:extLst>
-              <a:ext uri="{FF2B5EF4-FFF2-40B4-BE49-F238E27FC236}">
-                <a16:creationId xmlns:a16="http://schemas.microsoft.com/office/drawing/2014/main" id="{5F3600EC-E8E3-7D47-A3B7-029E659D1F78}"/>
-              </a:ext>
-            </a:extLst>
-          </p:cNvPr>
-          <p:cNvSpPr txBox="1"/>
-          <p:nvPr/>
-        </p:nvSpPr>
-        <p:spPr>
-          <a:xfrm>
-            <a:off x="6366969" y="2434217"/>
-            <a:ext cx="4036973" cy="261610"/>
-          </a:xfrm>
-          <a:prstGeom prst="rect">
-            <a:avLst/>
-          </a:prstGeom>
-          <a:noFill/>
-        </p:spPr>
-        <p:txBody>
-          <a:bodyPr wrap="square" rtlCol="0">
-            <a:spAutoFit/>
-          </a:bodyPr>
-          <a:lstStyle/>
-          <a:p>
-            <a:r>
-              <a:rPr lang="en-US" sz="1100" dirty="0"/>
-              <a:t>Display Message</a:t>
-            </a:r>
-          </a:p>
-        </p:txBody>
-      </p:sp>
-      <p:sp>
-        <p:nvSpPr>
-          <p:cNvPr id="10" name="Rectangle 9">
-            <a:extLst>
-              <a:ext uri="{FF2B5EF4-FFF2-40B4-BE49-F238E27FC236}">
-                <a16:creationId xmlns:a16="http://schemas.microsoft.com/office/drawing/2014/main" id="{2F8A1CD6-4745-6745-A8AC-007806D1221D}"/>
-              </a:ext>
-            </a:extLst>
-          </p:cNvPr>
-          <p:cNvSpPr/>
-          <p:nvPr/>
-        </p:nvSpPr>
-        <p:spPr>
-          <a:xfrm>
-            <a:off x="10587037" y="2712918"/>
-            <a:ext cx="135391" cy="1184161"/>
-          </a:xfrm>
-          <a:prstGeom prst="rect">
-            <a:avLst/>
-          </a:prstGeom>
-        </p:spPr>
-        <p:style>
-          <a:lnRef idx="2">
-            <a:schemeClr val="accent1">
-              <a:shade val="50000"/>
-            </a:schemeClr>
-          </a:lnRef>
-          <a:fillRef idx="1">
-            <a:schemeClr val="accent1"/>
-          </a:fillRef>
-          <a:effectRef idx="0">
-            <a:schemeClr val="accent1"/>
-          </a:effectRef>
-          <a:fontRef idx="minor">
-            <a:schemeClr val="lt1"/>
-          </a:fontRef>
-        </p:style>
-        <p:txBody>
-          <a:bodyPr rtlCol="0" anchor="ctr"/>
-          <a:lstStyle/>
-          <a:p>
-            <a:pPr algn="ctr"/>
-            <a:endParaRPr lang="en-US"/>
-          </a:p>
-        </p:txBody>
-      </p:sp>
-      <p:sp>
-        <p:nvSpPr>
-          <p:cNvPr id="41" name="Rectangle 40">
-            <a:extLst>
-              <a:ext uri="{FF2B5EF4-FFF2-40B4-BE49-F238E27FC236}">
-                <a16:creationId xmlns:a16="http://schemas.microsoft.com/office/drawing/2014/main" id="{19F01CFC-A84F-C94B-86D8-6498EBDB4388}"/>
-              </a:ext>
-            </a:extLst>
-          </p:cNvPr>
-          <p:cNvSpPr/>
-          <p:nvPr/>
-        </p:nvSpPr>
-        <p:spPr>
-          <a:xfrm>
-            <a:off x="1788058" y="3142246"/>
-            <a:ext cx="153762" cy="2901036"/>
-          </a:xfrm>
-          <a:prstGeom prst="rect">
-            <a:avLst/>
-          </a:prstGeom>
-        </p:spPr>
-        <p:style>
-          <a:lnRef idx="2">
-            <a:schemeClr val="accent1">
-              <a:shade val="50000"/>
-            </a:schemeClr>
-          </a:lnRef>
-          <a:fillRef idx="1">
-            <a:schemeClr val="accent1"/>
-          </a:fillRef>
-          <a:effectRef idx="0">
-            <a:schemeClr val="accent1"/>
-          </a:effectRef>
-          <a:fontRef idx="minor">
-            <a:schemeClr val="lt1"/>
-          </a:fontRef>
-        </p:style>
-        <p:txBody>
-          <a:bodyPr rtlCol="0" anchor="ctr"/>
-          <a:lstStyle/>
-          <a:p>
-            <a:pPr algn="ctr"/>
-            <a:endParaRPr lang="en-US"/>
-          </a:p>
-        </p:txBody>
-      </p:sp>
-      <p:sp>
-        <p:nvSpPr>
-          <p:cNvPr id="43" name="TextBox 42">
-            <a:extLst>
-              <a:ext uri="{FF2B5EF4-FFF2-40B4-BE49-F238E27FC236}">
-                <a16:creationId xmlns:a16="http://schemas.microsoft.com/office/drawing/2014/main" id="{9550B267-BD9A-3F49-AADB-F6A1A8BF714A}"/>
-              </a:ext>
-            </a:extLst>
-          </p:cNvPr>
-          <p:cNvSpPr txBox="1"/>
-          <p:nvPr/>
-        </p:nvSpPr>
-        <p:spPr>
-          <a:xfrm>
-            <a:off x="979183" y="3055553"/>
-            <a:ext cx="1051741" cy="938719"/>
-          </a:xfrm>
-          <a:prstGeom prst="rect">
-            <a:avLst/>
-          </a:prstGeom>
-          <a:noFill/>
-        </p:spPr>
-        <p:txBody>
-          <a:bodyPr wrap="square" rtlCol="0">
-            <a:spAutoFit/>
-          </a:bodyPr>
-          <a:lstStyle/>
-          <a:p>
-            <a:r>
-              <a:rPr lang="en-US" sz="1100" dirty="0"/>
-              <a:t>Send a Message to View Camera at a Remote Location</a:t>
-            </a:r>
-          </a:p>
-        </p:txBody>
-      </p:sp>
-      <p:cxnSp>
-        <p:nvCxnSpPr>
-          <p:cNvPr id="44" name="Straight Arrow Connector 43">
-            <a:extLst>
-              <a:ext uri="{FF2B5EF4-FFF2-40B4-BE49-F238E27FC236}">
-                <a16:creationId xmlns:a16="http://schemas.microsoft.com/office/drawing/2014/main" id="{37A5BA71-2BA4-3246-90F9-757253E03E31}"/>
-              </a:ext>
-            </a:extLst>
-          </p:cNvPr>
-          <p:cNvCxnSpPr>
-            <a:cxnSpLocks/>
-            <a:stCxn id="46" idx="3"/>
-          </p:cNvCxnSpPr>
-          <p:nvPr/>
-        </p:nvCxnSpPr>
-        <p:spPr>
-          <a:xfrm>
-            <a:off x="1006827" y="3251496"/>
-            <a:ext cx="732222" cy="0"/>
-          </a:xfrm>
-          <a:prstGeom prst="straightConnector1">
-            <a:avLst/>
-          </a:prstGeom>
-          <a:ln>
-            <a:tailEnd type="triangle"/>
-          </a:ln>
-        </p:spPr>
-        <p:style>
-          <a:lnRef idx="1">
-            <a:schemeClr val="accent1"/>
-          </a:lnRef>
-          <a:fillRef idx="0">
-            <a:schemeClr val="accent1"/>
-          </a:fillRef>
-          <a:effectRef idx="0">
-            <a:schemeClr val="accent1"/>
-          </a:effectRef>
-          <a:fontRef idx="minor">
-            <a:schemeClr val="tx1"/>
-          </a:fontRef>
-        </p:style>
-      </p:cxnSp>
-      <p:pic>
-        <p:nvPicPr>
-          <p:cNvPr id="46" name="Graphic 45" descr="User">
-            <a:extLst>
-              <a:ext uri="{FF2B5EF4-FFF2-40B4-BE49-F238E27FC236}">
-                <a16:creationId xmlns:a16="http://schemas.microsoft.com/office/drawing/2014/main" id="{7A5C1783-8E5F-DC42-8A00-80C22C9E7F45}"/>
-              </a:ext>
-            </a:extLst>
-          </p:cNvPr>
-          <p:cNvPicPr>
-            <a:picLocks noChangeAspect="1"/>
-          </p:cNvPicPr>
-          <p:nvPr/>
-        </p:nvPicPr>
-        <p:blipFill>
-          <a:blip r:embed="rId3">
-            <a:extLst>
-              <a:ext uri="{96DAC541-7B7A-43D3-8B79-37D633B846F1}">
-                <asvg:svgBlip xmlns:asvg="http://schemas.microsoft.com/office/drawing/2016/SVG/main" r:embed="rId4"/>
-              </a:ext>
-            </a:extLst>
-          </a:blip>
-          <a:stretch>
-            <a:fillRect/>
-          </a:stretch>
-        </p:blipFill>
-        <p:spPr>
-          <a:xfrm>
-            <a:off x="92427" y="2794296"/>
-            <a:ext cx="914400" cy="914400"/>
-          </a:xfrm>
-          <a:prstGeom prst="rect">
-            <a:avLst/>
-          </a:prstGeom>
-        </p:spPr>
-      </p:pic>
-      <p:cxnSp>
-        <p:nvCxnSpPr>
-          <p:cNvPr id="48" name="Straight Arrow Connector 47">
-            <a:extLst>
-              <a:ext uri="{FF2B5EF4-FFF2-40B4-BE49-F238E27FC236}">
-                <a16:creationId xmlns:a16="http://schemas.microsoft.com/office/drawing/2014/main" id="{DAB9A6DA-0DD6-DA4E-B4EA-29570C79BDAA}"/>
-              </a:ext>
-            </a:extLst>
-          </p:cNvPr>
-          <p:cNvCxnSpPr>
-            <a:cxnSpLocks/>
-          </p:cNvCxnSpPr>
-          <p:nvPr/>
-        </p:nvCxnSpPr>
-        <p:spPr>
-          <a:xfrm flipV="1">
-            <a:off x="1944517" y="4380278"/>
-            <a:ext cx="2160146" cy="8189"/>
-          </a:xfrm>
-          <a:prstGeom prst="straightConnector1">
-            <a:avLst/>
-          </a:prstGeom>
-          <a:ln>
-            <a:tailEnd type="triangle"/>
-          </a:ln>
-        </p:spPr>
-        <p:style>
-          <a:lnRef idx="1">
-            <a:schemeClr val="accent1"/>
-          </a:lnRef>
-          <a:fillRef idx="0">
-            <a:schemeClr val="accent1"/>
-          </a:fillRef>
-          <a:effectRef idx="0">
-            <a:schemeClr val="accent1"/>
-          </a:effectRef>
-          <a:fontRef idx="minor">
-            <a:schemeClr val="tx1"/>
-          </a:fontRef>
-        </p:style>
-      </p:cxnSp>
-      <p:sp>
-        <p:nvSpPr>
-          <p:cNvPr id="49" name="TextBox 48">
-            <a:extLst>
-              <a:ext uri="{FF2B5EF4-FFF2-40B4-BE49-F238E27FC236}">
-                <a16:creationId xmlns:a16="http://schemas.microsoft.com/office/drawing/2014/main" id="{EA4D8E4D-1D44-9246-9BD6-FBE2BC3CA31C}"/>
-              </a:ext>
-            </a:extLst>
-          </p:cNvPr>
-          <p:cNvSpPr txBox="1"/>
-          <p:nvPr/>
-        </p:nvSpPr>
-        <p:spPr>
-          <a:xfrm>
-            <a:off x="2060181" y="3665154"/>
-            <a:ext cx="1472563" cy="261610"/>
-          </a:xfrm>
-          <a:prstGeom prst="rect">
-            <a:avLst/>
-          </a:prstGeom>
-          <a:noFill/>
-        </p:spPr>
-        <p:txBody>
-          <a:bodyPr wrap="square" rtlCol="0">
-            <a:spAutoFit/>
-          </a:bodyPr>
-          <a:lstStyle/>
-          <a:p>
-            <a:r>
-              <a:rPr lang="en-US" sz="1100" dirty="0"/>
-              <a:t>Generate SAS token</a:t>
-            </a:r>
-          </a:p>
-        </p:txBody>
-      </p:sp>
-      <p:cxnSp>
-        <p:nvCxnSpPr>
-          <p:cNvPr id="51" name="Elbow Connector 50">
-            <a:extLst>
-              <a:ext uri="{FF2B5EF4-FFF2-40B4-BE49-F238E27FC236}">
-                <a16:creationId xmlns:a16="http://schemas.microsoft.com/office/drawing/2014/main" id="{1EBB6DB2-8150-DA44-A995-9F74A8A1B462}"/>
-              </a:ext>
-            </a:extLst>
-          </p:cNvPr>
-          <p:cNvCxnSpPr>
-            <a:cxnSpLocks/>
-            <a:endCxn id="49" idx="0"/>
-          </p:cNvCxnSpPr>
-          <p:nvPr/>
-        </p:nvCxnSpPr>
-        <p:spPr>
-          <a:xfrm>
-            <a:off x="1897840" y="3516440"/>
-            <a:ext cx="898623" cy="148714"/>
-          </a:xfrm>
-          <a:prstGeom prst="bentConnector2">
-            <a:avLst/>
-          </a:prstGeom>
-          <a:ln>
-            <a:tailEnd type="triangle"/>
-          </a:ln>
-        </p:spPr>
-        <p:style>
-          <a:lnRef idx="1">
-            <a:schemeClr val="accent1"/>
-          </a:lnRef>
-          <a:fillRef idx="0">
-            <a:schemeClr val="accent1"/>
-          </a:fillRef>
-          <a:effectRef idx="0">
-            <a:schemeClr val="accent1"/>
-          </a:effectRef>
-          <a:fontRef idx="minor">
-            <a:schemeClr val="tx1"/>
-          </a:fontRef>
-        </p:style>
-      </p:cxnSp>
-      <p:cxnSp>
-        <p:nvCxnSpPr>
-          <p:cNvPr id="52" name="Elbow Connector 51">
-            <a:extLst>
-              <a:ext uri="{FF2B5EF4-FFF2-40B4-BE49-F238E27FC236}">
-                <a16:creationId xmlns:a16="http://schemas.microsoft.com/office/drawing/2014/main" id="{550A5299-A62D-BD4E-A88B-2F2EDB1F2438}"/>
-              </a:ext>
-            </a:extLst>
-          </p:cNvPr>
-          <p:cNvCxnSpPr>
-            <a:cxnSpLocks/>
-            <a:stCxn id="49" idx="2"/>
-          </p:cNvCxnSpPr>
-          <p:nvPr/>
-        </p:nvCxnSpPr>
-        <p:spPr>
-          <a:xfrm rot="5400000">
-            <a:off x="2271605" y="3550620"/>
-            <a:ext cx="148714" cy="901003"/>
-          </a:xfrm>
-          <a:prstGeom prst="bentConnector2">
-            <a:avLst/>
-          </a:prstGeom>
-          <a:ln>
-            <a:tailEnd type="triangle"/>
-          </a:ln>
-        </p:spPr>
-        <p:style>
-          <a:lnRef idx="1">
-            <a:schemeClr val="accent1"/>
-          </a:lnRef>
-          <a:fillRef idx="0">
-            <a:schemeClr val="accent1"/>
-          </a:fillRef>
-          <a:effectRef idx="0">
-            <a:schemeClr val="accent1"/>
-          </a:effectRef>
-          <a:fontRef idx="minor">
-            <a:schemeClr val="tx1"/>
-          </a:fontRef>
-        </p:style>
-      </p:cxnSp>
-      <p:sp>
-        <p:nvSpPr>
-          <p:cNvPr id="53" name="TextBox 52">
-            <a:extLst>
-              <a:ext uri="{FF2B5EF4-FFF2-40B4-BE49-F238E27FC236}">
-                <a16:creationId xmlns:a16="http://schemas.microsoft.com/office/drawing/2014/main" id="{987FEA91-AA84-7E44-A353-37B408818DD0}"/>
-              </a:ext>
-            </a:extLst>
-          </p:cNvPr>
-          <p:cNvSpPr txBox="1"/>
-          <p:nvPr/>
-        </p:nvSpPr>
-        <p:spPr>
-          <a:xfrm>
-            <a:off x="2199114" y="4383964"/>
-            <a:ext cx="1905549" cy="430887"/>
-          </a:xfrm>
-          <a:prstGeom prst="rect">
-            <a:avLst/>
-          </a:prstGeom>
-          <a:noFill/>
-        </p:spPr>
-        <p:txBody>
-          <a:bodyPr wrap="square" rtlCol="0">
-            <a:spAutoFit/>
-          </a:bodyPr>
-          <a:lstStyle/>
-          <a:p>
-            <a:r>
-              <a:rPr lang="en-US" sz="1100" dirty="0"/>
-              <a:t>Http Post (DeviceID, Message)</a:t>
-            </a:r>
-            <a:br>
-              <a:rPr lang="en-US" sz="1100" dirty="0"/>
-            </a:br>
-            <a:r>
-              <a:rPr lang="en-US" sz="1100" dirty="0"/>
-              <a:t>- </a:t>
-            </a:r>
-            <a:r>
-              <a:rPr lang="en-US" sz="1100" dirty="0" err="1"/>
-              <a:t>GraphInstanceActivate</a:t>
-            </a:r>
-            <a:endParaRPr lang="en-US" sz="1100" dirty="0"/>
-          </a:p>
-        </p:txBody>
-      </p:sp>
-      <p:cxnSp>
-        <p:nvCxnSpPr>
-          <p:cNvPr id="54" name="Straight Arrow Connector 53">
-            <a:extLst>
-              <a:ext uri="{FF2B5EF4-FFF2-40B4-BE49-F238E27FC236}">
-                <a16:creationId xmlns:a16="http://schemas.microsoft.com/office/drawing/2014/main" id="{206AC8B2-476F-5C4D-AA68-4E921C9F7F45}"/>
-              </a:ext>
-            </a:extLst>
-          </p:cNvPr>
-          <p:cNvCxnSpPr>
-            <a:cxnSpLocks/>
-            <a:stCxn id="55" idx="0"/>
-            <a:endCxn id="69" idx="0"/>
-          </p:cNvCxnSpPr>
-          <p:nvPr/>
-        </p:nvCxnSpPr>
-        <p:spPr>
-          <a:xfrm>
-            <a:off x="4250832" y="4383965"/>
-            <a:ext cx="3766093" cy="44640"/>
-          </a:xfrm>
-          <a:prstGeom prst="straightConnector1">
-            <a:avLst/>
-          </a:prstGeom>
-          <a:ln>
-            <a:tailEnd type="triangle"/>
-          </a:ln>
-        </p:spPr>
-        <p:style>
-          <a:lnRef idx="1">
-            <a:schemeClr val="accent1"/>
-          </a:lnRef>
-          <a:fillRef idx="0">
-            <a:schemeClr val="accent1"/>
-          </a:fillRef>
-          <a:effectRef idx="0">
-            <a:schemeClr val="accent1"/>
-          </a:effectRef>
-          <a:fontRef idx="minor">
-            <a:schemeClr val="tx1"/>
-          </a:fontRef>
-        </p:style>
-      </p:cxnSp>
-      <p:sp>
-        <p:nvSpPr>
-          <p:cNvPr id="55" name="Rectangle 54">
-            <a:extLst>
-              <a:ext uri="{FF2B5EF4-FFF2-40B4-BE49-F238E27FC236}">
-                <a16:creationId xmlns:a16="http://schemas.microsoft.com/office/drawing/2014/main" id="{E7261765-ACF5-1840-8C27-8D1B2B3B69BE}"/>
-              </a:ext>
-            </a:extLst>
-          </p:cNvPr>
-          <p:cNvSpPr/>
-          <p:nvPr/>
-        </p:nvSpPr>
-        <p:spPr>
-          <a:xfrm>
-            <a:off x="4182891" y="4383965"/>
-            <a:ext cx="135882" cy="800698"/>
-          </a:xfrm>
-          <a:prstGeom prst="rect">
-            <a:avLst/>
-          </a:prstGeom>
-        </p:spPr>
-        <p:style>
-          <a:lnRef idx="2">
-            <a:schemeClr val="accent1">
-              <a:shade val="50000"/>
-            </a:schemeClr>
-          </a:lnRef>
-          <a:fillRef idx="1">
-            <a:schemeClr val="accent1"/>
-          </a:fillRef>
-          <a:effectRef idx="0">
-            <a:schemeClr val="accent1"/>
-          </a:effectRef>
-          <a:fontRef idx="minor">
-            <a:schemeClr val="lt1"/>
-          </a:fontRef>
-        </p:style>
-        <p:txBody>
-          <a:bodyPr rtlCol="0" anchor="ctr"/>
-          <a:lstStyle/>
-          <a:p>
-            <a:pPr algn="ctr"/>
-            <a:endParaRPr lang="en-US"/>
-          </a:p>
-        </p:txBody>
-      </p:sp>
-      <p:sp>
-        <p:nvSpPr>
-          <p:cNvPr id="56" name="TextBox 55">
-            <a:extLst>
-              <a:ext uri="{FF2B5EF4-FFF2-40B4-BE49-F238E27FC236}">
-                <a16:creationId xmlns:a16="http://schemas.microsoft.com/office/drawing/2014/main" id="{BD79DA74-09E7-5449-A4F2-B89296BAF81D}"/>
-              </a:ext>
-            </a:extLst>
-          </p:cNvPr>
-          <p:cNvSpPr txBox="1"/>
-          <p:nvPr/>
-        </p:nvSpPr>
-        <p:spPr>
-          <a:xfrm>
-            <a:off x="4379381" y="4348686"/>
-            <a:ext cx="1905549" cy="261610"/>
-          </a:xfrm>
-          <a:prstGeom prst="rect">
-            <a:avLst/>
-          </a:prstGeom>
-          <a:noFill/>
-        </p:spPr>
-        <p:txBody>
-          <a:bodyPr wrap="square" rtlCol="0">
-            <a:spAutoFit/>
-          </a:bodyPr>
-          <a:lstStyle/>
-          <a:p>
-            <a:r>
-              <a:rPr lang="en-US" sz="1100" dirty="0"/>
-              <a:t>Send (DeviceID, Message)</a:t>
-            </a:r>
-          </a:p>
-        </p:txBody>
-      </p:sp>
-      <p:cxnSp>
-        <p:nvCxnSpPr>
-          <p:cNvPr id="57" name="Straight Arrow Connector 56">
-            <a:extLst>
-              <a:ext uri="{FF2B5EF4-FFF2-40B4-BE49-F238E27FC236}">
-                <a16:creationId xmlns:a16="http://schemas.microsoft.com/office/drawing/2014/main" id="{9230F691-414B-E549-9F06-0468501781CD}"/>
-              </a:ext>
-            </a:extLst>
-          </p:cNvPr>
-          <p:cNvCxnSpPr>
-            <a:cxnSpLocks/>
-            <a:stCxn id="69" idx="2"/>
-          </p:cNvCxnSpPr>
-          <p:nvPr/>
-        </p:nvCxnSpPr>
-        <p:spPr>
-          <a:xfrm flipH="1" flipV="1">
-            <a:off x="4312151" y="5097607"/>
-            <a:ext cx="3704774" cy="32363"/>
-          </a:xfrm>
-          <a:prstGeom prst="straightConnector1">
-            <a:avLst/>
-          </a:prstGeom>
-          <a:ln>
-            <a:tailEnd type="triangle"/>
-          </a:ln>
-        </p:spPr>
-        <p:style>
-          <a:lnRef idx="1">
-            <a:schemeClr val="accent1"/>
-          </a:lnRef>
-          <a:fillRef idx="0">
-            <a:schemeClr val="accent1"/>
-          </a:fillRef>
-          <a:effectRef idx="0">
-            <a:schemeClr val="accent1"/>
-          </a:effectRef>
-          <a:fontRef idx="minor">
-            <a:schemeClr val="tx1"/>
-          </a:fontRef>
-        </p:style>
-      </p:cxnSp>
-      <p:sp>
-        <p:nvSpPr>
-          <p:cNvPr id="58" name="TextBox 57">
-            <a:extLst>
-              <a:ext uri="{FF2B5EF4-FFF2-40B4-BE49-F238E27FC236}">
-                <a16:creationId xmlns:a16="http://schemas.microsoft.com/office/drawing/2014/main" id="{FED87598-1645-CE45-986C-6AABC68FC9D1}"/>
-              </a:ext>
-            </a:extLst>
-          </p:cNvPr>
-          <p:cNvSpPr txBox="1"/>
-          <p:nvPr/>
-        </p:nvSpPr>
-        <p:spPr>
-          <a:xfrm>
-            <a:off x="4429442" y="4841160"/>
-            <a:ext cx="1905549" cy="261610"/>
-          </a:xfrm>
-          <a:prstGeom prst="rect">
-            <a:avLst/>
-          </a:prstGeom>
-          <a:noFill/>
-        </p:spPr>
-        <p:txBody>
-          <a:bodyPr wrap="square" rtlCol="0">
-            <a:spAutoFit/>
-          </a:bodyPr>
-          <a:lstStyle/>
-          <a:p>
-            <a:r>
-              <a:rPr lang="en-US" sz="1100" dirty="0"/>
-              <a:t>200 OK, Return Message</a:t>
-            </a:r>
-          </a:p>
-        </p:txBody>
-      </p:sp>
-      <p:cxnSp>
-        <p:nvCxnSpPr>
-          <p:cNvPr id="61" name="Straight Arrow Connector 60">
-            <a:extLst>
-              <a:ext uri="{FF2B5EF4-FFF2-40B4-BE49-F238E27FC236}">
-                <a16:creationId xmlns:a16="http://schemas.microsoft.com/office/drawing/2014/main" id="{81D8B05F-2116-7042-AF9F-5AE11528EAE6}"/>
-              </a:ext>
-            </a:extLst>
-          </p:cNvPr>
-          <p:cNvCxnSpPr>
-            <a:cxnSpLocks/>
-          </p:cNvCxnSpPr>
-          <p:nvPr/>
-        </p:nvCxnSpPr>
-        <p:spPr>
-          <a:xfrm flipH="1">
-            <a:off x="1944517" y="5135081"/>
-            <a:ext cx="2171144" cy="0"/>
-          </a:xfrm>
-          <a:prstGeom prst="straightConnector1">
-            <a:avLst/>
-          </a:prstGeom>
-          <a:ln>
-            <a:tailEnd type="triangle"/>
-          </a:ln>
-        </p:spPr>
-        <p:style>
-          <a:lnRef idx="1">
-            <a:schemeClr val="accent1"/>
-          </a:lnRef>
-          <a:fillRef idx="0">
-            <a:schemeClr val="accent1"/>
-          </a:fillRef>
-          <a:effectRef idx="0">
-            <a:schemeClr val="accent1"/>
-          </a:effectRef>
-          <a:fontRef idx="minor">
-            <a:schemeClr val="tx1"/>
-          </a:fontRef>
-        </p:style>
-      </p:cxnSp>
-      <p:sp>
-        <p:nvSpPr>
-          <p:cNvPr id="63" name="TextBox 62">
-            <a:extLst>
-              <a:ext uri="{FF2B5EF4-FFF2-40B4-BE49-F238E27FC236}">
-                <a16:creationId xmlns:a16="http://schemas.microsoft.com/office/drawing/2014/main" id="{8FE1BB54-3AAA-234D-AF24-58953E9E215A}"/>
-              </a:ext>
-            </a:extLst>
-          </p:cNvPr>
-          <p:cNvSpPr txBox="1"/>
-          <p:nvPr/>
-        </p:nvSpPr>
-        <p:spPr>
-          <a:xfrm>
-            <a:off x="2046415" y="5130694"/>
-            <a:ext cx="1905549" cy="261610"/>
-          </a:xfrm>
-          <a:prstGeom prst="rect">
-            <a:avLst/>
-          </a:prstGeom>
-          <a:noFill/>
-        </p:spPr>
-        <p:txBody>
-          <a:bodyPr wrap="square" rtlCol="0">
-            <a:spAutoFit/>
-          </a:bodyPr>
-          <a:lstStyle/>
-          <a:p>
-            <a:r>
-              <a:rPr lang="en-US" sz="1100" dirty="0"/>
-              <a:t>200 OK</a:t>
-            </a:r>
-            <a:r>
-              <a:rPr lang="en-US" sz="1100" b="1" dirty="0"/>
-              <a:t>, </a:t>
-            </a:r>
-            <a:r>
-              <a:rPr lang="en-US" sz="1100" dirty="0"/>
-              <a:t>Return Message</a:t>
-            </a:r>
-          </a:p>
-        </p:txBody>
-      </p:sp>
-      <p:sp>
-        <p:nvSpPr>
-          <p:cNvPr id="69" name="Rectangle 68">
-            <a:extLst>
-              <a:ext uri="{FF2B5EF4-FFF2-40B4-BE49-F238E27FC236}">
-                <a16:creationId xmlns:a16="http://schemas.microsoft.com/office/drawing/2014/main" id="{FDB34F5C-16B9-F648-8F8E-4F37A5C0C143}"/>
-              </a:ext>
-            </a:extLst>
-          </p:cNvPr>
-          <p:cNvSpPr/>
-          <p:nvPr/>
-        </p:nvSpPr>
-        <p:spPr>
-          <a:xfrm>
-            <a:off x="7958669" y="4428605"/>
-            <a:ext cx="116511" cy="701365"/>
-          </a:xfrm>
-          <a:prstGeom prst="rect">
-            <a:avLst/>
-          </a:prstGeom>
-        </p:spPr>
-        <p:style>
-          <a:lnRef idx="2">
-            <a:schemeClr val="accent1">
-              <a:shade val="50000"/>
-            </a:schemeClr>
-          </a:lnRef>
-          <a:fillRef idx="1">
-            <a:schemeClr val="accent1"/>
-          </a:fillRef>
-          <a:effectRef idx="0">
-            <a:schemeClr val="accent1"/>
-          </a:effectRef>
-          <a:fontRef idx="minor">
-            <a:schemeClr val="lt1"/>
-          </a:fontRef>
-        </p:style>
-        <p:txBody>
-          <a:bodyPr rtlCol="0" anchor="ctr"/>
-          <a:lstStyle/>
-          <a:p>
-            <a:pPr algn="ctr"/>
-            <a:endParaRPr lang="en-US"/>
-          </a:p>
-        </p:txBody>
-      </p:sp>
-      <p:sp>
-        <p:nvSpPr>
-          <p:cNvPr id="22" name="Rectangle 21">
-            <a:extLst>
-              <a:ext uri="{FF2B5EF4-FFF2-40B4-BE49-F238E27FC236}">
-                <a16:creationId xmlns:a16="http://schemas.microsoft.com/office/drawing/2014/main" id="{3F5D8AFB-1084-1C43-B87A-B3A8B03B6BCB}"/>
-              </a:ext>
-            </a:extLst>
-          </p:cNvPr>
-          <p:cNvSpPr/>
-          <p:nvPr/>
-        </p:nvSpPr>
-        <p:spPr>
-          <a:xfrm>
-            <a:off x="8949993" y="341143"/>
-            <a:ext cx="1145879" cy="457200"/>
-          </a:xfrm>
-          <a:prstGeom prst="rect">
-            <a:avLst/>
-          </a:prstGeom>
-        </p:spPr>
-        <p:style>
-          <a:lnRef idx="2">
-            <a:schemeClr val="accent1">
-              <a:shade val="50000"/>
-            </a:schemeClr>
-          </a:lnRef>
-          <a:fillRef idx="1">
-            <a:schemeClr val="accent1"/>
-          </a:fillRef>
-          <a:effectRef idx="0">
-            <a:schemeClr val="accent1"/>
-          </a:effectRef>
-          <a:fontRef idx="minor">
-            <a:schemeClr val="lt1"/>
-          </a:fontRef>
-        </p:style>
-        <p:txBody>
-          <a:bodyPr rtlCol="0" anchor="ctr"/>
-          <a:lstStyle/>
-          <a:p>
-            <a:pPr algn="ctr"/>
-            <a:r>
-              <a:rPr lang="en-US" sz="1400" dirty="0"/>
-              <a:t>Azure Media Services</a:t>
-            </a:r>
-          </a:p>
-        </p:txBody>
-      </p:sp>
-      <p:cxnSp>
-        <p:nvCxnSpPr>
-          <p:cNvPr id="72" name="Straight Connector 71">
-            <a:extLst>
-              <a:ext uri="{FF2B5EF4-FFF2-40B4-BE49-F238E27FC236}">
-                <a16:creationId xmlns:a16="http://schemas.microsoft.com/office/drawing/2014/main" id="{5E3580A5-1F3D-384D-9DE1-0A0647F9924E}"/>
-              </a:ext>
-            </a:extLst>
-          </p:cNvPr>
-          <p:cNvCxnSpPr>
-            <a:cxnSpLocks/>
-          </p:cNvCxnSpPr>
-          <p:nvPr/>
-        </p:nvCxnSpPr>
-        <p:spPr>
-          <a:xfrm flipH="1">
-            <a:off x="9540372" y="798343"/>
-            <a:ext cx="20156" cy="5907258"/>
-          </a:xfrm>
-          <a:prstGeom prst="line">
-            <a:avLst/>
-          </a:prstGeom>
-          <a:ln w="28575"/>
-        </p:spPr>
-        <p:style>
-          <a:lnRef idx="1">
-            <a:schemeClr val="accent1"/>
-          </a:lnRef>
-          <a:fillRef idx="0">
-            <a:schemeClr val="accent1"/>
-          </a:fillRef>
-          <a:effectRef idx="0">
-            <a:schemeClr val="accent1"/>
-          </a:effectRef>
-          <a:fontRef idx="minor">
-            <a:schemeClr val="tx1"/>
-          </a:fontRef>
-        </p:style>
-      </p:cxnSp>
-      <p:sp>
-        <p:nvSpPr>
-          <p:cNvPr id="23" name="Rectangle 22">
-            <a:extLst>
-              <a:ext uri="{FF2B5EF4-FFF2-40B4-BE49-F238E27FC236}">
-                <a16:creationId xmlns:a16="http://schemas.microsoft.com/office/drawing/2014/main" id="{E08BD0BB-37B0-694D-859B-53EE8AE59BAF}"/>
-              </a:ext>
-            </a:extLst>
-          </p:cNvPr>
-          <p:cNvSpPr/>
-          <p:nvPr/>
-        </p:nvSpPr>
-        <p:spPr>
-          <a:xfrm>
-            <a:off x="9512025" y="4762597"/>
-            <a:ext cx="135391" cy="1184161"/>
-          </a:xfrm>
-          <a:prstGeom prst="rect">
-            <a:avLst/>
-          </a:prstGeom>
-        </p:spPr>
-        <p:style>
-          <a:lnRef idx="2">
-            <a:schemeClr val="accent1">
-              <a:shade val="50000"/>
-            </a:schemeClr>
-          </a:lnRef>
-          <a:fillRef idx="1">
-            <a:schemeClr val="accent1"/>
-          </a:fillRef>
-          <a:effectRef idx="0">
-            <a:schemeClr val="accent1"/>
-          </a:effectRef>
-          <a:fontRef idx="minor">
-            <a:schemeClr val="lt1"/>
-          </a:fontRef>
-        </p:style>
-        <p:txBody>
-          <a:bodyPr rtlCol="0" anchor="ctr"/>
-          <a:lstStyle/>
-          <a:p>
-            <a:pPr algn="ctr"/>
-            <a:endParaRPr lang="en-US"/>
-          </a:p>
-        </p:txBody>
-      </p:sp>
-      <p:cxnSp>
-        <p:nvCxnSpPr>
-          <p:cNvPr id="74" name="Straight Arrow Connector 73">
-            <a:extLst>
-              <a:ext uri="{FF2B5EF4-FFF2-40B4-BE49-F238E27FC236}">
-                <a16:creationId xmlns:a16="http://schemas.microsoft.com/office/drawing/2014/main" id="{7F24A6AF-17C2-7D45-BC83-880B7BE96AE1}"/>
-              </a:ext>
-            </a:extLst>
-          </p:cNvPr>
-          <p:cNvCxnSpPr>
-            <a:cxnSpLocks/>
-          </p:cNvCxnSpPr>
-          <p:nvPr/>
-        </p:nvCxnSpPr>
-        <p:spPr>
-          <a:xfrm>
-            <a:off x="8006439" y="4516837"/>
-            <a:ext cx="3733366" cy="49450"/>
-          </a:xfrm>
-          <a:prstGeom prst="straightConnector1">
-            <a:avLst/>
-          </a:prstGeom>
-          <a:ln>
-            <a:tailEnd type="triangle"/>
-          </a:ln>
-        </p:spPr>
-        <p:style>
-          <a:lnRef idx="1">
-            <a:schemeClr val="accent1"/>
-          </a:lnRef>
-          <a:fillRef idx="0">
-            <a:schemeClr val="accent1"/>
-          </a:fillRef>
-          <a:effectRef idx="0">
-            <a:schemeClr val="accent1"/>
-          </a:effectRef>
-          <a:fontRef idx="minor">
-            <a:schemeClr val="tx1"/>
-          </a:fontRef>
-        </p:style>
-      </p:cxnSp>
-      <p:sp>
-        <p:nvSpPr>
-          <p:cNvPr id="33" name="TextBox 32">
-            <a:extLst>
-              <a:ext uri="{FF2B5EF4-FFF2-40B4-BE49-F238E27FC236}">
-                <a16:creationId xmlns:a16="http://schemas.microsoft.com/office/drawing/2014/main" id="{0A899266-AF9D-CD43-998E-E64C33A644E8}"/>
-              </a:ext>
-            </a:extLst>
-          </p:cNvPr>
-          <p:cNvSpPr txBox="1"/>
-          <p:nvPr/>
-        </p:nvSpPr>
-        <p:spPr>
-          <a:xfrm>
-            <a:off x="8297504" y="4304677"/>
-            <a:ext cx="1905549" cy="261610"/>
-          </a:xfrm>
-          <a:prstGeom prst="rect">
-            <a:avLst/>
-          </a:prstGeom>
-          <a:noFill/>
-        </p:spPr>
-        <p:txBody>
-          <a:bodyPr wrap="square" rtlCol="0">
-            <a:spAutoFit/>
-          </a:bodyPr>
-          <a:lstStyle/>
-          <a:p>
-            <a:r>
-              <a:rPr lang="en-US" sz="1100" dirty="0"/>
-              <a:t>Get RTSP Stream</a:t>
-            </a:r>
-          </a:p>
-        </p:txBody>
-      </p:sp>
-      <p:cxnSp>
-        <p:nvCxnSpPr>
-          <p:cNvPr id="78" name="Straight Arrow Connector 77">
-            <a:extLst>
-              <a:ext uri="{FF2B5EF4-FFF2-40B4-BE49-F238E27FC236}">
-                <a16:creationId xmlns:a16="http://schemas.microsoft.com/office/drawing/2014/main" id="{F880C3EA-15E3-0841-9FC1-B402A701E5D9}"/>
-              </a:ext>
-            </a:extLst>
-          </p:cNvPr>
-          <p:cNvCxnSpPr>
-            <a:cxnSpLocks/>
-          </p:cNvCxnSpPr>
-          <p:nvPr/>
-        </p:nvCxnSpPr>
-        <p:spPr>
-          <a:xfrm>
-            <a:off x="8103527" y="4801169"/>
-            <a:ext cx="1408498" cy="39991"/>
-          </a:xfrm>
-          <a:prstGeom prst="straightConnector1">
-            <a:avLst/>
-          </a:prstGeom>
-          <a:ln>
-            <a:tailEnd type="triangle"/>
-          </a:ln>
-        </p:spPr>
-        <p:style>
-          <a:lnRef idx="1">
-            <a:schemeClr val="accent1"/>
-          </a:lnRef>
-          <a:fillRef idx="0">
-            <a:schemeClr val="accent1"/>
-          </a:fillRef>
-          <a:effectRef idx="0">
-            <a:schemeClr val="accent1"/>
-          </a:effectRef>
-          <a:fontRef idx="minor">
-            <a:schemeClr val="tx1"/>
-          </a:fontRef>
-        </p:style>
-      </p:cxnSp>
-      <p:sp>
-        <p:nvSpPr>
-          <p:cNvPr id="38" name="TextBox 37">
-            <a:extLst>
-              <a:ext uri="{FF2B5EF4-FFF2-40B4-BE49-F238E27FC236}">
-                <a16:creationId xmlns:a16="http://schemas.microsoft.com/office/drawing/2014/main" id="{216F9499-3A06-1441-A82E-6B7BB350592A}"/>
-              </a:ext>
-            </a:extLst>
-          </p:cNvPr>
-          <p:cNvSpPr txBox="1"/>
-          <p:nvPr/>
-        </p:nvSpPr>
-        <p:spPr>
-          <a:xfrm>
-            <a:off x="8190323" y="4761877"/>
-            <a:ext cx="1905549" cy="261610"/>
-          </a:xfrm>
-          <a:prstGeom prst="rect">
-            <a:avLst/>
-          </a:prstGeom>
-          <a:noFill/>
-        </p:spPr>
-        <p:txBody>
-          <a:bodyPr wrap="square" rtlCol="0">
-            <a:spAutoFit/>
-          </a:bodyPr>
-          <a:lstStyle/>
-          <a:p>
-            <a:r>
-              <a:rPr lang="en-US" sz="1100" dirty="0"/>
-              <a:t>Stream to AMS</a:t>
-            </a:r>
-          </a:p>
-        </p:txBody>
-      </p:sp>
-      <p:pic>
-        <p:nvPicPr>
-          <p:cNvPr id="75" name="Graphic 74" descr="User">
-            <a:extLst>
-              <a:ext uri="{FF2B5EF4-FFF2-40B4-BE49-F238E27FC236}">
-                <a16:creationId xmlns:a16="http://schemas.microsoft.com/office/drawing/2014/main" id="{1272743C-D016-5840-9292-594D72BCB4BA}"/>
-              </a:ext>
-            </a:extLst>
-          </p:cNvPr>
-          <p:cNvPicPr>
-            <a:picLocks noChangeAspect="1"/>
-          </p:cNvPicPr>
-          <p:nvPr/>
-        </p:nvPicPr>
-        <p:blipFill>
-          <a:blip r:embed="rId3">
-            <a:extLst>
-              <a:ext uri="{96DAC541-7B7A-43D3-8B79-37D633B846F1}">
-                <asvg:svgBlip xmlns:asvg="http://schemas.microsoft.com/office/drawing/2016/SVG/main" r:embed="rId4"/>
-              </a:ext>
-            </a:extLst>
-          </a:blip>
-          <a:stretch>
-            <a:fillRect/>
-          </a:stretch>
-        </p:blipFill>
-        <p:spPr>
-          <a:xfrm>
-            <a:off x="72093" y="5159088"/>
-            <a:ext cx="914400" cy="914400"/>
-          </a:xfrm>
-          <a:prstGeom prst="rect">
-            <a:avLst/>
-          </a:prstGeom>
-        </p:spPr>
-      </p:pic>
-      <p:cxnSp>
-        <p:nvCxnSpPr>
-          <p:cNvPr id="84" name="Straight Arrow Connector 83">
-            <a:extLst>
-              <a:ext uri="{FF2B5EF4-FFF2-40B4-BE49-F238E27FC236}">
-                <a16:creationId xmlns:a16="http://schemas.microsoft.com/office/drawing/2014/main" id="{BE196C84-A41D-AB4D-8772-92B7CAF1698C}"/>
-              </a:ext>
-            </a:extLst>
-          </p:cNvPr>
-          <p:cNvCxnSpPr>
-            <a:cxnSpLocks/>
-            <a:stCxn id="23" idx="2"/>
-          </p:cNvCxnSpPr>
-          <p:nvPr/>
-        </p:nvCxnSpPr>
-        <p:spPr>
-          <a:xfrm flipH="1">
-            <a:off x="1983333" y="5946758"/>
-            <a:ext cx="7596388" cy="29114"/>
-          </a:xfrm>
-          <a:prstGeom prst="straightConnector1">
-            <a:avLst/>
-          </a:prstGeom>
-          <a:ln>
-            <a:tailEnd type="triangle"/>
-          </a:ln>
-        </p:spPr>
-        <p:style>
-          <a:lnRef idx="1">
-            <a:schemeClr val="accent1"/>
-          </a:lnRef>
-          <a:fillRef idx="0">
-            <a:schemeClr val="accent1"/>
-          </a:fillRef>
-          <a:effectRef idx="0">
-            <a:schemeClr val="accent1"/>
-          </a:effectRef>
-          <a:fontRef idx="minor">
-            <a:schemeClr val="tx1"/>
-          </a:fontRef>
-        </p:style>
-      </p:cxnSp>
-      <p:sp>
-        <p:nvSpPr>
-          <p:cNvPr id="93" name="Rectangle 92">
-            <a:extLst>
-              <a:ext uri="{FF2B5EF4-FFF2-40B4-BE49-F238E27FC236}">
-                <a16:creationId xmlns:a16="http://schemas.microsoft.com/office/drawing/2014/main" id="{D248CEC4-0F13-DE4B-8956-535ABF6F9192}"/>
-              </a:ext>
-            </a:extLst>
-          </p:cNvPr>
-          <p:cNvSpPr/>
-          <p:nvPr/>
-        </p:nvSpPr>
-        <p:spPr>
-          <a:xfrm>
-            <a:off x="6131055" y="2546787"/>
-            <a:ext cx="116510" cy="446040"/>
-          </a:xfrm>
-          <a:prstGeom prst="rect">
-            <a:avLst/>
-          </a:prstGeom>
-        </p:spPr>
-        <p:style>
-          <a:lnRef idx="2">
-            <a:schemeClr val="accent1">
-              <a:shade val="50000"/>
-            </a:schemeClr>
-          </a:lnRef>
-          <a:fillRef idx="1">
-            <a:schemeClr val="accent1"/>
-          </a:fillRef>
-          <a:effectRef idx="0">
-            <a:schemeClr val="accent1"/>
-          </a:effectRef>
-          <a:fontRef idx="minor">
-            <a:schemeClr val="lt1"/>
-          </a:fontRef>
-        </p:style>
-        <p:txBody>
-          <a:bodyPr rtlCol="0" anchor="ctr"/>
-          <a:lstStyle/>
-          <a:p>
-            <a:pPr algn="ctr"/>
-            <a:endParaRPr lang="en-US"/>
-          </a:p>
-        </p:txBody>
-      </p:sp>
-    </p:spTree>
-    <p:extLst>
-      <p:ext uri="{BB962C8B-B14F-4D97-AF65-F5344CB8AC3E}">
-        <p14:creationId xmlns:p14="http://schemas.microsoft.com/office/powerpoint/2010/main" val="13139582"/>
-      </p:ext>
-    </p:extLst>
-  </p:cSld>
-  <p:clrMapOvr>
-    <a:masterClrMapping/>
-  </p:clrMapOvr>
-</p:sld>
-</file>
-
-<file path=ppt/slides/slide7.xml><?xml version="1.0" encoding="utf-8"?>
-<p:sld xmlns:a="http://schemas.openxmlformats.org/drawingml/2006/main" xmlns:r="http://schemas.openxmlformats.org/officeDocument/2006/relationships" xmlns:p="http://schemas.openxmlformats.org/presentationml/2006/main">
-  <p:cSld>
-    <p:spTree>
-      <p:nvGrpSpPr>
-        <p:cNvPr id="1" name=""/>
-        <p:cNvGrpSpPr/>
-        <p:nvPr/>
-      </p:nvGrpSpPr>
-      <p:grpSpPr>
-        <a:xfrm>
-          <a:off x="0" y="0"/>
-          <a:ext cx="0" cy="0"/>
-          <a:chOff x="0" y="0"/>
-          <a:chExt cx="0" cy="0"/>
-        </a:xfrm>
-      </p:grpSpPr>
-      <p:sp>
-        <p:nvSpPr>
-          <p:cNvPr id="2" name="Title 1">
-            <a:extLst>
-              <a:ext uri="{FF2B5EF4-FFF2-40B4-BE49-F238E27FC236}">
-                <a16:creationId xmlns:a16="http://schemas.microsoft.com/office/drawing/2014/main" id="{1039C82B-0F20-234C-B10B-F8ADDCFB35EB}"/>
-              </a:ext>
-            </a:extLst>
-          </p:cNvPr>
-          <p:cNvSpPr>
-            <a:spLocks noGrp="1"/>
-          </p:cNvSpPr>
-          <p:nvPr>
-            <p:ph type="title"/>
-          </p:nvPr>
-        </p:nvSpPr>
-        <p:spPr/>
-        <p:txBody>
-          <a:bodyPr/>
-          <a:lstStyle/>
-          <a:p>
-            <a:r>
-              <a:rPr lang="en-US" dirty="0"/>
-              <a:t>Visualizing Media Graph – Scenario 1</a:t>
-            </a:r>
-          </a:p>
-        </p:txBody>
-      </p:sp>
-      <p:pic>
-        <p:nvPicPr>
-          <p:cNvPr id="2050" name="Picture 2">
-            <a:extLst>
-              <a:ext uri="{FF2B5EF4-FFF2-40B4-BE49-F238E27FC236}">
-                <a16:creationId xmlns:a16="http://schemas.microsoft.com/office/drawing/2014/main" id="{A9658386-6D60-C145-8DDE-6651EAA3D685}"/>
-              </a:ext>
-            </a:extLst>
-          </p:cNvPr>
-          <p:cNvPicPr>
-            <a:picLocks noChangeAspect="1" noChangeArrowheads="1"/>
-          </p:cNvPicPr>
-          <p:nvPr/>
-        </p:nvPicPr>
-        <p:blipFill>
-          <a:blip r:embed="rId2">
-            <a:extLst>
-              <a:ext uri="{28A0092B-C50C-407E-A947-70E740481C1C}">
-                <a14:useLocalDpi xmlns:a14="http://schemas.microsoft.com/office/drawing/2010/main" val="0"/>
-              </a:ext>
-            </a:extLst>
-          </a:blip>
-          <a:srcRect/>
-          <a:stretch>
-            <a:fillRect/>
-          </a:stretch>
-        </p:blipFill>
-        <p:spPr bwMode="auto">
-          <a:xfrm>
-            <a:off x="379186" y="2063750"/>
-            <a:ext cx="8407400" cy="2578100"/>
-          </a:xfrm>
-          <a:prstGeom prst="rect">
-            <a:avLst/>
-          </a:prstGeom>
-          <a:noFill/>
-          <a:extLst>
-            <a:ext uri="{909E8E84-426E-40DD-AFC4-6F175D3DCCD1}">
-              <a14:hiddenFill xmlns:a14="http://schemas.microsoft.com/office/drawing/2010/main">
-                <a:solidFill>
-                  <a:srgbClr val="FFFFFF"/>
-                </a:solidFill>
-              </a14:hiddenFill>
-            </a:ext>
-          </a:extLst>
-        </p:spPr>
-      </p:pic>
-      <p:sp>
-        <p:nvSpPr>
-          <p:cNvPr id="4" name="Rectangle 3">
-            <a:extLst>
-              <a:ext uri="{FF2B5EF4-FFF2-40B4-BE49-F238E27FC236}">
-                <a16:creationId xmlns:a16="http://schemas.microsoft.com/office/drawing/2014/main" id="{C21D64A8-265C-2145-8D21-AE551A5EAD69}"/>
-              </a:ext>
-            </a:extLst>
-          </p:cNvPr>
-          <p:cNvSpPr/>
-          <p:nvPr/>
-        </p:nvSpPr>
-        <p:spPr>
-          <a:xfrm>
-            <a:off x="8904515" y="3265714"/>
-            <a:ext cx="1513114" cy="914400"/>
-          </a:xfrm>
-          <a:prstGeom prst="rect">
-            <a:avLst/>
-          </a:prstGeom>
-        </p:spPr>
-        <p:style>
-          <a:lnRef idx="2">
-            <a:schemeClr val="accent1">
-              <a:shade val="50000"/>
-            </a:schemeClr>
-          </a:lnRef>
-          <a:fillRef idx="1">
-            <a:schemeClr val="accent1"/>
-          </a:fillRef>
-          <a:effectRef idx="0">
-            <a:schemeClr val="accent1"/>
-          </a:effectRef>
-          <a:fontRef idx="minor">
-            <a:schemeClr val="lt1"/>
-          </a:fontRef>
-        </p:style>
-        <p:txBody>
-          <a:bodyPr rtlCol="0" anchor="ctr"/>
-          <a:lstStyle/>
-          <a:p>
-            <a:pPr algn="ctr"/>
-            <a:r>
-              <a:rPr lang="en-US" dirty="0"/>
-              <a:t>Logic App </a:t>
-            </a:r>
-          </a:p>
-        </p:txBody>
-      </p:sp>
-      <p:sp>
-        <p:nvSpPr>
-          <p:cNvPr id="6" name="Rectangle 5">
-            <a:extLst>
-              <a:ext uri="{FF2B5EF4-FFF2-40B4-BE49-F238E27FC236}">
-                <a16:creationId xmlns:a16="http://schemas.microsoft.com/office/drawing/2014/main" id="{98507529-DE4B-5845-86A8-C121FEEEF615}"/>
-              </a:ext>
-            </a:extLst>
-          </p:cNvPr>
-          <p:cNvSpPr/>
-          <p:nvPr/>
-        </p:nvSpPr>
-        <p:spPr>
-          <a:xfrm>
-            <a:off x="10417629" y="3009899"/>
-            <a:ext cx="1513114" cy="1426029"/>
-          </a:xfrm>
-          <a:prstGeom prst="rect">
-            <a:avLst/>
-          </a:prstGeom>
-        </p:spPr>
-        <p:style>
-          <a:lnRef idx="2">
-            <a:schemeClr val="accent1">
-              <a:shade val="50000"/>
-            </a:schemeClr>
-          </a:lnRef>
-          <a:fillRef idx="1">
-            <a:schemeClr val="accent1"/>
-          </a:fillRef>
-          <a:effectRef idx="0">
-            <a:schemeClr val="accent1"/>
-          </a:effectRef>
-          <a:fontRef idx="minor">
-            <a:schemeClr val="lt1"/>
-          </a:fontRef>
-        </p:style>
-        <p:txBody>
-          <a:bodyPr rtlCol="0" anchor="ctr"/>
-          <a:lstStyle/>
-          <a:p>
-            <a:pPr algn="ctr"/>
-            <a:r>
-              <a:rPr lang="en-US" dirty="0"/>
-              <a:t>Send Email with Motion Detection Alert</a:t>
-            </a:r>
-          </a:p>
-        </p:txBody>
-      </p:sp>
-      <p:sp>
-        <p:nvSpPr>
-          <p:cNvPr id="5" name="TextBox 4">
-            <a:extLst>
-              <a:ext uri="{FF2B5EF4-FFF2-40B4-BE49-F238E27FC236}">
-                <a16:creationId xmlns:a16="http://schemas.microsoft.com/office/drawing/2014/main" id="{DBE46B9E-91E5-4B47-91AD-01CD5771C54B}"/>
-              </a:ext>
-            </a:extLst>
-          </p:cNvPr>
-          <p:cNvSpPr txBox="1"/>
-          <p:nvPr/>
-        </p:nvSpPr>
-        <p:spPr>
-          <a:xfrm>
-            <a:off x="1556657" y="4724400"/>
-            <a:ext cx="1752600" cy="923330"/>
-          </a:xfrm>
-          <a:prstGeom prst="rect">
-            <a:avLst/>
-          </a:prstGeom>
-          <a:noFill/>
-        </p:spPr>
-        <p:txBody>
-          <a:bodyPr wrap="square" rtlCol="0">
-            <a:spAutoFit/>
-          </a:bodyPr>
-          <a:lstStyle/>
-          <a:p>
-            <a:r>
-              <a:rPr lang="en-US" dirty="0" err="1"/>
-              <a:t>UserName</a:t>
-            </a:r>
-            <a:endParaRPr lang="en-US" dirty="0"/>
-          </a:p>
-          <a:p>
-            <a:r>
-              <a:rPr lang="en-US" dirty="0"/>
-              <a:t>Password</a:t>
-            </a:r>
-          </a:p>
-          <a:p>
-            <a:r>
-              <a:rPr lang="en-US" dirty="0" err="1"/>
-              <a:t>Url</a:t>
-            </a:r>
-            <a:endParaRPr lang="en-US" dirty="0"/>
-          </a:p>
-        </p:txBody>
-      </p:sp>
-    </p:spTree>
-    <p:extLst>
-      <p:ext uri="{BB962C8B-B14F-4D97-AF65-F5344CB8AC3E}">
-        <p14:creationId xmlns:p14="http://schemas.microsoft.com/office/powerpoint/2010/main" val="1113202517"/>
-      </p:ext>
-    </p:extLst>
-  </p:cSld>
-  <p:clrMapOvr>
-    <a:masterClrMapping/>
-  </p:clrMapOvr>
-</p:sld>
-</file>
-
-<file path=ppt/slides/slide8.xml><?xml version="1.0" encoding="utf-8"?>
-<p:sld xmlns:a="http://schemas.openxmlformats.org/drawingml/2006/main" xmlns:r="http://schemas.openxmlformats.org/officeDocument/2006/relationships" xmlns:p="http://schemas.openxmlformats.org/presentationml/2006/main">
-  <p:cSld>
-    <p:spTree>
-      <p:nvGrpSpPr>
-        <p:cNvPr id="1" name=""/>
-        <p:cNvGrpSpPr/>
-        <p:nvPr/>
-      </p:nvGrpSpPr>
-      <p:grpSpPr>
-        <a:xfrm>
-          <a:off x="0" y="0"/>
-          <a:ext cx="0" cy="0"/>
-          <a:chOff x="0" y="0"/>
-          <a:chExt cx="0" cy="0"/>
-        </a:xfrm>
-      </p:grpSpPr>
-      <p:sp>
-        <p:nvSpPr>
-          <p:cNvPr id="2" name="Title 1">
-            <a:extLst>
-              <a:ext uri="{FF2B5EF4-FFF2-40B4-BE49-F238E27FC236}">
-                <a16:creationId xmlns:a16="http://schemas.microsoft.com/office/drawing/2014/main" id="{1039C82B-0F20-234C-B10B-F8ADDCFB35EB}"/>
-              </a:ext>
-            </a:extLst>
-          </p:cNvPr>
-          <p:cNvSpPr>
-            <a:spLocks noGrp="1"/>
-          </p:cNvSpPr>
-          <p:nvPr>
-            <p:ph type="title"/>
-          </p:nvPr>
-        </p:nvSpPr>
-        <p:spPr/>
-        <p:txBody>
-          <a:bodyPr/>
-          <a:lstStyle/>
-          <a:p>
-            <a:r>
-              <a:rPr lang="en-US" dirty="0"/>
-              <a:t>Visualizing Media Graph – Scenario 2</a:t>
-            </a:r>
-          </a:p>
-        </p:txBody>
-      </p:sp>
-      <p:pic>
-        <p:nvPicPr>
-          <p:cNvPr id="4100" name="Picture 4">
-            <a:extLst>
-              <a:ext uri="{FF2B5EF4-FFF2-40B4-BE49-F238E27FC236}">
-                <a16:creationId xmlns:a16="http://schemas.microsoft.com/office/drawing/2014/main" id="{13E5AB58-DD22-2B48-90BA-D4877AA67B04}"/>
-              </a:ext>
-            </a:extLst>
-          </p:cNvPr>
-          <p:cNvPicPr>
-            <a:picLocks noChangeAspect="1" noChangeArrowheads="1"/>
-          </p:cNvPicPr>
-          <p:nvPr/>
-        </p:nvPicPr>
-        <p:blipFill>
-          <a:blip r:embed="rId2">
-            <a:extLst>
-              <a:ext uri="{28A0092B-C50C-407E-A947-70E740481C1C}">
-                <a14:useLocalDpi xmlns:a14="http://schemas.microsoft.com/office/drawing/2010/main" val="0"/>
-              </a:ext>
-            </a:extLst>
-          </a:blip>
-          <a:srcRect/>
-          <a:stretch>
-            <a:fillRect/>
-          </a:stretch>
-        </p:blipFill>
-        <p:spPr bwMode="auto">
-          <a:xfrm>
-            <a:off x="235857" y="2057400"/>
-            <a:ext cx="8432800" cy="2743200"/>
-          </a:xfrm>
-          <a:prstGeom prst="rect">
-            <a:avLst/>
-          </a:prstGeom>
-          <a:noFill/>
-          <a:extLst>
-            <a:ext uri="{909E8E84-426E-40DD-AFC4-6F175D3DCCD1}">
-              <a14:hiddenFill xmlns:a14="http://schemas.microsoft.com/office/drawing/2010/main">
-                <a:solidFill>
-                  <a:srgbClr val="FFFFFF"/>
-                </a:solidFill>
-              </a14:hiddenFill>
-            </a:ext>
-          </a:extLst>
-        </p:spPr>
-      </p:pic>
-      <p:sp>
-        <p:nvSpPr>
-          <p:cNvPr id="6" name="Rectangle 5">
-            <a:extLst>
-              <a:ext uri="{FF2B5EF4-FFF2-40B4-BE49-F238E27FC236}">
-                <a16:creationId xmlns:a16="http://schemas.microsoft.com/office/drawing/2014/main" id="{99262F6E-311A-7649-9EE5-BE02709785EB}"/>
-              </a:ext>
-            </a:extLst>
-          </p:cNvPr>
-          <p:cNvSpPr/>
-          <p:nvPr/>
-        </p:nvSpPr>
-        <p:spPr>
-          <a:xfrm>
-            <a:off x="8505372" y="2514600"/>
-            <a:ext cx="1513114" cy="914400"/>
-          </a:xfrm>
-          <a:prstGeom prst="rect">
-            <a:avLst/>
-          </a:prstGeom>
-        </p:spPr>
-        <p:style>
-          <a:lnRef idx="2">
-            <a:schemeClr val="accent1">
-              <a:shade val="50000"/>
-            </a:schemeClr>
-          </a:lnRef>
-          <a:fillRef idx="1">
-            <a:schemeClr val="accent1"/>
-          </a:fillRef>
-          <a:effectRef idx="0">
-            <a:schemeClr val="accent1"/>
-          </a:effectRef>
-          <a:fontRef idx="minor">
-            <a:schemeClr val="lt1"/>
-          </a:fontRef>
-        </p:style>
-        <p:txBody>
-          <a:bodyPr rtlCol="0" anchor="ctr"/>
-          <a:lstStyle/>
-          <a:p>
-            <a:pPr algn="ctr"/>
-            <a:r>
-              <a:rPr lang="en-US" dirty="0"/>
-              <a:t>Logic App </a:t>
-            </a:r>
-          </a:p>
-        </p:txBody>
-      </p:sp>
-      <p:sp>
-        <p:nvSpPr>
-          <p:cNvPr id="10" name="Rectangle 9">
-            <a:extLst>
-              <a:ext uri="{FF2B5EF4-FFF2-40B4-BE49-F238E27FC236}">
-                <a16:creationId xmlns:a16="http://schemas.microsoft.com/office/drawing/2014/main" id="{D46411FC-D45E-5348-ABAD-A340A763B7E1}"/>
-              </a:ext>
-            </a:extLst>
-          </p:cNvPr>
-          <p:cNvSpPr/>
-          <p:nvPr/>
-        </p:nvSpPr>
-        <p:spPr>
-          <a:xfrm>
-            <a:off x="10018486" y="2258785"/>
-            <a:ext cx="1513114" cy="1426029"/>
-          </a:xfrm>
-          <a:prstGeom prst="rect">
-            <a:avLst/>
-          </a:prstGeom>
-        </p:spPr>
-        <p:style>
-          <a:lnRef idx="2">
-            <a:schemeClr val="accent1">
-              <a:shade val="50000"/>
-            </a:schemeClr>
-          </a:lnRef>
-          <a:fillRef idx="1">
-            <a:schemeClr val="accent1"/>
-          </a:fillRef>
-          <a:effectRef idx="0">
-            <a:schemeClr val="accent1"/>
-          </a:effectRef>
-          <a:fontRef idx="minor">
-            <a:schemeClr val="lt1"/>
-          </a:fontRef>
-        </p:style>
-        <p:txBody>
-          <a:bodyPr rtlCol="0" anchor="ctr"/>
-          <a:lstStyle/>
-          <a:p>
-            <a:pPr algn="ctr"/>
-            <a:r>
-              <a:rPr lang="en-US" dirty="0"/>
-              <a:t>Send Email with Motion Detected and Link to Video</a:t>
-            </a:r>
-          </a:p>
-        </p:txBody>
-      </p:sp>
-    </p:spTree>
-    <p:extLst>
-      <p:ext uri="{BB962C8B-B14F-4D97-AF65-F5344CB8AC3E}">
-        <p14:creationId xmlns:p14="http://schemas.microsoft.com/office/powerpoint/2010/main" val="2375658506"/>
-      </p:ext>
-    </p:extLst>
-  </p:cSld>
-  <p:clrMapOvr>
-    <a:masterClrMapping/>
-  </p:clrMapOvr>
-</p:sld>
-</file>
-
-<file path=ppt/slides/slide9.xml><?xml version="1.0" encoding="utf-8"?>
-<p:sld xmlns:a="http://schemas.openxmlformats.org/drawingml/2006/main" xmlns:r="http://schemas.openxmlformats.org/officeDocument/2006/relationships" xmlns:p="http://schemas.openxmlformats.org/presentationml/2006/main">
-  <p:cSld>
-    <p:spTree>
-      <p:nvGrpSpPr>
-        <p:cNvPr id="1" name=""/>
-        <p:cNvGrpSpPr/>
-        <p:nvPr/>
-      </p:nvGrpSpPr>
-      <p:grpSpPr>
-        <a:xfrm>
-          <a:off x="0" y="0"/>
-          <a:ext cx="0" cy="0"/>
-          <a:chOff x="0" y="0"/>
-          <a:chExt cx="0" cy="0"/>
-        </a:xfrm>
-      </p:grpSpPr>
-      <p:sp>
-        <p:nvSpPr>
-          <p:cNvPr id="2" name="Title 1">
-            <a:extLst>
-              <a:ext uri="{FF2B5EF4-FFF2-40B4-BE49-F238E27FC236}">
-                <a16:creationId xmlns:a16="http://schemas.microsoft.com/office/drawing/2014/main" id="{40613978-58BF-434B-8DBF-1AA345211EDF}"/>
-              </a:ext>
-            </a:extLst>
-          </p:cNvPr>
-          <p:cNvSpPr>
-            <a:spLocks noGrp="1"/>
-          </p:cNvSpPr>
-          <p:nvPr>
-            <p:ph type="title"/>
-          </p:nvPr>
-        </p:nvSpPr>
-        <p:spPr/>
-        <p:txBody>
-          <a:bodyPr/>
-          <a:lstStyle/>
-          <a:p>
-            <a:r>
-              <a:rPr lang="en-US" dirty="0"/>
-              <a:t>Visualizing Media Graph – Scenario 3</a:t>
-            </a:r>
-          </a:p>
-        </p:txBody>
-      </p:sp>
-      <p:pic>
-        <p:nvPicPr>
-          <p:cNvPr id="1026" name="Picture 2">
-            <a:extLst>
-              <a:ext uri="{FF2B5EF4-FFF2-40B4-BE49-F238E27FC236}">
-                <a16:creationId xmlns:a16="http://schemas.microsoft.com/office/drawing/2014/main" id="{04CB4D4C-DA82-8D4D-8C42-F2615950CA3C}"/>
-              </a:ext>
-            </a:extLst>
-          </p:cNvPr>
-          <p:cNvPicPr>
-            <a:picLocks noChangeAspect="1" noChangeArrowheads="1"/>
-          </p:cNvPicPr>
-          <p:nvPr/>
-        </p:nvPicPr>
-        <p:blipFill>
-          <a:blip r:embed="rId2">
-            <a:extLst>
-              <a:ext uri="{28A0092B-C50C-407E-A947-70E740481C1C}">
-                <a14:useLocalDpi xmlns:a14="http://schemas.microsoft.com/office/drawing/2010/main" val="0"/>
-              </a:ext>
-            </a:extLst>
-          </a:blip>
-          <a:srcRect/>
-          <a:stretch>
-            <a:fillRect/>
-          </a:stretch>
-        </p:blipFill>
-        <p:spPr bwMode="auto">
-          <a:xfrm>
-            <a:off x="422729" y="1822450"/>
-            <a:ext cx="8255000" cy="3213100"/>
-          </a:xfrm>
-          <a:prstGeom prst="rect">
-            <a:avLst/>
-          </a:prstGeom>
-          <a:noFill/>
-          <a:extLst>
-            <a:ext uri="{909E8E84-426E-40DD-AFC4-6F175D3DCCD1}">
-              <a14:hiddenFill xmlns:a14="http://schemas.microsoft.com/office/drawing/2010/main">
-                <a:solidFill>
-                  <a:srgbClr val="FFFFFF"/>
-                </a:solidFill>
-              </a14:hiddenFill>
-            </a:ext>
-          </a:extLst>
-        </p:spPr>
-      </p:pic>
-      <p:sp>
-        <p:nvSpPr>
-          <p:cNvPr id="17" name="Rectangle 16">
-            <a:extLst>
-              <a:ext uri="{FF2B5EF4-FFF2-40B4-BE49-F238E27FC236}">
-                <a16:creationId xmlns:a16="http://schemas.microsoft.com/office/drawing/2014/main" id="{F3AFAC42-C31E-4A45-9D1B-8E582E77066A}"/>
-              </a:ext>
-            </a:extLst>
-          </p:cNvPr>
-          <p:cNvSpPr/>
-          <p:nvPr/>
-        </p:nvSpPr>
-        <p:spPr>
-          <a:xfrm>
-            <a:off x="8677729" y="3429000"/>
-            <a:ext cx="1513114" cy="914400"/>
-          </a:xfrm>
-          <a:prstGeom prst="rect">
-            <a:avLst/>
-          </a:prstGeom>
-        </p:spPr>
-        <p:style>
-          <a:lnRef idx="2">
-            <a:schemeClr val="accent1">
-              <a:shade val="50000"/>
-            </a:schemeClr>
-          </a:lnRef>
-          <a:fillRef idx="1">
-            <a:schemeClr val="accent1"/>
-          </a:fillRef>
-          <a:effectRef idx="0">
-            <a:schemeClr val="accent1"/>
-          </a:effectRef>
-          <a:fontRef idx="minor">
-            <a:schemeClr val="lt1"/>
-          </a:fontRef>
-        </p:style>
-        <p:txBody>
-          <a:bodyPr rtlCol="0" anchor="ctr"/>
-          <a:lstStyle/>
-          <a:p>
-            <a:pPr algn="ctr"/>
-            <a:r>
-              <a:rPr lang="en-US" dirty="0"/>
-              <a:t>Logic App </a:t>
-            </a:r>
-          </a:p>
-        </p:txBody>
-      </p:sp>
-      <p:sp>
-        <p:nvSpPr>
-          <p:cNvPr id="21" name="Rectangle 20">
-            <a:extLst>
-              <a:ext uri="{FF2B5EF4-FFF2-40B4-BE49-F238E27FC236}">
-                <a16:creationId xmlns:a16="http://schemas.microsoft.com/office/drawing/2014/main" id="{2B2A4CD7-4FC0-2E47-9562-36BC954ED8D1}"/>
-              </a:ext>
-            </a:extLst>
-          </p:cNvPr>
-          <p:cNvSpPr/>
-          <p:nvPr/>
-        </p:nvSpPr>
-        <p:spPr>
-          <a:xfrm>
-            <a:off x="10190843" y="3173185"/>
-            <a:ext cx="1513114" cy="1426029"/>
-          </a:xfrm>
-          <a:prstGeom prst="rect">
-            <a:avLst/>
-          </a:prstGeom>
-        </p:spPr>
-        <p:style>
-          <a:lnRef idx="2">
-            <a:schemeClr val="accent1">
-              <a:shade val="50000"/>
-            </a:schemeClr>
-          </a:lnRef>
-          <a:fillRef idx="1">
-            <a:schemeClr val="accent1"/>
-          </a:fillRef>
-          <a:effectRef idx="0">
-            <a:schemeClr val="accent1"/>
-          </a:effectRef>
-          <a:fontRef idx="minor">
-            <a:schemeClr val="lt1"/>
-          </a:fontRef>
-        </p:style>
-        <p:txBody>
-          <a:bodyPr rtlCol="0" anchor="ctr"/>
-          <a:lstStyle/>
-          <a:p>
-            <a:pPr algn="ctr"/>
-            <a:r>
-              <a:rPr lang="en-US" dirty="0"/>
-              <a:t>Send Email with Signal Detected and Link to Video</a:t>
-            </a:r>
-          </a:p>
-        </p:txBody>
-      </p:sp>
-    </p:spTree>
-    <p:extLst>
-      <p:ext uri="{BB962C8B-B14F-4D97-AF65-F5344CB8AC3E}">
-        <p14:creationId xmlns:p14="http://schemas.microsoft.com/office/powerpoint/2010/main" val="804293178"/>
+        <p14:creationId xmlns:p14="http://schemas.microsoft.com/office/powerpoint/2010/main" val="1159560986"/>
       </p:ext>
     </p:extLst>
   </p:cSld>

--- a/MythicalIoT.pptx
+++ b/MythicalIoT.pptx
@@ -13866,12 +13866,51 @@
           </a:p>
         </p:txBody>
       </p:sp>
-      <p:sp>
-        <p:nvSpPr>
-          <p:cNvPr id="159" name="Double Brace 158">
-            <a:extLst>
-              <a:ext uri="{FF2B5EF4-FFF2-40B4-BE49-F238E27FC236}">
-                <a16:creationId xmlns:a16="http://schemas.microsoft.com/office/drawing/2014/main" id="{FF32F5CA-1D9B-DC49-B286-AF64CDBEACFE}"/>
+      <p:cxnSp>
+        <p:nvCxnSpPr>
+          <p:cNvPr id="169" name="Straight Connector 168">
+            <a:extLst>
+              <a:ext uri="{FF2B5EF4-FFF2-40B4-BE49-F238E27FC236}">
+                <a16:creationId xmlns:a16="http://schemas.microsoft.com/office/drawing/2014/main" id="{5894EDBC-2734-5F4B-9E1C-A8CF7C0EF2C9}"/>
+              </a:ext>
+            </a:extLst>
+          </p:cNvPr>
+          <p:cNvCxnSpPr>
+            <a:stCxn id="4" idx="2"/>
+            <a:endCxn id="164" idx="0"/>
+          </p:cNvCxnSpPr>
+          <p:nvPr/>
+        </p:nvCxnSpPr>
+        <p:spPr>
+          <a:xfrm flipH="1">
+            <a:off x="4797633" y="4358640"/>
+            <a:ext cx="2967" cy="850575"/>
+          </a:xfrm>
+          <a:prstGeom prst="line">
+            <a:avLst/>
+          </a:prstGeom>
+        </p:spPr>
+        <p:style>
+          <a:lnRef idx="1">
+            <a:schemeClr val="accent1"/>
+          </a:lnRef>
+          <a:fillRef idx="0">
+            <a:schemeClr val="accent1"/>
+          </a:fillRef>
+          <a:effectRef idx="0">
+            <a:schemeClr val="accent1"/>
+          </a:effectRef>
+          <a:fontRef idx="minor">
+            <a:schemeClr val="tx1"/>
+          </a:fontRef>
+        </p:style>
+      </p:cxnSp>
+      <p:sp>
+        <p:nvSpPr>
+          <p:cNvPr id="2" name="Double Brace 1">
+            <a:extLst>
+              <a:ext uri="{FF2B5EF4-FFF2-40B4-BE49-F238E27FC236}">
+                <a16:creationId xmlns:a16="http://schemas.microsoft.com/office/drawing/2014/main" id="{D336A0F2-7A10-184F-93A8-F29294BB9289}"/>
               </a:ext>
             </a:extLst>
           </p:cNvPr>
@@ -13880,7 +13919,7 @@
         </p:nvSpPr>
         <p:spPr>
           <a:xfrm>
-            <a:off x="4023173" y="5594165"/>
+            <a:off x="4941744" y="5829940"/>
             <a:ext cx="693019" cy="497841"/>
           </a:xfrm>
           <a:prstGeom prst="bracePair">
@@ -13913,17 +13952,17 @@
             <a:pPr algn="ctr"/>
             <a:r>
               <a:rPr lang="en-US" sz="1200" dirty="0"/>
-              <a:t>alledges</a:t>
-            </a:r>
-          </a:p>
-        </p:txBody>
-      </p:sp>
-      <p:sp>
-        <p:nvSpPr>
-          <p:cNvPr id="160" name="Double Brace 159">
-            <a:extLst>
-              <a:ext uri="{FF2B5EF4-FFF2-40B4-BE49-F238E27FC236}">
-                <a16:creationId xmlns:a16="http://schemas.microsoft.com/office/drawing/2014/main" id="{E0CE6AE5-058B-4E47-BE11-923AB4F3D663}"/>
+              <a:t>allmodules</a:t>
+            </a:r>
+          </a:p>
+        </p:txBody>
+      </p:sp>
+      <p:sp>
+        <p:nvSpPr>
+          <p:cNvPr id="3" name="Double Brace 2">
+            <a:extLst>
+              <a:ext uri="{FF2B5EF4-FFF2-40B4-BE49-F238E27FC236}">
+                <a16:creationId xmlns:a16="http://schemas.microsoft.com/office/drawing/2014/main" id="{745B5048-1F63-6A46-A8FD-B3003887E026}"/>
               </a:ext>
             </a:extLst>
           </p:cNvPr>
@@ -13932,7 +13971,7 @@
         </p:nvSpPr>
         <p:spPr>
           <a:xfrm>
-            <a:off x="4974554" y="5593079"/>
+            <a:off x="4013976" y="5840099"/>
             <a:ext cx="693019" cy="497841"/>
           </a:xfrm>
           <a:prstGeom prst="bracePair">
@@ -13965,102 +14004,11 @@
             <a:pPr algn="ctr"/>
             <a:r>
               <a:rPr lang="en-US" sz="1200" dirty="0"/>
-              <a:t>allmodules</a:t>
-            </a:r>
-          </a:p>
-        </p:txBody>
-      </p:sp>
-      <p:sp>
-        <p:nvSpPr>
-          <p:cNvPr id="166" name="Double Brace 165">
-            <a:extLst>
-              <a:ext uri="{FF2B5EF4-FFF2-40B4-BE49-F238E27FC236}">
-                <a16:creationId xmlns:a16="http://schemas.microsoft.com/office/drawing/2014/main" id="{29149029-3285-F84F-BDFA-1B44BF5A78DB}"/>
-              </a:ext>
-            </a:extLst>
-          </p:cNvPr>
-          <p:cNvSpPr/>
-          <p:nvPr/>
-        </p:nvSpPr>
-        <p:spPr>
-          <a:xfrm>
-            <a:off x="4489622" y="6192519"/>
-            <a:ext cx="693019" cy="497841"/>
-          </a:xfrm>
-          <a:prstGeom prst="bracePair">
-            <a:avLst/>
-          </a:prstGeom>
-          <a:ln>
-            <a:solidFill>
-              <a:schemeClr val="bg1"/>
-            </a:solidFill>
-          </a:ln>
-        </p:spPr>
-        <p:style>
-          <a:lnRef idx="1">
-            <a:schemeClr val="accent1"/>
-          </a:lnRef>
-          <a:fillRef idx="0">
-            <a:schemeClr val="accent1"/>
-          </a:fillRef>
-          <a:effectRef idx="0">
-            <a:schemeClr val="accent1"/>
-          </a:effectRef>
-          <a:fontRef idx="minor">
-            <a:schemeClr val="tx1"/>
-          </a:fontRef>
-        </p:style>
-        <p:txBody>
-          <a:bodyPr wrap="none" rtlCol="0" anchor="ctr"/>
-          <a:lstStyle/>
-          <a:p>
-            <a:pPr algn="ctr"/>
-            <a:r>
-              <a:rPr lang="en-US" sz="1200" dirty="0"/>
               <a:t>manifest</a:t>
             </a:r>
           </a:p>
         </p:txBody>
       </p:sp>
-      <p:cxnSp>
-        <p:nvCxnSpPr>
-          <p:cNvPr id="169" name="Straight Connector 168">
-            <a:extLst>
-              <a:ext uri="{FF2B5EF4-FFF2-40B4-BE49-F238E27FC236}">
-                <a16:creationId xmlns:a16="http://schemas.microsoft.com/office/drawing/2014/main" id="{5894EDBC-2734-5F4B-9E1C-A8CF7C0EF2C9}"/>
-              </a:ext>
-            </a:extLst>
-          </p:cNvPr>
-          <p:cNvCxnSpPr>
-            <a:stCxn id="4" idx="2"/>
-            <a:endCxn id="164" idx="0"/>
-          </p:cNvCxnSpPr>
-          <p:nvPr/>
-        </p:nvCxnSpPr>
-        <p:spPr>
-          <a:xfrm flipH="1">
-            <a:off x="4797633" y="4358640"/>
-            <a:ext cx="2967" cy="850575"/>
-          </a:xfrm>
-          <a:prstGeom prst="line">
-            <a:avLst/>
-          </a:prstGeom>
-        </p:spPr>
-        <p:style>
-          <a:lnRef idx="1">
-            <a:schemeClr val="accent1"/>
-          </a:lnRef>
-          <a:fillRef idx="0">
-            <a:schemeClr val="accent1"/>
-          </a:fillRef>
-          <a:effectRef idx="0">
-            <a:schemeClr val="accent1"/>
-          </a:effectRef>
-          <a:fontRef idx="minor">
-            <a:schemeClr val="tx1"/>
-          </a:fontRef>
-        </p:style>
-      </p:cxnSp>
     </p:spTree>
     <p:extLst>
       <p:ext uri="{BB962C8B-B14F-4D97-AF65-F5344CB8AC3E}">
@@ -14469,10 +14417,10 @@
       </p:grpSpPr>
       <p:sp>
         <p:nvSpPr>
-          <p:cNvPr id="4" name="Rectangle 3">
-            <a:extLst>
-              <a:ext uri="{FF2B5EF4-FFF2-40B4-BE49-F238E27FC236}">
-                <a16:creationId xmlns:a16="http://schemas.microsoft.com/office/drawing/2014/main" id="{BB536057-D3D8-804D-8C2E-480A1344C6A5}"/>
+          <p:cNvPr id="7" name="Rectangle 6">
+            <a:extLst>
+              <a:ext uri="{FF2B5EF4-FFF2-40B4-BE49-F238E27FC236}">
+                <a16:creationId xmlns:a16="http://schemas.microsoft.com/office/drawing/2014/main" id="{9DFB5B47-7499-9943-BA7F-25C3F214EC4A}"/>
               </a:ext>
             </a:extLst>
           </p:cNvPr>
@@ -14481,42 +14429,2601 @@
         </p:nvSpPr>
         <p:spPr>
           <a:xfrm>
-            <a:off x="3656153" y="2397311"/>
-            <a:ext cx="2973891" cy="369332"/>
-          </a:xfrm>
-          <a:prstGeom prst="rect">
-            <a:avLst/>
-          </a:prstGeom>
-        </p:spPr>
-        <p:txBody>
-          <a:bodyPr wrap="none">
-            <a:spAutoFit/>
-          </a:bodyPr>
-          <a:lstStyle/>
-          <a:p>
-            <a:r>
-              <a:rPr lang="en-US" dirty="0" err="1">
-                <a:solidFill>
-                  <a:srgbClr val="4EC9B0"/>
-                </a:solidFill>
-                <a:latin typeface="Menlo" panose="020B0609030804020204" pitchFamily="49" charset="0"/>
-              </a:rPr>
-              <a:t>MythicalConfigReader</a:t>
-            </a:r>
-            <a:endParaRPr lang="en-US" b="0" dirty="0">
-              <a:solidFill>
-                <a:srgbClr val="D4D4D4"/>
-              </a:solidFill>
-              <a:effectLst/>
-              <a:latin typeface="Menlo" panose="020B0609030804020204" pitchFamily="49" charset="0"/>
-            </a:endParaRPr>
-          </a:p>
-        </p:txBody>
-      </p:sp>
+            <a:off x="5226516" y="3400124"/>
+            <a:ext cx="2103120" cy="965200"/>
+          </a:xfrm>
+          <a:prstGeom prst="rect">
+            <a:avLst/>
+          </a:prstGeom>
+        </p:spPr>
+        <p:style>
+          <a:lnRef idx="2">
+            <a:schemeClr val="accent1">
+              <a:shade val="50000"/>
+            </a:schemeClr>
+          </a:lnRef>
+          <a:fillRef idx="1">
+            <a:schemeClr val="accent1"/>
+          </a:fillRef>
+          <a:effectRef idx="0">
+            <a:schemeClr val="accent1"/>
+          </a:effectRef>
+          <a:fontRef idx="minor">
+            <a:schemeClr val="lt1"/>
+          </a:fontRef>
+        </p:style>
+        <p:txBody>
+          <a:bodyPr rtlCol="0" anchor="ctr"/>
+          <a:lstStyle/>
+          <a:p>
+            <a:pPr algn="ctr"/>
+            <a:r>
+              <a:rPr lang="en-US" dirty="0"/>
+              <a:t>DeployToIoTEdge-Service Bus Trigger</a:t>
+            </a:r>
+          </a:p>
+        </p:txBody>
+      </p:sp>
+      <p:sp>
+        <p:nvSpPr>
+          <p:cNvPr id="8" name="Rectangle 7">
+            <a:extLst>
+              <a:ext uri="{FF2B5EF4-FFF2-40B4-BE49-F238E27FC236}">
+                <a16:creationId xmlns:a16="http://schemas.microsoft.com/office/drawing/2014/main" id="{008418C3-9AEA-7A47-8EF0-644A9CCD6A94}"/>
+              </a:ext>
+            </a:extLst>
+          </p:cNvPr>
+          <p:cNvSpPr/>
+          <p:nvPr/>
+        </p:nvSpPr>
+        <p:spPr>
+          <a:xfrm>
+            <a:off x="2762451" y="3601987"/>
+            <a:ext cx="2221295" cy="561474"/>
+          </a:xfrm>
+          <a:prstGeom prst="rect">
+            <a:avLst/>
+          </a:prstGeom>
+        </p:spPr>
+        <p:style>
+          <a:lnRef idx="2">
+            <a:schemeClr val="accent1">
+              <a:shade val="50000"/>
+            </a:schemeClr>
+          </a:lnRef>
+          <a:fillRef idx="1">
+            <a:schemeClr val="accent1"/>
+          </a:fillRef>
+          <a:effectRef idx="0">
+            <a:schemeClr val="accent1"/>
+          </a:effectRef>
+          <a:fontRef idx="minor">
+            <a:schemeClr val="lt1"/>
+          </a:fontRef>
+        </p:style>
+        <p:txBody>
+          <a:bodyPr rtlCol="0" anchor="ctr"/>
+          <a:lstStyle/>
+          <a:p>
+            <a:pPr algn="ctr"/>
+            <a:r>
+              <a:rPr lang="en-US" dirty="0"/>
+              <a:t>Azure Service Bus </a:t>
+            </a:r>
+          </a:p>
+        </p:txBody>
+      </p:sp>
+      <p:sp>
+        <p:nvSpPr>
+          <p:cNvPr id="9" name="Rectangle 8">
+            <a:extLst>
+              <a:ext uri="{FF2B5EF4-FFF2-40B4-BE49-F238E27FC236}">
+                <a16:creationId xmlns:a16="http://schemas.microsoft.com/office/drawing/2014/main" id="{2FE3648E-7821-DF4E-8431-4B3E60F22E8B}"/>
+              </a:ext>
+            </a:extLst>
+          </p:cNvPr>
+          <p:cNvSpPr/>
+          <p:nvPr/>
+        </p:nvSpPr>
+        <p:spPr>
+          <a:xfrm>
+            <a:off x="11287760" y="629920"/>
+            <a:ext cx="680720" cy="599440"/>
+          </a:xfrm>
+          <a:prstGeom prst="rect">
+            <a:avLst/>
+          </a:prstGeom>
+        </p:spPr>
+        <p:style>
+          <a:lnRef idx="2">
+            <a:schemeClr val="accent1">
+              <a:shade val="50000"/>
+            </a:schemeClr>
+          </a:lnRef>
+          <a:fillRef idx="1">
+            <a:schemeClr val="accent1"/>
+          </a:fillRef>
+          <a:effectRef idx="0">
+            <a:schemeClr val="accent1"/>
+          </a:effectRef>
+          <a:fontRef idx="minor">
+            <a:schemeClr val="lt1"/>
+          </a:fontRef>
+        </p:style>
+        <p:txBody>
+          <a:bodyPr rtlCol="0" anchor="ctr"/>
+          <a:lstStyle/>
+          <a:p>
+            <a:pPr algn="ctr"/>
+            <a:r>
+              <a:rPr lang="en-US" sz="1600" dirty="0"/>
+              <a:t>IoT Edge</a:t>
+            </a:r>
+          </a:p>
+        </p:txBody>
+      </p:sp>
+      <p:sp>
+        <p:nvSpPr>
+          <p:cNvPr id="10" name="Rectangle 9">
+            <a:extLst>
+              <a:ext uri="{FF2B5EF4-FFF2-40B4-BE49-F238E27FC236}">
+                <a16:creationId xmlns:a16="http://schemas.microsoft.com/office/drawing/2014/main" id="{9D5C8B95-C744-BF41-9198-AEDAE8478BD7}"/>
+              </a:ext>
+            </a:extLst>
+          </p:cNvPr>
+          <p:cNvSpPr/>
+          <p:nvPr/>
+        </p:nvSpPr>
+        <p:spPr>
+          <a:xfrm>
+            <a:off x="11287760" y="1341120"/>
+            <a:ext cx="680720" cy="599440"/>
+          </a:xfrm>
+          <a:prstGeom prst="rect">
+            <a:avLst/>
+          </a:prstGeom>
+        </p:spPr>
+        <p:style>
+          <a:lnRef idx="2">
+            <a:schemeClr val="accent1">
+              <a:shade val="50000"/>
+            </a:schemeClr>
+          </a:lnRef>
+          <a:fillRef idx="1">
+            <a:schemeClr val="accent1"/>
+          </a:fillRef>
+          <a:effectRef idx="0">
+            <a:schemeClr val="accent1"/>
+          </a:effectRef>
+          <a:fontRef idx="minor">
+            <a:schemeClr val="lt1"/>
+          </a:fontRef>
+        </p:style>
+        <p:txBody>
+          <a:bodyPr rtlCol="0" anchor="ctr"/>
+          <a:lstStyle/>
+          <a:p>
+            <a:pPr algn="ctr"/>
+            <a:r>
+              <a:rPr lang="en-US" sz="1600" dirty="0"/>
+              <a:t>IoT Edge</a:t>
+            </a:r>
+          </a:p>
+        </p:txBody>
+      </p:sp>
+      <p:sp>
+        <p:nvSpPr>
+          <p:cNvPr id="11" name="Rectangle 10">
+            <a:extLst>
+              <a:ext uri="{FF2B5EF4-FFF2-40B4-BE49-F238E27FC236}">
+                <a16:creationId xmlns:a16="http://schemas.microsoft.com/office/drawing/2014/main" id="{0C0F569F-C9AF-D544-8999-932B70EB3661}"/>
+              </a:ext>
+            </a:extLst>
+          </p:cNvPr>
+          <p:cNvSpPr/>
+          <p:nvPr/>
+        </p:nvSpPr>
+        <p:spPr>
+          <a:xfrm>
+            <a:off x="11287760" y="2052320"/>
+            <a:ext cx="680720" cy="599440"/>
+          </a:xfrm>
+          <a:prstGeom prst="rect">
+            <a:avLst/>
+          </a:prstGeom>
+        </p:spPr>
+        <p:style>
+          <a:lnRef idx="2">
+            <a:schemeClr val="accent1">
+              <a:shade val="50000"/>
+            </a:schemeClr>
+          </a:lnRef>
+          <a:fillRef idx="1">
+            <a:schemeClr val="accent1"/>
+          </a:fillRef>
+          <a:effectRef idx="0">
+            <a:schemeClr val="accent1"/>
+          </a:effectRef>
+          <a:fontRef idx="minor">
+            <a:schemeClr val="lt1"/>
+          </a:fontRef>
+        </p:style>
+        <p:txBody>
+          <a:bodyPr rtlCol="0" anchor="ctr"/>
+          <a:lstStyle/>
+          <a:p>
+            <a:pPr algn="ctr"/>
+            <a:r>
+              <a:rPr lang="en-US" sz="1600" dirty="0"/>
+              <a:t>IoT Edge</a:t>
+            </a:r>
+          </a:p>
+        </p:txBody>
+      </p:sp>
+      <p:sp>
+        <p:nvSpPr>
+          <p:cNvPr id="12" name="Rectangle 11">
+            <a:extLst>
+              <a:ext uri="{FF2B5EF4-FFF2-40B4-BE49-F238E27FC236}">
+                <a16:creationId xmlns:a16="http://schemas.microsoft.com/office/drawing/2014/main" id="{80D2CA36-C26B-B948-AC98-563F779B8795}"/>
+              </a:ext>
+            </a:extLst>
+          </p:cNvPr>
+          <p:cNvSpPr/>
+          <p:nvPr/>
+        </p:nvSpPr>
+        <p:spPr>
+          <a:xfrm>
+            <a:off x="11287760" y="2763520"/>
+            <a:ext cx="680720" cy="599440"/>
+          </a:xfrm>
+          <a:prstGeom prst="rect">
+            <a:avLst/>
+          </a:prstGeom>
+        </p:spPr>
+        <p:style>
+          <a:lnRef idx="2">
+            <a:schemeClr val="accent1">
+              <a:shade val="50000"/>
+            </a:schemeClr>
+          </a:lnRef>
+          <a:fillRef idx="1">
+            <a:schemeClr val="accent1"/>
+          </a:fillRef>
+          <a:effectRef idx="0">
+            <a:schemeClr val="accent1"/>
+          </a:effectRef>
+          <a:fontRef idx="minor">
+            <a:schemeClr val="lt1"/>
+          </a:fontRef>
+        </p:style>
+        <p:txBody>
+          <a:bodyPr rtlCol="0" anchor="ctr"/>
+          <a:lstStyle/>
+          <a:p>
+            <a:pPr algn="ctr"/>
+            <a:r>
+              <a:rPr lang="en-US" sz="1600" dirty="0"/>
+              <a:t>IoT Edge</a:t>
+            </a:r>
+          </a:p>
+        </p:txBody>
+      </p:sp>
+      <p:sp>
+        <p:nvSpPr>
+          <p:cNvPr id="13" name="Rectangle 12">
+            <a:extLst>
+              <a:ext uri="{FF2B5EF4-FFF2-40B4-BE49-F238E27FC236}">
+                <a16:creationId xmlns:a16="http://schemas.microsoft.com/office/drawing/2014/main" id="{2AAF750C-B61F-9C4A-BDA0-BAA7A3308CDE}"/>
+              </a:ext>
+            </a:extLst>
+          </p:cNvPr>
+          <p:cNvSpPr/>
+          <p:nvPr/>
+        </p:nvSpPr>
+        <p:spPr>
+          <a:xfrm>
+            <a:off x="11287760" y="3474720"/>
+            <a:ext cx="680720" cy="599440"/>
+          </a:xfrm>
+          <a:prstGeom prst="rect">
+            <a:avLst/>
+          </a:prstGeom>
+        </p:spPr>
+        <p:style>
+          <a:lnRef idx="2">
+            <a:schemeClr val="accent1">
+              <a:shade val="50000"/>
+            </a:schemeClr>
+          </a:lnRef>
+          <a:fillRef idx="1">
+            <a:schemeClr val="accent1"/>
+          </a:fillRef>
+          <a:effectRef idx="0">
+            <a:schemeClr val="accent1"/>
+          </a:effectRef>
+          <a:fontRef idx="minor">
+            <a:schemeClr val="lt1"/>
+          </a:fontRef>
+        </p:style>
+        <p:txBody>
+          <a:bodyPr rtlCol="0" anchor="ctr"/>
+          <a:lstStyle/>
+          <a:p>
+            <a:pPr algn="ctr"/>
+            <a:r>
+              <a:rPr lang="en-US" sz="1600" dirty="0"/>
+              <a:t>IoT Edge</a:t>
+            </a:r>
+          </a:p>
+        </p:txBody>
+      </p:sp>
+      <p:sp>
+        <p:nvSpPr>
+          <p:cNvPr id="14" name="Rectangle 13">
+            <a:extLst>
+              <a:ext uri="{FF2B5EF4-FFF2-40B4-BE49-F238E27FC236}">
+                <a16:creationId xmlns:a16="http://schemas.microsoft.com/office/drawing/2014/main" id="{9F987C49-56FD-714D-AA8C-AF32E0F30AEA}"/>
+              </a:ext>
+            </a:extLst>
+          </p:cNvPr>
+          <p:cNvSpPr/>
+          <p:nvPr/>
+        </p:nvSpPr>
+        <p:spPr>
+          <a:xfrm>
+            <a:off x="11287760" y="4185920"/>
+            <a:ext cx="680720" cy="599440"/>
+          </a:xfrm>
+          <a:prstGeom prst="rect">
+            <a:avLst/>
+          </a:prstGeom>
+        </p:spPr>
+        <p:style>
+          <a:lnRef idx="2">
+            <a:schemeClr val="accent1">
+              <a:shade val="50000"/>
+            </a:schemeClr>
+          </a:lnRef>
+          <a:fillRef idx="1">
+            <a:schemeClr val="accent1"/>
+          </a:fillRef>
+          <a:effectRef idx="0">
+            <a:schemeClr val="accent1"/>
+          </a:effectRef>
+          <a:fontRef idx="minor">
+            <a:schemeClr val="lt1"/>
+          </a:fontRef>
+        </p:style>
+        <p:txBody>
+          <a:bodyPr rtlCol="0" anchor="ctr"/>
+          <a:lstStyle/>
+          <a:p>
+            <a:pPr algn="ctr"/>
+            <a:r>
+              <a:rPr lang="en-US" sz="1600" dirty="0"/>
+              <a:t>IoT Edge</a:t>
+            </a:r>
+          </a:p>
+        </p:txBody>
+      </p:sp>
+      <p:sp>
+        <p:nvSpPr>
+          <p:cNvPr id="15" name="Rectangle 14">
+            <a:extLst>
+              <a:ext uri="{FF2B5EF4-FFF2-40B4-BE49-F238E27FC236}">
+                <a16:creationId xmlns:a16="http://schemas.microsoft.com/office/drawing/2014/main" id="{A0F7082A-318A-A444-B8DA-82FECA387A57}"/>
+              </a:ext>
+            </a:extLst>
+          </p:cNvPr>
+          <p:cNvSpPr/>
+          <p:nvPr/>
+        </p:nvSpPr>
+        <p:spPr>
+          <a:xfrm>
+            <a:off x="11287760" y="4897120"/>
+            <a:ext cx="680720" cy="599440"/>
+          </a:xfrm>
+          <a:prstGeom prst="rect">
+            <a:avLst/>
+          </a:prstGeom>
+        </p:spPr>
+        <p:style>
+          <a:lnRef idx="2">
+            <a:schemeClr val="accent1">
+              <a:shade val="50000"/>
+            </a:schemeClr>
+          </a:lnRef>
+          <a:fillRef idx="1">
+            <a:schemeClr val="accent1"/>
+          </a:fillRef>
+          <a:effectRef idx="0">
+            <a:schemeClr val="accent1"/>
+          </a:effectRef>
+          <a:fontRef idx="minor">
+            <a:schemeClr val="lt1"/>
+          </a:fontRef>
+        </p:style>
+        <p:txBody>
+          <a:bodyPr rtlCol="0" anchor="ctr"/>
+          <a:lstStyle/>
+          <a:p>
+            <a:pPr algn="ctr"/>
+            <a:r>
+              <a:rPr lang="en-US" sz="1600" dirty="0"/>
+              <a:t>IoT Edge</a:t>
+            </a:r>
+          </a:p>
+        </p:txBody>
+      </p:sp>
+      <p:sp>
+        <p:nvSpPr>
+          <p:cNvPr id="16" name="Rectangle 15">
+            <a:extLst>
+              <a:ext uri="{FF2B5EF4-FFF2-40B4-BE49-F238E27FC236}">
+                <a16:creationId xmlns:a16="http://schemas.microsoft.com/office/drawing/2014/main" id="{455476C3-834A-7C44-9F71-C0AE3AEFB0DF}"/>
+              </a:ext>
+            </a:extLst>
+          </p:cNvPr>
+          <p:cNvSpPr/>
+          <p:nvPr/>
+        </p:nvSpPr>
+        <p:spPr>
+          <a:xfrm>
+            <a:off x="11287760" y="5608320"/>
+            <a:ext cx="680720" cy="599440"/>
+          </a:xfrm>
+          <a:prstGeom prst="rect">
+            <a:avLst/>
+          </a:prstGeom>
+        </p:spPr>
+        <p:style>
+          <a:lnRef idx="2">
+            <a:schemeClr val="accent1">
+              <a:shade val="50000"/>
+            </a:schemeClr>
+          </a:lnRef>
+          <a:fillRef idx="1">
+            <a:schemeClr val="accent1"/>
+          </a:fillRef>
+          <a:effectRef idx="0">
+            <a:schemeClr val="accent1"/>
+          </a:effectRef>
+          <a:fontRef idx="minor">
+            <a:schemeClr val="lt1"/>
+          </a:fontRef>
+        </p:style>
+        <p:txBody>
+          <a:bodyPr rtlCol="0" anchor="ctr"/>
+          <a:lstStyle/>
+          <a:p>
+            <a:pPr algn="ctr"/>
+            <a:r>
+              <a:rPr lang="en-US" sz="1600" dirty="0"/>
+              <a:t>IoT Edge</a:t>
+            </a:r>
+          </a:p>
+        </p:txBody>
+      </p:sp>
+      <p:sp>
+        <p:nvSpPr>
+          <p:cNvPr id="17" name="Rectangle 16">
+            <a:extLst>
+              <a:ext uri="{FF2B5EF4-FFF2-40B4-BE49-F238E27FC236}">
+                <a16:creationId xmlns:a16="http://schemas.microsoft.com/office/drawing/2014/main" id="{EADF4009-886C-F84E-991E-3736005EDEA2}"/>
+              </a:ext>
+            </a:extLst>
+          </p:cNvPr>
+          <p:cNvSpPr/>
+          <p:nvPr/>
+        </p:nvSpPr>
+        <p:spPr>
+          <a:xfrm>
+            <a:off x="11165840" y="711200"/>
+            <a:ext cx="680720" cy="599440"/>
+          </a:xfrm>
+          <a:prstGeom prst="rect">
+            <a:avLst/>
+          </a:prstGeom>
+        </p:spPr>
+        <p:style>
+          <a:lnRef idx="2">
+            <a:schemeClr val="accent1">
+              <a:shade val="50000"/>
+            </a:schemeClr>
+          </a:lnRef>
+          <a:fillRef idx="1">
+            <a:schemeClr val="accent1"/>
+          </a:fillRef>
+          <a:effectRef idx="0">
+            <a:schemeClr val="accent1"/>
+          </a:effectRef>
+          <a:fontRef idx="minor">
+            <a:schemeClr val="lt1"/>
+          </a:fontRef>
+        </p:style>
+        <p:txBody>
+          <a:bodyPr rtlCol="0" anchor="ctr"/>
+          <a:lstStyle/>
+          <a:p>
+            <a:pPr algn="ctr"/>
+            <a:r>
+              <a:rPr lang="en-US" sz="1600" dirty="0"/>
+              <a:t>IoT Edge</a:t>
+            </a:r>
+          </a:p>
+        </p:txBody>
+      </p:sp>
+      <p:sp>
+        <p:nvSpPr>
+          <p:cNvPr id="18" name="Rectangle 17">
+            <a:extLst>
+              <a:ext uri="{FF2B5EF4-FFF2-40B4-BE49-F238E27FC236}">
+                <a16:creationId xmlns:a16="http://schemas.microsoft.com/office/drawing/2014/main" id="{BE4DD17E-8C8B-D04F-BF73-4D7D6E02B5E0}"/>
+              </a:ext>
+            </a:extLst>
+          </p:cNvPr>
+          <p:cNvSpPr/>
+          <p:nvPr/>
+        </p:nvSpPr>
+        <p:spPr>
+          <a:xfrm>
+            <a:off x="11165840" y="1422400"/>
+            <a:ext cx="680720" cy="599440"/>
+          </a:xfrm>
+          <a:prstGeom prst="rect">
+            <a:avLst/>
+          </a:prstGeom>
+        </p:spPr>
+        <p:style>
+          <a:lnRef idx="2">
+            <a:schemeClr val="accent1">
+              <a:shade val="50000"/>
+            </a:schemeClr>
+          </a:lnRef>
+          <a:fillRef idx="1">
+            <a:schemeClr val="accent1"/>
+          </a:fillRef>
+          <a:effectRef idx="0">
+            <a:schemeClr val="accent1"/>
+          </a:effectRef>
+          <a:fontRef idx="minor">
+            <a:schemeClr val="lt1"/>
+          </a:fontRef>
+        </p:style>
+        <p:txBody>
+          <a:bodyPr rtlCol="0" anchor="ctr"/>
+          <a:lstStyle/>
+          <a:p>
+            <a:pPr algn="ctr"/>
+            <a:r>
+              <a:rPr lang="en-US" sz="1600" dirty="0"/>
+              <a:t>IoT Edge</a:t>
+            </a:r>
+          </a:p>
+        </p:txBody>
+      </p:sp>
+      <p:sp>
+        <p:nvSpPr>
+          <p:cNvPr id="19" name="Rectangle 18">
+            <a:extLst>
+              <a:ext uri="{FF2B5EF4-FFF2-40B4-BE49-F238E27FC236}">
+                <a16:creationId xmlns:a16="http://schemas.microsoft.com/office/drawing/2014/main" id="{D93C0CFC-2628-2D4E-84B9-518FA51790E6}"/>
+              </a:ext>
+            </a:extLst>
+          </p:cNvPr>
+          <p:cNvSpPr/>
+          <p:nvPr/>
+        </p:nvSpPr>
+        <p:spPr>
+          <a:xfrm>
+            <a:off x="11165840" y="2133600"/>
+            <a:ext cx="680720" cy="599440"/>
+          </a:xfrm>
+          <a:prstGeom prst="rect">
+            <a:avLst/>
+          </a:prstGeom>
+        </p:spPr>
+        <p:style>
+          <a:lnRef idx="2">
+            <a:schemeClr val="accent1">
+              <a:shade val="50000"/>
+            </a:schemeClr>
+          </a:lnRef>
+          <a:fillRef idx="1">
+            <a:schemeClr val="accent1"/>
+          </a:fillRef>
+          <a:effectRef idx="0">
+            <a:schemeClr val="accent1"/>
+          </a:effectRef>
+          <a:fontRef idx="minor">
+            <a:schemeClr val="lt1"/>
+          </a:fontRef>
+        </p:style>
+        <p:txBody>
+          <a:bodyPr rtlCol="0" anchor="ctr"/>
+          <a:lstStyle/>
+          <a:p>
+            <a:pPr algn="ctr"/>
+            <a:r>
+              <a:rPr lang="en-US" sz="1600" dirty="0"/>
+              <a:t>IoT Edge</a:t>
+            </a:r>
+          </a:p>
+        </p:txBody>
+      </p:sp>
+      <p:sp>
+        <p:nvSpPr>
+          <p:cNvPr id="20" name="Rectangle 19">
+            <a:extLst>
+              <a:ext uri="{FF2B5EF4-FFF2-40B4-BE49-F238E27FC236}">
+                <a16:creationId xmlns:a16="http://schemas.microsoft.com/office/drawing/2014/main" id="{E68C1C36-5C48-6D4B-892D-027C9C0AD24A}"/>
+              </a:ext>
+            </a:extLst>
+          </p:cNvPr>
+          <p:cNvSpPr/>
+          <p:nvPr/>
+        </p:nvSpPr>
+        <p:spPr>
+          <a:xfrm>
+            <a:off x="11165840" y="2844800"/>
+            <a:ext cx="680720" cy="599440"/>
+          </a:xfrm>
+          <a:prstGeom prst="rect">
+            <a:avLst/>
+          </a:prstGeom>
+        </p:spPr>
+        <p:style>
+          <a:lnRef idx="2">
+            <a:schemeClr val="accent1">
+              <a:shade val="50000"/>
+            </a:schemeClr>
+          </a:lnRef>
+          <a:fillRef idx="1">
+            <a:schemeClr val="accent1"/>
+          </a:fillRef>
+          <a:effectRef idx="0">
+            <a:schemeClr val="accent1"/>
+          </a:effectRef>
+          <a:fontRef idx="minor">
+            <a:schemeClr val="lt1"/>
+          </a:fontRef>
+        </p:style>
+        <p:txBody>
+          <a:bodyPr rtlCol="0" anchor="ctr"/>
+          <a:lstStyle/>
+          <a:p>
+            <a:pPr algn="ctr"/>
+            <a:r>
+              <a:rPr lang="en-US" sz="1600" dirty="0"/>
+              <a:t>IoT Edge</a:t>
+            </a:r>
+          </a:p>
+        </p:txBody>
+      </p:sp>
+      <p:sp>
+        <p:nvSpPr>
+          <p:cNvPr id="21" name="Rectangle 20">
+            <a:extLst>
+              <a:ext uri="{FF2B5EF4-FFF2-40B4-BE49-F238E27FC236}">
+                <a16:creationId xmlns:a16="http://schemas.microsoft.com/office/drawing/2014/main" id="{4C8A95B9-4F32-7D49-B3D5-44552B6C45DB}"/>
+              </a:ext>
+            </a:extLst>
+          </p:cNvPr>
+          <p:cNvSpPr/>
+          <p:nvPr/>
+        </p:nvSpPr>
+        <p:spPr>
+          <a:xfrm>
+            <a:off x="11165840" y="3556000"/>
+            <a:ext cx="680720" cy="599440"/>
+          </a:xfrm>
+          <a:prstGeom prst="rect">
+            <a:avLst/>
+          </a:prstGeom>
+        </p:spPr>
+        <p:style>
+          <a:lnRef idx="2">
+            <a:schemeClr val="accent1">
+              <a:shade val="50000"/>
+            </a:schemeClr>
+          </a:lnRef>
+          <a:fillRef idx="1">
+            <a:schemeClr val="accent1"/>
+          </a:fillRef>
+          <a:effectRef idx="0">
+            <a:schemeClr val="accent1"/>
+          </a:effectRef>
+          <a:fontRef idx="minor">
+            <a:schemeClr val="lt1"/>
+          </a:fontRef>
+        </p:style>
+        <p:txBody>
+          <a:bodyPr rtlCol="0" anchor="ctr"/>
+          <a:lstStyle/>
+          <a:p>
+            <a:pPr algn="ctr"/>
+            <a:r>
+              <a:rPr lang="en-US" sz="1600" dirty="0"/>
+              <a:t>IoT Edge</a:t>
+            </a:r>
+          </a:p>
+        </p:txBody>
+      </p:sp>
+      <p:sp>
+        <p:nvSpPr>
+          <p:cNvPr id="22" name="Rectangle 21">
+            <a:extLst>
+              <a:ext uri="{FF2B5EF4-FFF2-40B4-BE49-F238E27FC236}">
+                <a16:creationId xmlns:a16="http://schemas.microsoft.com/office/drawing/2014/main" id="{D10F5A59-C32B-C04D-8A8A-67F1249E0B46}"/>
+              </a:ext>
+            </a:extLst>
+          </p:cNvPr>
+          <p:cNvSpPr/>
+          <p:nvPr/>
+        </p:nvSpPr>
+        <p:spPr>
+          <a:xfrm>
+            <a:off x="11165840" y="4267200"/>
+            <a:ext cx="680720" cy="599440"/>
+          </a:xfrm>
+          <a:prstGeom prst="rect">
+            <a:avLst/>
+          </a:prstGeom>
+        </p:spPr>
+        <p:style>
+          <a:lnRef idx="2">
+            <a:schemeClr val="accent1">
+              <a:shade val="50000"/>
+            </a:schemeClr>
+          </a:lnRef>
+          <a:fillRef idx="1">
+            <a:schemeClr val="accent1"/>
+          </a:fillRef>
+          <a:effectRef idx="0">
+            <a:schemeClr val="accent1"/>
+          </a:effectRef>
+          <a:fontRef idx="minor">
+            <a:schemeClr val="lt1"/>
+          </a:fontRef>
+        </p:style>
+        <p:txBody>
+          <a:bodyPr rtlCol="0" anchor="ctr"/>
+          <a:lstStyle/>
+          <a:p>
+            <a:pPr algn="ctr"/>
+            <a:r>
+              <a:rPr lang="en-US" sz="1600" dirty="0"/>
+              <a:t>IoT Edge</a:t>
+            </a:r>
+          </a:p>
+        </p:txBody>
+      </p:sp>
+      <p:sp>
+        <p:nvSpPr>
+          <p:cNvPr id="23" name="Rectangle 22">
+            <a:extLst>
+              <a:ext uri="{FF2B5EF4-FFF2-40B4-BE49-F238E27FC236}">
+                <a16:creationId xmlns:a16="http://schemas.microsoft.com/office/drawing/2014/main" id="{79639143-0965-7843-95F1-A53A6BE713D6}"/>
+              </a:ext>
+            </a:extLst>
+          </p:cNvPr>
+          <p:cNvSpPr/>
+          <p:nvPr/>
+        </p:nvSpPr>
+        <p:spPr>
+          <a:xfrm>
+            <a:off x="11165840" y="4978400"/>
+            <a:ext cx="680720" cy="599440"/>
+          </a:xfrm>
+          <a:prstGeom prst="rect">
+            <a:avLst/>
+          </a:prstGeom>
+        </p:spPr>
+        <p:style>
+          <a:lnRef idx="2">
+            <a:schemeClr val="accent1">
+              <a:shade val="50000"/>
+            </a:schemeClr>
+          </a:lnRef>
+          <a:fillRef idx="1">
+            <a:schemeClr val="accent1"/>
+          </a:fillRef>
+          <a:effectRef idx="0">
+            <a:schemeClr val="accent1"/>
+          </a:effectRef>
+          <a:fontRef idx="minor">
+            <a:schemeClr val="lt1"/>
+          </a:fontRef>
+        </p:style>
+        <p:txBody>
+          <a:bodyPr rtlCol="0" anchor="ctr"/>
+          <a:lstStyle/>
+          <a:p>
+            <a:pPr algn="ctr"/>
+            <a:r>
+              <a:rPr lang="en-US" sz="1600" dirty="0"/>
+              <a:t>IoT Edge</a:t>
+            </a:r>
+          </a:p>
+        </p:txBody>
+      </p:sp>
+      <p:sp>
+        <p:nvSpPr>
+          <p:cNvPr id="24" name="Rectangle 23">
+            <a:extLst>
+              <a:ext uri="{FF2B5EF4-FFF2-40B4-BE49-F238E27FC236}">
+                <a16:creationId xmlns:a16="http://schemas.microsoft.com/office/drawing/2014/main" id="{12B2B8AF-0CF5-B34B-96B4-C296C111C84E}"/>
+              </a:ext>
+            </a:extLst>
+          </p:cNvPr>
+          <p:cNvSpPr/>
+          <p:nvPr/>
+        </p:nvSpPr>
+        <p:spPr>
+          <a:xfrm>
+            <a:off x="11165840" y="5689600"/>
+            <a:ext cx="680720" cy="599440"/>
+          </a:xfrm>
+          <a:prstGeom prst="rect">
+            <a:avLst/>
+          </a:prstGeom>
+        </p:spPr>
+        <p:style>
+          <a:lnRef idx="2">
+            <a:schemeClr val="accent1">
+              <a:shade val="50000"/>
+            </a:schemeClr>
+          </a:lnRef>
+          <a:fillRef idx="1">
+            <a:schemeClr val="accent1"/>
+          </a:fillRef>
+          <a:effectRef idx="0">
+            <a:schemeClr val="accent1"/>
+          </a:effectRef>
+          <a:fontRef idx="minor">
+            <a:schemeClr val="lt1"/>
+          </a:fontRef>
+        </p:style>
+        <p:txBody>
+          <a:bodyPr rtlCol="0" anchor="ctr"/>
+          <a:lstStyle/>
+          <a:p>
+            <a:pPr algn="ctr"/>
+            <a:r>
+              <a:rPr lang="en-US" sz="1600" dirty="0"/>
+              <a:t>IoT Edge</a:t>
+            </a:r>
+          </a:p>
+        </p:txBody>
+      </p:sp>
+      <p:sp>
+        <p:nvSpPr>
+          <p:cNvPr id="25" name="Rectangle 24">
+            <a:extLst>
+              <a:ext uri="{FF2B5EF4-FFF2-40B4-BE49-F238E27FC236}">
+                <a16:creationId xmlns:a16="http://schemas.microsoft.com/office/drawing/2014/main" id="{A6B45F39-9CE2-A34A-8D78-5D58236302E7}"/>
+              </a:ext>
+            </a:extLst>
+          </p:cNvPr>
+          <p:cNvSpPr/>
+          <p:nvPr/>
+        </p:nvSpPr>
+        <p:spPr>
+          <a:xfrm>
+            <a:off x="11064240" y="782320"/>
+            <a:ext cx="680720" cy="599440"/>
+          </a:xfrm>
+          <a:prstGeom prst="rect">
+            <a:avLst/>
+          </a:prstGeom>
+        </p:spPr>
+        <p:style>
+          <a:lnRef idx="2">
+            <a:schemeClr val="accent1">
+              <a:shade val="50000"/>
+            </a:schemeClr>
+          </a:lnRef>
+          <a:fillRef idx="1">
+            <a:schemeClr val="accent1"/>
+          </a:fillRef>
+          <a:effectRef idx="0">
+            <a:schemeClr val="accent1"/>
+          </a:effectRef>
+          <a:fontRef idx="minor">
+            <a:schemeClr val="lt1"/>
+          </a:fontRef>
+        </p:style>
+        <p:txBody>
+          <a:bodyPr rtlCol="0" anchor="ctr"/>
+          <a:lstStyle/>
+          <a:p>
+            <a:pPr algn="ctr"/>
+            <a:r>
+              <a:rPr lang="en-US" sz="1600" dirty="0"/>
+              <a:t>IoT Edge</a:t>
+            </a:r>
+          </a:p>
+        </p:txBody>
+      </p:sp>
+      <p:sp>
+        <p:nvSpPr>
+          <p:cNvPr id="26" name="Rectangle 25">
+            <a:extLst>
+              <a:ext uri="{FF2B5EF4-FFF2-40B4-BE49-F238E27FC236}">
+                <a16:creationId xmlns:a16="http://schemas.microsoft.com/office/drawing/2014/main" id="{9EB83409-C81F-FA4A-ABB4-B2023B53135D}"/>
+              </a:ext>
+            </a:extLst>
+          </p:cNvPr>
+          <p:cNvSpPr/>
+          <p:nvPr/>
+        </p:nvSpPr>
+        <p:spPr>
+          <a:xfrm>
+            <a:off x="11064240" y="1493520"/>
+            <a:ext cx="680720" cy="599440"/>
+          </a:xfrm>
+          <a:prstGeom prst="rect">
+            <a:avLst/>
+          </a:prstGeom>
+        </p:spPr>
+        <p:style>
+          <a:lnRef idx="2">
+            <a:schemeClr val="accent1">
+              <a:shade val="50000"/>
+            </a:schemeClr>
+          </a:lnRef>
+          <a:fillRef idx="1">
+            <a:schemeClr val="accent1"/>
+          </a:fillRef>
+          <a:effectRef idx="0">
+            <a:schemeClr val="accent1"/>
+          </a:effectRef>
+          <a:fontRef idx="minor">
+            <a:schemeClr val="lt1"/>
+          </a:fontRef>
+        </p:style>
+        <p:txBody>
+          <a:bodyPr rtlCol="0" anchor="ctr"/>
+          <a:lstStyle/>
+          <a:p>
+            <a:pPr algn="ctr"/>
+            <a:r>
+              <a:rPr lang="en-US" sz="1600" dirty="0"/>
+              <a:t>IoT Edge</a:t>
+            </a:r>
+          </a:p>
+        </p:txBody>
+      </p:sp>
+      <p:sp>
+        <p:nvSpPr>
+          <p:cNvPr id="27" name="Rectangle 26">
+            <a:extLst>
+              <a:ext uri="{FF2B5EF4-FFF2-40B4-BE49-F238E27FC236}">
+                <a16:creationId xmlns:a16="http://schemas.microsoft.com/office/drawing/2014/main" id="{FC7AA781-1A10-0641-91AE-61803A486B68}"/>
+              </a:ext>
+            </a:extLst>
+          </p:cNvPr>
+          <p:cNvSpPr/>
+          <p:nvPr/>
+        </p:nvSpPr>
+        <p:spPr>
+          <a:xfrm>
+            <a:off x="11064240" y="2204720"/>
+            <a:ext cx="680720" cy="599440"/>
+          </a:xfrm>
+          <a:prstGeom prst="rect">
+            <a:avLst/>
+          </a:prstGeom>
+        </p:spPr>
+        <p:style>
+          <a:lnRef idx="2">
+            <a:schemeClr val="accent1">
+              <a:shade val="50000"/>
+            </a:schemeClr>
+          </a:lnRef>
+          <a:fillRef idx="1">
+            <a:schemeClr val="accent1"/>
+          </a:fillRef>
+          <a:effectRef idx="0">
+            <a:schemeClr val="accent1"/>
+          </a:effectRef>
+          <a:fontRef idx="minor">
+            <a:schemeClr val="lt1"/>
+          </a:fontRef>
+        </p:style>
+        <p:txBody>
+          <a:bodyPr rtlCol="0" anchor="ctr"/>
+          <a:lstStyle/>
+          <a:p>
+            <a:pPr algn="ctr"/>
+            <a:r>
+              <a:rPr lang="en-US" sz="1600" dirty="0"/>
+              <a:t>IoT Edge</a:t>
+            </a:r>
+          </a:p>
+        </p:txBody>
+      </p:sp>
+      <p:sp>
+        <p:nvSpPr>
+          <p:cNvPr id="28" name="Rectangle 27">
+            <a:extLst>
+              <a:ext uri="{FF2B5EF4-FFF2-40B4-BE49-F238E27FC236}">
+                <a16:creationId xmlns:a16="http://schemas.microsoft.com/office/drawing/2014/main" id="{19DB67D4-29EC-EF43-94FE-DB0644ECDB83}"/>
+              </a:ext>
+            </a:extLst>
+          </p:cNvPr>
+          <p:cNvSpPr/>
+          <p:nvPr/>
+        </p:nvSpPr>
+        <p:spPr>
+          <a:xfrm>
+            <a:off x="11064240" y="2915920"/>
+            <a:ext cx="680720" cy="599440"/>
+          </a:xfrm>
+          <a:prstGeom prst="rect">
+            <a:avLst/>
+          </a:prstGeom>
+        </p:spPr>
+        <p:style>
+          <a:lnRef idx="2">
+            <a:schemeClr val="accent1">
+              <a:shade val="50000"/>
+            </a:schemeClr>
+          </a:lnRef>
+          <a:fillRef idx="1">
+            <a:schemeClr val="accent1"/>
+          </a:fillRef>
+          <a:effectRef idx="0">
+            <a:schemeClr val="accent1"/>
+          </a:effectRef>
+          <a:fontRef idx="minor">
+            <a:schemeClr val="lt1"/>
+          </a:fontRef>
+        </p:style>
+        <p:txBody>
+          <a:bodyPr rtlCol="0" anchor="ctr"/>
+          <a:lstStyle/>
+          <a:p>
+            <a:pPr algn="ctr"/>
+            <a:r>
+              <a:rPr lang="en-US" sz="1600" dirty="0"/>
+              <a:t>IoT Edge</a:t>
+            </a:r>
+          </a:p>
+        </p:txBody>
+      </p:sp>
+      <p:sp>
+        <p:nvSpPr>
+          <p:cNvPr id="29" name="Rectangle 28">
+            <a:extLst>
+              <a:ext uri="{FF2B5EF4-FFF2-40B4-BE49-F238E27FC236}">
+                <a16:creationId xmlns:a16="http://schemas.microsoft.com/office/drawing/2014/main" id="{965C3126-08B0-984A-B702-C0362E396086}"/>
+              </a:ext>
+            </a:extLst>
+          </p:cNvPr>
+          <p:cNvSpPr/>
+          <p:nvPr/>
+        </p:nvSpPr>
+        <p:spPr>
+          <a:xfrm>
+            <a:off x="11064240" y="3627120"/>
+            <a:ext cx="680720" cy="599440"/>
+          </a:xfrm>
+          <a:prstGeom prst="rect">
+            <a:avLst/>
+          </a:prstGeom>
+        </p:spPr>
+        <p:style>
+          <a:lnRef idx="2">
+            <a:schemeClr val="accent1">
+              <a:shade val="50000"/>
+            </a:schemeClr>
+          </a:lnRef>
+          <a:fillRef idx="1">
+            <a:schemeClr val="accent1"/>
+          </a:fillRef>
+          <a:effectRef idx="0">
+            <a:schemeClr val="accent1"/>
+          </a:effectRef>
+          <a:fontRef idx="minor">
+            <a:schemeClr val="lt1"/>
+          </a:fontRef>
+        </p:style>
+        <p:txBody>
+          <a:bodyPr rtlCol="0" anchor="ctr"/>
+          <a:lstStyle/>
+          <a:p>
+            <a:pPr algn="ctr"/>
+            <a:r>
+              <a:rPr lang="en-US" sz="1600" dirty="0"/>
+              <a:t>IoT Edge</a:t>
+            </a:r>
+          </a:p>
+        </p:txBody>
+      </p:sp>
+      <p:sp>
+        <p:nvSpPr>
+          <p:cNvPr id="30" name="Rectangle 29">
+            <a:extLst>
+              <a:ext uri="{FF2B5EF4-FFF2-40B4-BE49-F238E27FC236}">
+                <a16:creationId xmlns:a16="http://schemas.microsoft.com/office/drawing/2014/main" id="{66AD4166-E1E1-3C4D-9DFA-F0809709E5D6}"/>
+              </a:ext>
+            </a:extLst>
+          </p:cNvPr>
+          <p:cNvSpPr/>
+          <p:nvPr/>
+        </p:nvSpPr>
+        <p:spPr>
+          <a:xfrm>
+            <a:off x="11064240" y="4338320"/>
+            <a:ext cx="680720" cy="599440"/>
+          </a:xfrm>
+          <a:prstGeom prst="rect">
+            <a:avLst/>
+          </a:prstGeom>
+        </p:spPr>
+        <p:style>
+          <a:lnRef idx="2">
+            <a:schemeClr val="accent1">
+              <a:shade val="50000"/>
+            </a:schemeClr>
+          </a:lnRef>
+          <a:fillRef idx="1">
+            <a:schemeClr val="accent1"/>
+          </a:fillRef>
+          <a:effectRef idx="0">
+            <a:schemeClr val="accent1"/>
+          </a:effectRef>
+          <a:fontRef idx="minor">
+            <a:schemeClr val="lt1"/>
+          </a:fontRef>
+        </p:style>
+        <p:txBody>
+          <a:bodyPr rtlCol="0" anchor="ctr"/>
+          <a:lstStyle/>
+          <a:p>
+            <a:pPr algn="ctr"/>
+            <a:r>
+              <a:rPr lang="en-US" sz="1600" dirty="0"/>
+              <a:t>IoT Edge</a:t>
+            </a:r>
+          </a:p>
+        </p:txBody>
+      </p:sp>
+      <p:sp>
+        <p:nvSpPr>
+          <p:cNvPr id="31" name="Rectangle 30">
+            <a:extLst>
+              <a:ext uri="{FF2B5EF4-FFF2-40B4-BE49-F238E27FC236}">
+                <a16:creationId xmlns:a16="http://schemas.microsoft.com/office/drawing/2014/main" id="{A925EDF0-5FD4-D54F-B2AF-B5048448FE34}"/>
+              </a:ext>
+            </a:extLst>
+          </p:cNvPr>
+          <p:cNvSpPr/>
+          <p:nvPr/>
+        </p:nvSpPr>
+        <p:spPr>
+          <a:xfrm>
+            <a:off x="11064240" y="5049520"/>
+            <a:ext cx="680720" cy="599440"/>
+          </a:xfrm>
+          <a:prstGeom prst="rect">
+            <a:avLst/>
+          </a:prstGeom>
+        </p:spPr>
+        <p:style>
+          <a:lnRef idx="2">
+            <a:schemeClr val="accent1">
+              <a:shade val="50000"/>
+            </a:schemeClr>
+          </a:lnRef>
+          <a:fillRef idx="1">
+            <a:schemeClr val="accent1"/>
+          </a:fillRef>
+          <a:effectRef idx="0">
+            <a:schemeClr val="accent1"/>
+          </a:effectRef>
+          <a:fontRef idx="minor">
+            <a:schemeClr val="lt1"/>
+          </a:fontRef>
+        </p:style>
+        <p:txBody>
+          <a:bodyPr rtlCol="0" anchor="ctr"/>
+          <a:lstStyle/>
+          <a:p>
+            <a:pPr algn="ctr"/>
+            <a:r>
+              <a:rPr lang="en-US" sz="1600" dirty="0"/>
+              <a:t>IoT Edge</a:t>
+            </a:r>
+          </a:p>
+        </p:txBody>
+      </p:sp>
+      <p:sp>
+        <p:nvSpPr>
+          <p:cNvPr id="32" name="Rectangle 31">
+            <a:extLst>
+              <a:ext uri="{FF2B5EF4-FFF2-40B4-BE49-F238E27FC236}">
+                <a16:creationId xmlns:a16="http://schemas.microsoft.com/office/drawing/2014/main" id="{567369B2-24B8-1846-89C7-6ADF01C80D13}"/>
+              </a:ext>
+            </a:extLst>
+          </p:cNvPr>
+          <p:cNvSpPr/>
+          <p:nvPr/>
+        </p:nvSpPr>
+        <p:spPr>
+          <a:xfrm>
+            <a:off x="11064240" y="5760720"/>
+            <a:ext cx="680720" cy="599440"/>
+          </a:xfrm>
+          <a:prstGeom prst="rect">
+            <a:avLst/>
+          </a:prstGeom>
+        </p:spPr>
+        <p:style>
+          <a:lnRef idx="2">
+            <a:schemeClr val="accent1">
+              <a:shade val="50000"/>
+            </a:schemeClr>
+          </a:lnRef>
+          <a:fillRef idx="1">
+            <a:schemeClr val="accent1"/>
+          </a:fillRef>
+          <a:effectRef idx="0">
+            <a:schemeClr val="accent1"/>
+          </a:effectRef>
+          <a:fontRef idx="minor">
+            <a:schemeClr val="lt1"/>
+          </a:fontRef>
+        </p:style>
+        <p:txBody>
+          <a:bodyPr rtlCol="0" anchor="ctr"/>
+          <a:lstStyle/>
+          <a:p>
+            <a:pPr algn="ctr"/>
+            <a:r>
+              <a:rPr lang="en-US" sz="1600" dirty="0"/>
+              <a:t>IoT Edge</a:t>
+            </a:r>
+          </a:p>
+        </p:txBody>
+      </p:sp>
+      <p:sp>
+        <p:nvSpPr>
+          <p:cNvPr id="33" name="Rectangle 32">
+            <a:extLst>
+              <a:ext uri="{FF2B5EF4-FFF2-40B4-BE49-F238E27FC236}">
+                <a16:creationId xmlns:a16="http://schemas.microsoft.com/office/drawing/2014/main" id="{201954CE-4025-FA4E-8BE9-FEC29657B729}"/>
+              </a:ext>
+            </a:extLst>
+          </p:cNvPr>
+          <p:cNvSpPr/>
+          <p:nvPr/>
+        </p:nvSpPr>
+        <p:spPr>
+          <a:xfrm>
+            <a:off x="10942320" y="863600"/>
+            <a:ext cx="680720" cy="599440"/>
+          </a:xfrm>
+          <a:prstGeom prst="rect">
+            <a:avLst/>
+          </a:prstGeom>
+        </p:spPr>
+        <p:style>
+          <a:lnRef idx="2">
+            <a:schemeClr val="accent1">
+              <a:shade val="50000"/>
+            </a:schemeClr>
+          </a:lnRef>
+          <a:fillRef idx="1">
+            <a:schemeClr val="accent1"/>
+          </a:fillRef>
+          <a:effectRef idx="0">
+            <a:schemeClr val="accent1"/>
+          </a:effectRef>
+          <a:fontRef idx="minor">
+            <a:schemeClr val="lt1"/>
+          </a:fontRef>
+        </p:style>
+        <p:txBody>
+          <a:bodyPr rtlCol="0" anchor="ctr"/>
+          <a:lstStyle/>
+          <a:p>
+            <a:pPr algn="ctr"/>
+            <a:r>
+              <a:rPr lang="en-US" sz="1600" dirty="0"/>
+              <a:t>IoT Edge</a:t>
+            </a:r>
+          </a:p>
+        </p:txBody>
+      </p:sp>
+      <p:sp>
+        <p:nvSpPr>
+          <p:cNvPr id="34" name="Rectangle 33">
+            <a:extLst>
+              <a:ext uri="{FF2B5EF4-FFF2-40B4-BE49-F238E27FC236}">
+                <a16:creationId xmlns:a16="http://schemas.microsoft.com/office/drawing/2014/main" id="{F62D0A1C-211B-3C44-BC6E-2B52A67D84C6}"/>
+              </a:ext>
+            </a:extLst>
+          </p:cNvPr>
+          <p:cNvSpPr/>
+          <p:nvPr/>
+        </p:nvSpPr>
+        <p:spPr>
+          <a:xfrm>
+            <a:off x="10942320" y="1574800"/>
+            <a:ext cx="680720" cy="599440"/>
+          </a:xfrm>
+          <a:prstGeom prst="rect">
+            <a:avLst/>
+          </a:prstGeom>
+        </p:spPr>
+        <p:style>
+          <a:lnRef idx="2">
+            <a:schemeClr val="accent1">
+              <a:shade val="50000"/>
+            </a:schemeClr>
+          </a:lnRef>
+          <a:fillRef idx="1">
+            <a:schemeClr val="accent1"/>
+          </a:fillRef>
+          <a:effectRef idx="0">
+            <a:schemeClr val="accent1"/>
+          </a:effectRef>
+          <a:fontRef idx="minor">
+            <a:schemeClr val="lt1"/>
+          </a:fontRef>
+        </p:style>
+        <p:txBody>
+          <a:bodyPr rtlCol="0" anchor="ctr"/>
+          <a:lstStyle/>
+          <a:p>
+            <a:pPr algn="ctr"/>
+            <a:r>
+              <a:rPr lang="en-US" sz="1600" dirty="0"/>
+              <a:t>IoT Edge</a:t>
+            </a:r>
+          </a:p>
+        </p:txBody>
+      </p:sp>
+      <p:sp>
+        <p:nvSpPr>
+          <p:cNvPr id="35" name="Rectangle 34">
+            <a:extLst>
+              <a:ext uri="{FF2B5EF4-FFF2-40B4-BE49-F238E27FC236}">
+                <a16:creationId xmlns:a16="http://schemas.microsoft.com/office/drawing/2014/main" id="{E5FF0D57-0C33-2E4D-BC2D-914BD0B08F07}"/>
+              </a:ext>
+            </a:extLst>
+          </p:cNvPr>
+          <p:cNvSpPr/>
+          <p:nvPr/>
+        </p:nvSpPr>
+        <p:spPr>
+          <a:xfrm>
+            <a:off x="10942320" y="2286000"/>
+            <a:ext cx="680720" cy="599440"/>
+          </a:xfrm>
+          <a:prstGeom prst="rect">
+            <a:avLst/>
+          </a:prstGeom>
+        </p:spPr>
+        <p:style>
+          <a:lnRef idx="2">
+            <a:schemeClr val="accent1">
+              <a:shade val="50000"/>
+            </a:schemeClr>
+          </a:lnRef>
+          <a:fillRef idx="1">
+            <a:schemeClr val="accent1"/>
+          </a:fillRef>
+          <a:effectRef idx="0">
+            <a:schemeClr val="accent1"/>
+          </a:effectRef>
+          <a:fontRef idx="minor">
+            <a:schemeClr val="lt1"/>
+          </a:fontRef>
+        </p:style>
+        <p:txBody>
+          <a:bodyPr rtlCol="0" anchor="ctr"/>
+          <a:lstStyle/>
+          <a:p>
+            <a:pPr algn="ctr"/>
+            <a:r>
+              <a:rPr lang="en-US" sz="1600" dirty="0"/>
+              <a:t>IoT Edge</a:t>
+            </a:r>
+          </a:p>
+        </p:txBody>
+      </p:sp>
+      <p:sp>
+        <p:nvSpPr>
+          <p:cNvPr id="36" name="Rectangle 35">
+            <a:extLst>
+              <a:ext uri="{FF2B5EF4-FFF2-40B4-BE49-F238E27FC236}">
+                <a16:creationId xmlns:a16="http://schemas.microsoft.com/office/drawing/2014/main" id="{296E7C3E-2F7D-7443-B90B-044BA8771D91}"/>
+              </a:ext>
+            </a:extLst>
+          </p:cNvPr>
+          <p:cNvSpPr/>
+          <p:nvPr/>
+        </p:nvSpPr>
+        <p:spPr>
+          <a:xfrm>
+            <a:off x="10942320" y="2997200"/>
+            <a:ext cx="680720" cy="599440"/>
+          </a:xfrm>
+          <a:prstGeom prst="rect">
+            <a:avLst/>
+          </a:prstGeom>
+        </p:spPr>
+        <p:style>
+          <a:lnRef idx="2">
+            <a:schemeClr val="accent1">
+              <a:shade val="50000"/>
+            </a:schemeClr>
+          </a:lnRef>
+          <a:fillRef idx="1">
+            <a:schemeClr val="accent1"/>
+          </a:fillRef>
+          <a:effectRef idx="0">
+            <a:schemeClr val="accent1"/>
+          </a:effectRef>
+          <a:fontRef idx="minor">
+            <a:schemeClr val="lt1"/>
+          </a:fontRef>
+        </p:style>
+        <p:txBody>
+          <a:bodyPr rtlCol="0" anchor="ctr"/>
+          <a:lstStyle/>
+          <a:p>
+            <a:pPr algn="ctr"/>
+            <a:r>
+              <a:rPr lang="en-US" sz="1600" dirty="0"/>
+              <a:t>IoT Edge</a:t>
+            </a:r>
+          </a:p>
+        </p:txBody>
+      </p:sp>
+      <p:sp>
+        <p:nvSpPr>
+          <p:cNvPr id="37" name="Rectangle 36">
+            <a:extLst>
+              <a:ext uri="{FF2B5EF4-FFF2-40B4-BE49-F238E27FC236}">
+                <a16:creationId xmlns:a16="http://schemas.microsoft.com/office/drawing/2014/main" id="{30D37DAB-0F86-3C45-9D86-ADA98ECF8AA5}"/>
+              </a:ext>
+            </a:extLst>
+          </p:cNvPr>
+          <p:cNvSpPr/>
+          <p:nvPr/>
+        </p:nvSpPr>
+        <p:spPr>
+          <a:xfrm>
+            <a:off x="10942320" y="3708400"/>
+            <a:ext cx="680720" cy="599440"/>
+          </a:xfrm>
+          <a:prstGeom prst="rect">
+            <a:avLst/>
+          </a:prstGeom>
+        </p:spPr>
+        <p:style>
+          <a:lnRef idx="2">
+            <a:schemeClr val="accent1">
+              <a:shade val="50000"/>
+            </a:schemeClr>
+          </a:lnRef>
+          <a:fillRef idx="1">
+            <a:schemeClr val="accent1"/>
+          </a:fillRef>
+          <a:effectRef idx="0">
+            <a:schemeClr val="accent1"/>
+          </a:effectRef>
+          <a:fontRef idx="minor">
+            <a:schemeClr val="lt1"/>
+          </a:fontRef>
+        </p:style>
+        <p:txBody>
+          <a:bodyPr rtlCol="0" anchor="ctr"/>
+          <a:lstStyle/>
+          <a:p>
+            <a:pPr algn="ctr"/>
+            <a:r>
+              <a:rPr lang="en-US" sz="1600" dirty="0"/>
+              <a:t>IoT Edge</a:t>
+            </a:r>
+          </a:p>
+        </p:txBody>
+      </p:sp>
+      <p:sp>
+        <p:nvSpPr>
+          <p:cNvPr id="38" name="Rectangle 37">
+            <a:extLst>
+              <a:ext uri="{FF2B5EF4-FFF2-40B4-BE49-F238E27FC236}">
+                <a16:creationId xmlns:a16="http://schemas.microsoft.com/office/drawing/2014/main" id="{1EA4E0A2-8D90-B846-97F6-5F82716D9258}"/>
+              </a:ext>
+            </a:extLst>
+          </p:cNvPr>
+          <p:cNvSpPr/>
+          <p:nvPr/>
+        </p:nvSpPr>
+        <p:spPr>
+          <a:xfrm>
+            <a:off x="10942320" y="4419600"/>
+            <a:ext cx="680720" cy="599440"/>
+          </a:xfrm>
+          <a:prstGeom prst="rect">
+            <a:avLst/>
+          </a:prstGeom>
+        </p:spPr>
+        <p:style>
+          <a:lnRef idx="2">
+            <a:schemeClr val="accent1">
+              <a:shade val="50000"/>
+            </a:schemeClr>
+          </a:lnRef>
+          <a:fillRef idx="1">
+            <a:schemeClr val="accent1"/>
+          </a:fillRef>
+          <a:effectRef idx="0">
+            <a:schemeClr val="accent1"/>
+          </a:effectRef>
+          <a:fontRef idx="minor">
+            <a:schemeClr val="lt1"/>
+          </a:fontRef>
+        </p:style>
+        <p:txBody>
+          <a:bodyPr rtlCol="0" anchor="ctr"/>
+          <a:lstStyle/>
+          <a:p>
+            <a:pPr algn="ctr"/>
+            <a:r>
+              <a:rPr lang="en-US" sz="1600" dirty="0"/>
+              <a:t>IoT Edge</a:t>
+            </a:r>
+          </a:p>
+        </p:txBody>
+      </p:sp>
+      <p:sp>
+        <p:nvSpPr>
+          <p:cNvPr id="39" name="Rectangle 38">
+            <a:extLst>
+              <a:ext uri="{FF2B5EF4-FFF2-40B4-BE49-F238E27FC236}">
+                <a16:creationId xmlns:a16="http://schemas.microsoft.com/office/drawing/2014/main" id="{C68DB67D-A15C-C647-B606-C2F88FDBB518}"/>
+              </a:ext>
+            </a:extLst>
+          </p:cNvPr>
+          <p:cNvSpPr/>
+          <p:nvPr/>
+        </p:nvSpPr>
+        <p:spPr>
+          <a:xfrm>
+            <a:off x="10942320" y="5130800"/>
+            <a:ext cx="680720" cy="599440"/>
+          </a:xfrm>
+          <a:prstGeom prst="rect">
+            <a:avLst/>
+          </a:prstGeom>
+        </p:spPr>
+        <p:style>
+          <a:lnRef idx="2">
+            <a:schemeClr val="accent1">
+              <a:shade val="50000"/>
+            </a:schemeClr>
+          </a:lnRef>
+          <a:fillRef idx="1">
+            <a:schemeClr val="accent1"/>
+          </a:fillRef>
+          <a:effectRef idx="0">
+            <a:schemeClr val="accent1"/>
+          </a:effectRef>
+          <a:fontRef idx="minor">
+            <a:schemeClr val="lt1"/>
+          </a:fontRef>
+        </p:style>
+        <p:txBody>
+          <a:bodyPr rtlCol="0" anchor="ctr"/>
+          <a:lstStyle/>
+          <a:p>
+            <a:pPr algn="ctr"/>
+            <a:r>
+              <a:rPr lang="en-US" sz="1600" dirty="0"/>
+              <a:t>IoT Edge</a:t>
+            </a:r>
+          </a:p>
+        </p:txBody>
+      </p:sp>
+      <p:sp>
+        <p:nvSpPr>
+          <p:cNvPr id="40" name="Rectangle 39">
+            <a:extLst>
+              <a:ext uri="{FF2B5EF4-FFF2-40B4-BE49-F238E27FC236}">
+                <a16:creationId xmlns:a16="http://schemas.microsoft.com/office/drawing/2014/main" id="{AC3688C9-1AD2-E946-828E-D280931C4E5C}"/>
+              </a:ext>
+            </a:extLst>
+          </p:cNvPr>
+          <p:cNvSpPr/>
+          <p:nvPr/>
+        </p:nvSpPr>
+        <p:spPr>
+          <a:xfrm>
+            <a:off x="10942320" y="5842000"/>
+            <a:ext cx="680720" cy="599440"/>
+          </a:xfrm>
+          <a:prstGeom prst="rect">
+            <a:avLst/>
+          </a:prstGeom>
+        </p:spPr>
+        <p:style>
+          <a:lnRef idx="2">
+            <a:schemeClr val="accent1">
+              <a:shade val="50000"/>
+            </a:schemeClr>
+          </a:lnRef>
+          <a:fillRef idx="1">
+            <a:schemeClr val="accent1"/>
+          </a:fillRef>
+          <a:effectRef idx="0">
+            <a:schemeClr val="accent1"/>
+          </a:effectRef>
+          <a:fontRef idx="minor">
+            <a:schemeClr val="lt1"/>
+          </a:fontRef>
+        </p:style>
+        <p:txBody>
+          <a:bodyPr rtlCol="0" anchor="ctr"/>
+          <a:lstStyle/>
+          <a:p>
+            <a:pPr algn="ctr"/>
+            <a:r>
+              <a:rPr lang="en-US" sz="1600" dirty="0"/>
+              <a:t>IoT Edge</a:t>
+            </a:r>
+          </a:p>
+        </p:txBody>
+      </p:sp>
+      <p:sp>
+        <p:nvSpPr>
+          <p:cNvPr id="41" name="Rectangle 40">
+            <a:extLst>
+              <a:ext uri="{FF2B5EF4-FFF2-40B4-BE49-F238E27FC236}">
+                <a16:creationId xmlns:a16="http://schemas.microsoft.com/office/drawing/2014/main" id="{3730D930-1CA5-F74F-85DD-A6E3B7D38353}"/>
+              </a:ext>
+            </a:extLst>
+          </p:cNvPr>
+          <p:cNvSpPr/>
+          <p:nvPr/>
+        </p:nvSpPr>
+        <p:spPr>
+          <a:xfrm>
+            <a:off x="7705556" y="3400124"/>
+            <a:ext cx="1286043" cy="965200"/>
+          </a:xfrm>
+          <a:prstGeom prst="rect">
+            <a:avLst/>
+          </a:prstGeom>
+        </p:spPr>
+        <p:style>
+          <a:lnRef idx="2">
+            <a:schemeClr val="accent1">
+              <a:shade val="50000"/>
+            </a:schemeClr>
+          </a:lnRef>
+          <a:fillRef idx="1">
+            <a:schemeClr val="accent1"/>
+          </a:fillRef>
+          <a:effectRef idx="0">
+            <a:schemeClr val="accent1"/>
+          </a:effectRef>
+          <a:fontRef idx="minor">
+            <a:schemeClr val="lt1"/>
+          </a:fontRef>
+        </p:style>
+        <p:txBody>
+          <a:bodyPr rtlCol="0" anchor="ctr"/>
+          <a:lstStyle/>
+          <a:p>
+            <a:pPr algn="ctr"/>
+            <a:r>
+              <a:rPr lang="en-US" dirty="0"/>
+              <a:t>Azure IoT Hub</a:t>
+            </a:r>
+          </a:p>
+        </p:txBody>
+      </p:sp>
+      <p:sp>
+        <p:nvSpPr>
+          <p:cNvPr id="42" name="Rectangle 41">
+            <a:extLst>
+              <a:ext uri="{FF2B5EF4-FFF2-40B4-BE49-F238E27FC236}">
+                <a16:creationId xmlns:a16="http://schemas.microsoft.com/office/drawing/2014/main" id="{8A26C084-95CB-004F-85C4-FA37D5A73B81}"/>
+              </a:ext>
+            </a:extLst>
+          </p:cNvPr>
+          <p:cNvSpPr/>
+          <p:nvPr/>
+        </p:nvSpPr>
+        <p:spPr>
+          <a:xfrm>
+            <a:off x="10789920" y="924560"/>
+            <a:ext cx="680720" cy="599440"/>
+          </a:xfrm>
+          <a:prstGeom prst="rect">
+            <a:avLst/>
+          </a:prstGeom>
+        </p:spPr>
+        <p:style>
+          <a:lnRef idx="2">
+            <a:schemeClr val="accent1">
+              <a:shade val="50000"/>
+            </a:schemeClr>
+          </a:lnRef>
+          <a:fillRef idx="1">
+            <a:schemeClr val="accent1"/>
+          </a:fillRef>
+          <a:effectRef idx="0">
+            <a:schemeClr val="accent1"/>
+          </a:effectRef>
+          <a:fontRef idx="minor">
+            <a:schemeClr val="lt1"/>
+          </a:fontRef>
+        </p:style>
+        <p:txBody>
+          <a:bodyPr rtlCol="0" anchor="ctr"/>
+          <a:lstStyle/>
+          <a:p>
+            <a:pPr algn="ctr"/>
+            <a:r>
+              <a:rPr lang="en-US" sz="1600" dirty="0"/>
+              <a:t>IoT Edge</a:t>
+            </a:r>
+          </a:p>
+        </p:txBody>
+      </p:sp>
+      <p:sp>
+        <p:nvSpPr>
+          <p:cNvPr id="43" name="Rectangle 42">
+            <a:extLst>
+              <a:ext uri="{FF2B5EF4-FFF2-40B4-BE49-F238E27FC236}">
+                <a16:creationId xmlns:a16="http://schemas.microsoft.com/office/drawing/2014/main" id="{04BE0915-8CA0-BF46-890F-D17AB1560669}"/>
+              </a:ext>
+            </a:extLst>
+          </p:cNvPr>
+          <p:cNvSpPr/>
+          <p:nvPr/>
+        </p:nvSpPr>
+        <p:spPr>
+          <a:xfrm>
+            <a:off x="10789920" y="1635760"/>
+            <a:ext cx="680720" cy="599440"/>
+          </a:xfrm>
+          <a:prstGeom prst="rect">
+            <a:avLst/>
+          </a:prstGeom>
+        </p:spPr>
+        <p:style>
+          <a:lnRef idx="2">
+            <a:schemeClr val="accent1">
+              <a:shade val="50000"/>
+            </a:schemeClr>
+          </a:lnRef>
+          <a:fillRef idx="1">
+            <a:schemeClr val="accent1"/>
+          </a:fillRef>
+          <a:effectRef idx="0">
+            <a:schemeClr val="accent1"/>
+          </a:effectRef>
+          <a:fontRef idx="minor">
+            <a:schemeClr val="lt1"/>
+          </a:fontRef>
+        </p:style>
+        <p:txBody>
+          <a:bodyPr rtlCol="0" anchor="ctr"/>
+          <a:lstStyle/>
+          <a:p>
+            <a:pPr algn="ctr"/>
+            <a:r>
+              <a:rPr lang="en-US" sz="1600" dirty="0"/>
+              <a:t>IoT Edge</a:t>
+            </a:r>
+          </a:p>
+        </p:txBody>
+      </p:sp>
+      <p:sp>
+        <p:nvSpPr>
+          <p:cNvPr id="44" name="Rectangle 43">
+            <a:extLst>
+              <a:ext uri="{FF2B5EF4-FFF2-40B4-BE49-F238E27FC236}">
+                <a16:creationId xmlns:a16="http://schemas.microsoft.com/office/drawing/2014/main" id="{3A9C1DC0-963E-9443-919A-5C037B59F3CC}"/>
+              </a:ext>
+            </a:extLst>
+          </p:cNvPr>
+          <p:cNvSpPr/>
+          <p:nvPr/>
+        </p:nvSpPr>
+        <p:spPr>
+          <a:xfrm>
+            <a:off x="10789920" y="2346960"/>
+            <a:ext cx="680720" cy="599440"/>
+          </a:xfrm>
+          <a:prstGeom prst="rect">
+            <a:avLst/>
+          </a:prstGeom>
+        </p:spPr>
+        <p:style>
+          <a:lnRef idx="2">
+            <a:schemeClr val="accent1">
+              <a:shade val="50000"/>
+            </a:schemeClr>
+          </a:lnRef>
+          <a:fillRef idx="1">
+            <a:schemeClr val="accent1"/>
+          </a:fillRef>
+          <a:effectRef idx="0">
+            <a:schemeClr val="accent1"/>
+          </a:effectRef>
+          <a:fontRef idx="minor">
+            <a:schemeClr val="lt1"/>
+          </a:fontRef>
+        </p:style>
+        <p:txBody>
+          <a:bodyPr rtlCol="0" anchor="ctr"/>
+          <a:lstStyle/>
+          <a:p>
+            <a:pPr algn="ctr"/>
+            <a:r>
+              <a:rPr lang="en-US" sz="1600" dirty="0"/>
+              <a:t>IoT Edge</a:t>
+            </a:r>
+          </a:p>
+        </p:txBody>
+      </p:sp>
+      <p:sp>
+        <p:nvSpPr>
+          <p:cNvPr id="45" name="Rectangle 44">
+            <a:extLst>
+              <a:ext uri="{FF2B5EF4-FFF2-40B4-BE49-F238E27FC236}">
+                <a16:creationId xmlns:a16="http://schemas.microsoft.com/office/drawing/2014/main" id="{24D078C1-D913-5C4D-9EB1-3B85449E9144}"/>
+              </a:ext>
+            </a:extLst>
+          </p:cNvPr>
+          <p:cNvSpPr/>
+          <p:nvPr/>
+        </p:nvSpPr>
+        <p:spPr>
+          <a:xfrm>
+            <a:off x="10789920" y="3058160"/>
+            <a:ext cx="680720" cy="599440"/>
+          </a:xfrm>
+          <a:prstGeom prst="rect">
+            <a:avLst/>
+          </a:prstGeom>
+        </p:spPr>
+        <p:style>
+          <a:lnRef idx="2">
+            <a:schemeClr val="accent1">
+              <a:shade val="50000"/>
+            </a:schemeClr>
+          </a:lnRef>
+          <a:fillRef idx="1">
+            <a:schemeClr val="accent1"/>
+          </a:fillRef>
+          <a:effectRef idx="0">
+            <a:schemeClr val="accent1"/>
+          </a:effectRef>
+          <a:fontRef idx="minor">
+            <a:schemeClr val="lt1"/>
+          </a:fontRef>
+        </p:style>
+        <p:txBody>
+          <a:bodyPr rtlCol="0" anchor="ctr"/>
+          <a:lstStyle/>
+          <a:p>
+            <a:pPr algn="ctr"/>
+            <a:r>
+              <a:rPr lang="en-US" sz="1600" dirty="0"/>
+              <a:t>IoT Edge</a:t>
+            </a:r>
+          </a:p>
+        </p:txBody>
+      </p:sp>
+      <p:sp>
+        <p:nvSpPr>
+          <p:cNvPr id="46" name="Rectangle 45">
+            <a:extLst>
+              <a:ext uri="{FF2B5EF4-FFF2-40B4-BE49-F238E27FC236}">
+                <a16:creationId xmlns:a16="http://schemas.microsoft.com/office/drawing/2014/main" id="{02D8F989-B066-584F-B688-D382ACAE0A1B}"/>
+              </a:ext>
+            </a:extLst>
+          </p:cNvPr>
+          <p:cNvSpPr/>
+          <p:nvPr/>
+        </p:nvSpPr>
+        <p:spPr>
+          <a:xfrm>
+            <a:off x="10789920" y="3769360"/>
+            <a:ext cx="680720" cy="599440"/>
+          </a:xfrm>
+          <a:prstGeom prst="rect">
+            <a:avLst/>
+          </a:prstGeom>
+        </p:spPr>
+        <p:style>
+          <a:lnRef idx="2">
+            <a:schemeClr val="accent1">
+              <a:shade val="50000"/>
+            </a:schemeClr>
+          </a:lnRef>
+          <a:fillRef idx="1">
+            <a:schemeClr val="accent1"/>
+          </a:fillRef>
+          <a:effectRef idx="0">
+            <a:schemeClr val="accent1"/>
+          </a:effectRef>
+          <a:fontRef idx="minor">
+            <a:schemeClr val="lt1"/>
+          </a:fontRef>
+        </p:style>
+        <p:txBody>
+          <a:bodyPr rtlCol="0" anchor="ctr"/>
+          <a:lstStyle/>
+          <a:p>
+            <a:pPr algn="ctr"/>
+            <a:r>
+              <a:rPr lang="en-US" sz="1600" dirty="0"/>
+              <a:t>IoT Edge</a:t>
+            </a:r>
+          </a:p>
+        </p:txBody>
+      </p:sp>
+      <p:sp>
+        <p:nvSpPr>
+          <p:cNvPr id="47" name="Rectangle 46">
+            <a:extLst>
+              <a:ext uri="{FF2B5EF4-FFF2-40B4-BE49-F238E27FC236}">
+                <a16:creationId xmlns:a16="http://schemas.microsoft.com/office/drawing/2014/main" id="{BB2B7355-6C1C-B741-B188-2C0E5B0BCF26}"/>
+              </a:ext>
+            </a:extLst>
+          </p:cNvPr>
+          <p:cNvSpPr/>
+          <p:nvPr/>
+        </p:nvSpPr>
+        <p:spPr>
+          <a:xfrm>
+            <a:off x="10789920" y="4480560"/>
+            <a:ext cx="680720" cy="599440"/>
+          </a:xfrm>
+          <a:prstGeom prst="rect">
+            <a:avLst/>
+          </a:prstGeom>
+        </p:spPr>
+        <p:style>
+          <a:lnRef idx="2">
+            <a:schemeClr val="accent1">
+              <a:shade val="50000"/>
+            </a:schemeClr>
+          </a:lnRef>
+          <a:fillRef idx="1">
+            <a:schemeClr val="accent1"/>
+          </a:fillRef>
+          <a:effectRef idx="0">
+            <a:schemeClr val="accent1"/>
+          </a:effectRef>
+          <a:fontRef idx="minor">
+            <a:schemeClr val="lt1"/>
+          </a:fontRef>
+        </p:style>
+        <p:txBody>
+          <a:bodyPr rtlCol="0" anchor="ctr"/>
+          <a:lstStyle/>
+          <a:p>
+            <a:pPr algn="ctr"/>
+            <a:r>
+              <a:rPr lang="en-US" sz="1600" dirty="0"/>
+              <a:t>IoT Edge</a:t>
+            </a:r>
+          </a:p>
+        </p:txBody>
+      </p:sp>
+      <p:sp>
+        <p:nvSpPr>
+          <p:cNvPr id="48" name="Rectangle 47">
+            <a:extLst>
+              <a:ext uri="{FF2B5EF4-FFF2-40B4-BE49-F238E27FC236}">
+                <a16:creationId xmlns:a16="http://schemas.microsoft.com/office/drawing/2014/main" id="{84EA8965-6619-BF4B-92B6-78CDD2349C89}"/>
+              </a:ext>
+            </a:extLst>
+          </p:cNvPr>
+          <p:cNvSpPr/>
+          <p:nvPr/>
+        </p:nvSpPr>
+        <p:spPr>
+          <a:xfrm>
+            <a:off x="10789920" y="5191760"/>
+            <a:ext cx="680720" cy="599440"/>
+          </a:xfrm>
+          <a:prstGeom prst="rect">
+            <a:avLst/>
+          </a:prstGeom>
+        </p:spPr>
+        <p:style>
+          <a:lnRef idx="2">
+            <a:schemeClr val="accent1">
+              <a:shade val="50000"/>
+            </a:schemeClr>
+          </a:lnRef>
+          <a:fillRef idx="1">
+            <a:schemeClr val="accent1"/>
+          </a:fillRef>
+          <a:effectRef idx="0">
+            <a:schemeClr val="accent1"/>
+          </a:effectRef>
+          <a:fontRef idx="minor">
+            <a:schemeClr val="lt1"/>
+          </a:fontRef>
+        </p:style>
+        <p:txBody>
+          <a:bodyPr rtlCol="0" anchor="ctr"/>
+          <a:lstStyle/>
+          <a:p>
+            <a:pPr algn="ctr"/>
+            <a:r>
+              <a:rPr lang="en-US" sz="1600" dirty="0"/>
+              <a:t>IoT Edge</a:t>
+            </a:r>
+          </a:p>
+        </p:txBody>
+      </p:sp>
+      <p:sp>
+        <p:nvSpPr>
+          <p:cNvPr id="49" name="Rectangle 48">
+            <a:extLst>
+              <a:ext uri="{FF2B5EF4-FFF2-40B4-BE49-F238E27FC236}">
+                <a16:creationId xmlns:a16="http://schemas.microsoft.com/office/drawing/2014/main" id="{6AC6194F-DC31-334D-ABFD-A440E1B6EB7B}"/>
+              </a:ext>
+            </a:extLst>
+          </p:cNvPr>
+          <p:cNvSpPr/>
+          <p:nvPr/>
+        </p:nvSpPr>
+        <p:spPr>
+          <a:xfrm>
+            <a:off x="10789920" y="5902960"/>
+            <a:ext cx="680720" cy="599440"/>
+          </a:xfrm>
+          <a:prstGeom prst="rect">
+            <a:avLst/>
+          </a:prstGeom>
+        </p:spPr>
+        <p:style>
+          <a:lnRef idx="2">
+            <a:schemeClr val="accent1">
+              <a:shade val="50000"/>
+            </a:schemeClr>
+          </a:lnRef>
+          <a:fillRef idx="1">
+            <a:schemeClr val="accent1"/>
+          </a:fillRef>
+          <a:effectRef idx="0">
+            <a:schemeClr val="accent1"/>
+          </a:effectRef>
+          <a:fontRef idx="minor">
+            <a:schemeClr val="lt1"/>
+          </a:fontRef>
+        </p:style>
+        <p:txBody>
+          <a:bodyPr rtlCol="0" anchor="ctr"/>
+          <a:lstStyle/>
+          <a:p>
+            <a:pPr algn="ctr"/>
+            <a:r>
+              <a:rPr lang="en-US" sz="1600" dirty="0"/>
+              <a:t>IoT Edge</a:t>
+            </a:r>
+          </a:p>
+        </p:txBody>
+      </p:sp>
+      <p:cxnSp>
+        <p:nvCxnSpPr>
+          <p:cNvPr id="50" name="Straight Connector 49">
+            <a:extLst>
+              <a:ext uri="{FF2B5EF4-FFF2-40B4-BE49-F238E27FC236}">
+                <a16:creationId xmlns:a16="http://schemas.microsoft.com/office/drawing/2014/main" id="{288B68DC-92CE-2F4F-B81E-B533C7230C56}"/>
+              </a:ext>
+            </a:extLst>
+          </p:cNvPr>
+          <p:cNvCxnSpPr>
+            <a:cxnSpLocks/>
+            <a:stCxn id="41" idx="3"/>
+            <a:endCxn id="42" idx="1"/>
+          </p:cNvCxnSpPr>
+          <p:nvPr/>
+        </p:nvCxnSpPr>
+        <p:spPr>
+          <a:xfrm flipV="1">
+            <a:off x="8991599" y="1224280"/>
+            <a:ext cx="1798321" cy="2658444"/>
+          </a:xfrm>
+          <a:prstGeom prst="line">
+            <a:avLst/>
+          </a:prstGeom>
+        </p:spPr>
+        <p:style>
+          <a:lnRef idx="1">
+            <a:schemeClr val="accent1"/>
+          </a:lnRef>
+          <a:fillRef idx="0">
+            <a:schemeClr val="accent1"/>
+          </a:fillRef>
+          <a:effectRef idx="0">
+            <a:schemeClr val="accent1"/>
+          </a:effectRef>
+          <a:fontRef idx="minor">
+            <a:schemeClr val="tx1"/>
+          </a:fontRef>
+        </p:style>
+      </p:cxnSp>
+      <p:cxnSp>
+        <p:nvCxnSpPr>
+          <p:cNvPr id="51" name="Straight Connector 50">
+            <a:extLst>
+              <a:ext uri="{FF2B5EF4-FFF2-40B4-BE49-F238E27FC236}">
+                <a16:creationId xmlns:a16="http://schemas.microsoft.com/office/drawing/2014/main" id="{4D16E3FA-A7E9-3E4C-9B1D-9A5794E819A6}"/>
+              </a:ext>
+            </a:extLst>
+          </p:cNvPr>
+          <p:cNvCxnSpPr>
+            <a:cxnSpLocks/>
+            <a:stCxn id="41" idx="3"/>
+            <a:endCxn id="43" idx="1"/>
+          </p:cNvCxnSpPr>
+          <p:nvPr/>
+        </p:nvCxnSpPr>
+        <p:spPr>
+          <a:xfrm flipV="1">
+            <a:off x="8991599" y="1935480"/>
+            <a:ext cx="1798321" cy="1947244"/>
+          </a:xfrm>
+          <a:prstGeom prst="line">
+            <a:avLst/>
+          </a:prstGeom>
+        </p:spPr>
+        <p:style>
+          <a:lnRef idx="1">
+            <a:schemeClr val="accent1"/>
+          </a:lnRef>
+          <a:fillRef idx="0">
+            <a:schemeClr val="accent1"/>
+          </a:fillRef>
+          <a:effectRef idx="0">
+            <a:schemeClr val="accent1"/>
+          </a:effectRef>
+          <a:fontRef idx="minor">
+            <a:schemeClr val="tx1"/>
+          </a:fontRef>
+        </p:style>
+      </p:cxnSp>
+      <p:cxnSp>
+        <p:nvCxnSpPr>
+          <p:cNvPr id="52" name="Straight Connector 51">
+            <a:extLst>
+              <a:ext uri="{FF2B5EF4-FFF2-40B4-BE49-F238E27FC236}">
+                <a16:creationId xmlns:a16="http://schemas.microsoft.com/office/drawing/2014/main" id="{B4DEDA6F-74E9-5B4C-9F7B-FC0E901DAC7F}"/>
+              </a:ext>
+            </a:extLst>
+          </p:cNvPr>
+          <p:cNvCxnSpPr>
+            <a:cxnSpLocks/>
+            <a:stCxn id="41" idx="3"/>
+            <a:endCxn id="44" idx="1"/>
+          </p:cNvCxnSpPr>
+          <p:nvPr/>
+        </p:nvCxnSpPr>
+        <p:spPr>
+          <a:xfrm flipV="1">
+            <a:off x="8991599" y="2646680"/>
+            <a:ext cx="1798321" cy="1236044"/>
+          </a:xfrm>
+          <a:prstGeom prst="line">
+            <a:avLst/>
+          </a:prstGeom>
+        </p:spPr>
+        <p:style>
+          <a:lnRef idx="1">
+            <a:schemeClr val="accent1"/>
+          </a:lnRef>
+          <a:fillRef idx="0">
+            <a:schemeClr val="accent1"/>
+          </a:fillRef>
+          <a:effectRef idx="0">
+            <a:schemeClr val="accent1"/>
+          </a:effectRef>
+          <a:fontRef idx="minor">
+            <a:schemeClr val="tx1"/>
+          </a:fontRef>
+        </p:style>
+      </p:cxnSp>
+      <p:cxnSp>
+        <p:nvCxnSpPr>
+          <p:cNvPr id="53" name="Straight Connector 52">
+            <a:extLst>
+              <a:ext uri="{FF2B5EF4-FFF2-40B4-BE49-F238E27FC236}">
+                <a16:creationId xmlns:a16="http://schemas.microsoft.com/office/drawing/2014/main" id="{81408E27-8395-CB48-B10F-A8F3E33BC541}"/>
+              </a:ext>
+            </a:extLst>
+          </p:cNvPr>
+          <p:cNvCxnSpPr>
+            <a:cxnSpLocks/>
+            <a:stCxn id="41" idx="3"/>
+            <a:endCxn id="45" idx="1"/>
+          </p:cNvCxnSpPr>
+          <p:nvPr/>
+        </p:nvCxnSpPr>
+        <p:spPr>
+          <a:xfrm flipV="1">
+            <a:off x="8991599" y="3357880"/>
+            <a:ext cx="1798321" cy="524844"/>
+          </a:xfrm>
+          <a:prstGeom prst="line">
+            <a:avLst/>
+          </a:prstGeom>
+        </p:spPr>
+        <p:style>
+          <a:lnRef idx="1">
+            <a:schemeClr val="accent1"/>
+          </a:lnRef>
+          <a:fillRef idx="0">
+            <a:schemeClr val="accent1"/>
+          </a:fillRef>
+          <a:effectRef idx="0">
+            <a:schemeClr val="accent1"/>
+          </a:effectRef>
+          <a:fontRef idx="minor">
+            <a:schemeClr val="tx1"/>
+          </a:fontRef>
+        </p:style>
+      </p:cxnSp>
+      <p:cxnSp>
+        <p:nvCxnSpPr>
+          <p:cNvPr id="54" name="Straight Connector 53">
+            <a:extLst>
+              <a:ext uri="{FF2B5EF4-FFF2-40B4-BE49-F238E27FC236}">
+                <a16:creationId xmlns:a16="http://schemas.microsoft.com/office/drawing/2014/main" id="{233E05F1-F1CB-9346-B6C2-906EADC504C9}"/>
+              </a:ext>
+            </a:extLst>
+          </p:cNvPr>
+          <p:cNvCxnSpPr>
+            <a:cxnSpLocks/>
+            <a:stCxn id="41" idx="3"/>
+            <a:endCxn id="46" idx="1"/>
+          </p:cNvCxnSpPr>
+          <p:nvPr/>
+        </p:nvCxnSpPr>
+        <p:spPr>
+          <a:xfrm>
+            <a:off x="8991599" y="3882724"/>
+            <a:ext cx="1798321" cy="186356"/>
+          </a:xfrm>
+          <a:prstGeom prst="line">
+            <a:avLst/>
+          </a:prstGeom>
+        </p:spPr>
+        <p:style>
+          <a:lnRef idx="1">
+            <a:schemeClr val="accent1"/>
+          </a:lnRef>
+          <a:fillRef idx="0">
+            <a:schemeClr val="accent1"/>
+          </a:fillRef>
+          <a:effectRef idx="0">
+            <a:schemeClr val="accent1"/>
+          </a:effectRef>
+          <a:fontRef idx="minor">
+            <a:schemeClr val="tx1"/>
+          </a:fontRef>
+        </p:style>
+      </p:cxnSp>
+      <p:cxnSp>
+        <p:nvCxnSpPr>
+          <p:cNvPr id="55" name="Straight Connector 54">
+            <a:extLst>
+              <a:ext uri="{FF2B5EF4-FFF2-40B4-BE49-F238E27FC236}">
+                <a16:creationId xmlns:a16="http://schemas.microsoft.com/office/drawing/2014/main" id="{027393F5-331D-C14A-AA5A-4604D0F34F85}"/>
+              </a:ext>
+            </a:extLst>
+          </p:cNvPr>
+          <p:cNvCxnSpPr>
+            <a:cxnSpLocks/>
+            <a:stCxn id="41" idx="3"/>
+            <a:endCxn id="47" idx="1"/>
+          </p:cNvCxnSpPr>
+          <p:nvPr/>
+        </p:nvCxnSpPr>
+        <p:spPr>
+          <a:xfrm>
+            <a:off x="8991599" y="3882724"/>
+            <a:ext cx="1798321" cy="897556"/>
+          </a:xfrm>
+          <a:prstGeom prst="line">
+            <a:avLst/>
+          </a:prstGeom>
+        </p:spPr>
+        <p:style>
+          <a:lnRef idx="1">
+            <a:schemeClr val="accent1"/>
+          </a:lnRef>
+          <a:fillRef idx="0">
+            <a:schemeClr val="accent1"/>
+          </a:fillRef>
+          <a:effectRef idx="0">
+            <a:schemeClr val="accent1"/>
+          </a:effectRef>
+          <a:fontRef idx="minor">
+            <a:schemeClr val="tx1"/>
+          </a:fontRef>
+        </p:style>
+      </p:cxnSp>
+      <p:cxnSp>
+        <p:nvCxnSpPr>
+          <p:cNvPr id="56" name="Straight Connector 55">
+            <a:extLst>
+              <a:ext uri="{FF2B5EF4-FFF2-40B4-BE49-F238E27FC236}">
+                <a16:creationId xmlns:a16="http://schemas.microsoft.com/office/drawing/2014/main" id="{6D53A0D6-3D4E-3E41-86F3-65E7397B4940}"/>
+              </a:ext>
+            </a:extLst>
+          </p:cNvPr>
+          <p:cNvCxnSpPr>
+            <a:cxnSpLocks/>
+            <a:stCxn id="41" idx="3"/>
+            <a:endCxn id="48" idx="1"/>
+          </p:cNvCxnSpPr>
+          <p:nvPr/>
+        </p:nvCxnSpPr>
+        <p:spPr>
+          <a:xfrm>
+            <a:off x="8991599" y="3882724"/>
+            <a:ext cx="1798321" cy="1608756"/>
+          </a:xfrm>
+          <a:prstGeom prst="line">
+            <a:avLst/>
+          </a:prstGeom>
+        </p:spPr>
+        <p:style>
+          <a:lnRef idx="1">
+            <a:schemeClr val="accent1"/>
+          </a:lnRef>
+          <a:fillRef idx="0">
+            <a:schemeClr val="accent1"/>
+          </a:fillRef>
+          <a:effectRef idx="0">
+            <a:schemeClr val="accent1"/>
+          </a:effectRef>
+          <a:fontRef idx="minor">
+            <a:schemeClr val="tx1"/>
+          </a:fontRef>
+        </p:style>
+      </p:cxnSp>
+      <p:cxnSp>
+        <p:nvCxnSpPr>
+          <p:cNvPr id="57" name="Straight Connector 56">
+            <a:extLst>
+              <a:ext uri="{FF2B5EF4-FFF2-40B4-BE49-F238E27FC236}">
+                <a16:creationId xmlns:a16="http://schemas.microsoft.com/office/drawing/2014/main" id="{0A108109-C879-0946-8BEB-27A519FCA7FA}"/>
+              </a:ext>
+            </a:extLst>
+          </p:cNvPr>
+          <p:cNvCxnSpPr>
+            <a:cxnSpLocks/>
+            <a:stCxn id="41" idx="3"/>
+            <a:endCxn id="49" idx="1"/>
+          </p:cNvCxnSpPr>
+          <p:nvPr/>
+        </p:nvCxnSpPr>
+        <p:spPr>
+          <a:xfrm>
+            <a:off x="8991599" y="3882724"/>
+            <a:ext cx="1798321" cy="2319956"/>
+          </a:xfrm>
+          <a:prstGeom prst="line">
+            <a:avLst/>
+          </a:prstGeom>
+        </p:spPr>
+        <p:style>
+          <a:lnRef idx="1">
+            <a:schemeClr val="accent1"/>
+          </a:lnRef>
+          <a:fillRef idx="0">
+            <a:schemeClr val="accent1"/>
+          </a:fillRef>
+          <a:effectRef idx="0">
+            <a:schemeClr val="accent1"/>
+          </a:effectRef>
+          <a:fontRef idx="minor">
+            <a:schemeClr val="tx1"/>
+          </a:fontRef>
+        </p:style>
+      </p:cxnSp>
+      <p:sp>
+        <p:nvSpPr>
+          <p:cNvPr id="67" name="Rectangle 66">
+            <a:extLst>
+              <a:ext uri="{FF2B5EF4-FFF2-40B4-BE49-F238E27FC236}">
+                <a16:creationId xmlns:a16="http://schemas.microsoft.com/office/drawing/2014/main" id="{FD6A7396-28D6-444A-8A6A-48601682E381}"/>
+              </a:ext>
+            </a:extLst>
+          </p:cNvPr>
+          <p:cNvSpPr/>
+          <p:nvPr/>
+        </p:nvSpPr>
+        <p:spPr>
+          <a:xfrm>
+            <a:off x="404261" y="3401728"/>
+            <a:ext cx="2103120" cy="961992"/>
+          </a:xfrm>
+          <a:prstGeom prst="rect">
+            <a:avLst/>
+          </a:prstGeom>
+        </p:spPr>
+        <p:style>
+          <a:lnRef idx="2">
+            <a:schemeClr val="accent1">
+              <a:shade val="50000"/>
+            </a:schemeClr>
+          </a:lnRef>
+          <a:fillRef idx="1">
+            <a:schemeClr val="accent1"/>
+          </a:fillRef>
+          <a:effectRef idx="0">
+            <a:schemeClr val="accent1"/>
+          </a:effectRef>
+          <a:fontRef idx="minor">
+            <a:schemeClr val="lt1"/>
+          </a:fontRef>
+        </p:style>
+        <p:txBody>
+          <a:bodyPr rtlCol="0" anchor="ctr"/>
+          <a:lstStyle/>
+          <a:p>
+            <a:pPr algn="ctr"/>
+            <a:r>
+              <a:rPr lang="en-US" dirty="0"/>
+              <a:t>DeployToFleet</a:t>
+            </a:r>
+          </a:p>
+        </p:txBody>
+      </p:sp>
+      <p:cxnSp>
+        <p:nvCxnSpPr>
+          <p:cNvPr id="69" name="Straight Arrow Connector 68">
+            <a:extLst>
+              <a:ext uri="{FF2B5EF4-FFF2-40B4-BE49-F238E27FC236}">
+                <a16:creationId xmlns:a16="http://schemas.microsoft.com/office/drawing/2014/main" id="{D17E0F86-D958-3141-BE29-F40088736EBF}"/>
+              </a:ext>
+            </a:extLst>
+          </p:cNvPr>
+          <p:cNvCxnSpPr>
+            <a:cxnSpLocks/>
+            <a:stCxn id="67" idx="3"/>
+            <a:endCxn id="8" idx="1"/>
+          </p:cNvCxnSpPr>
+          <p:nvPr/>
+        </p:nvCxnSpPr>
+        <p:spPr>
+          <a:xfrm>
+            <a:off x="2507381" y="3882724"/>
+            <a:ext cx="255070" cy="0"/>
+          </a:xfrm>
+          <a:prstGeom prst="straightConnector1">
+            <a:avLst/>
+          </a:prstGeom>
+          <a:ln>
+            <a:tailEnd type="triangle"/>
+          </a:ln>
+        </p:spPr>
+        <p:style>
+          <a:lnRef idx="1">
+            <a:schemeClr val="accent1"/>
+          </a:lnRef>
+          <a:fillRef idx="0">
+            <a:schemeClr val="accent1"/>
+          </a:fillRef>
+          <a:effectRef idx="0">
+            <a:schemeClr val="accent1"/>
+          </a:effectRef>
+          <a:fontRef idx="minor">
+            <a:schemeClr val="tx1"/>
+          </a:fontRef>
+        </p:style>
+      </p:cxnSp>
+      <p:cxnSp>
+        <p:nvCxnSpPr>
+          <p:cNvPr id="70" name="Straight Arrow Connector 69">
+            <a:extLst>
+              <a:ext uri="{FF2B5EF4-FFF2-40B4-BE49-F238E27FC236}">
+                <a16:creationId xmlns:a16="http://schemas.microsoft.com/office/drawing/2014/main" id="{BBA7AC87-03FB-D641-9880-BD5935E5B9EF}"/>
+              </a:ext>
+            </a:extLst>
+          </p:cNvPr>
+          <p:cNvCxnSpPr>
+            <a:cxnSpLocks/>
+            <a:stCxn id="8" idx="3"/>
+            <a:endCxn id="7" idx="1"/>
+          </p:cNvCxnSpPr>
+          <p:nvPr/>
+        </p:nvCxnSpPr>
+        <p:spPr>
+          <a:xfrm>
+            <a:off x="4983746" y="3882724"/>
+            <a:ext cx="242770" cy="0"/>
+          </a:xfrm>
+          <a:prstGeom prst="straightConnector1">
+            <a:avLst/>
+          </a:prstGeom>
+          <a:ln>
+            <a:tailEnd type="triangle"/>
+          </a:ln>
+        </p:spPr>
+        <p:style>
+          <a:lnRef idx="1">
+            <a:schemeClr val="accent1"/>
+          </a:lnRef>
+          <a:fillRef idx="0">
+            <a:schemeClr val="accent1"/>
+          </a:fillRef>
+          <a:effectRef idx="0">
+            <a:schemeClr val="accent1"/>
+          </a:effectRef>
+          <a:fontRef idx="minor">
+            <a:schemeClr val="tx1"/>
+          </a:fontRef>
+        </p:style>
+      </p:cxnSp>
+      <p:cxnSp>
+        <p:nvCxnSpPr>
+          <p:cNvPr id="73" name="Straight Arrow Connector 72">
+            <a:extLst>
+              <a:ext uri="{FF2B5EF4-FFF2-40B4-BE49-F238E27FC236}">
+                <a16:creationId xmlns:a16="http://schemas.microsoft.com/office/drawing/2014/main" id="{27D4BC0C-31C3-0243-AD88-21376605C280}"/>
+              </a:ext>
+            </a:extLst>
+          </p:cNvPr>
+          <p:cNvCxnSpPr>
+            <a:cxnSpLocks/>
+            <a:stCxn id="7" idx="3"/>
+            <a:endCxn id="41" idx="1"/>
+          </p:cNvCxnSpPr>
+          <p:nvPr/>
+        </p:nvCxnSpPr>
+        <p:spPr>
+          <a:xfrm>
+            <a:off x="7329636" y="3882724"/>
+            <a:ext cx="375920" cy="0"/>
+          </a:xfrm>
+          <a:prstGeom prst="straightConnector1">
+            <a:avLst/>
+          </a:prstGeom>
+          <a:ln>
+            <a:tailEnd type="triangle"/>
+          </a:ln>
+        </p:spPr>
+        <p:style>
+          <a:lnRef idx="1">
+            <a:schemeClr val="accent1"/>
+          </a:lnRef>
+          <a:fillRef idx="0">
+            <a:schemeClr val="accent1"/>
+          </a:fillRef>
+          <a:effectRef idx="0">
+            <a:schemeClr val="accent1"/>
+          </a:effectRef>
+          <a:fontRef idx="minor">
+            <a:schemeClr val="tx1"/>
+          </a:fontRef>
+        </p:style>
+      </p:cxnSp>
     </p:spTree>
     <p:extLst>
       <p:ext uri="{BB962C8B-B14F-4D97-AF65-F5344CB8AC3E}">
-        <p14:creationId xmlns:p14="http://schemas.microsoft.com/office/powerpoint/2010/main" val="1159560986"/>
+        <p14:creationId xmlns:p14="http://schemas.microsoft.com/office/powerpoint/2010/main" val="581167898"/>
       </p:ext>
     </p:extLst>
   </p:cSld>

--- a/MythicalIoT.pptx
+++ b/MythicalIoT.pptx
@@ -5,14 +5,15 @@
     <p:sldMasterId id="2147483648" r:id="rId1"/>
   </p:sldMasterIdLst>
   <p:notesMasterIdLst>
-    <p:notesMasterId r:id="rId7"/>
+    <p:notesMasterId r:id="rId8"/>
   </p:notesMasterIdLst>
   <p:sldIdLst>
     <p:sldId id="258" r:id="rId2"/>
-    <p:sldId id="283" r:id="rId3"/>
-    <p:sldId id="284" r:id="rId4"/>
-    <p:sldId id="282" r:id="rId5"/>
-    <p:sldId id="285" r:id="rId6"/>
+    <p:sldId id="287" r:id="rId3"/>
+    <p:sldId id="283" r:id="rId4"/>
+    <p:sldId id="286" r:id="rId5"/>
+    <p:sldId id="284" r:id="rId6"/>
+    <p:sldId id="285" r:id="rId7"/>
   </p:sldIdLst>
   <p:sldSz cx="12192000" cy="6858000"/>
   <p:notesSz cx="6858000" cy="9144000"/>
@@ -201,7 +202,7 @@
           <a:p>
             <a:fld id="{00F9A49F-B39A-6D40-8171-0C8144D2F78C}" type="datetimeFigureOut">
               <a:rPr lang="en-US" smtClean="0"/>
-              <a:t>11/26/20</a:t>
+              <a:t>12/7/20</a:t>
             </a:fld>
             <a:endParaRPr lang="en-US"/>
           </a:p>
@@ -615,7 +616,7 @@
           <a:p>
             <a:fld id="{0010EDA1-2036-5448-A4CE-E7A3E6B521D5}" type="datetimeFigureOut">
               <a:rPr lang="en-US" smtClean="0"/>
-              <a:t>11/26/20</a:t>
+              <a:t>12/7/20</a:t>
             </a:fld>
             <a:endParaRPr lang="en-US"/>
           </a:p>
@@ -813,7 +814,7 @@
           <a:p>
             <a:fld id="{0010EDA1-2036-5448-A4CE-E7A3E6B521D5}" type="datetimeFigureOut">
               <a:rPr lang="en-US" smtClean="0"/>
-              <a:t>11/26/20</a:t>
+              <a:t>12/7/20</a:t>
             </a:fld>
             <a:endParaRPr lang="en-US"/>
           </a:p>
@@ -1021,7 +1022,7 @@
           <a:p>
             <a:fld id="{0010EDA1-2036-5448-A4CE-E7A3E6B521D5}" type="datetimeFigureOut">
               <a:rPr lang="en-US" smtClean="0"/>
-              <a:t>11/26/20</a:t>
+              <a:t>12/7/20</a:t>
             </a:fld>
             <a:endParaRPr lang="en-US"/>
           </a:p>
@@ -1219,7 +1220,7 @@
           <a:p>
             <a:fld id="{0010EDA1-2036-5448-A4CE-E7A3E6B521D5}" type="datetimeFigureOut">
               <a:rPr lang="en-US" smtClean="0"/>
-              <a:t>11/26/20</a:t>
+              <a:t>12/7/20</a:t>
             </a:fld>
             <a:endParaRPr lang="en-US"/>
           </a:p>
@@ -1494,7 +1495,7 @@
           <a:p>
             <a:fld id="{0010EDA1-2036-5448-A4CE-E7A3E6B521D5}" type="datetimeFigureOut">
               <a:rPr lang="en-US" smtClean="0"/>
-              <a:t>11/26/20</a:t>
+              <a:t>12/7/20</a:t>
             </a:fld>
             <a:endParaRPr lang="en-US"/>
           </a:p>
@@ -1759,7 +1760,7 @@
           <a:p>
             <a:fld id="{0010EDA1-2036-5448-A4CE-E7A3E6B521D5}" type="datetimeFigureOut">
               <a:rPr lang="en-US" smtClean="0"/>
-              <a:t>11/26/20</a:t>
+              <a:t>12/7/20</a:t>
             </a:fld>
             <a:endParaRPr lang="en-US"/>
           </a:p>
@@ -2171,7 +2172,7 @@
           <a:p>
             <a:fld id="{0010EDA1-2036-5448-A4CE-E7A3E6B521D5}" type="datetimeFigureOut">
               <a:rPr lang="en-US" smtClean="0"/>
-              <a:t>11/26/20</a:t>
+              <a:t>12/7/20</a:t>
             </a:fld>
             <a:endParaRPr lang="en-US"/>
           </a:p>
@@ -2312,7 +2313,7 @@
           <a:p>
             <a:fld id="{0010EDA1-2036-5448-A4CE-E7A3E6B521D5}" type="datetimeFigureOut">
               <a:rPr lang="en-US" smtClean="0"/>
-              <a:t>11/26/20</a:t>
+              <a:t>12/7/20</a:t>
             </a:fld>
             <a:endParaRPr lang="en-US"/>
           </a:p>
@@ -2425,7 +2426,7 @@
           <a:p>
             <a:fld id="{0010EDA1-2036-5448-A4CE-E7A3E6B521D5}" type="datetimeFigureOut">
               <a:rPr lang="en-US" smtClean="0"/>
-              <a:t>11/26/20</a:t>
+              <a:t>12/7/20</a:t>
             </a:fld>
             <a:endParaRPr lang="en-US"/>
           </a:p>
@@ -2736,7 +2737,7 @@
           <a:p>
             <a:fld id="{0010EDA1-2036-5448-A4CE-E7A3E6B521D5}" type="datetimeFigureOut">
               <a:rPr lang="en-US" smtClean="0"/>
-              <a:t>11/26/20</a:t>
+              <a:t>12/7/20</a:t>
             </a:fld>
             <a:endParaRPr lang="en-US"/>
           </a:p>
@@ -3024,7 +3025,7 @@
           <a:p>
             <a:fld id="{0010EDA1-2036-5448-A4CE-E7A3E6B521D5}" type="datetimeFigureOut">
               <a:rPr lang="en-US" smtClean="0"/>
-              <a:t>11/26/20</a:t>
+              <a:t>12/7/20</a:t>
             </a:fld>
             <a:endParaRPr lang="en-US"/>
           </a:p>
@@ -3265,7 +3266,7 @@
           <a:p>
             <a:fld id="{0010EDA1-2036-5448-A4CE-E7A3E6B521D5}" type="datetimeFigureOut">
               <a:rPr lang="en-US" smtClean="0"/>
-              <a:t>11/26/20</a:t>
+              <a:t>12/7/20</a:t>
             </a:fld>
             <a:endParaRPr lang="en-US"/>
           </a:p>
@@ -8193,10 +8194,10 @@
       </p:grpSpPr>
       <p:sp>
         <p:nvSpPr>
-          <p:cNvPr id="164" name="Rectangle 163">
-            <a:extLst>
-              <a:ext uri="{FF2B5EF4-FFF2-40B4-BE49-F238E27FC236}">
-                <a16:creationId xmlns:a16="http://schemas.microsoft.com/office/drawing/2014/main" id="{EA554CC8-D245-E443-B2D0-19C39E219CFD}"/>
+          <p:cNvPr id="53" name="Rectangle 52">
+            <a:extLst>
+              <a:ext uri="{FF2B5EF4-FFF2-40B4-BE49-F238E27FC236}">
+                <a16:creationId xmlns:a16="http://schemas.microsoft.com/office/drawing/2014/main" id="{7766CB01-0F58-3F42-B03A-4A37BD3094E1}"/>
               </a:ext>
             </a:extLst>
           </p:cNvPr>
@@ -8205,12 +8206,18 @@
         </p:nvSpPr>
         <p:spPr>
           <a:xfrm>
-            <a:off x="3768289" y="4901207"/>
-            <a:ext cx="2097187" cy="1532593"/>
-          </a:xfrm>
-          <a:prstGeom prst="rect">
-            <a:avLst/>
-          </a:prstGeom>
+            <a:off x="539465" y="1172349"/>
+            <a:ext cx="4523423" cy="2668131"/>
+          </a:xfrm>
+          <a:prstGeom prst="rect">
+            <a:avLst/>
+          </a:prstGeom>
+          <a:noFill/>
+          <a:ln w="28575">
+            <a:solidFill>
+              <a:schemeClr val="tx1"/>
+            </a:solidFill>
+          </a:ln>
         </p:spPr>
         <p:style>
           <a:lnRef idx="2">
@@ -8229,23 +8236,20 @@
           </a:fontRef>
         </p:style>
         <p:txBody>
-          <a:bodyPr rtlCol="0" anchor="t" anchorCtr="0"/>
+          <a:bodyPr rtlCol="0" anchor="ctr"/>
           <a:lstStyle/>
           <a:p>
             <a:pPr algn="ctr"/>
-            <a:r>
-              <a:rPr lang="en-US" dirty="0"/>
-              <a:t>CosmosDB</a:t>
-            </a:r>
-          </a:p>
-        </p:txBody>
-      </p:sp>
-      <p:sp>
-        <p:nvSpPr>
-          <p:cNvPr id="93" name="Rectangle 92">
-            <a:extLst>
-              <a:ext uri="{FF2B5EF4-FFF2-40B4-BE49-F238E27FC236}">
-                <a16:creationId xmlns:a16="http://schemas.microsoft.com/office/drawing/2014/main" id="{4EF66DC5-66F1-B242-B909-393593F72E84}"/>
+            <a:endParaRPr lang="en-US"/>
+          </a:p>
+        </p:txBody>
+      </p:sp>
+      <p:sp>
+        <p:nvSpPr>
+          <p:cNvPr id="3" name="Rounded Rectangle 2">
+            <a:extLst>
+              <a:ext uri="{FF2B5EF4-FFF2-40B4-BE49-F238E27FC236}">
+                <a16:creationId xmlns:a16="http://schemas.microsoft.com/office/drawing/2014/main" id="{0F298744-11D2-9F49-A69A-6BC4FA26C184}"/>
               </a:ext>
             </a:extLst>
           </p:cNvPr>
@@ -8254,12 +8258,13 @@
         </p:nvSpPr>
         <p:spPr>
           <a:xfrm>
-            <a:off x="11307010" y="321912"/>
-            <a:ext cx="680720" cy="599440"/>
-          </a:xfrm>
-          <a:prstGeom prst="rect">
-            <a:avLst/>
-          </a:prstGeom>
+            <a:off x="1049694" y="1503445"/>
+            <a:ext cx="929666" cy="598588"/>
+          </a:xfrm>
+          <a:prstGeom prst="roundRect">
+            <a:avLst/>
+          </a:prstGeom>
+          <a:noFill/>
         </p:spPr>
         <p:style>
           <a:lnRef idx="2">
@@ -8283,18 +8288,22 @@
           <a:p>
             <a:pPr algn="ctr"/>
             <a:r>
-              <a:rPr lang="en-US" sz="1600" dirty="0"/>
-              <a:t>IoT Edge</a:t>
-            </a:r>
-          </a:p>
-        </p:txBody>
-      </p:sp>
-      <p:sp>
-        <p:nvSpPr>
-          <p:cNvPr id="95" name="Rectangle 94">
-            <a:extLst>
-              <a:ext uri="{FF2B5EF4-FFF2-40B4-BE49-F238E27FC236}">
-                <a16:creationId xmlns:a16="http://schemas.microsoft.com/office/drawing/2014/main" id="{8E46EFB1-2971-C944-8552-F54F15263F6B}"/>
+              <a:rPr lang="en-US" sz="1200" dirty="0">
+                <a:solidFill>
+                  <a:schemeClr val="tx1"/>
+                </a:solidFill>
+              </a:rPr>
+              <a:t>Chiller Module</a:t>
+            </a:r>
+          </a:p>
+        </p:txBody>
+      </p:sp>
+      <p:sp>
+        <p:nvSpPr>
+          <p:cNvPr id="7" name="Rectangle 6">
+            <a:extLst>
+              <a:ext uri="{FF2B5EF4-FFF2-40B4-BE49-F238E27FC236}">
+                <a16:creationId xmlns:a16="http://schemas.microsoft.com/office/drawing/2014/main" id="{1A4AA4AC-FFB4-3346-9FA0-DC82540F6B7D}"/>
               </a:ext>
             </a:extLst>
           </p:cNvPr>
@@ -8303,12 +8312,23 @@
         </p:nvSpPr>
         <p:spPr>
           <a:xfrm>
-            <a:off x="11307010" y="1033112"/>
-            <a:ext cx="680720" cy="599440"/>
-          </a:xfrm>
-          <a:prstGeom prst="rect">
-            <a:avLst/>
-          </a:prstGeom>
+            <a:off x="697828" y="3199290"/>
+            <a:ext cx="4267199" cy="498526"/>
+          </a:xfrm>
+          <a:prstGeom prst="rect">
+            <a:avLst/>
+          </a:prstGeom>
+          <a:solidFill>
+            <a:schemeClr val="accent5">
+              <a:lumMod val="20000"/>
+              <a:lumOff val="80000"/>
+            </a:schemeClr>
+          </a:solidFill>
+          <a:ln w="28575">
+            <a:solidFill>
+              <a:srgbClr val="0070C0"/>
+            </a:solidFill>
+          </a:ln>
         </p:spPr>
         <p:style>
           <a:lnRef idx="2">
@@ -8332,18 +8352,22 @@
           <a:p>
             <a:pPr algn="ctr"/>
             <a:r>
-              <a:rPr lang="en-US" sz="1600" dirty="0"/>
-              <a:t>IoT Edge</a:t>
-            </a:r>
-          </a:p>
-        </p:txBody>
-      </p:sp>
-      <p:sp>
-        <p:nvSpPr>
-          <p:cNvPr id="97" name="Rectangle 96">
-            <a:extLst>
-              <a:ext uri="{FF2B5EF4-FFF2-40B4-BE49-F238E27FC236}">
-                <a16:creationId xmlns:a16="http://schemas.microsoft.com/office/drawing/2014/main" id="{A7601A18-7B57-A84A-816E-6ABA7329B384}"/>
+              <a:rPr lang="en-US" sz="1200" dirty="0">
+                <a:solidFill>
+                  <a:schemeClr val="tx1"/>
+                </a:solidFill>
+              </a:rPr>
+              <a:t>Azure IoT Edge runtime</a:t>
+            </a:r>
+          </a:p>
+        </p:txBody>
+      </p:sp>
+      <p:sp>
+        <p:nvSpPr>
+          <p:cNvPr id="2" name="Rounded Rectangle 1">
+            <a:extLst>
+              <a:ext uri="{FF2B5EF4-FFF2-40B4-BE49-F238E27FC236}">
+                <a16:creationId xmlns:a16="http://schemas.microsoft.com/office/drawing/2014/main" id="{A587D947-AA3C-6645-8886-807F3281B9DA}"/>
               </a:ext>
             </a:extLst>
           </p:cNvPr>
@@ -8352,12 +8376,13 @@
         </p:nvSpPr>
         <p:spPr>
           <a:xfrm>
-            <a:off x="11307010" y="1744312"/>
-            <a:ext cx="680720" cy="599440"/>
-          </a:xfrm>
-          <a:prstGeom prst="rect">
-            <a:avLst/>
-          </a:prstGeom>
+            <a:off x="2649045" y="1503445"/>
+            <a:ext cx="929666" cy="598588"/>
+          </a:xfrm>
+          <a:prstGeom prst="roundRect">
+            <a:avLst/>
+          </a:prstGeom>
+          <a:noFill/>
         </p:spPr>
         <p:style>
           <a:lnRef idx="2">
@@ -8381,18 +8406,274 @@
           <a:p>
             <a:pPr algn="ctr"/>
             <a:r>
-              <a:rPr lang="en-US" sz="1600" dirty="0"/>
-              <a:t>IoT Edge</a:t>
-            </a:r>
-          </a:p>
-        </p:txBody>
-      </p:sp>
-      <p:sp>
-        <p:nvSpPr>
-          <p:cNvPr id="99" name="Rectangle 98">
-            <a:extLst>
-              <a:ext uri="{FF2B5EF4-FFF2-40B4-BE49-F238E27FC236}">
-                <a16:creationId xmlns:a16="http://schemas.microsoft.com/office/drawing/2014/main" id="{27D9F8FD-E134-0B4B-A04A-D7E1C91F0C8F}"/>
+              <a:rPr lang="en-US" sz="1200" dirty="0">
+                <a:solidFill>
+                  <a:schemeClr val="tx1"/>
+                </a:solidFill>
+              </a:rPr>
+              <a:t>Freezer Module</a:t>
+            </a:r>
+          </a:p>
+        </p:txBody>
+      </p:sp>
+      <p:cxnSp>
+        <p:nvCxnSpPr>
+          <p:cNvPr id="33" name="Straight Arrow Connector 32">
+            <a:extLst>
+              <a:ext uri="{FF2B5EF4-FFF2-40B4-BE49-F238E27FC236}">
+                <a16:creationId xmlns:a16="http://schemas.microsoft.com/office/drawing/2014/main" id="{CED5A516-655D-4243-A88D-324D1CC7E6E7}"/>
+              </a:ext>
+            </a:extLst>
+          </p:cNvPr>
+          <p:cNvCxnSpPr>
+            <a:cxnSpLocks/>
+            <a:stCxn id="1026" idx="2"/>
+            <a:endCxn id="3" idx="0"/>
+          </p:cNvCxnSpPr>
+          <p:nvPr/>
+        </p:nvCxnSpPr>
+        <p:spPr>
+          <a:xfrm>
+            <a:off x="1513310" y="810715"/>
+            <a:ext cx="1217" cy="692730"/>
+          </a:xfrm>
+          <a:prstGeom prst="straightConnector1">
+            <a:avLst/>
+          </a:prstGeom>
+          <a:ln w="28575">
+            <a:headEnd type="none" w="med" len="med"/>
+            <a:tailEnd type="none" w="med" len="med"/>
+          </a:ln>
+        </p:spPr>
+        <p:style>
+          <a:lnRef idx="1">
+            <a:schemeClr val="accent1"/>
+          </a:lnRef>
+          <a:fillRef idx="0">
+            <a:schemeClr val="accent1"/>
+          </a:fillRef>
+          <a:effectRef idx="0">
+            <a:schemeClr val="accent1"/>
+          </a:effectRef>
+          <a:fontRef idx="minor">
+            <a:schemeClr val="tx1"/>
+          </a:fontRef>
+        </p:style>
+      </p:cxnSp>
+      <p:pic>
+        <p:nvPicPr>
+          <p:cNvPr id="1026" name="Picture 2" descr="Image result for retail chiller">
+            <a:extLst>
+              <a:ext uri="{FF2B5EF4-FFF2-40B4-BE49-F238E27FC236}">
+                <a16:creationId xmlns:a16="http://schemas.microsoft.com/office/drawing/2014/main" id="{74329E33-A00B-204F-A592-113A486B16C8}"/>
+              </a:ext>
+            </a:extLst>
+          </p:cNvPr>
+          <p:cNvPicPr>
+            <a:picLocks noChangeAspect="1" noChangeArrowheads="1"/>
+          </p:cNvPicPr>
+          <p:nvPr/>
+        </p:nvPicPr>
+        <p:blipFill>
+          <a:blip r:embed="rId2">
+            <a:extLst>
+              <a:ext uri="{28A0092B-C50C-407E-A947-70E740481C1C}">
+                <a14:useLocalDpi xmlns:a14="http://schemas.microsoft.com/office/drawing/2010/main" val="0"/>
+              </a:ext>
+            </a:extLst>
+          </a:blip>
+          <a:srcRect/>
+          <a:stretch>
+            <a:fillRect/>
+          </a:stretch>
+        </p:blipFill>
+        <p:spPr bwMode="auto">
+          <a:xfrm>
+            <a:off x="1240675" y="183140"/>
+            <a:ext cx="545270" cy="627575"/>
+          </a:xfrm>
+          <a:prstGeom prst="rect">
+            <a:avLst/>
+          </a:prstGeom>
+          <a:noFill/>
+          <a:extLst>
+            <a:ext uri="{909E8E84-426E-40DD-AFC4-6F175D3DCCD1}">
+              <a14:hiddenFill xmlns:a14="http://schemas.microsoft.com/office/drawing/2010/main">
+                <a:solidFill>
+                  <a:srgbClr val="FFFFFF"/>
+                </a:solidFill>
+              </a14:hiddenFill>
+            </a:ext>
+          </a:extLst>
+        </p:spPr>
+      </p:pic>
+      <p:pic>
+        <p:nvPicPr>
+          <p:cNvPr id="1028" name="Picture 4">
+            <a:extLst>
+              <a:ext uri="{FF2B5EF4-FFF2-40B4-BE49-F238E27FC236}">
+                <a16:creationId xmlns:a16="http://schemas.microsoft.com/office/drawing/2014/main" id="{8D5A2760-1741-6043-922D-0B2D2C94C470}"/>
+              </a:ext>
+            </a:extLst>
+          </p:cNvPr>
+          <p:cNvPicPr>
+            <a:picLocks noChangeAspect="1" noChangeArrowheads="1"/>
+          </p:cNvPicPr>
+          <p:nvPr/>
+        </p:nvPicPr>
+        <p:blipFill>
+          <a:blip r:embed="rId3">
+            <a:extLst>
+              <a:ext uri="{28A0092B-C50C-407E-A947-70E740481C1C}">
+                <a14:useLocalDpi xmlns:a14="http://schemas.microsoft.com/office/drawing/2010/main" val="0"/>
+              </a:ext>
+            </a:extLst>
+          </a:blip>
+          <a:srcRect/>
+          <a:stretch>
+            <a:fillRect/>
+          </a:stretch>
+        </p:blipFill>
+        <p:spPr bwMode="auto">
+          <a:xfrm>
+            <a:off x="2831428" y="204052"/>
+            <a:ext cx="578218" cy="542079"/>
+          </a:xfrm>
+          <a:prstGeom prst="rect">
+            <a:avLst/>
+          </a:prstGeom>
+          <a:noFill/>
+          <a:extLst>
+            <a:ext uri="{909E8E84-426E-40DD-AFC4-6F175D3DCCD1}">
+              <a14:hiddenFill xmlns:a14="http://schemas.microsoft.com/office/drawing/2010/main">
+                <a:solidFill>
+                  <a:srgbClr val="FFFFFF"/>
+                </a:solidFill>
+              </a14:hiddenFill>
+            </a:ext>
+          </a:extLst>
+        </p:spPr>
+      </p:pic>
+      <p:cxnSp>
+        <p:nvCxnSpPr>
+          <p:cNvPr id="90" name="Straight Arrow Connector 89">
+            <a:extLst>
+              <a:ext uri="{FF2B5EF4-FFF2-40B4-BE49-F238E27FC236}">
+                <a16:creationId xmlns:a16="http://schemas.microsoft.com/office/drawing/2014/main" id="{A33D2748-0E61-9D4B-94B7-DD426FFF8C56}"/>
+              </a:ext>
+            </a:extLst>
+          </p:cNvPr>
+          <p:cNvCxnSpPr>
+            <a:cxnSpLocks/>
+            <a:stCxn id="1028" idx="2"/>
+            <a:endCxn id="2" idx="0"/>
+          </p:cNvCxnSpPr>
+          <p:nvPr/>
+        </p:nvCxnSpPr>
+        <p:spPr>
+          <a:xfrm flipH="1">
+            <a:off x="3113878" y="746131"/>
+            <a:ext cx="6659" cy="757314"/>
+          </a:xfrm>
+          <a:prstGeom prst="straightConnector1">
+            <a:avLst/>
+          </a:prstGeom>
+          <a:ln w="28575">
+            <a:headEnd type="none" w="med" len="med"/>
+            <a:tailEnd type="none" w="med" len="med"/>
+          </a:ln>
+        </p:spPr>
+        <p:style>
+          <a:lnRef idx="1">
+            <a:schemeClr val="accent1"/>
+          </a:lnRef>
+          <a:fillRef idx="0">
+            <a:schemeClr val="accent1"/>
+          </a:fillRef>
+          <a:effectRef idx="0">
+            <a:schemeClr val="accent1"/>
+          </a:effectRef>
+          <a:fontRef idx="minor">
+            <a:schemeClr val="tx1"/>
+          </a:fontRef>
+        </p:style>
+      </p:cxnSp>
+      <p:sp>
+        <p:nvSpPr>
+          <p:cNvPr id="1038" name="TextBox 1037">
+            <a:extLst>
+              <a:ext uri="{FF2B5EF4-FFF2-40B4-BE49-F238E27FC236}">
+                <a16:creationId xmlns:a16="http://schemas.microsoft.com/office/drawing/2014/main" id="{2F38911B-4B6D-864A-B49F-2CB720D43451}"/>
+              </a:ext>
+            </a:extLst>
+          </p:cNvPr>
+          <p:cNvSpPr txBox="1"/>
+          <p:nvPr/>
+        </p:nvSpPr>
+        <p:spPr>
+          <a:xfrm>
+            <a:off x="1495599" y="717594"/>
+            <a:ext cx="1125962" cy="261610"/>
+          </a:xfrm>
+          <a:prstGeom prst="rect">
+            <a:avLst/>
+          </a:prstGeom>
+          <a:noFill/>
+        </p:spPr>
+        <p:txBody>
+          <a:bodyPr wrap="square" rtlCol="0">
+            <a:spAutoFit/>
+          </a:bodyPr>
+          <a:lstStyle/>
+          <a:p>
+            <a:r>
+              <a:rPr lang="en-US" sz="1050" dirty="0"/>
+              <a:t>10.3.4.5</a:t>
+            </a:r>
+          </a:p>
+        </p:txBody>
+      </p:sp>
+      <p:sp>
+        <p:nvSpPr>
+          <p:cNvPr id="1039" name="TextBox 1038">
+            <a:extLst>
+              <a:ext uri="{FF2B5EF4-FFF2-40B4-BE49-F238E27FC236}">
+                <a16:creationId xmlns:a16="http://schemas.microsoft.com/office/drawing/2014/main" id="{2DBAC40C-74B2-2F41-9570-43B304CBD240}"/>
+              </a:ext>
+            </a:extLst>
+          </p:cNvPr>
+          <p:cNvSpPr txBox="1"/>
+          <p:nvPr/>
+        </p:nvSpPr>
+        <p:spPr>
+          <a:xfrm>
+            <a:off x="3085568" y="728550"/>
+            <a:ext cx="1125962" cy="261610"/>
+          </a:xfrm>
+          <a:prstGeom prst="rect">
+            <a:avLst/>
+          </a:prstGeom>
+          <a:noFill/>
+        </p:spPr>
+        <p:txBody>
+          <a:bodyPr wrap="square" rtlCol="0">
+            <a:spAutoFit/>
+          </a:bodyPr>
+          <a:lstStyle/>
+          <a:p>
+            <a:r>
+              <a:rPr lang="en-US" sz="1050" dirty="0"/>
+              <a:t>10.3.4.6</a:t>
+            </a:r>
+          </a:p>
+        </p:txBody>
+      </p:sp>
+      <p:sp>
+        <p:nvSpPr>
+          <p:cNvPr id="18" name="Rounded Rectangle 17">
+            <a:extLst>
+              <a:ext uri="{FF2B5EF4-FFF2-40B4-BE49-F238E27FC236}">
+                <a16:creationId xmlns:a16="http://schemas.microsoft.com/office/drawing/2014/main" id="{D90609E0-AFC0-EB44-B833-AE8077AB0C00}"/>
               </a:ext>
             </a:extLst>
           </p:cNvPr>
@@ -8401,12 +8682,13 @@
         </p:nvSpPr>
         <p:spPr>
           <a:xfrm>
-            <a:off x="11307010" y="2455512"/>
-            <a:ext cx="680720" cy="599440"/>
-          </a:xfrm>
-          <a:prstGeom prst="rect">
-            <a:avLst/>
-          </a:prstGeom>
+            <a:off x="1838527" y="2433129"/>
+            <a:ext cx="929666" cy="598588"/>
+          </a:xfrm>
+          <a:prstGeom prst="roundRect">
+            <a:avLst/>
+          </a:prstGeom>
+          <a:noFill/>
         </p:spPr>
         <p:style>
           <a:lnRef idx="2">
@@ -8430,18 +8712,114 @@
           <a:p>
             <a:pPr algn="ctr"/>
             <a:r>
-              <a:rPr lang="en-US" sz="1600" dirty="0"/>
-              <a:t>IoT Edge</a:t>
-            </a:r>
-          </a:p>
-        </p:txBody>
-      </p:sp>
-      <p:sp>
-        <p:nvSpPr>
-          <p:cNvPr id="101" name="Rectangle 100">
-            <a:extLst>
-              <a:ext uri="{FF2B5EF4-FFF2-40B4-BE49-F238E27FC236}">
-                <a16:creationId xmlns:a16="http://schemas.microsoft.com/office/drawing/2014/main" id="{539AC047-6AA6-DA4F-8734-5B04EBEA15CA}"/>
+              <a:rPr lang="en-US" sz="1200" dirty="0">
+                <a:solidFill>
+                  <a:schemeClr val="tx1"/>
+                </a:solidFill>
+              </a:rPr>
+              <a:t>Temp Analyzer Module</a:t>
+            </a:r>
+          </a:p>
+        </p:txBody>
+      </p:sp>
+      <p:cxnSp>
+        <p:nvCxnSpPr>
+          <p:cNvPr id="34" name="Elbow Connector 33">
+            <a:extLst>
+              <a:ext uri="{FF2B5EF4-FFF2-40B4-BE49-F238E27FC236}">
+                <a16:creationId xmlns:a16="http://schemas.microsoft.com/office/drawing/2014/main" id="{54E79D34-71A3-BF4C-99D2-3DA44EA6CEC2}"/>
+              </a:ext>
+            </a:extLst>
+          </p:cNvPr>
+          <p:cNvCxnSpPr>
+            <a:cxnSpLocks/>
+            <a:stCxn id="3" idx="2"/>
+            <a:endCxn id="18" idx="0"/>
+          </p:cNvCxnSpPr>
+          <p:nvPr/>
+        </p:nvCxnSpPr>
+        <p:spPr>
+          <a:xfrm rot="16200000" flipH="1">
+            <a:off x="1743395" y="1873164"/>
+            <a:ext cx="331096" cy="788833"/>
+          </a:xfrm>
+          <a:prstGeom prst="bentConnector3">
+            <a:avLst>
+              <a:gd name="adj1" fmla="val 50000"/>
+            </a:avLst>
+          </a:prstGeom>
+          <a:ln w="28575">
+            <a:headEnd type="none" w="med" len="med"/>
+            <a:tailEnd type="triangle" w="med" len="med"/>
+          </a:ln>
+        </p:spPr>
+        <p:style>
+          <a:lnRef idx="1">
+            <a:schemeClr val="accent1"/>
+          </a:lnRef>
+          <a:fillRef idx="0">
+            <a:schemeClr val="accent1"/>
+          </a:fillRef>
+          <a:effectRef idx="0">
+            <a:schemeClr val="accent1"/>
+          </a:effectRef>
+          <a:fontRef idx="minor">
+            <a:schemeClr val="tx1"/>
+          </a:fontRef>
+        </p:style>
+      </p:cxnSp>
+      <p:cxnSp>
+        <p:nvCxnSpPr>
+          <p:cNvPr id="124" name="Elbow Connector 123">
+            <a:extLst>
+              <a:ext uri="{FF2B5EF4-FFF2-40B4-BE49-F238E27FC236}">
+                <a16:creationId xmlns:a16="http://schemas.microsoft.com/office/drawing/2014/main" id="{17749173-A9AE-FD43-A56A-E89E09485FA7}"/>
+              </a:ext>
+            </a:extLst>
+          </p:cNvPr>
+          <p:cNvCxnSpPr>
+            <a:cxnSpLocks/>
+            <a:stCxn id="2" idx="2"/>
+            <a:endCxn id="18" idx="0"/>
+          </p:cNvCxnSpPr>
+          <p:nvPr/>
+        </p:nvCxnSpPr>
+        <p:spPr>
+          <a:xfrm rot="5400000">
+            <a:off x="2543071" y="1862322"/>
+            <a:ext cx="331096" cy="810518"/>
+          </a:xfrm>
+          <a:prstGeom prst="bentConnector3">
+            <a:avLst>
+              <a:gd name="adj1" fmla="val 50000"/>
+            </a:avLst>
+          </a:prstGeom>
+          <a:ln w="28575">
+            <a:headEnd type="none" w="med" len="med"/>
+            <a:tailEnd type="triangle" w="med" len="med"/>
+          </a:ln>
+        </p:spPr>
+        <p:style>
+          <a:lnRef idx="1">
+            <a:schemeClr val="accent1"/>
+          </a:lnRef>
+          <a:fillRef idx="0">
+            <a:schemeClr val="accent1"/>
+          </a:fillRef>
+          <a:effectRef idx="0">
+            <a:schemeClr val="accent1"/>
+          </a:effectRef>
+          <a:fontRef idx="minor">
+            <a:schemeClr val="tx1"/>
+          </a:fontRef>
+        </p:style>
+      </p:cxnSp>
+      <p:sp>
+        <p:nvSpPr>
+          <p:cNvPr id="133" name="Rectangle 132">
+            <a:extLst>
+              <a:ext uri="{FF2B5EF4-FFF2-40B4-BE49-F238E27FC236}">
+                <a16:creationId xmlns:a16="http://schemas.microsoft.com/office/drawing/2014/main" id="{723BDB3D-91EC-764A-85C1-46B53B57ABF8}"/>
               </a:ext>
             </a:extLst>
           </p:cNvPr>
@@ -8450,12 +8828,23 @@
         </p:nvSpPr>
         <p:spPr>
           <a:xfrm>
-            <a:off x="11307010" y="3166712"/>
-            <a:ext cx="680720" cy="599440"/>
-          </a:xfrm>
-          <a:prstGeom prst="rect">
-            <a:avLst/>
-          </a:prstGeom>
+            <a:off x="8470232" y="2315587"/>
+            <a:ext cx="1305726" cy="833672"/>
+          </a:xfrm>
+          <a:prstGeom prst="rect">
+            <a:avLst/>
+          </a:prstGeom>
+          <a:solidFill>
+            <a:schemeClr val="accent5">
+              <a:lumMod val="20000"/>
+              <a:lumOff val="80000"/>
+            </a:schemeClr>
+          </a:solidFill>
+          <a:ln w="28575">
+            <a:solidFill>
+              <a:srgbClr val="0070C0"/>
+            </a:solidFill>
+          </a:ln>
         </p:spPr>
         <p:style>
           <a:lnRef idx="2">
@@ -8479,2462 +8868,44 @@
           <a:p>
             <a:pPr algn="ctr"/>
             <a:r>
-              <a:rPr lang="en-US" sz="1600" dirty="0"/>
-              <a:t>IoT Edge</a:t>
-            </a:r>
-          </a:p>
-        </p:txBody>
-      </p:sp>
-      <p:sp>
-        <p:nvSpPr>
-          <p:cNvPr id="103" name="Rectangle 102">
-            <a:extLst>
-              <a:ext uri="{FF2B5EF4-FFF2-40B4-BE49-F238E27FC236}">
-                <a16:creationId xmlns:a16="http://schemas.microsoft.com/office/drawing/2014/main" id="{276D462F-4B1F-BA47-B51E-88DFF2E5DE9B}"/>
-              </a:ext>
-            </a:extLst>
-          </p:cNvPr>
-          <p:cNvSpPr/>
-          <p:nvPr/>
-        </p:nvSpPr>
-        <p:spPr>
-          <a:xfrm>
-            <a:off x="11307010" y="3877912"/>
-            <a:ext cx="680720" cy="599440"/>
-          </a:xfrm>
-          <a:prstGeom prst="rect">
-            <a:avLst/>
-          </a:prstGeom>
-        </p:spPr>
-        <p:style>
-          <a:lnRef idx="2">
-            <a:schemeClr val="accent1">
-              <a:shade val="50000"/>
-            </a:schemeClr>
-          </a:lnRef>
-          <a:fillRef idx="1">
-            <a:schemeClr val="accent1"/>
-          </a:fillRef>
-          <a:effectRef idx="0">
-            <a:schemeClr val="accent1"/>
-          </a:effectRef>
-          <a:fontRef idx="minor">
-            <a:schemeClr val="lt1"/>
-          </a:fontRef>
-        </p:style>
-        <p:txBody>
-          <a:bodyPr rtlCol="0" anchor="ctr"/>
-          <a:lstStyle/>
-          <a:p>
-            <a:pPr algn="ctr"/>
-            <a:r>
-              <a:rPr lang="en-US" sz="1600" dirty="0"/>
-              <a:t>IoT Edge</a:t>
-            </a:r>
-          </a:p>
-        </p:txBody>
-      </p:sp>
-      <p:sp>
-        <p:nvSpPr>
-          <p:cNvPr id="105" name="Rectangle 104">
-            <a:extLst>
-              <a:ext uri="{FF2B5EF4-FFF2-40B4-BE49-F238E27FC236}">
-                <a16:creationId xmlns:a16="http://schemas.microsoft.com/office/drawing/2014/main" id="{3BDCF968-E6A5-EA4F-A444-CE290A092748}"/>
-              </a:ext>
-            </a:extLst>
-          </p:cNvPr>
-          <p:cNvSpPr/>
-          <p:nvPr/>
-        </p:nvSpPr>
-        <p:spPr>
-          <a:xfrm>
-            <a:off x="11307010" y="4589112"/>
-            <a:ext cx="680720" cy="599440"/>
-          </a:xfrm>
-          <a:prstGeom prst="rect">
-            <a:avLst/>
-          </a:prstGeom>
-        </p:spPr>
-        <p:style>
-          <a:lnRef idx="2">
-            <a:schemeClr val="accent1">
-              <a:shade val="50000"/>
-            </a:schemeClr>
-          </a:lnRef>
-          <a:fillRef idx="1">
-            <a:schemeClr val="accent1"/>
-          </a:fillRef>
-          <a:effectRef idx="0">
-            <a:schemeClr val="accent1"/>
-          </a:effectRef>
-          <a:fontRef idx="minor">
-            <a:schemeClr val="lt1"/>
-          </a:fontRef>
-        </p:style>
-        <p:txBody>
-          <a:bodyPr rtlCol="0" anchor="ctr"/>
-          <a:lstStyle/>
-          <a:p>
-            <a:pPr algn="ctr"/>
-            <a:r>
-              <a:rPr lang="en-US" sz="1600" dirty="0"/>
-              <a:t>IoT Edge</a:t>
-            </a:r>
-          </a:p>
-        </p:txBody>
-      </p:sp>
-      <p:sp>
-        <p:nvSpPr>
-          <p:cNvPr id="107" name="Rectangle 106">
-            <a:extLst>
-              <a:ext uri="{FF2B5EF4-FFF2-40B4-BE49-F238E27FC236}">
-                <a16:creationId xmlns:a16="http://schemas.microsoft.com/office/drawing/2014/main" id="{201DFB50-7C74-1B41-BA01-786BC06204D5}"/>
-              </a:ext>
-            </a:extLst>
-          </p:cNvPr>
-          <p:cNvSpPr/>
-          <p:nvPr/>
-        </p:nvSpPr>
-        <p:spPr>
-          <a:xfrm>
-            <a:off x="11307010" y="5300312"/>
-            <a:ext cx="680720" cy="599440"/>
-          </a:xfrm>
-          <a:prstGeom prst="rect">
-            <a:avLst/>
-          </a:prstGeom>
-        </p:spPr>
-        <p:style>
-          <a:lnRef idx="2">
-            <a:schemeClr val="accent1">
-              <a:shade val="50000"/>
-            </a:schemeClr>
-          </a:lnRef>
-          <a:fillRef idx="1">
-            <a:schemeClr val="accent1"/>
-          </a:fillRef>
-          <a:effectRef idx="0">
-            <a:schemeClr val="accent1"/>
-          </a:effectRef>
-          <a:fontRef idx="minor">
-            <a:schemeClr val="lt1"/>
-          </a:fontRef>
-        </p:style>
-        <p:txBody>
-          <a:bodyPr rtlCol="0" anchor="ctr"/>
-          <a:lstStyle/>
-          <a:p>
-            <a:pPr algn="ctr"/>
-            <a:r>
-              <a:rPr lang="en-US" sz="1600" dirty="0"/>
-              <a:t>IoT Edge</a:t>
-            </a:r>
-          </a:p>
-        </p:txBody>
-      </p:sp>
-      <p:sp>
-        <p:nvSpPr>
-          <p:cNvPr id="109" name="Rectangle 108">
-            <a:extLst>
-              <a:ext uri="{FF2B5EF4-FFF2-40B4-BE49-F238E27FC236}">
-                <a16:creationId xmlns:a16="http://schemas.microsoft.com/office/drawing/2014/main" id="{5018B8F3-6451-9549-9B15-1367395ECD32}"/>
-              </a:ext>
-            </a:extLst>
-          </p:cNvPr>
-          <p:cNvSpPr/>
-          <p:nvPr/>
-        </p:nvSpPr>
-        <p:spPr>
-          <a:xfrm>
-            <a:off x="11185090" y="403192"/>
-            <a:ext cx="680720" cy="599440"/>
-          </a:xfrm>
-          <a:prstGeom prst="rect">
-            <a:avLst/>
-          </a:prstGeom>
-        </p:spPr>
-        <p:style>
-          <a:lnRef idx="2">
-            <a:schemeClr val="accent1">
-              <a:shade val="50000"/>
-            </a:schemeClr>
-          </a:lnRef>
-          <a:fillRef idx="1">
-            <a:schemeClr val="accent1"/>
-          </a:fillRef>
-          <a:effectRef idx="0">
-            <a:schemeClr val="accent1"/>
-          </a:effectRef>
-          <a:fontRef idx="minor">
-            <a:schemeClr val="lt1"/>
-          </a:fontRef>
-        </p:style>
-        <p:txBody>
-          <a:bodyPr rtlCol="0" anchor="ctr"/>
-          <a:lstStyle/>
-          <a:p>
-            <a:pPr algn="ctr"/>
-            <a:r>
-              <a:rPr lang="en-US" sz="1600" dirty="0"/>
-              <a:t>IoT Edge</a:t>
-            </a:r>
-          </a:p>
-        </p:txBody>
-      </p:sp>
-      <p:sp>
-        <p:nvSpPr>
-          <p:cNvPr id="111" name="Rectangle 110">
-            <a:extLst>
-              <a:ext uri="{FF2B5EF4-FFF2-40B4-BE49-F238E27FC236}">
-                <a16:creationId xmlns:a16="http://schemas.microsoft.com/office/drawing/2014/main" id="{5DAB6702-65C7-E246-A5CB-B69884DC9612}"/>
-              </a:ext>
-            </a:extLst>
-          </p:cNvPr>
-          <p:cNvSpPr/>
-          <p:nvPr/>
-        </p:nvSpPr>
-        <p:spPr>
-          <a:xfrm>
-            <a:off x="11185090" y="1114392"/>
-            <a:ext cx="680720" cy="599440"/>
-          </a:xfrm>
-          <a:prstGeom prst="rect">
-            <a:avLst/>
-          </a:prstGeom>
-        </p:spPr>
-        <p:style>
-          <a:lnRef idx="2">
-            <a:schemeClr val="accent1">
-              <a:shade val="50000"/>
-            </a:schemeClr>
-          </a:lnRef>
-          <a:fillRef idx="1">
-            <a:schemeClr val="accent1"/>
-          </a:fillRef>
-          <a:effectRef idx="0">
-            <a:schemeClr val="accent1"/>
-          </a:effectRef>
-          <a:fontRef idx="minor">
-            <a:schemeClr val="lt1"/>
-          </a:fontRef>
-        </p:style>
-        <p:txBody>
-          <a:bodyPr rtlCol="0" anchor="ctr"/>
-          <a:lstStyle/>
-          <a:p>
-            <a:pPr algn="ctr"/>
-            <a:r>
-              <a:rPr lang="en-US" sz="1600" dirty="0"/>
-              <a:t>IoT Edge</a:t>
-            </a:r>
-          </a:p>
-        </p:txBody>
-      </p:sp>
-      <p:sp>
-        <p:nvSpPr>
-          <p:cNvPr id="113" name="Rectangle 112">
-            <a:extLst>
-              <a:ext uri="{FF2B5EF4-FFF2-40B4-BE49-F238E27FC236}">
-                <a16:creationId xmlns:a16="http://schemas.microsoft.com/office/drawing/2014/main" id="{B82C29CB-9612-484F-8E22-79C23E34484E}"/>
-              </a:ext>
-            </a:extLst>
-          </p:cNvPr>
-          <p:cNvSpPr/>
-          <p:nvPr/>
-        </p:nvSpPr>
-        <p:spPr>
-          <a:xfrm>
-            <a:off x="11185090" y="1825592"/>
-            <a:ext cx="680720" cy="599440"/>
-          </a:xfrm>
-          <a:prstGeom prst="rect">
-            <a:avLst/>
-          </a:prstGeom>
-        </p:spPr>
-        <p:style>
-          <a:lnRef idx="2">
-            <a:schemeClr val="accent1">
-              <a:shade val="50000"/>
-            </a:schemeClr>
-          </a:lnRef>
-          <a:fillRef idx="1">
-            <a:schemeClr val="accent1"/>
-          </a:fillRef>
-          <a:effectRef idx="0">
-            <a:schemeClr val="accent1"/>
-          </a:effectRef>
-          <a:fontRef idx="minor">
-            <a:schemeClr val="lt1"/>
-          </a:fontRef>
-        </p:style>
-        <p:txBody>
-          <a:bodyPr rtlCol="0" anchor="ctr"/>
-          <a:lstStyle/>
-          <a:p>
-            <a:pPr algn="ctr"/>
-            <a:r>
-              <a:rPr lang="en-US" sz="1600" dirty="0"/>
-              <a:t>IoT Edge</a:t>
-            </a:r>
-          </a:p>
-        </p:txBody>
-      </p:sp>
-      <p:sp>
-        <p:nvSpPr>
-          <p:cNvPr id="115" name="Rectangle 114">
-            <a:extLst>
-              <a:ext uri="{FF2B5EF4-FFF2-40B4-BE49-F238E27FC236}">
-                <a16:creationId xmlns:a16="http://schemas.microsoft.com/office/drawing/2014/main" id="{16F6E4A6-6180-9245-A038-5F3D5807A140}"/>
-              </a:ext>
-            </a:extLst>
-          </p:cNvPr>
-          <p:cNvSpPr/>
-          <p:nvPr/>
-        </p:nvSpPr>
-        <p:spPr>
-          <a:xfrm>
-            <a:off x="11185090" y="2536792"/>
-            <a:ext cx="680720" cy="599440"/>
-          </a:xfrm>
-          <a:prstGeom prst="rect">
-            <a:avLst/>
-          </a:prstGeom>
-        </p:spPr>
-        <p:style>
-          <a:lnRef idx="2">
-            <a:schemeClr val="accent1">
-              <a:shade val="50000"/>
-            </a:schemeClr>
-          </a:lnRef>
-          <a:fillRef idx="1">
-            <a:schemeClr val="accent1"/>
-          </a:fillRef>
-          <a:effectRef idx="0">
-            <a:schemeClr val="accent1"/>
-          </a:effectRef>
-          <a:fontRef idx="minor">
-            <a:schemeClr val="lt1"/>
-          </a:fontRef>
-        </p:style>
-        <p:txBody>
-          <a:bodyPr rtlCol="0" anchor="ctr"/>
-          <a:lstStyle/>
-          <a:p>
-            <a:pPr algn="ctr"/>
-            <a:r>
-              <a:rPr lang="en-US" sz="1600" dirty="0"/>
-              <a:t>IoT Edge</a:t>
-            </a:r>
-          </a:p>
-        </p:txBody>
-      </p:sp>
-      <p:sp>
-        <p:nvSpPr>
-          <p:cNvPr id="117" name="Rectangle 116">
-            <a:extLst>
-              <a:ext uri="{FF2B5EF4-FFF2-40B4-BE49-F238E27FC236}">
-                <a16:creationId xmlns:a16="http://schemas.microsoft.com/office/drawing/2014/main" id="{4C2D4AAF-C601-304C-A9E3-CEA220AC0748}"/>
-              </a:ext>
-            </a:extLst>
-          </p:cNvPr>
-          <p:cNvSpPr/>
-          <p:nvPr/>
-        </p:nvSpPr>
-        <p:spPr>
-          <a:xfrm>
-            <a:off x="11185090" y="3247992"/>
-            <a:ext cx="680720" cy="599440"/>
-          </a:xfrm>
-          <a:prstGeom prst="rect">
-            <a:avLst/>
-          </a:prstGeom>
-        </p:spPr>
-        <p:style>
-          <a:lnRef idx="2">
-            <a:schemeClr val="accent1">
-              <a:shade val="50000"/>
-            </a:schemeClr>
-          </a:lnRef>
-          <a:fillRef idx="1">
-            <a:schemeClr val="accent1"/>
-          </a:fillRef>
-          <a:effectRef idx="0">
-            <a:schemeClr val="accent1"/>
-          </a:effectRef>
-          <a:fontRef idx="minor">
-            <a:schemeClr val="lt1"/>
-          </a:fontRef>
-        </p:style>
-        <p:txBody>
-          <a:bodyPr rtlCol="0" anchor="ctr"/>
-          <a:lstStyle/>
-          <a:p>
-            <a:pPr algn="ctr"/>
-            <a:r>
-              <a:rPr lang="en-US" sz="1600" dirty="0"/>
-              <a:t>IoT Edge</a:t>
-            </a:r>
-          </a:p>
-        </p:txBody>
-      </p:sp>
-      <p:sp>
-        <p:nvSpPr>
-          <p:cNvPr id="119" name="Rectangle 118">
-            <a:extLst>
-              <a:ext uri="{FF2B5EF4-FFF2-40B4-BE49-F238E27FC236}">
-                <a16:creationId xmlns:a16="http://schemas.microsoft.com/office/drawing/2014/main" id="{76F31A4A-2166-FB44-8B0B-3909CC66A3BE}"/>
-              </a:ext>
-            </a:extLst>
-          </p:cNvPr>
-          <p:cNvSpPr/>
-          <p:nvPr/>
-        </p:nvSpPr>
-        <p:spPr>
-          <a:xfrm>
-            <a:off x="11185090" y="3959192"/>
-            <a:ext cx="680720" cy="599440"/>
-          </a:xfrm>
-          <a:prstGeom prst="rect">
-            <a:avLst/>
-          </a:prstGeom>
-        </p:spPr>
-        <p:style>
-          <a:lnRef idx="2">
-            <a:schemeClr val="accent1">
-              <a:shade val="50000"/>
-            </a:schemeClr>
-          </a:lnRef>
-          <a:fillRef idx="1">
-            <a:schemeClr val="accent1"/>
-          </a:fillRef>
-          <a:effectRef idx="0">
-            <a:schemeClr val="accent1"/>
-          </a:effectRef>
-          <a:fontRef idx="minor">
-            <a:schemeClr val="lt1"/>
-          </a:fontRef>
-        </p:style>
-        <p:txBody>
-          <a:bodyPr rtlCol="0" anchor="ctr"/>
-          <a:lstStyle/>
-          <a:p>
-            <a:pPr algn="ctr"/>
-            <a:r>
-              <a:rPr lang="en-US" sz="1600" dirty="0"/>
-              <a:t>IoT Edge</a:t>
-            </a:r>
-          </a:p>
-        </p:txBody>
-      </p:sp>
-      <p:sp>
-        <p:nvSpPr>
-          <p:cNvPr id="121" name="Rectangle 120">
-            <a:extLst>
-              <a:ext uri="{FF2B5EF4-FFF2-40B4-BE49-F238E27FC236}">
-                <a16:creationId xmlns:a16="http://schemas.microsoft.com/office/drawing/2014/main" id="{E5673690-D500-A149-8489-8DF49F35260A}"/>
-              </a:ext>
-            </a:extLst>
-          </p:cNvPr>
-          <p:cNvSpPr/>
-          <p:nvPr/>
-        </p:nvSpPr>
-        <p:spPr>
-          <a:xfrm>
-            <a:off x="11185090" y="4670392"/>
-            <a:ext cx="680720" cy="599440"/>
-          </a:xfrm>
-          <a:prstGeom prst="rect">
-            <a:avLst/>
-          </a:prstGeom>
-        </p:spPr>
-        <p:style>
-          <a:lnRef idx="2">
-            <a:schemeClr val="accent1">
-              <a:shade val="50000"/>
-            </a:schemeClr>
-          </a:lnRef>
-          <a:fillRef idx="1">
-            <a:schemeClr val="accent1"/>
-          </a:fillRef>
-          <a:effectRef idx="0">
-            <a:schemeClr val="accent1"/>
-          </a:effectRef>
-          <a:fontRef idx="minor">
-            <a:schemeClr val="lt1"/>
-          </a:fontRef>
-        </p:style>
-        <p:txBody>
-          <a:bodyPr rtlCol="0" anchor="ctr"/>
-          <a:lstStyle/>
-          <a:p>
-            <a:pPr algn="ctr"/>
-            <a:r>
-              <a:rPr lang="en-US" sz="1600" dirty="0"/>
-              <a:t>IoT Edge</a:t>
-            </a:r>
-          </a:p>
-        </p:txBody>
-      </p:sp>
-      <p:sp>
-        <p:nvSpPr>
-          <p:cNvPr id="123" name="Rectangle 122">
-            <a:extLst>
-              <a:ext uri="{FF2B5EF4-FFF2-40B4-BE49-F238E27FC236}">
-                <a16:creationId xmlns:a16="http://schemas.microsoft.com/office/drawing/2014/main" id="{DAEEA99F-122C-654F-BF87-5EB803EBBCAA}"/>
-              </a:ext>
-            </a:extLst>
-          </p:cNvPr>
-          <p:cNvSpPr/>
-          <p:nvPr/>
-        </p:nvSpPr>
-        <p:spPr>
-          <a:xfrm>
-            <a:off x="11185090" y="5381592"/>
-            <a:ext cx="680720" cy="599440"/>
-          </a:xfrm>
-          <a:prstGeom prst="rect">
-            <a:avLst/>
-          </a:prstGeom>
-        </p:spPr>
-        <p:style>
-          <a:lnRef idx="2">
-            <a:schemeClr val="accent1">
-              <a:shade val="50000"/>
-            </a:schemeClr>
-          </a:lnRef>
-          <a:fillRef idx="1">
-            <a:schemeClr val="accent1"/>
-          </a:fillRef>
-          <a:effectRef idx="0">
-            <a:schemeClr val="accent1"/>
-          </a:effectRef>
-          <a:fontRef idx="minor">
-            <a:schemeClr val="lt1"/>
-          </a:fontRef>
-        </p:style>
-        <p:txBody>
-          <a:bodyPr rtlCol="0" anchor="ctr"/>
-          <a:lstStyle/>
-          <a:p>
-            <a:pPr algn="ctr"/>
-            <a:r>
-              <a:rPr lang="en-US" sz="1600" dirty="0"/>
-              <a:t>IoT Edge</a:t>
-            </a:r>
-          </a:p>
-        </p:txBody>
-      </p:sp>
-      <p:sp>
-        <p:nvSpPr>
-          <p:cNvPr id="77" name="Rectangle 76">
-            <a:extLst>
-              <a:ext uri="{FF2B5EF4-FFF2-40B4-BE49-F238E27FC236}">
-                <a16:creationId xmlns:a16="http://schemas.microsoft.com/office/drawing/2014/main" id="{F3902ED4-0DDB-C449-992E-CDFC4DFFBE5F}"/>
-              </a:ext>
-            </a:extLst>
-          </p:cNvPr>
-          <p:cNvSpPr/>
-          <p:nvPr/>
-        </p:nvSpPr>
-        <p:spPr>
-          <a:xfrm>
-            <a:off x="11083490" y="474312"/>
-            <a:ext cx="680720" cy="599440"/>
-          </a:xfrm>
-          <a:prstGeom prst="rect">
-            <a:avLst/>
-          </a:prstGeom>
-        </p:spPr>
-        <p:style>
-          <a:lnRef idx="2">
-            <a:schemeClr val="accent1">
-              <a:shade val="50000"/>
-            </a:schemeClr>
-          </a:lnRef>
-          <a:fillRef idx="1">
-            <a:schemeClr val="accent1"/>
-          </a:fillRef>
-          <a:effectRef idx="0">
-            <a:schemeClr val="accent1"/>
-          </a:effectRef>
-          <a:fontRef idx="minor">
-            <a:schemeClr val="lt1"/>
-          </a:fontRef>
-        </p:style>
-        <p:txBody>
-          <a:bodyPr rtlCol="0" anchor="ctr"/>
-          <a:lstStyle/>
-          <a:p>
-            <a:pPr algn="ctr"/>
-            <a:r>
-              <a:rPr lang="en-US" sz="1600" dirty="0"/>
-              <a:t>IoT Edge</a:t>
-            </a:r>
-          </a:p>
-        </p:txBody>
-      </p:sp>
-      <p:sp>
-        <p:nvSpPr>
-          <p:cNvPr id="79" name="Rectangle 78">
-            <a:extLst>
-              <a:ext uri="{FF2B5EF4-FFF2-40B4-BE49-F238E27FC236}">
-                <a16:creationId xmlns:a16="http://schemas.microsoft.com/office/drawing/2014/main" id="{33CA430F-B6A6-7E4E-8FD9-44FF9AD49378}"/>
-              </a:ext>
-            </a:extLst>
-          </p:cNvPr>
-          <p:cNvSpPr/>
-          <p:nvPr/>
-        </p:nvSpPr>
-        <p:spPr>
-          <a:xfrm>
-            <a:off x="11083490" y="1185512"/>
-            <a:ext cx="680720" cy="599440"/>
-          </a:xfrm>
-          <a:prstGeom prst="rect">
-            <a:avLst/>
-          </a:prstGeom>
-        </p:spPr>
-        <p:style>
-          <a:lnRef idx="2">
-            <a:schemeClr val="accent1">
-              <a:shade val="50000"/>
-            </a:schemeClr>
-          </a:lnRef>
-          <a:fillRef idx="1">
-            <a:schemeClr val="accent1"/>
-          </a:fillRef>
-          <a:effectRef idx="0">
-            <a:schemeClr val="accent1"/>
-          </a:effectRef>
-          <a:fontRef idx="minor">
-            <a:schemeClr val="lt1"/>
-          </a:fontRef>
-        </p:style>
-        <p:txBody>
-          <a:bodyPr rtlCol="0" anchor="ctr"/>
-          <a:lstStyle/>
-          <a:p>
-            <a:pPr algn="ctr"/>
-            <a:r>
-              <a:rPr lang="en-US" sz="1600" dirty="0"/>
-              <a:t>IoT Edge</a:t>
-            </a:r>
-          </a:p>
-        </p:txBody>
-      </p:sp>
-      <p:sp>
-        <p:nvSpPr>
-          <p:cNvPr id="81" name="Rectangle 80">
-            <a:extLst>
-              <a:ext uri="{FF2B5EF4-FFF2-40B4-BE49-F238E27FC236}">
-                <a16:creationId xmlns:a16="http://schemas.microsoft.com/office/drawing/2014/main" id="{CAD3BDE0-1F4F-D741-B9FC-D2D4341D717B}"/>
-              </a:ext>
-            </a:extLst>
-          </p:cNvPr>
-          <p:cNvSpPr/>
-          <p:nvPr/>
-        </p:nvSpPr>
-        <p:spPr>
-          <a:xfrm>
-            <a:off x="11083490" y="1896712"/>
-            <a:ext cx="680720" cy="599440"/>
-          </a:xfrm>
-          <a:prstGeom prst="rect">
-            <a:avLst/>
-          </a:prstGeom>
-        </p:spPr>
-        <p:style>
-          <a:lnRef idx="2">
-            <a:schemeClr val="accent1">
-              <a:shade val="50000"/>
-            </a:schemeClr>
-          </a:lnRef>
-          <a:fillRef idx="1">
-            <a:schemeClr val="accent1"/>
-          </a:fillRef>
-          <a:effectRef idx="0">
-            <a:schemeClr val="accent1"/>
-          </a:effectRef>
-          <a:fontRef idx="minor">
-            <a:schemeClr val="lt1"/>
-          </a:fontRef>
-        </p:style>
-        <p:txBody>
-          <a:bodyPr rtlCol="0" anchor="ctr"/>
-          <a:lstStyle/>
-          <a:p>
-            <a:pPr algn="ctr"/>
-            <a:r>
-              <a:rPr lang="en-US" sz="1600" dirty="0"/>
-              <a:t>IoT Edge</a:t>
-            </a:r>
-          </a:p>
-        </p:txBody>
-      </p:sp>
-      <p:sp>
-        <p:nvSpPr>
-          <p:cNvPr id="83" name="Rectangle 82">
-            <a:extLst>
-              <a:ext uri="{FF2B5EF4-FFF2-40B4-BE49-F238E27FC236}">
-                <a16:creationId xmlns:a16="http://schemas.microsoft.com/office/drawing/2014/main" id="{E4DBE1D8-E2D5-F443-A260-94840F4D07BB}"/>
-              </a:ext>
-            </a:extLst>
-          </p:cNvPr>
-          <p:cNvSpPr/>
-          <p:nvPr/>
-        </p:nvSpPr>
-        <p:spPr>
-          <a:xfrm>
-            <a:off x="11083490" y="2607912"/>
-            <a:ext cx="680720" cy="599440"/>
-          </a:xfrm>
-          <a:prstGeom prst="rect">
-            <a:avLst/>
-          </a:prstGeom>
-        </p:spPr>
-        <p:style>
-          <a:lnRef idx="2">
-            <a:schemeClr val="accent1">
-              <a:shade val="50000"/>
-            </a:schemeClr>
-          </a:lnRef>
-          <a:fillRef idx="1">
-            <a:schemeClr val="accent1"/>
-          </a:fillRef>
-          <a:effectRef idx="0">
-            <a:schemeClr val="accent1"/>
-          </a:effectRef>
-          <a:fontRef idx="minor">
-            <a:schemeClr val="lt1"/>
-          </a:fontRef>
-        </p:style>
-        <p:txBody>
-          <a:bodyPr rtlCol="0" anchor="ctr"/>
-          <a:lstStyle/>
-          <a:p>
-            <a:pPr algn="ctr"/>
-            <a:r>
-              <a:rPr lang="en-US" sz="1600" dirty="0"/>
-              <a:t>IoT Edge</a:t>
-            </a:r>
-          </a:p>
-        </p:txBody>
-      </p:sp>
-      <p:sp>
-        <p:nvSpPr>
-          <p:cNvPr id="85" name="Rectangle 84">
-            <a:extLst>
-              <a:ext uri="{FF2B5EF4-FFF2-40B4-BE49-F238E27FC236}">
-                <a16:creationId xmlns:a16="http://schemas.microsoft.com/office/drawing/2014/main" id="{C9C730E7-88E3-F041-AD57-D664167DA5A6}"/>
-              </a:ext>
-            </a:extLst>
-          </p:cNvPr>
-          <p:cNvSpPr/>
-          <p:nvPr/>
-        </p:nvSpPr>
-        <p:spPr>
-          <a:xfrm>
-            <a:off x="11083490" y="3319112"/>
-            <a:ext cx="680720" cy="599440"/>
-          </a:xfrm>
-          <a:prstGeom prst="rect">
-            <a:avLst/>
-          </a:prstGeom>
-        </p:spPr>
-        <p:style>
-          <a:lnRef idx="2">
-            <a:schemeClr val="accent1">
-              <a:shade val="50000"/>
-            </a:schemeClr>
-          </a:lnRef>
-          <a:fillRef idx="1">
-            <a:schemeClr val="accent1"/>
-          </a:fillRef>
-          <a:effectRef idx="0">
-            <a:schemeClr val="accent1"/>
-          </a:effectRef>
-          <a:fontRef idx="minor">
-            <a:schemeClr val="lt1"/>
-          </a:fontRef>
-        </p:style>
-        <p:txBody>
-          <a:bodyPr rtlCol="0" anchor="ctr"/>
-          <a:lstStyle/>
-          <a:p>
-            <a:pPr algn="ctr"/>
-            <a:r>
-              <a:rPr lang="en-US" sz="1600" dirty="0"/>
-              <a:t>IoT Edge</a:t>
-            </a:r>
-          </a:p>
-        </p:txBody>
-      </p:sp>
-      <p:sp>
-        <p:nvSpPr>
-          <p:cNvPr id="87" name="Rectangle 86">
-            <a:extLst>
-              <a:ext uri="{FF2B5EF4-FFF2-40B4-BE49-F238E27FC236}">
-                <a16:creationId xmlns:a16="http://schemas.microsoft.com/office/drawing/2014/main" id="{1F0082C1-BA64-0F47-A55F-BB565D5F45D2}"/>
-              </a:ext>
-            </a:extLst>
-          </p:cNvPr>
-          <p:cNvSpPr/>
-          <p:nvPr/>
-        </p:nvSpPr>
-        <p:spPr>
-          <a:xfrm>
-            <a:off x="11083490" y="4030312"/>
-            <a:ext cx="680720" cy="599440"/>
-          </a:xfrm>
-          <a:prstGeom prst="rect">
-            <a:avLst/>
-          </a:prstGeom>
-        </p:spPr>
-        <p:style>
-          <a:lnRef idx="2">
-            <a:schemeClr val="accent1">
-              <a:shade val="50000"/>
-            </a:schemeClr>
-          </a:lnRef>
-          <a:fillRef idx="1">
-            <a:schemeClr val="accent1"/>
-          </a:fillRef>
-          <a:effectRef idx="0">
-            <a:schemeClr val="accent1"/>
-          </a:effectRef>
-          <a:fontRef idx="minor">
-            <a:schemeClr val="lt1"/>
-          </a:fontRef>
-        </p:style>
-        <p:txBody>
-          <a:bodyPr rtlCol="0" anchor="ctr"/>
-          <a:lstStyle/>
-          <a:p>
-            <a:pPr algn="ctr"/>
-            <a:r>
-              <a:rPr lang="en-US" sz="1600" dirty="0"/>
-              <a:t>IoT Edge</a:t>
-            </a:r>
-          </a:p>
-        </p:txBody>
-      </p:sp>
-      <p:sp>
-        <p:nvSpPr>
-          <p:cNvPr id="89" name="Rectangle 88">
-            <a:extLst>
-              <a:ext uri="{FF2B5EF4-FFF2-40B4-BE49-F238E27FC236}">
-                <a16:creationId xmlns:a16="http://schemas.microsoft.com/office/drawing/2014/main" id="{34D60A83-0423-CB44-99DB-CB2F81C49CA4}"/>
-              </a:ext>
-            </a:extLst>
-          </p:cNvPr>
-          <p:cNvSpPr/>
-          <p:nvPr/>
-        </p:nvSpPr>
-        <p:spPr>
-          <a:xfrm>
-            <a:off x="11083490" y="4741512"/>
-            <a:ext cx="680720" cy="599440"/>
-          </a:xfrm>
-          <a:prstGeom prst="rect">
-            <a:avLst/>
-          </a:prstGeom>
-        </p:spPr>
-        <p:style>
-          <a:lnRef idx="2">
-            <a:schemeClr val="accent1">
-              <a:shade val="50000"/>
-            </a:schemeClr>
-          </a:lnRef>
-          <a:fillRef idx="1">
-            <a:schemeClr val="accent1"/>
-          </a:fillRef>
-          <a:effectRef idx="0">
-            <a:schemeClr val="accent1"/>
-          </a:effectRef>
-          <a:fontRef idx="minor">
-            <a:schemeClr val="lt1"/>
-          </a:fontRef>
-        </p:style>
-        <p:txBody>
-          <a:bodyPr rtlCol="0" anchor="ctr"/>
-          <a:lstStyle/>
-          <a:p>
-            <a:pPr algn="ctr"/>
-            <a:r>
-              <a:rPr lang="en-US" sz="1600" dirty="0"/>
-              <a:t>IoT Edge</a:t>
-            </a:r>
-          </a:p>
-        </p:txBody>
-      </p:sp>
-      <p:sp>
-        <p:nvSpPr>
-          <p:cNvPr id="91" name="Rectangle 90">
-            <a:extLst>
-              <a:ext uri="{FF2B5EF4-FFF2-40B4-BE49-F238E27FC236}">
-                <a16:creationId xmlns:a16="http://schemas.microsoft.com/office/drawing/2014/main" id="{2D979820-04C5-7A4D-8B00-AE51DC1785C2}"/>
-              </a:ext>
-            </a:extLst>
-          </p:cNvPr>
-          <p:cNvSpPr/>
-          <p:nvPr/>
-        </p:nvSpPr>
-        <p:spPr>
-          <a:xfrm>
-            <a:off x="11083490" y="5452712"/>
-            <a:ext cx="680720" cy="599440"/>
-          </a:xfrm>
-          <a:prstGeom prst="rect">
-            <a:avLst/>
-          </a:prstGeom>
-        </p:spPr>
-        <p:style>
-          <a:lnRef idx="2">
-            <a:schemeClr val="accent1">
-              <a:shade val="50000"/>
-            </a:schemeClr>
-          </a:lnRef>
-          <a:fillRef idx="1">
-            <a:schemeClr val="accent1"/>
-          </a:fillRef>
-          <a:effectRef idx="0">
-            <a:schemeClr val="accent1"/>
-          </a:effectRef>
-          <a:fontRef idx="minor">
-            <a:schemeClr val="lt1"/>
-          </a:fontRef>
-        </p:style>
-        <p:txBody>
-          <a:bodyPr rtlCol="0" anchor="ctr"/>
-          <a:lstStyle/>
-          <a:p>
-            <a:pPr algn="ctr"/>
-            <a:r>
-              <a:rPr lang="en-US" sz="1600" dirty="0"/>
-              <a:t>IoT Edge</a:t>
-            </a:r>
-          </a:p>
-        </p:txBody>
-      </p:sp>
-      <p:sp>
-        <p:nvSpPr>
-          <p:cNvPr id="61" name="Rectangle 60">
-            <a:extLst>
-              <a:ext uri="{FF2B5EF4-FFF2-40B4-BE49-F238E27FC236}">
-                <a16:creationId xmlns:a16="http://schemas.microsoft.com/office/drawing/2014/main" id="{305B18DB-2FB1-244E-9A56-DD75DE21B689}"/>
-              </a:ext>
-            </a:extLst>
-          </p:cNvPr>
-          <p:cNvSpPr/>
-          <p:nvPr/>
-        </p:nvSpPr>
-        <p:spPr>
-          <a:xfrm>
-            <a:off x="10961570" y="555592"/>
-            <a:ext cx="680720" cy="599440"/>
-          </a:xfrm>
-          <a:prstGeom prst="rect">
-            <a:avLst/>
-          </a:prstGeom>
-        </p:spPr>
-        <p:style>
-          <a:lnRef idx="2">
-            <a:schemeClr val="accent1">
-              <a:shade val="50000"/>
-            </a:schemeClr>
-          </a:lnRef>
-          <a:fillRef idx="1">
-            <a:schemeClr val="accent1"/>
-          </a:fillRef>
-          <a:effectRef idx="0">
-            <a:schemeClr val="accent1"/>
-          </a:effectRef>
-          <a:fontRef idx="minor">
-            <a:schemeClr val="lt1"/>
-          </a:fontRef>
-        </p:style>
-        <p:txBody>
-          <a:bodyPr rtlCol="0" anchor="ctr"/>
-          <a:lstStyle/>
-          <a:p>
-            <a:pPr algn="ctr"/>
-            <a:r>
-              <a:rPr lang="en-US" sz="1600" dirty="0"/>
-              <a:t>IoT Edge</a:t>
-            </a:r>
-          </a:p>
-        </p:txBody>
-      </p:sp>
-      <p:sp>
-        <p:nvSpPr>
-          <p:cNvPr id="63" name="Rectangle 62">
-            <a:extLst>
-              <a:ext uri="{FF2B5EF4-FFF2-40B4-BE49-F238E27FC236}">
-                <a16:creationId xmlns:a16="http://schemas.microsoft.com/office/drawing/2014/main" id="{EB380842-82E0-1F4E-BC08-CCCE09BF1C60}"/>
-              </a:ext>
-            </a:extLst>
-          </p:cNvPr>
-          <p:cNvSpPr/>
-          <p:nvPr/>
-        </p:nvSpPr>
-        <p:spPr>
-          <a:xfrm>
-            <a:off x="10961570" y="1266792"/>
-            <a:ext cx="680720" cy="599440"/>
-          </a:xfrm>
-          <a:prstGeom prst="rect">
-            <a:avLst/>
-          </a:prstGeom>
-        </p:spPr>
-        <p:style>
-          <a:lnRef idx="2">
-            <a:schemeClr val="accent1">
-              <a:shade val="50000"/>
-            </a:schemeClr>
-          </a:lnRef>
-          <a:fillRef idx="1">
-            <a:schemeClr val="accent1"/>
-          </a:fillRef>
-          <a:effectRef idx="0">
-            <a:schemeClr val="accent1"/>
-          </a:effectRef>
-          <a:fontRef idx="minor">
-            <a:schemeClr val="lt1"/>
-          </a:fontRef>
-        </p:style>
-        <p:txBody>
-          <a:bodyPr rtlCol="0" anchor="ctr"/>
-          <a:lstStyle/>
-          <a:p>
-            <a:pPr algn="ctr"/>
-            <a:r>
-              <a:rPr lang="en-US" sz="1600" dirty="0"/>
-              <a:t>IoT Edge</a:t>
-            </a:r>
-          </a:p>
-        </p:txBody>
-      </p:sp>
-      <p:sp>
-        <p:nvSpPr>
-          <p:cNvPr id="65" name="Rectangle 64">
-            <a:extLst>
-              <a:ext uri="{FF2B5EF4-FFF2-40B4-BE49-F238E27FC236}">
-                <a16:creationId xmlns:a16="http://schemas.microsoft.com/office/drawing/2014/main" id="{FB637E01-1C13-E445-B7CE-B7E6619A6553}"/>
-              </a:ext>
-            </a:extLst>
-          </p:cNvPr>
-          <p:cNvSpPr/>
-          <p:nvPr/>
-        </p:nvSpPr>
-        <p:spPr>
-          <a:xfrm>
-            <a:off x="10961570" y="1977992"/>
-            <a:ext cx="680720" cy="599440"/>
-          </a:xfrm>
-          <a:prstGeom prst="rect">
-            <a:avLst/>
-          </a:prstGeom>
-        </p:spPr>
-        <p:style>
-          <a:lnRef idx="2">
-            <a:schemeClr val="accent1">
-              <a:shade val="50000"/>
-            </a:schemeClr>
-          </a:lnRef>
-          <a:fillRef idx="1">
-            <a:schemeClr val="accent1"/>
-          </a:fillRef>
-          <a:effectRef idx="0">
-            <a:schemeClr val="accent1"/>
-          </a:effectRef>
-          <a:fontRef idx="minor">
-            <a:schemeClr val="lt1"/>
-          </a:fontRef>
-        </p:style>
-        <p:txBody>
-          <a:bodyPr rtlCol="0" anchor="ctr"/>
-          <a:lstStyle/>
-          <a:p>
-            <a:pPr algn="ctr"/>
-            <a:r>
-              <a:rPr lang="en-US" sz="1600" dirty="0"/>
-              <a:t>IoT Edge</a:t>
-            </a:r>
-          </a:p>
-        </p:txBody>
-      </p:sp>
-      <p:sp>
-        <p:nvSpPr>
-          <p:cNvPr id="67" name="Rectangle 66">
-            <a:extLst>
-              <a:ext uri="{FF2B5EF4-FFF2-40B4-BE49-F238E27FC236}">
-                <a16:creationId xmlns:a16="http://schemas.microsoft.com/office/drawing/2014/main" id="{7D1C7256-831D-7F4D-86B3-6F83F4E360B7}"/>
-              </a:ext>
-            </a:extLst>
-          </p:cNvPr>
-          <p:cNvSpPr/>
-          <p:nvPr/>
-        </p:nvSpPr>
-        <p:spPr>
-          <a:xfrm>
-            <a:off x="10961570" y="2689192"/>
-            <a:ext cx="680720" cy="599440"/>
-          </a:xfrm>
-          <a:prstGeom prst="rect">
-            <a:avLst/>
-          </a:prstGeom>
-        </p:spPr>
-        <p:style>
-          <a:lnRef idx="2">
-            <a:schemeClr val="accent1">
-              <a:shade val="50000"/>
-            </a:schemeClr>
-          </a:lnRef>
-          <a:fillRef idx="1">
-            <a:schemeClr val="accent1"/>
-          </a:fillRef>
-          <a:effectRef idx="0">
-            <a:schemeClr val="accent1"/>
-          </a:effectRef>
-          <a:fontRef idx="minor">
-            <a:schemeClr val="lt1"/>
-          </a:fontRef>
-        </p:style>
-        <p:txBody>
-          <a:bodyPr rtlCol="0" anchor="ctr"/>
-          <a:lstStyle/>
-          <a:p>
-            <a:pPr algn="ctr"/>
-            <a:r>
-              <a:rPr lang="en-US" sz="1600" dirty="0"/>
-              <a:t>IoT Edge</a:t>
-            </a:r>
-          </a:p>
-        </p:txBody>
-      </p:sp>
-      <p:sp>
-        <p:nvSpPr>
-          <p:cNvPr id="69" name="Rectangle 68">
-            <a:extLst>
-              <a:ext uri="{FF2B5EF4-FFF2-40B4-BE49-F238E27FC236}">
-                <a16:creationId xmlns:a16="http://schemas.microsoft.com/office/drawing/2014/main" id="{DB1751C0-A5EA-C641-95C2-3189FD1AD15D}"/>
-              </a:ext>
-            </a:extLst>
-          </p:cNvPr>
-          <p:cNvSpPr/>
-          <p:nvPr/>
-        </p:nvSpPr>
-        <p:spPr>
-          <a:xfrm>
-            <a:off x="10961570" y="3400392"/>
-            <a:ext cx="680720" cy="599440"/>
-          </a:xfrm>
-          <a:prstGeom prst="rect">
-            <a:avLst/>
-          </a:prstGeom>
-        </p:spPr>
-        <p:style>
-          <a:lnRef idx="2">
-            <a:schemeClr val="accent1">
-              <a:shade val="50000"/>
-            </a:schemeClr>
-          </a:lnRef>
-          <a:fillRef idx="1">
-            <a:schemeClr val="accent1"/>
-          </a:fillRef>
-          <a:effectRef idx="0">
-            <a:schemeClr val="accent1"/>
-          </a:effectRef>
-          <a:fontRef idx="minor">
-            <a:schemeClr val="lt1"/>
-          </a:fontRef>
-        </p:style>
-        <p:txBody>
-          <a:bodyPr rtlCol="0" anchor="ctr"/>
-          <a:lstStyle/>
-          <a:p>
-            <a:pPr algn="ctr"/>
-            <a:r>
-              <a:rPr lang="en-US" sz="1600" dirty="0"/>
-              <a:t>IoT Edge</a:t>
-            </a:r>
-          </a:p>
-        </p:txBody>
-      </p:sp>
-      <p:sp>
-        <p:nvSpPr>
-          <p:cNvPr id="71" name="Rectangle 70">
-            <a:extLst>
-              <a:ext uri="{FF2B5EF4-FFF2-40B4-BE49-F238E27FC236}">
-                <a16:creationId xmlns:a16="http://schemas.microsoft.com/office/drawing/2014/main" id="{39271239-7EEC-9545-B055-10A15B8900FF}"/>
-              </a:ext>
-            </a:extLst>
-          </p:cNvPr>
-          <p:cNvSpPr/>
-          <p:nvPr/>
-        </p:nvSpPr>
-        <p:spPr>
-          <a:xfrm>
-            <a:off x="10961570" y="4111592"/>
-            <a:ext cx="680720" cy="599440"/>
-          </a:xfrm>
-          <a:prstGeom prst="rect">
-            <a:avLst/>
-          </a:prstGeom>
-        </p:spPr>
-        <p:style>
-          <a:lnRef idx="2">
-            <a:schemeClr val="accent1">
-              <a:shade val="50000"/>
-            </a:schemeClr>
-          </a:lnRef>
-          <a:fillRef idx="1">
-            <a:schemeClr val="accent1"/>
-          </a:fillRef>
-          <a:effectRef idx="0">
-            <a:schemeClr val="accent1"/>
-          </a:effectRef>
-          <a:fontRef idx="minor">
-            <a:schemeClr val="lt1"/>
-          </a:fontRef>
-        </p:style>
-        <p:txBody>
-          <a:bodyPr rtlCol="0" anchor="ctr"/>
-          <a:lstStyle/>
-          <a:p>
-            <a:pPr algn="ctr"/>
-            <a:r>
-              <a:rPr lang="en-US" sz="1600" dirty="0"/>
-              <a:t>IoT Edge</a:t>
-            </a:r>
-          </a:p>
-        </p:txBody>
-      </p:sp>
-      <p:sp>
-        <p:nvSpPr>
-          <p:cNvPr id="73" name="Rectangle 72">
-            <a:extLst>
-              <a:ext uri="{FF2B5EF4-FFF2-40B4-BE49-F238E27FC236}">
-                <a16:creationId xmlns:a16="http://schemas.microsoft.com/office/drawing/2014/main" id="{CB4215B9-3197-E44C-A5FE-068989F363CF}"/>
-              </a:ext>
-            </a:extLst>
-          </p:cNvPr>
-          <p:cNvSpPr/>
-          <p:nvPr/>
-        </p:nvSpPr>
-        <p:spPr>
-          <a:xfrm>
-            <a:off x="10961570" y="4822792"/>
-            <a:ext cx="680720" cy="599440"/>
-          </a:xfrm>
-          <a:prstGeom prst="rect">
-            <a:avLst/>
-          </a:prstGeom>
-        </p:spPr>
-        <p:style>
-          <a:lnRef idx="2">
-            <a:schemeClr val="accent1">
-              <a:shade val="50000"/>
-            </a:schemeClr>
-          </a:lnRef>
-          <a:fillRef idx="1">
-            <a:schemeClr val="accent1"/>
-          </a:fillRef>
-          <a:effectRef idx="0">
-            <a:schemeClr val="accent1"/>
-          </a:effectRef>
-          <a:fontRef idx="minor">
-            <a:schemeClr val="lt1"/>
-          </a:fontRef>
-        </p:style>
-        <p:txBody>
-          <a:bodyPr rtlCol="0" anchor="ctr"/>
-          <a:lstStyle/>
-          <a:p>
-            <a:pPr algn="ctr"/>
-            <a:r>
-              <a:rPr lang="en-US" sz="1600" dirty="0"/>
-              <a:t>IoT Edge</a:t>
-            </a:r>
-          </a:p>
-        </p:txBody>
-      </p:sp>
-      <p:sp>
-        <p:nvSpPr>
-          <p:cNvPr id="75" name="Rectangle 74">
-            <a:extLst>
-              <a:ext uri="{FF2B5EF4-FFF2-40B4-BE49-F238E27FC236}">
-                <a16:creationId xmlns:a16="http://schemas.microsoft.com/office/drawing/2014/main" id="{03A217A7-B5E1-244D-B61B-F594E5C6B7ED}"/>
-              </a:ext>
-            </a:extLst>
-          </p:cNvPr>
-          <p:cNvSpPr/>
-          <p:nvPr/>
-        </p:nvSpPr>
-        <p:spPr>
-          <a:xfrm>
-            <a:off x="10961570" y="5533992"/>
-            <a:ext cx="680720" cy="599440"/>
-          </a:xfrm>
-          <a:prstGeom prst="rect">
-            <a:avLst/>
-          </a:prstGeom>
-        </p:spPr>
-        <p:style>
-          <a:lnRef idx="2">
-            <a:schemeClr val="accent1">
-              <a:shade val="50000"/>
-            </a:schemeClr>
-          </a:lnRef>
-          <a:fillRef idx="1">
-            <a:schemeClr val="accent1"/>
-          </a:fillRef>
-          <a:effectRef idx="0">
-            <a:schemeClr val="accent1"/>
-          </a:effectRef>
-          <a:fontRef idx="minor">
-            <a:schemeClr val="lt1"/>
-          </a:fontRef>
-        </p:style>
-        <p:txBody>
-          <a:bodyPr rtlCol="0" anchor="ctr"/>
-          <a:lstStyle/>
-          <a:p>
-            <a:pPr algn="ctr"/>
-            <a:r>
-              <a:rPr lang="en-US" sz="1600" dirty="0"/>
-              <a:t>IoT Edge</a:t>
-            </a:r>
-          </a:p>
-        </p:txBody>
-      </p:sp>
-      <p:sp>
-        <p:nvSpPr>
-          <p:cNvPr id="4" name="Rectangle 3">
-            <a:extLst>
-              <a:ext uri="{FF2B5EF4-FFF2-40B4-BE49-F238E27FC236}">
-                <a16:creationId xmlns:a16="http://schemas.microsoft.com/office/drawing/2014/main" id="{77E41D8D-5577-764D-890A-065A28924813}"/>
-              </a:ext>
-            </a:extLst>
-          </p:cNvPr>
-          <p:cNvSpPr/>
-          <p:nvPr/>
-        </p:nvSpPr>
-        <p:spPr>
-          <a:xfrm>
-            <a:off x="3768290" y="3085432"/>
-            <a:ext cx="2103120" cy="965200"/>
-          </a:xfrm>
-          <a:prstGeom prst="rect">
-            <a:avLst/>
-          </a:prstGeom>
-        </p:spPr>
-        <p:style>
-          <a:lnRef idx="2">
-            <a:schemeClr val="accent1">
-              <a:shade val="50000"/>
-            </a:schemeClr>
-          </a:lnRef>
-          <a:fillRef idx="1">
-            <a:schemeClr val="accent1"/>
-          </a:fillRef>
-          <a:effectRef idx="0">
-            <a:schemeClr val="accent1"/>
-          </a:effectRef>
-          <a:fontRef idx="minor">
-            <a:schemeClr val="lt1"/>
-          </a:fontRef>
-        </p:style>
-        <p:txBody>
-          <a:bodyPr rtlCol="0" anchor="ctr"/>
-          <a:lstStyle/>
-          <a:p>
-            <a:pPr algn="ctr"/>
-            <a:r>
-              <a:rPr lang="en-US" dirty="0"/>
-              <a:t>Azure Functions</a:t>
-            </a:r>
-          </a:p>
-        </p:txBody>
-      </p:sp>
-      <p:sp>
-        <p:nvSpPr>
-          <p:cNvPr id="6" name="Rectangle 5">
-            <a:extLst>
-              <a:ext uri="{FF2B5EF4-FFF2-40B4-BE49-F238E27FC236}">
-                <a16:creationId xmlns:a16="http://schemas.microsoft.com/office/drawing/2014/main" id="{35898F89-4545-0942-B5FC-016164055E43}"/>
-              </a:ext>
-            </a:extLst>
-          </p:cNvPr>
-          <p:cNvSpPr/>
-          <p:nvPr/>
-        </p:nvSpPr>
-        <p:spPr>
-          <a:xfrm>
-            <a:off x="6511490" y="3085432"/>
-            <a:ext cx="2499360" cy="965200"/>
-          </a:xfrm>
-          <a:prstGeom prst="rect">
-            <a:avLst/>
-          </a:prstGeom>
-        </p:spPr>
-        <p:style>
-          <a:lnRef idx="2">
-            <a:schemeClr val="accent1">
-              <a:shade val="50000"/>
-            </a:schemeClr>
-          </a:lnRef>
-          <a:fillRef idx="1">
-            <a:schemeClr val="accent1"/>
-          </a:fillRef>
-          <a:effectRef idx="0">
-            <a:schemeClr val="accent1"/>
-          </a:effectRef>
-          <a:fontRef idx="minor">
-            <a:schemeClr val="lt1"/>
-          </a:fontRef>
-        </p:style>
-        <p:txBody>
-          <a:bodyPr rtlCol="0" anchor="ctr"/>
-          <a:lstStyle/>
-          <a:p>
-            <a:pPr algn="ctr"/>
-            <a:r>
-              <a:rPr lang="en-US" dirty="0"/>
+              <a:rPr lang="en-US" sz="1200" dirty="0">
+                <a:solidFill>
+                  <a:schemeClr val="tx1"/>
+                </a:solidFill>
+              </a:rPr>
               <a:t>Azure IoT Hub</a:t>
-            </a:r>
-          </a:p>
-        </p:txBody>
-      </p:sp>
-      <p:sp>
-        <p:nvSpPr>
-          <p:cNvPr id="8" name="Rectangle 7">
-            <a:extLst>
-              <a:ext uri="{FF2B5EF4-FFF2-40B4-BE49-F238E27FC236}">
-                <a16:creationId xmlns:a16="http://schemas.microsoft.com/office/drawing/2014/main" id="{FC85D7F1-3D7A-FA49-B1B5-DCE6A002D52C}"/>
-              </a:ext>
-            </a:extLst>
-          </p:cNvPr>
-          <p:cNvSpPr/>
-          <p:nvPr/>
-        </p:nvSpPr>
-        <p:spPr>
-          <a:xfrm>
-            <a:off x="10809170" y="616552"/>
-            <a:ext cx="680720" cy="599440"/>
-          </a:xfrm>
-          <a:prstGeom prst="rect">
-            <a:avLst/>
-          </a:prstGeom>
-        </p:spPr>
-        <p:style>
-          <a:lnRef idx="2">
-            <a:schemeClr val="accent1">
-              <a:shade val="50000"/>
-            </a:schemeClr>
-          </a:lnRef>
-          <a:fillRef idx="1">
-            <a:schemeClr val="accent1"/>
-          </a:fillRef>
-          <a:effectRef idx="0">
-            <a:schemeClr val="accent1"/>
-          </a:effectRef>
-          <a:fontRef idx="minor">
-            <a:schemeClr val="lt1"/>
-          </a:fontRef>
-        </p:style>
-        <p:txBody>
-          <a:bodyPr rtlCol="0" anchor="ctr"/>
-          <a:lstStyle/>
-          <a:p>
-            <a:pPr algn="ctr"/>
-            <a:r>
-              <a:rPr lang="en-US" sz="1600" dirty="0"/>
-              <a:t>IoT Edge</a:t>
-            </a:r>
-          </a:p>
-        </p:txBody>
-      </p:sp>
-      <p:sp>
-        <p:nvSpPr>
-          <p:cNvPr id="10" name="Rectangle 9">
-            <a:extLst>
-              <a:ext uri="{FF2B5EF4-FFF2-40B4-BE49-F238E27FC236}">
-                <a16:creationId xmlns:a16="http://schemas.microsoft.com/office/drawing/2014/main" id="{16A4B458-C891-F944-AD45-5535801187D0}"/>
-              </a:ext>
-            </a:extLst>
-          </p:cNvPr>
-          <p:cNvSpPr/>
-          <p:nvPr/>
-        </p:nvSpPr>
-        <p:spPr>
-          <a:xfrm>
-            <a:off x="10809170" y="1327752"/>
-            <a:ext cx="680720" cy="599440"/>
-          </a:xfrm>
-          <a:prstGeom prst="rect">
-            <a:avLst/>
-          </a:prstGeom>
-        </p:spPr>
-        <p:style>
-          <a:lnRef idx="2">
-            <a:schemeClr val="accent1">
-              <a:shade val="50000"/>
-            </a:schemeClr>
-          </a:lnRef>
-          <a:fillRef idx="1">
-            <a:schemeClr val="accent1"/>
-          </a:fillRef>
-          <a:effectRef idx="0">
-            <a:schemeClr val="accent1"/>
-          </a:effectRef>
-          <a:fontRef idx="minor">
-            <a:schemeClr val="lt1"/>
-          </a:fontRef>
-        </p:style>
-        <p:txBody>
-          <a:bodyPr rtlCol="0" anchor="ctr"/>
-          <a:lstStyle/>
-          <a:p>
-            <a:pPr algn="ctr"/>
-            <a:r>
-              <a:rPr lang="en-US" sz="1600" dirty="0"/>
-              <a:t>IoT Edge</a:t>
-            </a:r>
-          </a:p>
-        </p:txBody>
-      </p:sp>
-      <p:sp>
-        <p:nvSpPr>
-          <p:cNvPr id="12" name="Rectangle 11">
-            <a:extLst>
-              <a:ext uri="{FF2B5EF4-FFF2-40B4-BE49-F238E27FC236}">
-                <a16:creationId xmlns:a16="http://schemas.microsoft.com/office/drawing/2014/main" id="{9A1AB10F-38AA-7544-AC3A-B87E3345B84C}"/>
-              </a:ext>
-            </a:extLst>
-          </p:cNvPr>
-          <p:cNvSpPr/>
-          <p:nvPr/>
-        </p:nvSpPr>
-        <p:spPr>
-          <a:xfrm>
-            <a:off x="10809170" y="2038952"/>
-            <a:ext cx="680720" cy="599440"/>
-          </a:xfrm>
-          <a:prstGeom prst="rect">
-            <a:avLst/>
-          </a:prstGeom>
-        </p:spPr>
-        <p:style>
-          <a:lnRef idx="2">
-            <a:schemeClr val="accent1">
-              <a:shade val="50000"/>
-            </a:schemeClr>
-          </a:lnRef>
-          <a:fillRef idx="1">
-            <a:schemeClr val="accent1"/>
-          </a:fillRef>
-          <a:effectRef idx="0">
-            <a:schemeClr val="accent1"/>
-          </a:effectRef>
-          <a:fontRef idx="minor">
-            <a:schemeClr val="lt1"/>
-          </a:fontRef>
-        </p:style>
-        <p:txBody>
-          <a:bodyPr rtlCol="0" anchor="ctr"/>
-          <a:lstStyle/>
-          <a:p>
-            <a:pPr algn="ctr"/>
-            <a:r>
-              <a:rPr lang="en-US" sz="1600" dirty="0"/>
-              <a:t>IoT Edge</a:t>
-            </a:r>
-          </a:p>
-        </p:txBody>
-      </p:sp>
-      <p:sp>
-        <p:nvSpPr>
-          <p:cNvPr id="14" name="Rectangle 13">
-            <a:extLst>
-              <a:ext uri="{FF2B5EF4-FFF2-40B4-BE49-F238E27FC236}">
-                <a16:creationId xmlns:a16="http://schemas.microsoft.com/office/drawing/2014/main" id="{C2C8E7F3-9423-5145-AE35-54A88A1A364D}"/>
-              </a:ext>
-            </a:extLst>
-          </p:cNvPr>
-          <p:cNvSpPr/>
-          <p:nvPr/>
-        </p:nvSpPr>
-        <p:spPr>
-          <a:xfrm>
-            <a:off x="10809170" y="2750152"/>
-            <a:ext cx="680720" cy="599440"/>
-          </a:xfrm>
-          <a:prstGeom prst="rect">
-            <a:avLst/>
-          </a:prstGeom>
-        </p:spPr>
-        <p:style>
-          <a:lnRef idx="2">
-            <a:schemeClr val="accent1">
-              <a:shade val="50000"/>
-            </a:schemeClr>
-          </a:lnRef>
-          <a:fillRef idx="1">
-            <a:schemeClr val="accent1"/>
-          </a:fillRef>
-          <a:effectRef idx="0">
-            <a:schemeClr val="accent1"/>
-          </a:effectRef>
-          <a:fontRef idx="minor">
-            <a:schemeClr val="lt1"/>
-          </a:fontRef>
-        </p:style>
-        <p:txBody>
-          <a:bodyPr rtlCol="0" anchor="ctr"/>
-          <a:lstStyle/>
-          <a:p>
-            <a:pPr algn="ctr"/>
-            <a:r>
-              <a:rPr lang="en-US" sz="1600" dirty="0"/>
-              <a:t>IoT Edge</a:t>
-            </a:r>
-          </a:p>
-        </p:txBody>
-      </p:sp>
-      <p:sp>
-        <p:nvSpPr>
-          <p:cNvPr id="16" name="Rectangle 15">
-            <a:extLst>
-              <a:ext uri="{FF2B5EF4-FFF2-40B4-BE49-F238E27FC236}">
-                <a16:creationId xmlns:a16="http://schemas.microsoft.com/office/drawing/2014/main" id="{D8A9F067-ECFF-B94A-A034-A4FC5B9392C0}"/>
-              </a:ext>
-            </a:extLst>
-          </p:cNvPr>
-          <p:cNvSpPr/>
-          <p:nvPr/>
-        </p:nvSpPr>
-        <p:spPr>
-          <a:xfrm>
-            <a:off x="10809170" y="3461352"/>
-            <a:ext cx="680720" cy="599440"/>
-          </a:xfrm>
-          <a:prstGeom prst="rect">
-            <a:avLst/>
-          </a:prstGeom>
-        </p:spPr>
-        <p:style>
-          <a:lnRef idx="2">
-            <a:schemeClr val="accent1">
-              <a:shade val="50000"/>
-            </a:schemeClr>
-          </a:lnRef>
-          <a:fillRef idx="1">
-            <a:schemeClr val="accent1"/>
-          </a:fillRef>
-          <a:effectRef idx="0">
-            <a:schemeClr val="accent1"/>
-          </a:effectRef>
-          <a:fontRef idx="minor">
-            <a:schemeClr val="lt1"/>
-          </a:fontRef>
-        </p:style>
-        <p:txBody>
-          <a:bodyPr rtlCol="0" anchor="ctr"/>
-          <a:lstStyle/>
-          <a:p>
-            <a:pPr algn="ctr"/>
-            <a:r>
-              <a:rPr lang="en-US" sz="1600" dirty="0"/>
-              <a:t>IoT Edge</a:t>
-            </a:r>
-          </a:p>
-        </p:txBody>
-      </p:sp>
-      <p:sp>
-        <p:nvSpPr>
-          <p:cNvPr id="28" name="Rectangle 27">
-            <a:extLst>
-              <a:ext uri="{FF2B5EF4-FFF2-40B4-BE49-F238E27FC236}">
-                <a16:creationId xmlns:a16="http://schemas.microsoft.com/office/drawing/2014/main" id="{8AB37541-AEF4-AE47-A65E-24CBD1AF1857}"/>
-              </a:ext>
-            </a:extLst>
-          </p:cNvPr>
-          <p:cNvSpPr/>
-          <p:nvPr/>
-        </p:nvSpPr>
-        <p:spPr>
-          <a:xfrm>
-            <a:off x="10809170" y="4172552"/>
-            <a:ext cx="680720" cy="599440"/>
-          </a:xfrm>
-          <a:prstGeom prst="rect">
-            <a:avLst/>
-          </a:prstGeom>
-        </p:spPr>
-        <p:style>
-          <a:lnRef idx="2">
-            <a:schemeClr val="accent1">
-              <a:shade val="50000"/>
-            </a:schemeClr>
-          </a:lnRef>
-          <a:fillRef idx="1">
-            <a:schemeClr val="accent1"/>
-          </a:fillRef>
-          <a:effectRef idx="0">
-            <a:schemeClr val="accent1"/>
-          </a:effectRef>
-          <a:fontRef idx="minor">
-            <a:schemeClr val="lt1"/>
-          </a:fontRef>
-        </p:style>
-        <p:txBody>
-          <a:bodyPr rtlCol="0" anchor="ctr"/>
-          <a:lstStyle/>
-          <a:p>
-            <a:pPr algn="ctr"/>
-            <a:r>
-              <a:rPr lang="en-US" sz="1600" dirty="0"/>
-              <a:t>IoT Edge</a:t>
-            </a:r>
-          </a:p>
-        </p:txBody>
-      </p:sp>
-      <p:sp>
-        <p:nvSpPr>
-          <p:cNvPr id="30" name="Rectangle 29">
-            <a:extLst>
-              <a:ext uri="{FF2B5EF4-FFF2-40B4-BE49-F238E27FC236}">
-                <a16:creationId xmlns:a16="http://schemas.microsoft.com/office/drawing/2014/main" id="{15980033-9549-4C42-96AB-F50EC14DA53B}"/>
-              </a:ext>
-            </a:extLst>
-          </p:cNvPr>
-          <p:cNvSpPr/>
-          <p:nvPr/>
-        </p:nvSpPr>
-        <p:spPr>
-          <a:xfrm>
-            <a:off x="10809170" y="4883752"/>
-            <a:ext cx="680720" cy="599440"/>
-          </a:xfrm>
-          <a:prstGeom prst="rect">
-            <a:avLst/>
-          </a:prstGeom>
-        </p:spPr>
-        <p:style>
-          <a:lnRef idx="2">
-            <a:schemeClr val="accent1">
-              <a:shade val="50000"/>
-            </a:schemeClr>
-          </a:lnRef>
-          <a:fillRef idx="1">
-            <a:schemeClr val="accent1"/>
-          </a:fillRef>
-          <a:effectRef idx="0">
-            <a:schemeClr val="accent1"/>
-          </a:effectRef>
-          <a:fontRef idx="minor">
-            <a:schemeClr val="lt1"/>
-          </a:fontRef>
-        </p:style>
-        <p:txBody>
-          <a:bodyPr rtlCol="0" anchor="ctr"/>
-          <a:lstStyle/>
-          <a:p>
-            <a:pPr algn="ctr"/>
-            <a:r>
-              <a:rPr lang="en-US" sz="1600" dirty="0"/>
-              <a:t>IoT Edge</a:t>
-            </a:r>
-          </a:p>
-        </p:txBody>
-      </p:sp>
-      <p:sp>
-        <p:nvSpPr>
-          <p:cNvPr id="32" name="Rectangle 31">
-            <a:extLst>
-              <a:ext uri="{FF2B5EF4-FFF2-40B4-BE49-F238E27FC236}">
-                <a16:creationId xmlns:a16="http://schemas.microsoft.com/office/drawing/2014/main" id="{D0988F21-6DF0-6445-822C-40627EA63772}"/>
-              </a:ext>
-            </a:extLst>
-          </p:cNvPr>
-          <p:cNvSpPr/>
-          <p:nvPr/>
-        </p:nvSpPr>
-        <p:spPr>
-          <a:xfrm>
-            <a:off x="10809170" y="5594952"/>
-            <a:ext cx="680720" cy="599440"/>
-          </a:xfrm>
-          <a:prstGeom prst="rect">
-            <a:avLst/>
-          </a:prstGeom>
-        </p:spPr>
-        <p:style>
-          <a:lnRef idx="2">
-            <a:schemeClr val="accent1">
-              <a:shade val="50000"/>
-            </a:schemeClr>
-          </a:lnRef>
-          <a:fillRef idx="1">
-            <a:schemeClr val="accent1"/>
-          </a:fillRef>
-          <a:effectRef idx="0">
-            <a:schemeClr val="accent1"/>
-          </a:effectRef>
-          <a:fontRef idx="minor">
-            <a:schemeClr val="lt1"/>
-          </a:fontRef>
-        </p:style>
-        <p:txBody>
-          <a:bodyPr rtlCol="0" anchor="ctr"/>
-          <a:lstStyle/>
-          <a:p>
-            <a:pPr algn="ctr"/>
-            <a:r>
-              <a:rPr lang="en-US" sz="1600" dirty="0"/>
-              <a:t>IoT Edge</a:t>
             </a:r>
           </a:p>
         </p:txBody>
       </p:sp>
       <p:cxnSp>
         <p:nvCxnSpPr>
-          <p:cNvPr id="38" name="Straight Connector 37">
-            <a:extLst>
-              <a:ext uri="{FF2B5EF4-FFF2-40B4-BE49-F238E27FC236}">
-                <a16:creationId xmlns:a16="http://schemas.microsoft.com/office/drawing/2014/main" id="{7B8228EB-B4D2-494B-B98A-684BB9A366EE}"/>
+          <p:cNvPr id="137" name="Straight Arrow Connector 136">
+            <a:extLst>
+              <a:ext uri="{FF2B5EF4-FFF2-40B4-BE49-F238E27FC236}">
+                <a16:creationId xmlns:a16="http://schemas.microsoft.com/office/drawing/2014/main" id="{03FC0C4D-947C-2146-AA9D-1A0E5709D0C5}"/>
               </a:ext>
             </a:extLst>
           </p:cNvPr>
           <p:cNvCxnSpPr>
             <a:cxnSpLocks/>
-            <a:stCxn id="6" idx="3"/>
-            <a:endCxn id="8" idx="1"/>
+            <a:stCxn id="18" idx="3"/>
+            <a:endCxn id="133" idx="1"/>
           </p:cNvCxnSpPr>
           <p:nvPr/>
         </p:nvCxnSpPr>
         <p:spPr>
-          <a:xfrm flipV="1">
-            <a:off x="9010850" y="916272"/>
-            <a:ext cx="1798320" cy="2651760"/>
-          </a:xfrm>
-          <a:prstGeom prst="line">
-            <a:avLst/>
-          </a:prstGeom>
-        </p:spPr>
-        <p:style>
-          <a:lnRef idx="1">
-            <a:schemeClr val="accent1"/>
-          </a:lnRef>
-          <a:fillRef idx="0">
-            <a:schemeClr val="accent1"/>
-          </a:fillRef>
-          <a:effectRef idx="0">
-            <a:schemeClr val="accent1"/>
-          </a:effectRef>
-          <a:fontRef idx="minor">
-            <a:schemeClr val="tx1"/>
-          </a:fontRef>
-        </p:style>
-      </p:cxnSp>
-      <p:cxnSp>
-        <p:nvCxnSpPr>
-          <p:cNvPr id="39" name="Straight Connector 38">
-            <a:extLst>
-              <a:ext uri="{FF2B5EF4-FFF2-40B4-BE49-F238E27FC236}">
-                <a16:creationId xmlns:a16="http://schemas.microsoft.com/office/drawing/2014/main" id="{5CDA190E-95E0-7547-A666-2886F40C866A}"/>
-              </a:ext>
-            </a:extLst>
-          </p:cNvPr>
-          <p:cNvCxnSpPr>
-            <a:cxnSpLocks/>
-            <a:stCxn id="6" idx="3"/>
-            <a:endCxn id="10" idx="1"/>
-          </p:cNvCxnSpPr>
-          <p:nvPr/>
-        </p:nvCxnSpPr>
-        <p:spPr>
-          <a:xfrm flipV="1">
-            <a:off x="9010850" y="1627472"/>
-            <a:ext cx="1798320" cy="1940560"/>
-          </a:xfrm>
-          <a:prstGeom prst="line">
-            <a:avLst/>
-          </a:prstGeom>
-        </p:spPr>
-        <p:style>
-          <a:lnRef idx="1">
-            <a:schemeClr val="accent1"/>
-          </a:lnRef>
-          <a:fillRef idx="0">
-            <a:schemeClr val="accent1"/>
-          </a:fillRef>
-          <a:effectRef idx="0">
-            <a:schemeClr val="accent1"/>
-          </a:effectRef>
-          <a:fontRef idx="minor">
-            <a:schemeClr val="tx1"/>
-          </a:fontRef>
-        </p:style>
-      </p:cxnSp>
-      <p:cxnSp>
-        <p:nvCxnSpPr>
-          <p:cNvPr id="42" name="Straight Connector 41">
-            <a:extLst>
-              <a:ext uri="{FF2B5EF4-FFF2-40B4-BE49-F238E27FC236}">
-                <a16:creationId xmlns:a16="http://schemas.microsoft.com/office/drawing/2014/main" id="{E48818FC-DB35-E648-B85C-AE402D07F59B}"/>
-              </a:ext>
-            </a:extLst>
-          </p:cNvPr>
-          <p:cNvCxnSpPr>
-            <a:cxnSpLocks/>
-            <a:stCxn id="6" idx="3"/>
-            <a:endCxn id="12" idx="1"/>
-          </p:cNvCxnSpPr>
-          <p:nvPr/>
-        </p:nvCxnSpPr>
-        <p:spPr>
-          <a:xfrm flipV="1">
-            <a:off x="9010850" y="2338672"/>
-            <a:ext cx="1798320" cy="1229360"/>
-          </a:xfrm>
-          <a:prstGeom prst="line">
-            <a:avLst/>
-          </a:prstGeom>
-        </p:spPr>
-        <p:style>
-          <a:lnRef idx="1">
-            <a:schemeClr val="accent1"/>
-          </a:lnRef>
-          <a:fillRef idx="0">
-            <a:schemeClr val="accent1"/>
-          </a:fillRef>
-          <a:effectRef idx="0">
-            <a:schemeClr val="accent1"/>
-          </a:effectRef>
-          <a:fontRef idx="minor">
-            <a:schemeClr val="tx1"/>
-          </a:fontRef>
-        </p:style>
-      </p:cxnSp>
-      <p:cxnSp>
-        <p:nvCxnSpPr>
-          <p:cNvPr id="45" name="Straight Connector 44">
-            <a:extLst>
-              <a:ext uri="{FF2B5EF4-FFF2-40B4-BE49-F238E27FC236}">
-                <a16:creationId xmlns:a16="http://schemas.microsoft.com/office/drawing/2014/main" id="{B2D2B48C-8964-8742-8890-0352C4053E2D}"/>
-              </a:ext>
-            </a:extLst>
-          </p:cNvPr>
-          <p:cNvCxnSpPr>
-            <a:cxnSpLocks/>
-            <a:stCxn id="6" idx="3"/>
-            <a:endCxn id="14" idx="1"/>
-          </p:cNvCxnSpPr>
-          <p:nvPr/>
-        </p:nvCxnSpPr>
-        <p:spPr>
-          <a:xfrm flipV="1">
-            <a:off x="9010850" y="3049872"/>
-            <a:ext cx="1798320" cy="518160"/>
-          </a:xfrm>
-          <a:prstGeom prst="line">
-            <a:avLst/>
-          </a:prstGeom>
-        </p:spPr>
-        <p:style>
-          <a:lnRef idx="1">
-            <a:schemeClr val="accent1"/>
-          </a:lnRef>
-          <a:fillRef idx="0">
-            <a:schemeClr val="accent1"/>
-          </a:fillRef>
-          <a:effectRef idx="0">
-            <a:schemeClr val="accent1"/>
-          </a:effectRef>
-          <a:fontRef idx="minor">
-            <a:schemeClr val="tx1"/>
-          </a:fontRef>
-        </p:style>
-      </p:cxnSp>
-      <p:cxnSp>
-        <p:nvCxnSpPr>
-          <p:cNvPr id="48" name="Straight Connector 47">
-            <a:extLst>
-              <a:ext uri="{FF2B5EF4-FFF2-40B4-BE49-F238E27FC236}">
-                <a16:creationId xmlns:a16="http://schemas.microsoft.com/office/drawing/2014/main" id="{7664AFF4-1C37-9244-9F54-957B696E2372}"/>
-              </a:ext>
-            </a:extLst>
-          </p:cNvPr>
-          <p:cNvCxnSpPr>
-            <a:cxnSpLocks/>
-            <a:stCxn id="6" idx="3"/>
-            <a:endCxn id="16" idx="1"/>
-          </p:cNvCxnSpPr>
-          <p:nvPr/>
-        </p:nvCxnSpPr>
-        <p:spPr>
-          <a:xfrm>
-            <a:off x="9010850" y="3568032"/>
-            <a:ext cx="1798320" cy="193040"/>
-          </a:xfrm>
-          <a:prstGeom prst="line">
-            <a:avLst/>
-          </a:prstGeom>
-        </p:spPr>
-        <p:style>
-          <a:lnRef idx="1">
-            <a:schemeClr val="accent1"/>
-          </a:lnRef>
-          <a:fillRef idx="0">
-            <a:schemeClr val="accent1"/>
-          </a:fillRef>
-          <a:effectRef idx="0">
-            <a:schemeClr val="accent1"/>
-          </a:effectRef>
-          <a:fontRef idx="minor">
-            <a:schemeClr val="tx1"/>
-          </a:fontRef>
-        </p:style>
-      </p:cxnSp>
-      <p:cxnSp>
-        <p:nvCxnSpPr>
-          <p:cNvPr id="51" name="Straight Connector 50">
-            <a:extLst>
-              <a:ext uri="{FF2B5EF4-FFF2-40B4-BE49-F238E27FC236}">
-                <a16:creationId xmlns:a16="http://schemas.microsoft.com/office/drawing/2014/main" id="{89F719CF-0F15-9646-A45E-6761DA7BC48A}"/>
-              </a:ext>
-            </a:extLst>
-          </p:cNvPr>
-          <p:cNvCxnSpPr>
-            <a:cxnSpLocks/>
-            <a:stCxn id="6" idx="3"/>
-            <a:endCxn id="28" idx="1"/>
-          </p:cNvCxnSpPr>
-          <p:nvPr/>
-        </p:nvCxnSpPr>
-        <p:spPr>
-          <a:xfrm>
-            <a:off x="9010850" y="3568032"/>
-            <a:ext cx="1798320" cy="904240"/>
-          </a:xfrm>
-          <a:prstGeom prst="line">
-            <a:avLst/>
-          </a:prstGeom>
-        </p:spPr>
-        <p:style>
-          <a:lnRef idx="1">
-            <a:schemeClr val="accent1"/>
-          </a:lnRef>
-          <a:fillRef idx="0">
-            <a:schemeClr val="accent1"/>
-          </a:fillRef>
-          <a:effectRef idx="0">
-            <a:schemeClr val="accent1"/>
-          </a:effectRef>
-          <a:fontRef idx="minor">
-            <a:schemeClr val="tx1"/>
-          </a:fontRef>
-        </p:style>
-      </p:cxnSp>
-      <p:cxnSp>
-        <p:nvCxnSpPr>
-          <p:cNvPr id="54" name="Straight Connector 53">
-            <a:extLst>
-              <a:ext uri="{FF2B5EF4-FFF2-40B4-BE49-F238E27FC236}">
-                <a16:creationId xmlns:a16="http://schemas.microsoft.com/office/drawing/2014/main" id="{B5490162-FACB-D747-9622-B7279750C081}"/>
-              </a:ext>
-            </a:extLst>
-          </p:cNvPr>
-          <p:cNvCxnSpPr>
-            <a:cxnSpLocks/>
-            <a:stCxn id="6" idx="3"/>
-            <a:endCxn id="30" idx="1"/>
-          </p:cNvCxnSpPr>
-          <p:nvPr/>
-        </p:nvCxnSpPr>
-        <p:spPr>
-          <a:xfrm>
-            <a:off x="9010850" y="3568032"/>
-            <a:ext cx="1798320" cy="1615440"/>
-          </a:xfrm>
-          <a:prstGeom prst="line">
-            <a:avLst/>
-          </a:prstGeom>
-        </p:spPr>
-        <p:style>
-          <a:lnRef idx="1">
-            <a:schemeClr val="accent1"/>
-          </a:lnRef>
-          <a:fillRef idx="0">
-            <a:schemeClr val="accent1"/>
-          </a:fillRef>
-          <a:effectRef idx="0">
-            <a:schemeClr val="accent1"/>
-          </a:effectRef>
-          <a:fontRef idx="minor">
-            <a:schemeClr val="tx1"/>
-          </a:fontRef>
-        </p:style>
-      </p:cxnSp>
-      <p:cxnSp>
-        <p:nvCxnSpPr>
-          <p:cNvPr id="57" name="Straight Connector 56">
-            <a:extLst>
-              <a:ext uri="{FF2B5EF4-FFF2-40B4-BE49-F238E27FC236}">
-                <a16:creationId xmlns:a16="http://schemas.microsoft.com/office/drawing/2014/main" id="{1AF36B77-3EEE-8647-816B-37899EE45B1F}"/>
-              </a:ext>
-            </a:extLst>
-          </p:cNvPr>
-          <p:cNvCxnSpPr>
-            <a:cxnSpLocks/>
-            <a:stCxn id="6" idx="3"/>
-            <a:endCxn id="32" idx="1"/>
-          </p:cNvCxnSpPr>
-          <p:nvPr/>
-        </p:nvCxnSpPr>
-        <p:spPr>
-          <a:xfrm>
-            <a:off x="9010850" y="3568032"/>
-            <a:ext cx="1798320" cy="2326640"/>
-          </a:xfrm>
-          <a:prstGeom prst="line">
-            <a:avLst/>
-          </a:prstGeom>
-        </p:spPr>
-        <p:style>
-          <a:lnRef idx="1">
-            <a:schemeClr val="accent1"/>
-          </a:lnRef>
-          <a:fillRef idx="0">
-            <a:schemeClr val="accent1"/>
-          </a:fillRef>
-          <a:effectRef idx="0">
-            <a:schemeClr val="accent1"/>
-          </a:effectRef>
-          <a:fontRef idx="minor">
-            <a:schemeClr val="tx1"/>
-          </a:fontRef>
-        </p:style>
-      </p:cxnSp>
-      <p:sp>
-        <p:nvSpPr>
-          <p:cNvPr id="126" name="TextBox 125">
-            <a:extLst>
-              <a:ext uri="{FF2B5EF4-FFF2-40B4-BE49-F238E27FC236}">
-                <a16:creationId xmlns:a16="http://schemas.microsoft.com/office/drawing/2014/main" id="{F509B969-3804-2549-968D-00642C88E531}"/>
-              </a:ext>
-            </a:extLst>
-          </p:cNvPr>
-          <p:cNvSpPr txBox="1"/>
-          <p:nvPr/>
-        </p:nvSpPr>
-        <p:spPr>
-          <a:xfrm>
-            <a:off x="3803850" y="3716321"/>
-            <a:ext cx="2097187" cy="276999"/>
-          </a:xfrm>
-          <a:prstGeom prst="rect">
-            <a:avLst/>
-          </a:prstGeom>
-          <a:noFill/>
-        </p:spPr>
-        <p:txBody>
-          <a:bodyPr wrap="square" rtlCol="0">
-            <a:spAutoFit/>
-          </a:bodyPr>
-          <a:lstStyle/>
-          <a:p>
-            <a:pPr algn="ctr"/>
-            <a:r>
-              <a:rPr lang="en-US" sz="1200" dirty="0">
-                <a:solidFill>
-                  <a:schemeClr val="bg1"/>
-                </a:solidFill>
-              </a:rPr>
-              <a:t>Azure IoT Service SDK</a:t>
-            </a:r>
-          </a:p>
-        </p:txBody>
-      </p:sp>
-      <p:pic>
-        <p:nvPicPr>
-          <p:cNvPr id="130" name="Picture 129">
-            <a:extLst>
-              <a:ext uri="{FF2B5EF4-FFF2-40B4-BE49-F238E27FC236}">
-                <a16:creationId xmlns:a16="http://schemas.microsoft.com/office/drawing/2014/main" id="{2393C6E4-C6E0-894A-B342-5D5B491262A0}"/>
-              </a:ext>
-            </a:extLst>
-          </p:cNvPr>
-          <p:cNvPicPr>
-            <a:picLocks noChangeAspect="1"/>
-          </p:cNvPicPr>
-          <p:nvPr/>
-        </p:nvPicPr>
-        <p:blipFill>
-          <a:blip r:embed="rId2"/>
-          <a:stretch>
-            <a:fillRect/>
-          </a:stretch>
-        </p:blipFill>
-        <p:spPr>
-          <a:xfrm>
-            <a:off x="229238" y="1525872"/>
-            <a:ext cx="2487491" cy="4084320"/>
-          </a:xfrm>
-          <a:prstGeom prst="rect">
-            <a:avLst/>
-          </a:prstGeom>
-        </p:spPr>
-      </p:pic>
-      <p:cxnSp>
-        <p:nvCxnSpPr>
-          <p:cNvPr id="132" name="Straight Arrow Connector 131">
-            <a:extLst>
-              <a:ext uri="{FF2B5EF4-FFF2-40B4-BE49-F238E27FC236}">
-                <a16:creationId xmlns:a16="http://schemas.microsoft.com/office/drawing/2014/main" id="{8E64EE28-3271-E147-8F88-41216B91922D}"/>
-              </a:ext>
-            </a:extLst>
-          </p:cNvPr>
-          <p:cNvCxnSpPr>
-            <a:cxnSpLocks/>
-            <a:endCxn id="4" idx="1"/>
-          </p:cNvCxnSpPr>
-          <p:nvPr/>
-        </p:nvCxnSpPr>
-        <p:spPr>
-          <a:xfrm>
-            <a:off x="2726036" y="3568032"/>
-            <a:ext cx="1042254" cy="0"/>
+          <a:xfrm>
+            <a:off x="2768193" y="2732423"/>
+            <a:ext cx="5702039" cy="0"/>
           </a:xfrm>
           <a:prstGeom prst="straightConnector1">
             <a:avLst/>
           </a:prstGeom>
-          <a:ln>
-            <a:tailEnd type="triangle"/>
+          <a:ln w="28575">
+            <a:headEnd type="none" w="med" len="med"/>
+            <a:tailEnd type="triangle" w="med" len="med"/>
           </a:ln>
-        </p:spPr>
-        <p:style>
-          <a:lnRef idx="1">
-            <a:schemeClr val="accent1"/>
-          </a:lnRef>
-          <a:fillRef idx="0">
-            <a:schemeClr val="accent1"/>
-          </a:fillRef>
-          <a:effectRef idx="0">
-            <a:schemeClr val="accent1"/>
-          </a:effectRef>
-          <a:fontRef idx="minor">
-            <a:schemeClr val="tx1"/>
-          </a:fontRef>
-        </p:style>
-      </p:cxnSp>
-      <p:sp>
-        <p:nvSpPr>
-          <p:cNvPr id="137" name="TextBox 136">
-            <a:extLst>
-              <a:ext uri="{FF2B5EF4-FFF2-40B4-BE49-F238E27FC236}">
-                <a16:creationId xmlns:a16="http://schemas.microsoft.com/office/drawing/2014/main" id="{15554FD3-9239-CE45-9A0C-DE102CBEDB46}"/>
-              </a:ext>
-            </a:extLst>
-          </p:cNvPr>
-          <p:cNvSpPr txBox="1"/>
-          <p:nvPr/>
-        </p:nvSpPr>
-        <p:spPr>
-          <a:xfrm>
-            <a:off x="2762450" y="3215726"/>
-            <a:ext cx="741680" cy="369332"/>
-          </a:xfrm>
-          <a:prstGeom prst="rect">
-            <a:avLst/>
-          </a:prstGeom>
-          <a:noFill/>
-        </p:spPr>
-        <p:txBody>
-          <a:bodyPr wrap="square" rtlCol="0">
-            <a:spAutoFit/>
-          </a:bodyPr>
-          <a:lstStyle/>
-          <a:p>
-            <a:r>
-              <a:rPr lang="en-US" dirty="0"/>
-              <a:t>POST</a:t>
-            </a:r>
-          </a:p>
-        </p:txBody>
-      </p:sp>
-      <p:cxnSp>
-        <p:nvCxnSpPr>
-          <p:cNvPr id="155" name="Straight Arrow Connector 154">
-            <a:extLst>
-              <a:ext uri="{FF2B5EF4-FFF2-40B4-BE49-F238E27FC236}">
-                <a16:creationId xmlns:a16="http://schemas.microsoft.com/office/drawing/2014/main" id="{28F5A743-8666-A245-8E0C-9AD2D69B1502}"/>
-              </a:ext>
-            </a:extLst>
-          </p:cNvPr>
-          <p:cNvCxnSpPr>
-            <a:cxnSpLocks/>
-            <a:stCxn id="4" idx="3"/>
-            <a:endCxn id="6" idx="1"/>
-          </p:cNvCxnSpPr>
-          <p:nvPr/>
-        </p:nvCxnSpPr>
-        <p:spPr>
-          <a:xfrm>
-            <a:off x="5871410" y="3568032"/>
-            <a:ext cx="640080" cy="0"/>
-          </a:xfrm>
-          <a:prstGeom prst="straightConnector1">
-            <a:avLst/>
-          </a:prstGeom>
-          <a:ln>
-            <a:tailEnd type="triangle"/>
-          </a:ln>
-        </p:spPr>
-        <p:style>
-          <a:lnRef idx="1">
-            <a:schemeClr val="accent1"/>
-          </a:lnRef>
-          <a:fillRef idx="0">
-            <a:schemeClr val="accent1"/>
-          </a:fillRef>
-          <a:effectRef idx="0">
-            <a:schemeClr val="accent1"/>
-          </a:effectRef>
-          <a:fontRef idx="minor">
-            <a:schemeClr val="tx1"/>
-          </a:fontRef>
-        </p:style>
-      </p:cxnSp>
-      <p:sp>
-        <p:nvSpPr>
-          <p:cNvPr id="160" name="Double Brace 159">
-            <a:extLst>
-              <a:ext uri="{FF2B5EF4-FFF2-40B4-BE49-F238E27FC236}">
-                <a16:creationId xmlns:a16="http://schemas.microsoft.com/office/drawing/2014/main" id="{E0CE6AE5-058B-4E47-BE11-923AB4F3D663}"/>
-              </a:ext>
-            </a:extLst>
-          </p:cNvPr>
-          <p:cNvSpPr/>
-          <p:nvPr/>
-        </p:nvSpPr>
-        <p:spPr>
-          <a:xfrm>
-            <a:off x="4941744" y="5531556"/>
-            <a:ext cx="693019" cy="497841"/>
-          </a:xfrm>
-          <a:prstGeom prst="bracePair">
-            <a:avLst/>
-          </a:prstGeom>
-          <a:ln>
-            <a:solidFill>
-              <a:schemeClr val="bg1"/>
-            </a:solidFill>
-          </a:ln>
-        </p:spPr>
-        <p:style>
-          <a:lnRef idx="1">
-            <a:schemeClr val="accent1"/>
-          </a:lnRef>
-          <a:fillRef idx="0">
-            <a:schemeClr val="accent1"/>
-          </a:fillRef>
-          <a:effectRef idx="0">
-            <a:schemeClr val="accent1"/>
-          </a:effectRef>
-          <a:fontRef idx="minor">
-            <a:schemeClr val="tx1"/>
-          </a:fontRef>
-        </p:style>
-        <p:txBody>
-          <a:bodyPr wrap="none" rtlCol="0" anchor="ctr"/>
-          <a:lstStyle/>
-          <a:p>
-            <a:pPr algn="ctr"/>
-            <a:r>
-              <a:rPr lang="en-US" sz="1200" dirty="0"/>
-              <a:t>allmodules</a:t>
-            </a:r>
-          </a:p>
-        </p:txBody>
-      </p:sp>
-      <p:sp>
-        <p:nvSpPr>
-          <p:cNvPr id="166" name="Double Brace 165">
-            <a:extLst>
-              <a:ext uri="{FF2B5EF4-FFF2-40B4-BE49-F238E27FC236}">
-                <a16:creationId xmlns:a16="http://schemas.microsoft.com/office/drawing/2014/main" id="{29149029-3285-F84F-BDFA-1B44BF5A78DB}"/>
-              </a:ext>
-            </a:extLst>
-          </p:cNvPr>
-          <p:cNvSpPr/>
-          <p:nvPr/>
-        </p:nvSpPr>
-        <p:spPr>
-          <a:xfrm>
-            <a:off x="4013976" y="5541715"/>
-            <a:ext cx="693019" cy="497841"/>
-          </a:xfrm>
-          <a:prstGeom prst="bracePair">
-            <a:avLst/>
-          </a:prstGeom>
-          <a:ln>
-            <a:solidFill>
-              <a:schemeClr val="bg1"/>
-            </a:solidFill>
-          </a:ln>
-        </p:spPr>
-        <p:style>
-          <a:lnRef idx="1">
-            <a:schemeClr val="accent1"/>
-          </a:lnRef>
-          <a:fillRef idx="0">
-            <a:schemeClr val="accent1"/>
-          </a:fillRef>
-          <a:effectRef idx="0">
-            <a:schemeClr val="accent1"/>
-          </a:effectRef>
-          <a:fontRef idx="minor">
-            <a:schemeClr val="tx1"/>
-          </a:fontRef>
-        </p:style>
-        <p:txBody>
-          <a:bodyPr wrap="none" rtlCol="0" anchor="ctr"/>
-          <a:lstStyle/>
-          <a:p>
-            <a:pPr algn="ctr"/>
-            <a:r>
-              <a:rPr lang="en-US" sz="1200" dirty="0"/>
-              <a:t>manifest</a:t>
-            </a:r>
-          </a:p>
-        </p:txBody>
-      </p:sp>
-      <p:cxnSp>
-        <p:nvCxnSpPr>
-          <p:cNvPr id="169" name="Straight Connector 168">
-            <a:extLst>
-              <a:ext uri="{FF2B5EF4-FFF2-40B4-BE49-F238E27FC236}">
-                <a16:creationId xmlns:a16="http://schemas.microsoft.com/office/drawing/2014/main" id="{5894EDBC-2734-5F4B-9E1C-A8CF7C0EF2C9}"/>
-              </a:ext>
-            </a:extLst>
-          </p:cNvPr>
-          <p:cNvCxnSpPr>
-            <a:stCxn id="4" idx="2"/>
-            <a:endCxn id="164" idx="0"/>
-          </p:cNvCxnSpPr>
-          <p:nvPr/>
-        </p:nvCxnSpPr>
-        <p:spPr>
-          <a:xfrm flipH="1">
-            <a:off x="4816883" y="4050632"/>
-            <a:ext cx="2967" cy="850575"/>
-          </a:xfrm>
-          <a:prstGeom prst="line">
-            <a:avLst/>
-          </a:prstGeom>
         </p:spPr>
         <p:style>
           <a:lnRef idx="1">
@@ -10954,7 +8925,7 @@
     </p:spTree>
     <p:extLst>
       <p:ext uri="{BB962C8B-B14F-4D97-AF65-F5344CB8AC3E}">
-        <p14:creationId xmlns:p14="http://schemas.microsoft.com/office/powerpoint/2010/main" val="931087536"/>
+        <p14:creationId xmlns:p14="http://schemas.microsoft.com/office/powerpoint/2010/main" val="578141105"/>
       </p:ext>
     </p:extLst>
   </p:cSld>
@@ -10995,7 +8966,7 @@
         </p:nvSpPr>
         <p:spPr>
           <a:xfrm>
-            <a:off x="3749039" y="5209215"/>
+            <a:off x="3768289" y="4901207"/>
             <a:ext cx="2097187" cy="1532593"/>
           </a:xfrm>
           <a:prstGeom prst="rect">
@@ -11044,7 +9015,7 @@
         </p:nvSpPr>
         <p:spPr>
           <a:xfrm>
-            <a:off x="11287760" y="629920"/>
+            <a:off x="11307010" y="321912"/>
             <a:ext cx="680720" cy="599440"/>
           </a:xfrm>
           <a:prstGeom prst="rect">
@@ -11093,7 +9064,7 @@
         </p:nvSpPr>
         <p:spPr>
           <a:xfrm>
-            <a:off x="11287760" y="1341120"/>
+            <a:off x="11307010" y="1033112"/>
             <a:ext cx="680720" cy="599440"/>
           </a:xfrm>
           <a:prstGeom prst="rect">
@@ -11142,7 +9113,7 @@
         </p:nvSpPr>
         <p:spPr>
           <a:xfrm>
-            <a:off x="11287760" y="2052320"/>
+            <a:off x="11307010" y="1744312"/>
             <a:ext cx="680720" cy="599440"/>
           </a:xfrm>
           <a:prstGeom prst="rect">
@@ -11191,7 +9162,7 @@
         </p:nvSpPr>
         <p:spPr>
           <a:xfrm>
-            <a:off x="11287760" y="2763520"/>
+            <a:off x="11307010" y="2455512"/>
             <a:ext cx="680720" cy="599440"/>
           </a:xfrm>
           <a:prstGeom prst="rect">
@@ -11240,7 +9211,7 @@
         </p:nvSpPr>
         <p:spPr>
           <a:xfrm>
-            <a:off x="11287760" y="3474720"/>
+            <a:off x="11307010" y="3166712"/>
             <a:ext cx="680720" cy="599440"/>
           </a:xfrm>
           <a:prstGeom prst="rect">
@@ -11289,7 +9260,7 @@
         </p:nvSpPr>
         <p:spPr>
           <a:xfrm>
-            <a:off x="11287760" y="4185920"/>
+            <a:off x="11307010" y="3877912"/>
             <a:ext cx="680720" cy="599440"/>
           </a:xfrm>
           <a:prstGeom prst="rect">
@@ -11338,7 +9309,7 @@
         </p:nvSpPr>
         <p:spPr>
           <a:xfrm>
-            <a:off x="11287760" y="4897120"/>
+            <a:off x="11307010" y="4589112"/>
             <a:ext cx="680720" cy="599440"/>
           </a:xfrm>
           <a:prstGeom prst="rect">
@@ -11387,7 +9358,7 @@
         </p:nvSpPr>
         <p:spPr>
           <a:xfrm>
-            <a:off x="11287760" y="5608320"/>
+            <a:off x="11307010" y="5300312"/>
             <a:ext cx="680720" cy="599440"/>
           </a:xfrm>
           <a:prstGeom prst="rect">
@@ -11436,7 +9407,7 @@
         </p:nvSpPr>
         <p:spPr>
           <a:xfrm>
-            <a:off x="11165840" y="711200"/>
+            <a:off x="11185090" y="403192"/>
             <a:ext cx="680720" cy="599440"/>
           </a:xfrm>
           <a:prstGeom prst="rect">
@@ -11485,7 +9456,7 @@
         </p:nvSpPr>
         <p:spPr>
           <a:xfrm>
-            <a:off x="11165840" y="1422400"/>
+            <a:off x="11185090" y="1114392"/>
             <a:ext cx="680720" cy="599440"/>
           </a:xfrm>
           <a:prstGeom prst="rect">
@@ -11534,7 +9505,7 @@
         </p:nvSpPr>
         <p:spPr>
           <a:xfrm>
-            <a:off x="11165840" y="2133600"/>
+            <a:off x="11185090" y="1825592"/>
             <a:ext cx="680720" cy="599440"/>
           </a:xfrm>
           <a:prstGeom prst="rect">
@@ -11583,7 +9554,7 @@
         </p:nvSpPr>
         <p:spPr>
           <a:xfrm>
-            <a:off x="11165840" y="2844800"/>
+            <a:off x="11185090" y="2536792"/>
             <a:ext cx="680720" cy="599440"/>
           </a:xfrm>
           <a:prstGeom prst="rect">
@@ -11632,7 +9603,7 @@
         </p:nvSpPr>
         <p:spPr>
           <a:xfrm>
-            <a:off x="11165840" y="3556000"/>
+            <a:off x="11185090" y="3247992"/>
             <a:ext cx="680720" cy="599440"/>
           </a:xfrm>
           <a:prstGeom prst="rect">
@@ -11681,7 +9652,7 @@
         </p:nvSpPr>
         <p:spPr>
           <a:xfrm>
-            <a:off x="11165840" y="4267200"/>
+            <a:off x="11185090" y="3959192"/>
             <a:ext cx="680720" cy="599440"/>
           </a:xfrm>
           <a:prstGeom prst="rect">
@@ -11730,7 +9701,7 @@
         </p:nvSpPr>
         <p:spPr>
           <a:xfrm>
-            <a:off x="11165840" y="4978400"/>
+            <a:off x="11185090" y="4670392"/>
             <a:ext cx="680720" cy="599440"/>
           </a:xfrm>
           <a:prstGeom prst="rect">
@@ -11779,7 +9750,7 @@
         </p:nvSpPr>
         <p:spPr>
           <a:xfrm>
-            <a:off x="11165840" y="5689600"/>
+            <a:off x="11185090" y="5381592"/>
             <a:ext cx="680720" cy="599440"/>
           </a:xfrm>
           <a:prstGeom prst="rect">
@@ -11828,7 +9799,7 @@
         </p:nvSpPr>
         <p:spPr>
           <a:xfrm>
-            <a:off x="11064240" y="782320"/>
+            <a:off x="11083490" y="474312"/>
             <a:ext cx="680720" cy="599440"/>
           </a:xfrm>
           <a:prstGeom prst="rect">
@@ -11877,7 +9848,7 @@
         </p:nvSpPr>
         <p:spPr>
           <a:xfrm>
-            <a:off x="11064240" y="1493520"/>
+            <a:off x="11083490" y="1185512"/>
             <a:ext cx="680720" cy="599440"/>
           </a:xfrm>
           <a:prstGeom prst="rect">
@@ -11926,7 +9897,7 @@
         </p:nvSpPr>
         <p:spPr>
           <a:xfrm>
-            <a:off x="11064240" y="2204720"/>
+            <a:off x="11083490" y="1896712"/>
             <a:ext cx="680720" cy="599440"/>
           </a:xfrm>
           <a:prstGeom prst="rect">
@@ -11975,7 +9946,7 @@
         </p:nvSpPr>
         <p:spPr>
           <a:xfrm>
-            <a:off x="11064240" y="2915920"/>
+            <a:off x="11083490" y="2607912"/>
             <a:ext cx="680720" cy="599440"/>
           </a:xfrm>
           <a:prstGeom prst="rect">
@@ -12024,7 +9995,7 @@
         </p:nvSpPr>
         <p:spPr>
           <a:xfrm>
-            <a:off x="11064240" y="3627120"/>
+            <a:off x="11083490" y="3319112"/>
             <a:ext cx="680720" cy="599440"/>
           </a:xfrm>
           <a:prstGeom prst="rect">
@@ -12073,7 +10044,7 @@
         </p:nvSpPr>
         <p:spPr>
           <a:xfrm>
-            <a:off x="11064240" y="4338320"/>
+            <a:off x="11083490" y="4030312"/>
             <a:ext cx="680720" cy="599440"/>
           </a:xfrm>
           <a:prstGeom prst="rect">
@@ -12122,7 +10093,7 @@
         </p:nvSpPr>
         <p:spPr>
           <a:xfrm>
-            <a:off x="11064240" y="5049520"/>
+            <a:off x="11083490" y="4741512"/>
             <a:ext cx="680720" cy="599440"/>
           </a:xfrm>
           <a:prstGeom prst="rect">
@@ -12171,7 +10142,7 @@
         </p:nvSpPr>
         <p:spPr>
           <a:xfrm>
-            <a:off x="11064240" y="5760720"/>
+            <a:off x="11083490" y="5452712"/>
             <a:ext cx="680720" cy="599440"/>
           </a:xfrm>
           <a:prstGeom prst="rect">
@@ -12220,7 +10191,7 @@
         </p:nvSpPr>
         <p:spPr>
           <a:xfrm>
-            <a:off x="10942320" y="863600"/>
+            <a:off x="10961570" y="555592"/>
             <a:ext cx="680720" cy="599440"/>
           </a:xfrm>
           <a:prstGeom prst="rect">
@@ -12269,7 +10240,7 @@
         </p:nvSpPr>
         <p:spPr>
           <a:xfrm>
-            <a:off x="10942320" y="1574800"/>
+            <a:off x="10961570" y="1266792"/>
             <a:ext cx="680720" cy="599440"/>
           </a:xfrm>
           <a:prstGeom prst="rect">
@@ -12318,7 +10289,7 @@
         </p:nvSpPr>
         <p:spPr>
           <a:xfrm>
-            <a:off x="10942320" y="2286000"/>
+            <a:off x="10961570" y="1977992"/>
             <a:ext cx="680720" cy="599440"/>
           </a:xfrm>
           <a:prstGeom prst="rect">
@@ -12367,7 +10338,7 @@
         </p:nvSpPr>
         <p:spPr>
           <a:xfrm>
-            <a:off x="10942320" y="2997200"/>
+            <a:off x="10961570" y="2689192"/>
             <a:ext cx="680720" cy="599440"/>
           </a:xfrm>
           <a:prstGeom prst="rect">
@@ -12416,7 +10387,7 @@
         </p:nvSpPr>
         <p:spPr>
           <a:xfrm>
-            <a:off x="10942320" y="3708400"/>
+            <a:off x="10961570" y="3400392"/>
             <a:ext cx="680720" cy="599440"/>
           </a:xfrm>
           <a:prstGeom prst="rect">
@@ -12465,7 +10436,7 @@
         </p:nvSpPr>
         <p:spPr>
           <a:xfrm>
-            <a:off x="10942320" y="4419600"/>
+            <a:off x="10961570" y="4111592"/>
             <a:ext cx="680720" cy="599440"/>
           </a:xfrm>
           <a:prstGeom prst="rect">
@@ -12514,7 +10485,7 @@
         </p:nvSpPr>
         <p:spPr>
           <a:xfrm>
-            <a:off x="10942320" y="5130800"/>
+            <a:off x="10961570" y="4822792"/>
             <a:ext cx="680720" cy="599440"/>
           </a:xfrm>
           <a:prstGeom prst="rect">
@@ -12563,7 +10534,7 @@
         </p:nvSpPr>
         <p:spPr>
           <a:xfrm>
-            <a:off x="10942320" y="5842000"/>
+            <a:off x="10961570" y="5533992"/>
             <a:ext cx="680720" cy="599440"/>
           </a:xfrm>
           <a:prstGeom prst="rect">
@@ -12612,7 +10583,7 @@
         </p:nvSpPr>
         <p:spPr>
           <a:xfrm>
-            <a:off x="3749040" y="3393440"/>
+            <a:off x="3768290" y="3085432"/>
             <a:ext cx="2103120" cy="965200"/>
           </a:xfrm>
           <a:prstGeom prst="rect">
@@ -12661,7 +10632,7 @@
         </p:nvSpPr>
         <p:spPr>
           <a:xfrm>
-            <a:off x="6492240" y="3393440"/>
+            <a:off x="6511490" y="3085432"/>
             <a:ext cx="2499360" cy="965200"/>
           </a:xfrm>
           <a:prstGeom prst="rect">
@@ -12710,7 +10681,7 @@
         </p:nvSpPr>
         <p:spPr>
           <a:xfrm>
-            <a:off x="10789920" y="924560"/>
+            <a:off x="10809170" y="616552"/>
             <a:ext cx="680720" cy="599440"/>
           </a:xfrm>
           <a:prstGeom prst="rect">
@@ -12759,7 +10730,7 @@
         </p:nvSpPr>
         <p:spPr>
           <a:xfrm>
-            <a:off x="10789920" y="1635760"/>
+            <a:off x="10809170" y="1327752"/>
             <a:ext cx="680720" cy="599440"/>
           </a:xfrm>
           <a:prstGeom prst="rect">
@@ -12808,7 +10779,7 @@
         </p:nvSpPr>
         <p:spPr>
           <a:xfrm>
-            <a:off x="10789920" y="2346960"/>
+            <a:off x="10809170" y="2038952"/>
             <a:ext cx="680720" cy="599440"/>
           </a:xfrm>
           <a:prstGeom prst="rect">
@@ -12857,7 +10828,7 @@
         </p:nvSpPr>
         <p:spPr>
           <a:xfrm>
-            <a:off x="10789920" y="3058160"/>
+            <a:off x="10809170" y="2750152"/>
             <a:ext cx="680720" cy="599440"/>
           </a:xfrm>
           <a:prstGeom prst="rect">
@@ -12906,7 +10877,7 @@
         </p:nvSpPr>
         <p:spPr>
           <a:xfrm>
-            <a:off x="10789920" y="3769360"/>
+            <a:off x="10809170" y="3461352"/>
             <a:ext cx="680720" cy="599440"/>
           </a:xfrm>
           <a:prstGeom prst="rect">
@@ -12955,7 +10926,7 @@
         </p:nvSpPr>
         <p:spPr>
           <a:xfrm>
-            <a:off x="10789920" y="4480560"/>
+            <a:off x="10809170" y="4172552"/>
             <a:ext cx="680720" cy="599440"/>
           </a:xfrm>
           <a:prstGeom prst="rect">
@@ -13004,7 +10975,7 @@
         </p:nvSpPr>
         <p:spPr>
           <a:xfrm>
-            <a:off x="10789920" y="5191760"/>
+            <a:off x="10809170" y="4883752"/>
             <a:ext cx="680720" cy="599440"/>
           </a:xfrm>
           <a:prstGeom prst="rect">
@@ -13053,7 +11024,7 @@
         </p:nvSpPr>
         <p:spPr>
           <a:xfrm>
-            <a:off x="10789920" y="5902960"/>
+            <a:off x="10809170" y="5594952"/>
             <a:ext cx="680720" cy="599440"/>
           </a:xfrm>
           <a:prstGeom prst="rect">
@@ -13106,7 +11077,7 @@
         </p:nvCxnSpPr>
         <p:spPr>
           <a:xfrm flipV="1">
-            <a:off x="8991600" y="1224280"/>
+            <a:off x="9010850" y="916272"/>
             <a:ext cx="1798320" cy="2651760"/>
           </a:xfrm>
           <a:prstGeom prst="line">
@@ -13146,7 +11117,7 @@
         </p:nvCxnSpPr>
         <p:spPr>
           <a:xfrm flipV="1">
-            <a:off x="8991600" y="1935480"/>
+            <a:off x="9010850" y="1627472"/>
             <a:ext cx="1798320" cy="1940560"/>
           </a:xfrm>
           <a:prstGeom prst="line">
@@ -13186,7 +11157,7 @@
         </p:nvCxnSpPr>
         <p:spPr>
           <a:xfrm flipV="1">
-            <a:off x="8991600" y="2646680"/>
+            <a:off x="9010850" y="2338672"/>
             <a:ext cx="1798320" cy="1229360"/>
           </a:xfrm>
           <a:prstGeom prst="line">
@@ -13226,7 +11197,7 @@
         </p:nvCxnSpPr>
         <p:spPr>
           <a:xfrm flipV="1">
-            <a:off x="8991600" y="3357880"/>
+            <a:off x="9010850" y="3049872"/>
             <a:ext cx="1798320" cy="518160"/>
           </a:xfrm>
           <a:prstGeom prst="line">
@@ -13266,7 +11237,7 @@
         </p:nvCxnSpPr>
         <p:spPr>
           <a:xfrm>
-            <a:off x="8991600" y="3876040"/>
+            <a:off x="9010850" y="3568032"/>
             <a:ext cx="1798320" cy="193040"/>
           </a:xfrm>
           <a:prstGeom prst="line">
@@ -13306,7 +11277,7 @@
         </p:nvCxnSpPr>
         <p:spPr>
           <a:xfrm>
-            <a:off x="8991600" y="3876040"/>
+            <a:off x="9010850" y="3568032"/>
             <a:ext cx="1798320" cy="904240"/>
           </a:xfrm>
           <a:prstGeom prst="line">
@@ -13346,7 +11317,7 @@
         </p:nvCxnSpPr>
         <p:spPr>
           <a:xfrm>
-            <a:off x="8991600" y="3876040"/>
+            <a:off x="9010850" y="3568032"/>
             <a:ext cx="1798320" cy="1615440"/>
           </a:xfrm>
           <a:prstGeom prst="line">
@@ -13386,7 +11357,7 @@
         </p:nvCxnSpPr>
         <p:spPr>
           <a:xfrm>
-            <a:off x="8991600" y="3876040"/>
+            <a:off x="9010850" y="3568032"/>
             <a:ext cx="1798320" cy="2326640"/>
           </a:xfrm>
           <a:prstGeom prst="line">
@@ -13422,8 +11393,8 @@
         </p:nvSpPr>
         <p:spPr>
           <a:xfrm>
-            <a:off x="3803850" y="4632160"/>
-            <a:ext cx="2387600" cy="369332"/>
+            <a:off x="3803850" y="3716321"/>
+            <a:ext cx="2097187" cy="276999"/>
           </a:xfrm>
           <a:prstGeom prst="rect">
             <a:avLst/>
@@ -13436,8 +11407,13 @@
           </a:bodyPr>
           <a:lstStyle/>
           <a:p>
-            <a:r>
-              <a:rPr lang="en-US" dirty="0"/>
+            <a:pPr algn="ctr"/>
+            <a:r>
+              <a:rPr lang="en-US" sz="1200" dirty="0">
+                <a:solidFill>
+                  <a:schemeClr val="bg1"/>
+                </a:solidFill>
+              </a:rPr>
               <a:t>Azure IoT Service SDK</a:t>
             </a:r>
           </a:p>
@@ -13445,10 +11421,10 @@
       </p:sp>
       <p:pic>
         <p:nvPicPr>
-          <p:cNvPr id="139" name="Picture 138">
-            <a:extLst>
-              <a:ext uri="{FF2B5EF4-FFF2-40B4-BE49-F238E27FC236}">
-                <a16:creationId xmlns:a16="http://schemas.microsoft.com/office/drawing/2014/main" id="{C20EFA70-DB5D-8D46-BA94-A2A6F5525DA4}"/>
+          <p:cNvPr id="130" name="Picture 129">
+            <a:extLst>
+              <a:ext uri="{FF2B5EF4-FFF2-40B4-BE49-F238E27FC236}">
+                <a16:creationId xmlns:a16="http://schemas.microsoft.com/office/drawing/2014/main" id="{2393C6E4-C6E0-894A-B342-5D5B491262A0}"/>
               </a:ext>
             </a:extLst>
           </p:cNvPr>
@@ -13465,263 +11441,33 @@
         </p:blipFill>
         <p:spPr>
           <a:xfrm>
-            <a:off x="154005" y="727488"/>
-            <a:ext cx="3291840" cy="1850416"/>
+            <a:off x="229238" y="1525872"/>
+            <a:ext cx="2487491" cy="4084320"/>
           </a:xfrm>
           <a:prstGeom prst="rect">
             <a:avLst/>
           </a:prstGeom>
         </p:spPr>
       </p:pic>
-      <p:sp>
-        <p:nvSpPr>
-          <p:cNvPr id="141" name="Rectangle 140">
-            <a:extLst>
-              <a:ext uri="{FF2B5EF4-FFF2-40B4-BE49-F238E27FC236}">
-                <a16:creationId xmlns:a16="http://schemas.microsoft.com/office/drawing/2014/main" id="{1244E8FD-8AA2-0B48-B046-30B5BBCD57BD}"/>
-              </a:ext>
-            </a:extLst>
-          </p:cNvPr>
-          <p:cNvSpPr/>
-          <p:nvPr/>
-        </p:nvSpPr>
-        <p:spPr>
-          <a:xfrm>
-            <a:off x="160536" y="864238"/>
-            <a:ext cx="497243" cy="1713666"/>
-          </a:xfrm>
-          <a:prstGeom prst="rect">
-            <a:avLst/>
-          </a:prstGeom>
-          <a:solidFill>
-            <a:schemeClr val="accent3">
-              <a:lumMod val="20000"/>
-              <a:lumOff val="80000"/>
-              <a:alpha val="50000"/>
-            </a:schemeClr>
-          </a:solidFill>
-        </p:spPr>
-        <p:style>
-          <a:lnRef idx="2">
-            <a:schemeClr val="accent1">
-              <a:shade val="50000"/>
-            </a:schemeClr>
-          </a:lnRef>
-          <a:fillRef idx="1">
-            <a:schemeClr val="accent1"/>
-          </a:fillRef>
-          <a:effectRef idx="0">
-            <a:schemeClr val="accent1"/>
-          </a:effectRef>
-          <a:fontRef idx="minor">
-            <a:schemeClr val="lt1"/>
-          </a:fontRef>
-        </p:style>
-        <p:txBody>
-          <a:bodyPr wrap="none" rtlCol="0" anchor="ctr"/>
-          <a:lstStyle/>
-          <a:p>
-            <a:pPr algn="ctr"/>
-            <a:r>
-              <a:rPr lang="en-US" sz="1400" dirty="0">
-                <a:solidFill>
-                  <a:srgbClr val="FF0000"/>
-                </a:solidFill>
-              </a:rPr>
-              <a:t>Edges</a:t>
-            </a:r>
-          </a:p>
-        </p:txBody>
-      </p:sp>
-      <p:sp>
-        <p:nvSpPr>
-          <p:cNvPr id="143" name="Rectangle 142">
-            <a:extLst>
-              <a:ext uri="{FF2B5EF4-FFF2-40B4-BE49-F238E27FC236}">
-                <a16:creationId xmlns:a16="http://schemas.microsoft.com/office/drawing/2014/main" id="{82273A1C-9B88-C34A-82A9-A8687B1A869E}"/>
-              </a:ext>
-            </a:extLst>
-          </p:cNvPr>
-          <p:cNvSpPr/>
-          <p:nvPr/>
-        </p:nvSpPr>
-        <p:spPr>
-          <a:xfrm>
-            <a:off x="664310" y="968583"/>
-            <a:ext cx="2781535" cy="684113"/>
-          </a:xfrm>
-          <a:prstGeom prst="rect">
-            <a:avLst/>
-          </a:prstGeom>
-          <a:solidFill>
-            <a:schemeClr val="accent3">
-              <a:lumMod val="20000"/>
-              <a:lumOff val="80000"/>
-              <a:alpha val="50000"/>
-            </a:schemeClr>
-          </a:solidFill>
-        </p:spPr>
-        <p:style>
-          <a:lnRef idx="2">
-            <a:schemeClr val="accent1">
-              <a:shade val="50000"/>
-            </a:schemeClr>
-          </a:lnRef>
-          <a:fillRef idx="1">
-            <a:schemeClr val="accent1"/>
-          </a:fillRef>
-          <a:effectRef idx="0">
-            <a:schemeClr val="accent1"/>
-          </a:effectRef>
-          <a:fontRef idx="minor">
-            <a:schemeClr val="lt1"/>
-          </a:fontRef>
-        </p:style>
-        <p:txBody>
-          <a:bodyPr wrap="none" rtlCol="0" anchor="ctr"/>
-          <a:lstStyle/>
-          <a:p>
-            <a:pPr algn="ctr"/>
-            <a:r>
-              <a:rPr lang="en-US" sz="1400" dirty="0">
-                <a:solidFill>
-                  <a:srgbClr val="FF0000"/>
-                </a:solidFill>
-              </a:rPr>
-              <a:t>Modules</a:t>
-            </a:r>
-          </a:p>
-        </p:txBody>
-      </p:sp>
-      <p:sp>
-        <p:nvSpPr>
-          <p:cNvPr id="145" name="Rectangle 144">
-            <a:extLst>
-              <a:ext uri="{FF2B5EF4-FFF2-40B4-BE49-F238E27FC236}">
-                <a16:creationId xmlns:a16="http://schemas.microsoft.com/office/drawing/2014/main" id="{3A91DB98-96E6-914B-B1B0-C07B3528A3F3}"/>
-              </a:ext>
-            </a:extLst>
-          </p:cNvPr>
-          <p:cNvSpPr/>
-          <p:nvPr/>
-        </p:nvSpPr>
-        <p:spPr>
-          <a:xfrm>
-            <a:off x="664310" y="1741391"/>
-            <a:ext cx="2781535" cy="500585"/>
-          </a:xfrm>
-          <a:prstGeom prst="rect">
-            <a:avLst/>
-          </a:prstGeom>
-          <a:solidFill>
-            <a:schemeClr val="accent3">
-              <a:lumMod val="20000"/>
-              <a:lumOff val="80000"/>
-              <a:alpha val="50000"/>
-            </a:schemeClr>
-          </a:solidFill>
-        </p:spPr>
-        <p:style>
-          <a:lnRef idx="2">
-            <a:schemeClr val="accent1">
-              <a:shade val="50000"/>
-            </a:schemeClr>
-          </a:lnRef>
-          <a:fillRef idx="1">
-            <a:schemeClr val="accent1"/>
-          </a:fillRef>
-          <a:effectRef idx="0">
-            <a:schemeClr val="accent1"/>
-          </a:effectRef>
-          <a:fontRef idx="minor">
-            <a:schemeClr val="lt1"/>
-          </a:fontRef>
-        </p:style>
-        <p:txBody>
-          <a:bodyPr wrap="none" rtlCol="0" anchor="ctr"/>
-          <a:lstStyle/>
-          <a:p>
-            <a:pPr algn="ctr"/>
-            <a:r>
-              <a:rPr lang="en-US" sz="1400" dirty="0">
-                <a:solidFill>
-                  <a:srgbClr val="FF0000"/>
-                </a:solidFill>
-              </a:rPr>
-              <a:t>Routes</a:t>
-            </a:r>
-          </a:p>
-        </p:txBody>
-      </p:sp>
-      <p:sp>
-        <p:nvSpPr>
-          <p:cNvPr id="146" name="Rectangle 145">
-            <a:extLst>
-              <a:ext uri="{FF2B5EF4-FFF2-40B4-BE49-F238E27FC236}">
-                <a16:creationId xmlns:a16="http://schemas.microsoft.com/office/drawing/2014/main" id="{040063EE-6E1C-0948-BA07-3CD7CA8B0BA4}"/>
-              </a:ext>
-            </a:extLst>
-          </p:cNvPr>
-          <p:cNvSpPr/>
-          <p:nvPr/>
-        </p:nvSpPr>
-        <p:spPr>
-          <a:xfrm>
-            <a:off x="746760" y="3426263"/>
-            <a:ext cx="2103120" cy="881577"/>
-          </a:xfrm>
-          <a:prstGeom prst="rect">
-            <a:avLst/>
-          </a:prstGeom>
-        </p:spPr>
-        <p:style>
-          <a:lnRef idx="2">
-            <a:schemeClr val="accent1">
-              <a:shade val="50000"/>
-            </a:schemeClr>
-          </a:lnRef>
-          <a:fillRef idx="1">
-            <a:schemeClr val="accent1"/>
-          </a:fillRef>
-          <a:effectRef idx="0">
-            <a:schemeClr val="accent1"/>
-          </a:effectRef>
-          <a:fontRef idx="minor">
-            <a:schemeClr val="lt1"/>
-          </a:fontRef>
-        </p:style>
-        <p:txBody>
-          <a:bodyPr rtlCol="0" anchor="ctr"/>
-          <a:lstStyle/>
-          <a:p>
-            <a:pPr algn="ctr"/>
-            <a:r>
-              <a:rPr lang="en-US" dirty="0"/>
-              <a:t>Power Automate</a:t>
-            </a:r>
-          </a:p>
-        </p:txBody>
-      </p:sp>
       <p:cxnSp>
         <p:nvCxnSpPr>
-          <p:cNvPr id="149" name="Straight Arrow Connector 148">
-            <a:extLst>
-              <a:ext uri="{FF2B5EF4-FFF2-40B4-BE49-F238E27FC236}">
-                <a16:creationId xmlns:a16="http://schemas.microsoft.com/office/drawing/2014/main" id="{A7F4F2A1-1CD1-7F49-B107-65C5AE4912FB}"/>
+          <p:cNvPr id="132" name="Straight Arrow Connector 131">
+            <a:extLst>
+              <a:ext uri="{FF2B5EF4-FFF2-40B4-BE49-F238E27FC236}">
+                <a16:creationId xmlns:a16="http://schemas.microsoft.com/office/drawing/2014/main" id="{8E64EE28-3271-E147-8F88-41216B91922D}"/>
               </a:ext>
             </a:extLst>
           </p:cNvPr>
           <p:cNvCxnSpPr>
             <a:cxnSpLocks/>
-            <a:stCxn id="139" idx="2"/>
-            <a:endCxn id="146" idx="0"/>
+            <a:endCxn id="4" idx="1"/>
           </p:cNvCxnSpPr>
           <p:nvPr/>
         </p:nvCxnSpPr>
         <p:spPr>
-          <a:xfrm flipH="1">
-            <a:off x="1798320" y="2577904"/>
-            <a:ext cx="1605" cy="848359"/>
+          <a:xfrm>
+            <a:off x="2726036" y="3568032"/>
+            <a:ext cx="1042254" cy="0"/>
           </a:xfrm>
           <a:prstGeom prst="straightConnector1">
             <a:avLst/>
@@ -13745,49 +11491,41 @@
           </a:fontRef>
         </p:style>
       </p:cxnSp>
-      <p:cxnSp>
-        <p:nvCxnSpPr>
-          <p:cNvPr id="151" name="Straight Arrow Connector 150">
-            <a:extLst>
-              <a:ext uri="{FF2B5EF4-FFF2-40B4-BE49-F238E27FC236}">
-                <a16:creationId xmlns:a16="http://schemas.microsoft.com/office/drawing/2014/main" id="{0307EC65-B4B8-A64E-906A-F890524999DD}"/>
-              </a:ext>
-            </a:extLst>
-          </p:cNvPr>
-          <p:cNvCxnSpPr>
-            <a:cxnSpLocks/>
-            <a:stCxn id="146" idx="3"/>
-            <a:endCxn id="4" idx="1"/>
-          </p:cNvCxnSpPr>
-          <p:nvPr/>
-        </p:nvCxnSpPr>
-        <p:spPr>
-          <a:xfrm>
-            <a:off x="2849880" y="3867052"/>
-            <a:ext cx="899160" cy="8988"/>
-          </a:xfrm>
-          <a:prstGeom prst="straightConnector1">
-            <a:avLst/>
-          </a:prstGeom>
-          <a:ln>
-            <a:tailEnd type="triangle"/>
-          </a:ln>
-        </p:spPr>
-        <p:style>
-          <a:lnRef idx="1">
-            <a:schemeClr val="accent1"/>
-          </a:lnRef>
-          <a:fillRef idx="0">
-            <a:schemeClr val="accent1"/>
-          </a:fillRef>
-          <a:effectRef idx="0">
-            <a:schemeClr val="accent1"/>
-          </a:effectRef>
-          <a:fontRef idx="minor">
-            <a:schemeClr val="tx1"/>
-          </a:fontRef>
-        </p:style>
-      </p:cxnSp>
+      <p:sp>
+        <p:nvSpPr>
+          <p:cNvPr id="137" name="TextBox 136">
+            <a:extLst>
+              <a:ext uri="{FF2B5EF4-FFF2-40B4-BE49-F238E27FC236}">
+                <a16:creationId xmlns:a16="http://schemas.microsoft.com/office/drawing/2014/main" id="{15554FD3-9239-CE45-9A0C-DE102CBEDB46}"/>
+              </a:ext>
+            </a:extLst>
+          </p:cNvPr>
+          <p:cNvSpPr txBox="1"/>
+          <p:nvPr/>
+        </p:nvSpPr>
+        <p:spPr>
+          <a:xfrm>
+            <a:off x="2762450" y="3215726"/>
+            <a:ext cx="741680" cy="369332"/>
+          </a:xfrm>
+          <a:prstGeom prst="rect">
+            <a:avLst/>
+          </a:prstGeom>
+          <a:noFill/>
+        </p:spPr>
+        <p:txBody>
+          <a:bodyPr wrap="square" rtlCol="0">
+            <a:spAutoFit/>
+          </a:bodyPr>
+          <a:lstStyle/>
+          <a:p>
+            <a:r>
+              <a:rPr lang="en-US" dirty="0"/>
+              <a:t>POST</a:t>
+            </a:r>
+          </a:p>
+        </p:txBody>
+      </p:sp>
       <p:cxnSp>
         <p:nvCxnSpPr>
           <p:cNvPr id="155" name="Straight Arrow Connector 154">
@@ -13806,7 +11544,7 @@
         </p:nvCxnSpPr>
         <p:spPr>
           <a:xfrm>
-            <a:off x="5852160" y="3876040"/>
+            <a:off x="5871410" y="3568032"/>
             <a:ext cx="640080" cy="0"/>
           </a:xfrm>
           <a:prstGeom prst="straightConnector1">
@@ -13833,84 +11571,10 @@
       </p:cxnSp>
       <p:sp>
         <p:nvSpPr>
-          <p:cNvPr id="157" name="TextBox 156">
-            <a:extLst>
-              <a:ext uri="{FF2B5EF4-FFF2-40B4-BE49-F238E27FC236}">
-                <a16:creationId xmlns:a16="http://schemas.microsoft.com/office/drawing/2014/main" id="{2D41CCE8-7772-0D4A-9B1A-DADD2DF9D397}"/>
-              </a:ext>
-            </a:extLst>
-          </p:cNvPr>
-          <p:cNvSpPr txBox="1"/>
-          <p:nvPr/>
-        </p:nvSpPr>
-        <p:spPr>
-          <a:xfrm>
-            <a:off x="2928620" y="3557508"/>
-            <a:ext cx="741680" cy="369332"/>
-          </a:xfrm>
-          <a:prstGeom prst="rect">
-            <a:avLst/>
-          </a:prstGeom>
-          <a:noFill/>
-        </p:spPr>
-        <p:txBody>
-          <a:bodyPr wrap="square" rtlCol="0">
-            <a:spAutoFit/>
-          </a:bodyPr>
-          <a:lstStyle/>
-          <a:p>
-            <a:r>
-              <a:rPr lang="en-US" dirty="0"/>
-              <a:t>POST</a:t>
-            </a:r>
-          </a:p>
-        </p:txBody>
-      </p:sp>
-      <p:cxnSp>
-        <p:nvCxnSpPr>
-          <p:cNvPr id="169" name="Straight Connector 168">
-            <a:extLst>
-              <a:ext uri="{FF2B5EF4-FFF2-40B4-BE49-F238E27FC236}">
-                <a16:creationId xmlns:a16="http://schemas.microsoft.com/office/drawing/2014/main" id="{5894EDBC-2734-5F4B-9E1C-A8CF7C0EF2C9}"/>
-              </a:ext>
-            </a:extLst>
-          </p:cNvPr>
-          <p:cNvCxnSpPr>
-            <a:stCxn id="4" idx="2"/>
-            <a:endCxn id="164" idx="0"/>
-          </p:cNvCxnSpPr>
-          <p:nvPr/>
-        </p:nvCxnSpPr>
-        <p:spPr>
-          <a:xfrm flipH="1">
-            <a:off x="4797633" y="4358640"/>
-            <a:ext cx="2967" cy="850575"/>
-          </a:xfrm>
-          <a:prstGeom prst="line">
-            <a:avLst/>
-          </a:prstGeom>
-        </p:spPr>
-        <p:style>
-          <a:lnRef idx="1">
-            <a:schemeClr val="accent1"/>
-          </a:lnRef>
-          <a:fillRef idx="0">
-            <a:schemeClr val="accent1"/>
-          </a:fillRef>
-          <a:effectRef idx="0">
-            <a:schemeClr val="accent1"/>
-          </a:effectRef>
-          <a:fontRef idx="minor">
-            <a:schemeClr val="tx1"/>
-          </a:fontRef>
-        </p:style>
-      </p:cxnSp>
-      <p:sp>
-        <p:nvSpPr>
-          <p:cNvPr id="2" name="Double Brace 1">
-            <a:extLst>
-              <a:ext uri="{FF2B5EF4-FFF2-40B4-BE49-F238E27FC236}">
-                <a16:creationId xmlns:a16="http://schemas.microsoft.com/office/drawing/2014/main" id="{D336A0F2-7A10-184F-93A8-F29294BB9289}"/>
+          <p:cNvPr id="160" name="Double Brace 159">
+            <a:extLst>
+              <a:ext uri="{FF2B5EF4-FFF2-40B4-BE49-F238E27FC236}">
+                <a16:creationId xmlns:a16="http://schemas.microsoft.com/office/drawing/2014/main" id="{E0CE6AE5-058B-4E47-BE11-923AB4F3D663}"/>
               </a:ext>
             </a:extLst>
           </p:cNvPr>
@@ -13919,7 +11583,7 @@
         </p:nvSpPr>
         <p:spPr>
           <a:xfrm>
-            <a:off x="4941744" y="5829940"/>
+            <a:off x="4941744" y="5531556"/>
             <a:ext cx="693019" cy="497841"/>
           </a:xfrm>
           <a:prstGeom prst="bracePair">
@@ -13959,10 +11623,10 @@
       </p:sp>
       <p:sp>
         <p:nvSpPr>
-          <p:cNvPr id="3" name="Double Brace 2">
-            <a:extLst>
-              <a:ext uri="{FF2B5EF4-FFF2-40B4-BE49-F238E27FC236}">
-                <a16:creationId xmlns:a16="http://schemas.microsoft.com/office/drawing/2014/main" id="{745B5048-1F63-6A46-A8FD-B3003887E026}"/>
+          <p:cNvPr id="166" name="Double Brace 165">
+            <a:extLst>
+              <a:ext uri="{FF2B5EF4-FFF2-40B4-BE49-F238E27FC236}">
+                <a16:creationId xmlns:a16="http://schemas.microsoft.com/office/drawing/2014/main" id="{29149029-3285-F84F-BDFA-1B44BF5A78DB}"/>
               </a:ext>
             </a:extLst>
           </p:cNvPr>
@@ -13971,7 +11635,7 @@
         </p:nvSpPr>
         <p:spPr>
           <a:xfrm>
-            <a:off x="4013976" y="5840099"/>
+            <a:off x="4013976" y="5541715"/>
             <a:ext cx="693019" cy="497841"/>
           </a:xfrm>
           <a:prstGeom prst="bracePair">
@@ -14009,10 +11673,49 @@
           </a:p>
         </p:txBody>
       </p:sp>
+      <p:cxnSp>
+        <p:nvCxnSpPr>
+          <p:cNvPr id="169" name="Straight Connector 168">
+            <a:extLst>
+              <a:ext uri="{FF2B5EF4-FFF2-40B4-BE49-F238E27FC236}">
+                <a16:creationId xmlns:a16="http://schemas.microsoft.com/office/drawing/2014/main" id="{5894EDBC-2734-5F4B-9E1C-A8CF7C0EF2C9}"/>
+              </a:ext>
+            </a:extLst>
+          </p:cNvPr>
+          <p:cNvCxnSpPr>
+            <a:stCxn id="4" idx="2"/>
+            <a:endCxn id="164" idx="0"/>
+          </p:cNvCxnSpPr>
+          <p:nvPr/>
+        </p:nvCxnSpPr>
+        <p:spPr>
+          <a:xfrm flipH="1">
+            <a:off x="4816883" y="4050632"/>
+            <a:ext cx="2967" cy="850575"/>
+          </a:xfrm>
+          <a:prstGeom prst="line">
+            <a:avLst/>
+          </a:prstGeom>
+        </p:spPr>
+        <p:style>
+          <a:lnRef idx="1">
+            <a:schemeClr val="accent1"/>
+          </a:lnRef>
+          <a:fillRef idx="0">
+            <a:schemeClr val="accent1"/>
+          </a:fillRef>
+          <a:effectRef idx="0">
+            <a:schemeClr val="accent1"/>
+          </a:effectRef>
+          <a:fontRef idx="minor">
+            <a:schemeClr val="tx1"/>
+          </a:fontRef>
+        </p:style>
+      </p:cxnSp>
     </p:spTree>
     <p:extLst>
       <p:ext uri="{BB962C8B-B14F-4D97-AF65-F5344CB8AC3E}">
-        <p14:creationId xmlns:p14="http://schemas.microsoft.com/office/powerpoint/2010/main" val="388716848"/>
+        <p14:creationId xmlns:p14="http://schemas.microsoft.com/office/powerpoint/2010/main" val="931087536"/>
       </p:ext>
     </p:extLst>
   </p:cSld>
@@ -14044,7 +11747,7 @@
           <p:cNvPr id="4" name="Picture 3">
             <a:extLst>
               <a:ext uri="{FF2B5EF4-FFF2-40B4-BE49-F238E27FC236}">
-                <a16:creationId xmlns:a16="http://schemas.microsoft.com/office/drawing/2014/main" id="{B1A75CF6-42AB-C048-B240-4DA759C7EE8A}"/>
+                <a16:creationId xmlns:a16="http://schemas.microsoft.com/office/drawing/2014/main" id="{09ECD963-04E2-C142-B97E-4CF12ADBA887}"/>
               </a:ext>
             </a:extLst>
           </p:cNvPr>
@@ -14061,334 +11764,18 @@
         </p:blipFill>
         <p:spPr>
           <a:xfrm>
-            <a:off x="31487" y="0"/>
-            <a:ext cx="12129025" cy="6858000"/>
+            <a:off x="0" y="14585"/>
+            <a:ext cx="12192000" cy="6828830"/>
           </a:xfrm>
           <a:prstGeom prst="rect">
             <a:avLst/>
           </a:prstGeom>
         </p:spPr>
       </p:pic>
-      <p:sp>
-        <p:nvSpPr>
-          <p:cNvPr id="5" name="Rectangle 4">
-            <a:extLst>
-              <a:ext uri="{FF2B5EF4-FFF2-40B4-BE49-F238E27FC236}">
-                <a16:creationId xmlns:a16="http://schemas.microsoft.com/office/drawing/2014/main" id="{BF7771A2-DD1F-A244-A63C-105AC81255F7}"/>
-              </a:ext>
-            </a:extLst>
-          </p:cNvPr>
-          <p:cNvSpPr/>
-          <p:nvPr/>
-        </p:nvSpPr>
-        <p:spPr>
-          <a:xfrm>
-            <a:off x="31487" y="544286"/>
-            <a:ext cx="2766142" cy="6318504"/>
-          </a:xfrm>
-          <a:prstGeom prst="rect">
-            <a:avLst/>
-          </a:prstGeom>
-          <a:solidFill>
-            <a:schemeClr val="accent3">
-              <a:lumMod val="20000"/>
-              <a:lumOff val="80000"/>
-              <a:alpha val="50000"/>
-            </a:schemeClr>
-          </a:solidFill>
-        </p:spPr>
-        <p:style>
-          <a:lnRef idx="2">
-            <a:schemeClr val="accent1">
-              <a:shade val="50000"/>
-            </a:schemeClr>
-          </a:lnRef>
-          <a:fillRef idx="1">
-            <a:schemeClr val="accent1"/>
-          </a:fillRef>
-          <a:effectRef idx="0">
-            <a:schemeClr val="accent1"/>
-          </a:effectRef>
-          <a:fontRef idx="minor">
-            <a:schemeClr val="lt1"/>
-          </a:fontRef>
-        </p:style>
-        <p:txBody>
-          <a:bodyPr rtlCol="0" anchor="ctr"/>
-          <a:lstStyle/>
-          <a:p>
-            <a:pPr algn="ctr"/>
-            <a:endParaRPr lang="en-US"/>
-          </a:p>
-        </p:txBody>
-      </p:sp>
-      <p:sp>
-        <p:nvSpPr>
-          <p:cNvPr id="7" name="TextBox 6">
-            <a:extLst>
-              <a:ext uri="{FF2B5EF4-FFF2-40B4-BE49-F238E27FC236}">
-                <a16:creationId xmlns:a16="http://schemas.microsoft.com/office/drawing/2014/main" id="{136C936A-35A7-3F43-B31F-4CF188157FCD}"/>
-              </a:ext>
-            </a:extLst>
-          </p:cNvPr>
-          <p:cNvSpPr txBox="1"/>
-          <p:nvPr/>
-        </p:nvSpPr>
-        <p:spPr>
-          <a:xfrm>
-            <a:off x="31488" y="885958"/>
-            <a:ext cx="2766142" cy="461665"/>
-          </a:xfrm>
-          <a:prstGeom prst="rect">
-            <a:avLst/>
-          </a:prstGeom>
-          <a:noFill/>
-        </p:spPr>
-        <p:txBody>
-          <a:bodyPr wrap="square" rtlCol="0">
-            <a:spAutoFit/>
-          </a:bodyPr>
-          <a:lstStyle/>
-          <a:p>
-            <a:pPr algn="ctr"/>
-            <a:r>
-              <a:rPr lang="en-US" sz="2400" i="1" dirty="0">
-                <a:solidFill>
-                  <a:srgbClr val="FF0000"/>
-                </a:solidFill>
-              </a:rPr>
-              <a:t>List of Edges</a:t>
-            </a:r>
-          </a:p>
-        </p:txBody>
-      </p:sp>
-      <p:sp>
-        <p:nvSpPr>
-          <p:cNvPr id="10" name="TextBox 9">
-            <a:extLst>
-              <a:ext uri="{FF2B5EF4-FFF2-40B4-BE49-F238E27FC236}">
-                <a16:creationId xmlns:a16="http://schemas.microsoft.com/office/drawing/2014/main" id="{0726B819-B4E9-B74D-B771-05C29A90E345}"/>
-              </a:ext>
-            </a:extLst>
-          </p:cNvPr>
-          <p:cNvSpPr txBox="1"/>
-          <p:nvPr/>
-        </p:nvSpPr>
-        <p:spPr>
-          <a:xfrm>
-            <a:off x="4380108" y="655125"/>
-            <a:ext cx="2766142" cy="461665"/>
-          </a:xfrm>
-          <a:prstGeom prst="rect">
-            <a:avLst/>
-          </a:prstGeom>
-          <a:noFill/>
-        </p:spPr>
-        <p:txBody>
-          <a:bodyPr wrap="square" rtlCol="0">
-            <a:spAutoFit/>
-          </a:bodyPr>
-          <a:lstStyle/>
-          <a:p>
-            <a:pPr algn="ctr"/>
-            <a:r>
-              <a:rPr lang="en-US" sz="2400" i="1" dirty="0">
-                <a:solidFill>
-                  <a:srgbClr val="FF0000"/>
-                </a:solidFill>
-              </a:rPr>
-              <a:t>Selected Edge</a:t>
-            </a:r>
-          </a:p>
-        </p:txBody>
-      </p:sp>
-      <p:cxnSp>
-        <p:nvCxnSpPr>
-          <p:cNvPr id="12" name="Straight Arrow Connector 11">
-            <a:extLst>
-              <a:ext uri="{FF2B5EF4-FFF2-40B4-BE49-F238E27FC236}">
-                <a16:creationId xmlns:a16="http://schemas.microsoft.com/office/drawing/2014/main" id="{E7DBACE6-6340-6D46-BAC8-1C8D4CD7D060}"/>
-              </a:ext>
-            </a:extLst>
-          </p:cNvPr>
-          <p:cNvCxnSpPr/>
-          <p:nvPr/>
-        </p:nvCxnSpPr>
-        <p:spPr>
-          <a:xfrm>
-            <a:off x="4070959" y="885957"/>
-            <a:ext cx="726509" cy="0"/>
-          </a:xfrm>
-          <a:prstGeom prst="straightConnector1">
-            <a:avLst/>
-          </a:prstGeom>
-          <a:ln>
-            <a:tailEnd type="triangle"/>
-          </a:ln>
-        </p:spPr>
-        <p:style>
-          <a:lnRef idx="1">
-            <a:schemeClr val="accent1"/>
-          </a:lnRef>
-          <a:fillRef idx="0">
-            <a:schemeClr val="accent1"/>
-          </a:fillRef>
-          <a:effectRef idx="0">
-            <a:schemeClr val="accent1"/>
-          </a:effectRef>
-          <a:fontRef idx="minor">
-            <a:schemeClr val="tx1"/>
-          </a:fontRef>
-        </p:style>
-      </p:cxnSp>
-      <p:sp>
-        <p:nvSpPr>
-          <p:cNvPr id="13" name="Rectangle 12">
-            <a:extLst>
-              <a:ext uri="{FF2B5EF4-FFF2-40B4-BE49-F238E27FC236}">
-                <a16:creationId xmlns:a16="http://schemas.microsoft.com/office/drawing/2014/main" id="{7CA36137-01E3-1843-9A69-C1F722D1D57D}"/>
-              </a:ext>
-            </a:extLst>
-          </p:cNvPr>
-          <p:cNvSpPr/>
-          <p:nvPr/>
-        </p:nvSpPr>
-        <p:spPr>
-          <a:xfrm>
-            <a:off x="147379" y="5966350"/>
-            <a:ext cx="2534358" cy="722549"/>
-          </a:xfrm>
-          <a:prstGeom prst="rect">
-            <a:avLst/>
-          </a:prstGeom>
-          <a:noFill/>
-          <a:ln>
-            <a:solidFill>
-              <a:srgbClr val="FF0000"/>
-            </a:solidFill>
-          </a:ln>
-        </p:spPr>
-        <p:style>
-          <a:lnRef idx="2">
-            <a:schemeClr val="accent1">
-              <a:shade val="50000"/>
-            </a:schemeClr>
-          </a:lnRef>
-          <a:fillRef idx="1">
-            <a:schemeClr val="accent1"/>
-          </a:fillRef>
-          <a:effectRef idx="0">
-            <a:schemeClr val="accent1"/>
-          </a:effectRef>
-          <a:fontRef idx="minor">
-            <a:schemeClr val="lt1"/>
-          </a:fontRef>
-        </p:style>
-        <p:txBody>
-          <a:bodyPr rtlCol="0" anchor="ctr"/>
-          <a:lstStyle/>
-          <a:p>
-            <a:pPr algn="ctr"/>
-            <a:endParaRPr lang="en-US"/>
-          </a:p>
-        </p:txBody>
-      </p:sp>
-      <p:sp>
-        <p:nvSpPr>
-          <p:cNvPr id="15" name="TextBox 14">
-            <a:extLst>
-              <a:ext uri="{FF2B5EF4-FFF2-40B4-BE49-F238E27FC236}">
-                <a16:creationId xmlns:a16="http://schemas.microsoft.com/office/drawing/2014/main" id="{0ACA00EF-8FAB-DF43-A297-BD30B4B8824E}"/>
-              </a:ext>
-            </a:extLst>
-          </p:cNvPr>
-          <p:cNvSpPr txBox="1"/>
-          <p:nvPr/>
-        </p:nvSpPr>
-        <p:spPr>
-          <a:xfrm>
-            <a:off x="6774965" y="2527468"/>
-            <a:ext cx="2766142" cy="461665"/>
-          </a:xfrm>
-          <a:prstGeom prst="rect">
-            <a:avLst/>
-          </a:prstGeom>
-          <a:noFill/>
-        </p:spPr>
-        <p:txBody>
-          <a:bodyPr wrap="square" rtlCol="0">
-            <a:spAutoFit/>
-          </a:bodyPr>
-          <a:lstStyle/>
-          <a:p>
-            <a:pPr algn="ctr"/>
-            <a:r>
-              <a:rPr lang="en-US" sz="2400" i="1" dirty="0">
-                <a:solidFill>
-                  <a:srgbClr val="FF0000"/>
-                </a:solidFill>
-              </a:rPr>
-              <a:t>Selected Edge</a:t>
-            </a:r>
-          </a:p>
-        </p:txBody>
-      </p:sp>
-      <p:sp>
-        <p:nvSpPr>
-          <p:cNvPr id="2" name="Rectangle 1">
-            <a:extLst>
-              <a:ext uri="{FF2B5EF4-FFF2-40B4-BE49-F238E27FC236}">
-                <a16:creationId xmlns:a16="http://schemas.microsoft.com/office/drawing/2014/main" id="{6D86FDED-6DEA-1046-80A8-20E85CDB2602}"/>
-              </a:ext>
-            </a:extLst>
-          </p:cNvPr>
-          <p:cNvSpPr/>
-          <p:nvPr/>
-        </p:nvSpPr>
-        <p:spPr>
-          <a:xfrm>
-            <a:off x="31487" y="0"/>
-            <a:ext cx="11632193" cy="544286"/>
-          </a:xfrm>
-          <a:prstGeom prst="rect">
-            <a:avLst/>
-          </a:prstGeom>
-          <a:ln>
-            <a:noFill/>
-          </a:ln>
-        </p:spPr>
-        <p:style>
-          <a:lnRef idx="2">
-            <a:schemeClr val="accent1">
-              <a:shade val="50000"/>
-            </a:schemeClr>
-          </a:lnRef>
-          <a:fillRef idx="1">
-            <a:schemeClr val="accent1"/>
-          </a:fillRef>
-          <a:effectRef idx="0">
-            <a:schemeClr val="accent1"/>
-          </a:effectRef>
-          <a:fontRef idx="minor">
-            <a:schemeClr val="lt1"/>
-          </a:fontRef>
-        </p:style>
-        <p:txBody>
-          <a:bodyPr rtlCol="0" anchor="ctr"/>
-          <a:lstStyle/>
-          <a:p>
-            <a:pPr algn="ctr"/>
-            <a:r>
-              <a:rPr lang="en-US" dirty="0"/>
-              <a:t>Add</a:t>
-            </a:r>
-          </a:p>
-        </p:txBody>
-      </p:sp>
     </p:spTree>
     <p:extLst>
       <p:ext uri="{BB962C8B-B14F-4D97-AF65-F5344CB8AC3E}">
-        <p14:creationId xmlns:p14="http://schemas.microsoft.com/office/powerpoint/2010/main" val="3234276974"/>
+        <p14:creationId xmlns:p14="http://schemas.microsoft.com/office/powerpoint/2010/main" val="23415538"/>
       </p:ext>
     </p:extLst>
   </p:cSld>
@@ -14399,6 +11786,3064 @@
 </file>
 
 <file path=ppt/slides/slide5.xml><?xml version="1.0" encoding="utf-8"?>
+<p:sld xmlns:a="http://schemas.openxmlformats.org/drawingml/2006/main" xmlns:r="http://schemas.openxmlformats.org/officeDocument/2006/relationships" xmlns:p="http://schemas.openxmlformats.org/presentationml/2006/main">
+  <p:cSld>
+    <p:spTree>
+      <p:nvGrpSpPr>
+        <p:cNvPr id="1" name=""/>
+        <p:cNvGrpSpPr/>
+        <p:nvPr/>
+      </p:nvGrpSpPr>
+      <p:grpSpPr>
+        <a:xfrm>
+          <a:off x="0" y="0"/>
+          <a:ext cx="0" cy="0"/>
+          <a:chOff x="0" y="0"/>
+          <a:chExt cx="0" cy="0"/>
+        </a:xfrm>
+      </p:grpSpPr>
+      <p:sp>
+        <p:nvSpPr>
+          <p:cNvPr id="164" name="Rectangle 163">
+            <a:extLst>
+              <a:ext uri="{FF2B5EF4-FFF2-40B4-BE49-F238E27FC236}">
+                <a16:creationId xmlns:a16="http://schemas.microsoft.com/office/drawing/2014/main" id="{EA554CC8-D245-E443-B2D0-19C39E219CFD}"/>
+              </a:ext>
+            </a:extLst>
+          </p:cNvPr>
+          <p:cNvSpPr/>
+          <p:nvPr/>
+        </p:nvSpPr>
+        <p:spPr>
+          <a:xfrm>
+            <a:off x="3749039" y="5209215"/>
+            <a:ext cx="2097187" cy="1532593"/>
+          </a:xfrm>
+          <a:prstGeom prst="rect">
+            <a:avLst/>
+          </a:prstGeom>
+        </p:spPr>
+        <p:style>
+          <a:lnRef idx="2">
+            <a:schemeClr val="accent1">
+              <a:shade val="50000"/>
+            </a:schemeClr>
+          </a:lnRef>
+          <a:fillRef idx="1">
+            <a:schemeClr val="accent1"/>
+          </a:fillRef>
+          <a:effectRef idx="0">
+            <a:schemeClr val="accent1"/>
+          </a:effectRef>
+          <a:fontRef idx="minor">
+            <a:schemeClr val="lt1"/>
+          </a:fontRef>
+        </p:style>
+        <p:txBody>
+          <a:bodyPr rtlCol="0" anchor="t" anchorCtr="0"/>
+          <a:lstStyle/>
+          <a:p>
+            <a:pPr algn="ctr"/>
+            <a:r>
+              <a:rPr lang="en-US" dirty="0"/>
+              <a:t>CosmosDB</a:t>
+            </a:r>
+          </a:p>
+        </p:txBody>
+      </p:sp>
+      <p:sp>
+        <p:nvSpPr>
+          <p:cNvPr id="93" name="Rectangle 92">
+            <a:extLst>
+              <a:ext uri="{FF2B5EF4-FFF2-40B4-BE49-F238E27FC236}">
+                <a16:creationId xmlns:a16="http://schemas.microsoft.com/office/drawing/2014/main" id="{4EF66DC5-66F1-B242-B909-393593F72E84}"/>
+              </a:ext>
+            </a:extLst>
+          </p:cNvPr>
+          <p:cNvSpPr/>
+          <p:nvPr/>
+        </p:nvSpPr>
+        <p:spPr>
+          <a:xfrm>
+            <a:off x="11287760" y="629920"/>
+            <a:ext cx="680720" cy="599440"/>
+          </a:xfrm>
+          <a:prstGeom prst="rect">
+            <a:avLst/>
+          </a:prstGeom>
+        </p:spPr>
+        <p:style>
+          <a:lnRef idx="2">
+            <a:schemeClr val="accent1">
+              <a:shade val="50000"/>
+            </a:schemeClr>
+          </a:lnRef>
+          <a:fillRef idx="1">
+            <a:schemeClr val="accent1"/>
+          </a:fillRef>
+          <a:effectRef idx="0">
+            <a:schemeClr val="accent1"/>
+          </a:effectRef>
+          <a:fontRef idx="minor">
+            <a:schemeClr val="lt1"/>
+          </a:fontRef>
+        </p:style>
+        <p:txBody>
+          <a:bodyPr rtlCol="0" anchor="ctr"/>
+          <a:lstStyle/>
+          <a:p>
+            <a:pPr algn="ctr"/>
+            <a:r>
+              <a:rPr lang="en-US" sz="1600" dirty="0"/>
+              <a:t>IoT Edge</a:t>
+            </a:r>
+          </a:p>
+        </p:txBody>
+      </p:sp>
+      <p:sp>
+        <p:nvSpPr>
+          <p:cNvPr id="95" name="Rectangle 94">
+            <a:extLst>
+              <a:ext uri="{FF2B5EF4-FFF2-40B4-BE49-F238E27FC236}">
+                <a16:creationId xmlns:a16="http://schemas.microsoft.com/office/drawing/2014/main" id="{8E46EFB1-2971-C944-8552-F54F15263F6B}"/>
+              </a:ext>
+            </a:extLst>
+          </p:cNvPr>
+          <p:cNvSpPr/>
+          <p:nvPr/>
+        </p:nvSpPr>
+        <p:spPr>
+          <a:xfrm>
+            <a:off x="11287760" y="1341120"/>
+            <a:ext cx="680720" cy="599440"/>
+          </a:xfrm>
+          <a:prstGeom prst="rect">
+            <a:avLst/>
+          </a:prstGeom>
+        </p:spPr>
+        <p:style>
+          <a:lnRef idx="2">
+            <a:schemeClr val="accent1">
+              <a:shade val="50000"/>
+            </a:schemeClr>
+          </a:lnRef>
+          <a:fillRef idx="1">
+            <a:schemeClr val="accent1"/>
+          </a:fillRef>
+          <a:effectRef idx="0">
+            <a:schemeClr val="accent1"/>
+          </a:effectRef>
+          <a:fontRef idx="minor">
+            <a:schemeClr val="lt1"/>
+          </a:fontRef>
+        </p:style>
+        <p:txBody>
+          <a:bodyPr rtlCol="0" anchor="ctr"/>
+          <a:lstStyle/>
+          <a:p>
+            <a:pPr algn="ctr"/>
+            <a:r>
+              <a:rPr lang="en-US" sz="1600" dirty="0"/>
+              <a:t>IoT Edge</a:t>
+            </a:r>
+          </a:p>
+        </p:txBody>
+      </p:sp>
+      <p:sp>
+        <p:nvSpPr>
+          <p:cNvPr id="97" name="Rectangle 96">
+            <a:extLst>
+              <a:ext uri="{FF2B5EF4-FFF2-40B4-BE49-F238E27FC236}">
+                <a16:creationId xmlns:a16="http://schemas.microsoft.com/office/drawing/2014/main" id="{A7601A18-7B57-A84A-816E-6ABA7329B384}"/>
+              </a:ext>
+            </a:extLst>
+          </p:cNvPr>
+          <p:cNvSpPr/>
+          <p:nvPr/>
+        </p:nvSpPr>
+        <p:spPr>
+          <a:xfrm>
+            <a:off x="11287760" y="2052320"/>
+            <a:ext cx="680720" cy="599440"/>
+          </a:xfrm>
+          <a:prstGeom prst="rect">
+            <a:avLst/>
+          </a:prstGeom>
+        </p:spPr>
+        <p:style>
+          <a:lnRef idx="2">
+            <a:schemeClr val="accent1">
+              <a:shade val="50000"/>
+            </a:schemeClr>
+          </a:lnRef>
+          <a:fillRef idx="1">
+            <a:schemeClr val="accent1"/>
+          </a:fillRef>
+          <a:effectRef idx="0">
+            <a:schemeClr val="accent1"/>
+          </a:effectRef>
+          <a:fontRef idx="minor">
+            <a:schemeClr val="lt1"/>
+          </a:fontRef>
+        </p:style>
+        <p:txBody>
+          <a:bodyPr rtlCol="0" anchor="ctr"/>
+          <a:lstStyle/>
+          <a:p>
+            <a:pPr algn="ctr"/>
+            <a:r>
+              <a:rPr lang="en-US" sz="1600" dirty="0"/>
+              <a:t>IoT Edge</a:t>
+            </a:r>
+          </a:p>
+        </p:txBody>
+      </p:sp>
+      <p:sp>
+        <p:nvSpPr>
+          <p:cNvPr id="99" name="Rectangle 98">
+            <a:extLst>
+              <a:ext uri="{FF2B5EF4-FFF2-40B4-BE49-F238E27FC236}">
+                <a16:creationId xmlns:a16="http://schemas.microsoft.com/office/drawing/2014/main" id="{27D9F8FD-E134-0B4B-A04A-D7E1C91F0C8F}"/>
+              </a:ext>
+            </a:extLst>
+          </p:cNvPr>
+          <p:cNvSpPr/>
+          <p:nvPr/>
+        </p:nvSpPr>
+        <p:spPr>
+          <a:xfrm>
+            <a:off x="11287760" y="2763520"/>
+            <a:ext cx="680720" cy="599440"/>
+          </a:xfrm>
+          <a:prstGeom prst="rect">
+            <a:avLst/>
+          </a:prstGeom>
+        </p:spPr>
+        <p:style>
+          <a:lnRef idx="2">
+            <a:schemeClr val="accent1">
+              <a:shade val="50000"/>
+            </a:schemeClr>
+          </a:lnRef>
+          <a:fillRef idx="1">
+            <a:schemeClr val="accent1"/>
+          </a:fillRef>
+          <a:effectRef idx="0">
+            <a:schemeClr val="accent1"/>
+          </a:effectRef>
+          <a:fontRef idx="minor">
+            <a:schemeClr val="lt1"/>
+          </a:fontRef>
+        </p:style>
+        <p:txBody>
+          <a:bodyPr rtlCol="0" anchor="ctr"/>
+          <a:lstStyle/>
+          <a:p>
+            <a:pPr algn="ctr"/>
+            <a:r>
+              <a:rPr lang="en-US" sz="1600" dirty="0"/>
+              <a:t>IoT Edge</a:t>
+            </a:r>
+          </a:p>
+        </p:txBody>
+      </p:sp>
+      <p:sp>
+        <p:nvSpPr>
+          <p:cNvPr id="101" name="Rectangle 100">
+            <a:extLst>
+              <a:ext uri="{FF2B5EF4-FFF2-40B4-BE49-F238E27FC236}">
+                <a16:creationId xmlns:a16="http://schemas.microsoft.com/office/drawing/2014/main" id="{539AC047-6AA6-DA4F-8734-5B04EBEA15CA}"/>
+              </a:ext>
+            </a:extLst>
+          </p:cNvPr>
+          <p:cNvSpPr/>
+          <p:nvPr/>
+        </p:nvSpPr>
+        <p:spPr>
+          <a:xfrm>
+            <a:off x="11287760" y="3474720"/>
+            <a:ext cx="680720" cy="599440"/>
+          </a:xfrm>
+          <a:prstGeom prst="rect">
+            <a:avLst/>
+          </a:prstGeom>
+        </p:spPr>
+        <p:style>
+          <a:lnRef idx="2">
+            <a:schemeClr val="accent1">
+              <a:shade val="50000"/>
+            </a:schemeClr>
+          </a:lnRef>
+          <a:fillRef idx="1">
+            <a:schemeClr val="accent1"/>
+          </a:fillRef>
+          <a:effectRef idx="0">
+            <a:schemeClr val="accent1"/>
+          </a:effectRef>
+          <a:fontRef idx="minor">
+            <a:schemeClr val="lt1"/>
+          </a:fontRef>
+        </p:style>
+        <p:txBody>
+          <a:bodyPr rtlCol="0" anchor="ctr"/>
+          <a:lstStyle/>
+          <a:p>
+            <a:pPr algn="ctr"/>
+            <a:r>
+              <a:rPr lang="en-US" sz="1600" dirty="0"/>
+              <a:t>IoT Edge</a:t>
+            </a:r>
+          </a:p>
+        </p:txBody>
+      </p:sp>
+      <p:sp>
+        <p:nvSpPr>
+          <p:cNvPr id="103" name="Rectangle 102">
+            <a:extLst>
+              <a:ext uri="{FF2B5EF4-FFF2-40B4-BE49-F238E27FC236}">
+                <a16:creationId xmlns:a16="http://schemas.microsoft.com/office/drawing/2014/main" id="{276D462F-4B1F-BA47-B51E-88DFF2E5DE9B}"/>
+              </a:ext>
+            </a:extLst>
+          </p:cNvPr>
+          <p:cNvSpPr/>
+          <p:nvPr/>
+        </p:nvSpPr>
+        <p:spPr>
+          <a:xfrm>
+            <a:off x="11287760" y="4185920"/>
+            <a:ext cx="680720" cy="599440"/>
+          </a:xfrm>
+          <a:prstGeom prst="rect">
+            <a:avLst/>
+          </a:prstGeom>
+        </p:spPr>
+        <p:style>
+          <a:lnRef idx="2">
+            <a:schemeClr val="accent1">
+              <a:shade val="50000"/>
+            </a:schemeClr>
+          </a:lnRef>
+          <a:fillRef idx="1">
+            <a:schemeClr val="accent1"/>
+          </a:fillRef>
+          <a:effectRef idx="0">
+            <a:schemeClr val="accent1"/>
+          </a:effectRef>
+          <a:fontRef idx="minor">
+            <a:schemeClr val="lt1"/>
+          </a:fontRef>
+        </p:style>
+        <p:txBody>
+          <a:bodyPr rtlCol="0" anchor="ctr"/>
+          <a:lstStyle/>
+          <a:p>
+            <a:pPr algn="ctr"/>
+            <a:r>
+              <a:rPr lang="en-US" sz="1600" dirty="0"/>
+              <a:t>IoT Edge</a:t>
+            </a:r>
+          </a:p>
+        </p:txBody>
+      </p:sp>
+      <p:sp>
+        <p:nvSpPr>
+          <p:cNvPr id="105" name="Rectangle 104">
+            <a:extLst>
+              <a:ext uri="{FF2B5EF4-FFF2-40B4-BE49-F238E27FC236}">
+                <a16:creationId xmlns:a16="http://schemas.microsoft.com/office/drawing/2014/main" id="{3BDCF968-E6A5-EA4F-A444-CE290A092748}"/>
+              </a:ext>
+            </a:extLst>
+          </p:cNvPr>
+          <p:cNvSpPr/>
+          <p:nvPr/>
+        </p:nvSpPr>
+        <p:spPr>
+          <a:xfrm>
+            <a:off x="11287760" y="4897120"/>
+            <a:ext cx="680720" cy="599440"/>
+          </a:xfrm>
+          <a:prstGeom prst="rect">
+            <a:avLst/>
+          </a:prstGeom>
+        </p:spPr>
+        <p:style>
+          <a:lnRef idx="2">
+            <a:schemeClr val="accent1">
+              <a:shade val="50000"/>
+            </a:schemeClr>
+          </a:lnRef>
+          <a:fillRef idx="1">
+            <a:schemeClr val="accent1"/>
+          </a:fillRef>
+          <a:effectRef idx="0">
+            <a:schemeClr val="accent1"/>
+          </a:effectRef>
+          <a:fontRef idx="minor">
+            <a:schemeClr val="lt1"/>
+          </a:fontRef>
+        </p:style>
+        <p:txBody>
+          <a:bodyPr rtlCol="0" anchor="ctr"/>
+          <a:lstStyle/>
+          <a:p>
+            <a:pPr algn="ctr"/>
+            <a:r>
+              <a:rPr lang="en-US" sz="1600" dirty="0"/>
+              <a:t>IoT Edge</a:t>
+            </a:r>
+          </a:p>
+        </p:txBody>
+      </p:sp>
+      <p:sp>
+        <p:nvSpPr>
+          <p:cNvPr id="107" name="Rectangle 106">
+            <a:extLst>
+              <a:ext uri="{FF2B5EF4-FFF2-40B4-BE49-F238E27FC236}">
+                <a16:creationId xmlns:a16="http://schemas.microsoft.com/office/drawing/2014/main" id="{201DFB50-7C74-1B41-BA01-786BC06204D5}"/>
+              </a:ext>
+            </a:extLst>
+          </p:cNvPr>
+          <p:cNvSpPr/>
+          <p:nvPr/>
+        </p:nvSpPr>
+        <p:spPr>
+          <a:xfrm>
+            <a:off x="11287760" y="5608320"/>
+            <a:ext cx="680720" cy="599440"/>
+          </a:xfrm>
+          <a:prstGeom prst="rect">
+            <a:avLst/>
+          </a:prstGeom>
+        </p:spPr>
+        <p:style>
+          <a:lnRef idx="2">
+            <a:schemeClr val="accent1">
+              <a:shade val="50000"/>
+            </a:schemeClr>
+          </a:lnRef>
+          <a:fillRef idx="1">
+            <a:schemeClr val="accent1"/>
+          </a:fillRef>
+          <a:effectRef idx="0">
+            <a:schemeClr val="accent1"/>
+          </a:effectRef>
+          <a:fontRef idx="minor">
+            <a:schemeClr val="lt1"/>
+          </a:fontRef>
+        </p:style>
+        <p:txBody>
+          <a:bodyPr rtlCol="0" anchor="ctr"/>
+          <a:lstStyle/>
+          <a:p>
+            <a:pPr algn="ctr"/>
+            <a:r>
+              <a:rPr lang="en-US" sz="1600" dirty="0"/>
+              <a:t>IoT Edge</a:t>
+            </a:r>
+          </a:p>
+        </p:txBody>
+      </p:sp>
+      <p:sp>
+        <p:nvSpPr>
+          <p:cNvPr id="109" name="Rectangle 108">
+            <a:extLst>
+              <a:ext uri="{FF2B5EF4-FFF2-40B4-BE49-F238E27FC236}">
+                <a16:creationId xmlns:a16="http://schemas.microsoft.com/office/drawing/2014/main" id="{5018B8F3-6451-9549-9B15-1367395ECD32}"/>
+              </a:ext>
+            </a:extLst>
+          </p:cNvPr>
+          <p:cNvSpPr/>
+          <p:nvPr/>
+        </p:nvSpPr>
+        <p:spPr>
+          <a:xfrm>
+            <a:off x="11165840" y="711200"/>
+            <a:ext cx="680720" cy="599440"/>
+          </a:xfrm>
+          <a:prstGeom prst="rect">
+            <a:avLst/>
+          </a:prstGeom>
+        </p:spPr>
+        <p:style>
+          <a:lnRef idx="2">
+            <a:schemeClr val="accent1">
+              <a:shade val="50000"/>
+            </a:schemeClr>
+          </a:lnRef>
+          <a:fillRef idx="1">
+            <a:schemeClr val="accent1"/>
+          </a:fillRef>
+          <a:effectRef idx="0">
+            <a:schemeClr val="accent1"/>
+          </a:effectRef>
+          <a:fontRef idx="minor">
+            <a:schemeClr val="lt1"/>
+          </a:fontRef>
+        </p:style>
+        <p:txBody>
+          <a:bodyPr rtlCol="0" anchor="ctr"/>
+          <a:lstStyle/>
+          <a:p>
+            <a:pPr algn="ctr"/>
+            <a:r>
+              <a:rPr lang="en-US" sz="1600" dirty="0"/>
+              <a:t>IoT Edge</a:t>
+            </a:r>
+          </a:p>
+        </p:txBody>
+      </p:sp>
+      <p:sp>
+        <p:nvSpPr>
+          <p:cNvPr id="111" name="Rectangle 110">
+            <a:extLst>
+              <a:ext uri="{FF2B5EF4-FFF2-40B4-BE49-F238E27FC236}">
+                <a16:creationId xmlns:a16="http://schemas.microsoft.com/office/drawing/2014/main" id="{5DAB6702-65C7-E246-A5CB-B69884DC9612}"/>
+              </a:ext>
+            </a:extLst>
+          </p:cNvPr>
+          <p:cNvSpPr/>
+          <p:nvPr/>
+        </p:nvSpPr>
+        <p:spPr>
+          <a:xfrm>
+            <a:off x="11165840" y="1422400"/>
+            <a:ext cx="680720" cy="599440"/>
+          </a:xfrm>
+          <a:prstGeom prst="rect">
+            <a:avLst/>
+          </a:prstGeom>
+        </p:spPr>
+        <p:style>
+          <a:lnRef idx="2">
+            <a:schemeClr val="accent1">
+              <a:shade val="50000"/>
+            </a:schemeClr>
+          </a:lnRef>
+          <a:fillRef idx="1">
+            <a:schemeClr val="accent1"/>
+          </a:fillRef>
+          <a:effectRef idx="0">
+            <a:schemeClr val="accent1"/>
+          </a:effectRef>
+          <a:fontRef idx="minor">
+            <a:schemeClr val="lt1"/>
+          </a:fontRef>
+        </p:style>
+        <p:txBody>
+          <a:bodyPr rtlCol="0" anchor="ctr"/>
+          <a:lstStyle/>
+          <a:p>
+            <a:pPr algn="ctr"/>
+            <a:r>
+              <a:rPr lang="en-US" sz="1600" dirty="0"/>
+              <a:t>IoT Edge</a:t>
+            </a:r>
+          </a:p>
+        </p:txBody>
+      </p:sp>
+      <p:sp>
+        <p:nvSpPr>
+          <p:cNvPr id="113" name="Rectangle 112">
+            <a:extLst>
+              <a:ext uri="{FF2B5EF4-FFF2-40B4-BE49-F238E27FC236}">
+                <a16:creationId xmlns:a16="http://schemas.microsoft.com/office/drawing/2014/main" id="{B82C29CB-9612-484F-8E22-79C23E34484E}"/>
+              </a:ext>
+            </a:extLst>
+          </p:cNvPr>
+          <p:cNvSpPr/>
+          <p:nvPr/>
+        </p:nvSpPr>
+        <p:spPr>
+          <a:xfrm>
+            <a:off x="11165840" y="2133600"/>
+            <a:ext cx="680720" cy="599440"/>
+          </a:xfrm>
+          <a:prstGeom prst="rect">
+            <a:avLst/>
+          </a:prstGeom>
+        </p:spPr>
+        <p:style>
+          <a:lnRef idx="2">
+            <a:schemeClr val="accent1">
+              <a:shade val="50000"/>
+            </a:schemeClr>
+          </a:lnRef>
+          <a:fillRef idx="1">
+            <a:schemeClr val="accent1"/>
+          </a:fillRef>
+          <a:effectRef idx="0">
+            <a:schemeClr val="accent1"/>
+          </a:effectRef>
+          <a:fontRef idx="minor">
+            <a:schemeClr val="lt1"/>
+          </a:fontRef>
+        </p:style>
+        <p:txBody>
+          <a:bodyPr rtlCol="0" anchor="ctr"/>
+          <a:lstStyle/>
+          <a:p>
+            <a:pPr algn="ctr"/>
+            <a:r>
+              <a:rPr lang="en-US" sz="1600" dirty="0"/>
+              <a:t>IoT Edge</a:t>
+            </a:r>
+          </a:p>
+        </p:txBody>
+      </p:sp>
+      <p:sp>
+        <p:nvSpPr>
+          <p:cNvPr id="115" name="Rectangle 114">
+            <a:extLst>
+              <a:ext uri="{FF2B5EF4-FFF2-40B4-BE49-F238E27FC236}">
+                <a16:creationId xmlns:a16="http://schemas.microsoft.com/office/drawing/2014/main" id="{16F6E4A6-6180-9245-A038-5F3D5807A140}"/>
+              </a:ext>
+            </a:extLst>
+          </p:cNvPr>
+          <p:cNvSpPr/>
+          <p:nvPr/>
+        </p:nvSpPr>
+        <p:spPr>
+          <a:xfrm>
+            <a:off x="11165840" y="2844800"/>
+            <a:ext cx="680720" cy="599440"/>
+          </a:xfrm>
+          <a:prstGeom prst="rect">
+            <a:avLst/>
+          </a:prstGeom>
+        </p:spPr>
+        <p:style>
+          <a:lnRef idx="2">
+            <a:schemeClr val="accent1">
+              <a:shade val="50000"/>
+            </a:schemeClr>
+          </a:lnRef>
+          <a:fillRef idx="1">
+            <a:schemeClr val="accent1"/>
+          </a:fillRef>
+          <a:effectRef idx="0">
+            <a:schemeClr val="accent1"/>
+          </a:effectRef>
+          <a:fontRef idx="minor">
+            <a:schemeClr val="lt1"/>
+          </a:fontRef>
+        </p:style>
+        <p:txBody>
+          <a:bodyPr rtlCol="0" anchor="ctr"/>
+          <a:lstStyle/>
+          <a:p>
+            <a:pPr algn="ctr"/>
+            <a:r>
+              <a:rPr lang="en-US" sz="1600" dirty="0"/>
+              <a:t>IoT Edge</a:t>
+            </a:r>
+          </a:p>
+        </p:txBody>
+      </p:sp>
+      <p:sp>
+        <p:nvSpPr>
+          <p:cNvPr id="117" name="Rectangle 116">
+            <a:extLst>
+              <a:ext uri="{FF2B5EF4-FFF2-40B4-BE49-F238E27FC236}">
+                <a16:creationId xmlns:a16="http://schemas.microsoft.com/office/drawing/2014/main" id="{4C2D4AAF-C601-304C-A9E3-CEA220AC0748}"/>
+              </a:ext>
+            </a:extLst>
+          </p:cNvPr>
+          <p:cNvSpPr/>
+          <p:nvPr/>
+        </p:nvSpPr>
+        <p:spPr>
+          <a:xfrm>
+            <a:off x="11165840" y="3556000"/>
+            <a:ext cx="680720" cy="599440"/>
+          </a:xfrm>
+          <a:prstGeom prst="rect">
+            <a:avLst/>
+          </a:prstGeom>
+        </p:spPr>
+        <p:style>
+          <a:lnRef idx="2">
+            <a:schemeClr val="accent1">
+              <a:shade val="50000"/>
+            </a:schemeClr>
+          </a:lnRef>
+          <a:fillRef idx="1">
+            <a:schemeClr val="accent1"/>
+          </a:fillRef>
+          <a:effectRef idx="0">
+            <a:schemeClr val="accent1"/>
+          </a:effectRef>
+          <a:fontRef idx="minor">
+            <a:schemeClr val="lt1"/>
+          </a:fontRef>
+        </p:style>
+        <p:txBody>
+          <a:bodyPr rtlCol="0" anchor="ctr"/>
+          <a:lstStyle/>
+          <a:p>
+            <a:pPr algn="ctr"/>
+            <a:r>
+              <a:rPr lang="en-US" sz="1600" dirty="0"/>
+              <a:t>IoT Edge</a:t>
+            </a:r>
+          </a:p>
+        </p:txBody>
+      </p:sp>
+      <p:sp>
+        <p:nvSpPr>
+          <p:cNvPr id="119" name="Rectangle 118">
+            <a:extLst>
+              <a:ext uri="{FF2B5EF4-FFF2-40B4-BE49-F238E27FC236}">
+                <a16:creationId xmlns:a16="http://schemas.microsoft.com/office/drawing/2014/main" id="{76F31A4A-2166-FB44-8B0B-3909CC66A3BE}"/>
+              </a:ext>
+            </a:extLst>
+          </p:cNvPr>
+          <p:cNvSpPr/>
+          <p:nvPr/>
+        </p:nvSpPr>
+        <p:spPr>
+          <a:xfrm>
+            <a:off x="11165840" y="4267200"/>
+            <a:ext cx="680720" cy="599440"/>
+          </a:xfrm>
+          <a:prstGeom prst="rect">
+            <a:avLst/>
+          </a:prstGeom>
+        </p:spPr>
+        <p:style>
+          <a:lnRef idx="2">
+            <a:schemeClr val="accent1">
+              <a:shade val="50000"/>
+            </a:schemeClr>
+          </a:lnRef>
+          <a:fillRef idx="1">
+            <a:schemeClr val="accent1"/>
+          </a:fillRef>
+          <a:effectRef idx="0">
+            <a:schemeClr val="accent1"/>
+          </a:effectRef>
+          <a:fontRef idx="minor">
+            <a:schemeClr val="lt1"/>
+          </a:fontRef>
+        </p:style>
+        <p:txBody>
+          <a:bodyPr rtlCol="0" anchor="ctr"/>
+          <a:lstStyle/>
+          <a:p>
+            <a:pPr algn="ctr"/>
+            <a:r>
+              <a:rPr lang="en-US" sz="1600" dirty="0"/>
+              <a:t>IoT Edge</a:t>
+            </a:r>
+          </a:p>
+        </p:txBody>
+      </p:sp>
+      <p:sp>
+        <p:nvSpPr>
+          <p:cNvPr id="121" name="Rectangle 120">
+            <a:extLst>
+              <a:ext uri="{FF2B5EF4-FFF2-40B4-BE49-F238E27FC236}">
+                <a16:creationId xmlns:a16="http://schemas.microsoft.com/office/drawing/2014/main" id="{E5673690-D500-A149-8489-8DF49F35260A}"/>
+              </a:ext>
+            </a:extLst>
+          </p:cNvPr>
+          <p:cNvSpPr/>
+          <p:nvPr/>
+        </p:nvSpPr>
+        <p:spPr>
+          <a:xfrm>
+            <a:off x="11165840" y="4978400"/>
+            <a:ext cx="680720" cy="599440"/>
+          </a:xfrm>
+          <a:prstGeom prst="rect">
+            <a:avLst/>
+          </a:prstGeom>
+        </p:spPr>
+        <p:style>
+          <a:lnRef idx="2">
+            <a:schemeClr val="accent1">
+              <a:shade val="50000"/>
+            </a:schemeClr>
+          </a:lnRef>
+          <a:fillRef idx="1">
+            <a:schemeClr val="accent1"/>
+          </a:fillRef>
+          <a:effectRef idx="0">
+            <a:schemeClr val="accent1"/>
+          </a:effectRef>
+          <a:fontRef idx="minor">
+            <a:schemeClr val="lt1"/>
+          </a:fontRef>
+        </p:style>
+        <p:txBody>
+          <a:bodyPr rtlCol="0" anchor="ctr"/>
+          <a:lstStyle/>
+          <a:p>
+            <a:pPr algn="ctr"/>
+            <a:r>
+              <a:rPr lang="en-US" sz="1600" dirty="0"/>
+              <a:t>IoT Edge</a:t>
+            </a:r>
+          </a:p>
+        </p:txBody>
+      </p:sp>
+      <p:sp>
+        <p:nvSpPr>
+          <p:cNvPr id="123" name="Rectangle 122">
+            <a:extLst>
+              <a:ext uri="{FF2B5EF4-FFF2-40B4-BE49-F238E27FC236}">
+                <a16:creationId xmlns:a16="http://schemas.microsoft.com/office/drawing/2014/main" id="{DAEEA99F-122C-654F-BF87-5EB803EBBCAA}"/>
+              </a:ext>
+            </a:extLst>
+          </p:cNvPr>
+          <p:cNvSpPr/>
+          <p:nvPr/>
+        </p:nvSpPr>
+        <p:spPr>
+          <a:xfrm>
+            <a:off x="11165840" y="5689600"/>
+            <a:ext cx="680720" cy="599440"/>
+          </a:xfrm>
+          <a:prstGeom prst="rect">
+            <a:avLst/>
+          </a:prstGeom>
+        </p:spPr>
+        <p:style>
+          <a:lnRef idx="2">
+            <a:schemeClr val="accent1">
+              <a:shade val="50000"/>
+            </a:schemeClr>
+          </a:lnRef>
+          <a:fillRef idx="1">
+            <a:schemeClr val="accent1"/>
+          </a:fillRef>
+          <a:effectRef idx="0">
+            <a:schemeClr val="accent1"/>
+          </a:effectRef>
+          <a:fontRef idx="minor">
+            <a:schemeClr val="lt1"/>
+          </a:fontRef>
+        </p:style>
+        <p:txBody>
+          <a:bodyPr rtlCol="0" anchor="ctr"/>
+          <a:lstStyle/>
+          <a:p>
+            <a:pPr algn="ctr"/>
+            <a:r>
+              <a:rPr lang="en-US" sz="1600" dirty="0"/>
+              <a:t>IoT Edge</a:t>
+            </a:r>
+          </a:p>
+        </p:txBody>
+      </p:sp>
+      <p:sp>
+        <p:nvSpPr>
+          <p:cNvPr id="77" name="Rectangle 76">
+            <a:extLst>
+              <a:ext uri="{FF2B5EF4-FFF2-40B4-BE49-F238E27FC236}">
+                <a16:creationId xmlns:a16="http://schemas.microsoft.com/office/drawing/2014/main" id="{F3902ED4-0DDB-C449-992E-CDFC4DFFBE5F}"/>
+              </a:ext>
+            </a:extLst>
+          </p:cNvPr>
+          <p:cNvSpPr/>
+          <p:nvPr/>
+        </p:nvSpPr>
+        <p:spPr>
+          <a:xfrm>
+            <a:off x="11064240" y="782320"/>
+            <a:ext cx="680720" cy="599440"/>
+          </a:xfrm>
+          <a:prstGeom prst="rect">
+            <a:avLst/>
+          </a:prstGeom>
+        </p:spPr>
+        <p:style>
+          <a:lnRef idx="2">
+            <a:schemeClr val="accent1">
+              <a:shade val="50000"/>
+            </a:schemeClr>
+          </a:lnRef>
+          <a:fillRef idx="1">
+            <a:schemeClr val="accent1"/>
+          </a:fillRef>
+          <a:effectRef idx="0">
+            <a:schemeClr val="accent1"/>
+          </a:effectRef>
+          <a:fontRef idx="minor">
+            <a:schemeClr val="lt1"/>
+          </a:fontRef>
+        </p:style>
+        <p:txBody>
+          <a:bodyPr rtlCol="0" anchor="ctr"/>
+          <a:lstStyle/>
+          <a:p>
+            <a:pPr algn="ctr"/>
+            <a:r>
+              <a:rPr lang="en-US" sz="1600" dirty="0"/>
+              <a:t>IoT Edge</a:t>
+            </a:r>
+          </a:p>
+        </p:txBody>
+      </p:sp>
+      <p:sp>
+        <p:nvSpPr>
+          <p:cNvPr id="79" name="Rectangle 78">
+            <a:extLst>
+              <a:ext uri="{FF2B5EF4-FFF2-40B4-BE49-F238E27FC236}">
+                <a16:creationId xmlns:a16="http://schemas.microsoft.com/office/drawing/2014/main" id="{33CA430F-B6A6-7E4E-8FD9-44FF9AD49378}"/>
+              </a:ext>
+            </a:extLst>
+          </p:cNvPr>
+          <p:cNvSpPr/>
+          <p:nvPr/>
+        </p:nvSpPr>
+        <p:spPr>
+          <a:xfrm>
+            <a:off x="11064240" y="1493520"/>
+            <a:ext cx="680720" cy="599440"/>
+          </a:xfrm>
+          <a:prstGeom prst="rect">
+            <a:avLst/>
+          </a:prstGeom>
+        </p:spPr>
+        <p:style>
+          <a:lnRef idx="2">
+            <a:schemeClr val="accent1">
+              <a:shade val="50000"/>
+            </a:schemeClr>
+          </a:lnRef>
+          <a:fillRef idx="1">
+            <a:schemeClr val="accent1"/>
+          </a:fillRef>
+          <a:effectRef idx="0">
+            <a:schemeClr val="accent1"/>
+          </a:effectRef>
+          <a:fontRef idx="minor">
+            <a:schemeClr val="lt1"/>
+          </a:fontRef>
+        </p:style>
+        <p:txBody>
+          <a:bodyPr rtlCol="0" anchor="ctr"/>
+          <a:lstStyle/>
+          <a:p>
+            <a:pPr algn="ctr"/>
+            <a:r>
+              <a:rPr lang="en-US" sz="1600" dirty="0"/>
+              <a:t>IoT Edge</a:t>
+            </a:r>
+          </a:p>
+        </p:txBody>
+      </p:sp>
+      <p:sp>
+        <p:nvSpPr>
+          <p:cNvPr id="81" name="Rectangle 80">
+            <a:extLst>
+              <a:ext uri="{FF2B5EF4-FFF2-40B4-BE49-F238E27FC236}">
+                <a16:creationId xmlns:a16="http://schemas.microsoft.com/office/drawing/2014/main" id="{CAD3BDE0-1F4F-D741-B9FC-D2D4341D717B}"/>
+              </a:ext>
+            </a:extLst>
+          </p:cNvPr>
+          <p:cNvSpPr/>
+          <p:nvPr/>
+        </p:nvSpPr>
+        <p:spPr>
+          <a:xfrm>
+            <a:off x="11064240" y="2204720"/>
+            <a:ext cx="680720" cy="599440"/>
+          </a:xfrm>
+          <a:prstGeom prst="rect">
+            <a:avLst/>
+          </a:prstGeom>
+        </p:spPr>
+        <p:style>
+          <a:lnRef idx="2">
+            <a:schemeClr val="accent1">
+              <a:shade val="50000"/>
+            </a:schemeClr>
+          </a:lnRef>
+          <a:fillRef idx="1">
+            <a:schemeClr val="accent1"/>
+          </a:fillRef>
+          <a:effectRef idx="0">
+            <a:schemeClr val="accent1"/>
+          </a:effectRef>
+          <a:fontRef idx="minor">
+            <a:schemeClr val="lt1"/>
+          </a:fontRef>
+        </p:style>
+        <p:txBody>
+          <a:bodyPr rtlCol="0" anchor="ctr"/>
+          <a:lstStyle/>
+          <a:p>
+            <a:pPr algn="ctr"/>
+            <a:r>
+              <a:rPr lang="en-US" sz="1600" dirty="0"/>
+              <a:t>IoT Edge</a:t>
+            </a:r>
+          </a:p>
+        </p:txBody>
+      </p:sp>
+      <p:sp>
+        <p:nvSpPr>
+          <p:cNvPr id="83" name="Rectangle 82">
+            <a:extLst>
+              <a:ext uri="{FF2B5EF4-FFF2-40B4-BE49-F238E27FC236}">
+                <a16:creationId xmlns:a16="http://schemas.microsoft.com/office/drawing/2014/main" id="{E4DBE1D8-E2D5-F443-A260-94840F4D07BB}"/>
+              </a:ext>
+            </a:extLst>
+          </p:cNvPr>
+          <p:cNvSpPr/>
+          <p:nvPr/>
+        </p:nvSpPr>
+        <p:spPr>
+          <a:xfrm>
+            <a:off x="11064240" y="2915920"/>
+            <a:ext cx="680720" cy="599440"/>
+          </a:xfrm>
+          <a:prstGeom prst="rect">
+            <a:avLst/>
+          </a:prstGeom>
+        </p:spPr>
+        <p:style>
+          <a:lnRef idx="2">
+            <a:schemeClr val="accent1">
+              <a:shade val="50000"/>
+            </a:schemeClr>
+          </a:lnRef>
+          <a:fillRef idx="1">
+            <a:schemeClr val="accent1"/>
+          </a:fillRef>
+          <a:effectRef idx="0">
+            <a:schemeClr val="accent1"/>
+          </a:effectRef>
+          <a:fontRef idx="minor">
+            <a:schemeClr val="lt1"/>
+          </a:fontRef>
+        </p:style>
+        <p:txBody>
+          <a:bodyPr rtlCol="0" anchor="ctr"/>
+          <a:lstStyle/>
+          <a:p>
+            <a:pPr algn="ctr"/>
+            <a:r>
+              <a:rPr lang="en-US" sz="1600" dirty="0"/>
+              <a:t>IoT Edge</a:t>
+            </a:r>
+          </a:p>
+        </p:txBody>
+      </p:sp>
+      <p:sp>
+        <p:nvSpPr>
+          <p:cNvPr id="85" name="Rectangle 84">
+            <a:extLst>
+              <a:ext uri="{FF2B5EF4-FFF2-40B4-BE49-F238E27FC236}">
+                <a16:creationId xmlns:a16="http://schemas.microsoft.com/office/drawing/2014/main" id="{C9C730E7-88E3-F041-AD57-D664167DA5A6}"/>
+              </a:ext>
+            </a:extLst>
+          </p:cNvPr>
+          <p:cNvSpPr/>
+          <p:nvPr/>
+        </p:nvSpPr>
+        <p:spPr>
+          <a:xfrm>
+            <a:off x="11064240" y="3627120"/>
+            <a:ext cx="680720" cy="599440"/>
+          </a:xfrm>
+          <a:prstGeom prst="rect">
+            <a:avLst/>
+          </a:prstGeom>
+        </p:spPr>
+        <p:style>
+          <a:lnRef idx="2">
+            <a:schemeClr val="accent1">
+              <a:shade val="50000"/>
+            </a:schemeClr>
+          </a:lnRef>
+          <a:fillRef idx="1">
+            <a:schemeClr val="accent1"/>
+          </a:fillRef>
+          <a:effectRef idx="0">
+            <a:schemeClr val="accent1"/>
+          </a:effectRef>
+          <a:fontRef idx="minor">
+            <a:schemeClr val="lt1"/>
+          </a:fontRef>
+        </p:style>
+        <p:txBody>
+          <a:bodyPr rtlCol="0" anchor="ctr"/>
+          <a:lstStyle/>
+          <a:p>
+            <a:pPr algn="ctr"/>
+            <a:r>
+              <a:rPr lang="en-US" sz="1600" dirty="0"/>
+              <a:t>IoT Edge</a:t>
+            </a:r>
+          </a:p>
+        </p:txBody>
+      </p:sp>
+      <p:sp>
+        <p:nvSpPr>
+          <p:cNvPr id="87" name="Rectangle 86">
+            <a:extLst>
+              <a:ext uri="{FF2B5EF4-FFF2-40B4-BE49-F238E27FC236}">
+                <a16:creationId xmlns:a16="http://schemas.microsoft.com/office/drawing/2014/main" id="{1F0082C1-BA64-0F47-A55F-BB565D5F45D2}"/>
+              </a:ext>
+            </a:extLst>
+          </p:cNvPr>
+          <p:cNvSpPr/>
+          <p:nvPr/>
+        </p:nvSpPr>
+        <p:spPr>
+          <a:xfrm>
+            <a:off x="11064240" y="4338320"/>
+            <a:ext cx="680720" cy="599440"/>
+          </a:xfrm>
+          <a:prstGeom prst="rect">
+            <a:avLst/>
+          </a:prstGeom>
+        </p:spPr>
+        <p:style>
+          <a:lnRef idx="2">
+            <a:schemeClr val="accent1">
+              <a:shade val="50000"/>
+            </a:schemeClr>
+          </a:lnRef>
+          <a:fillRef idx="1">
+            <a:schemeClr val="accent1"/>
+          </a:fillRef>
+          <a:effectRef idx="0">
+            <a:schemeClr val="accent1"/>
+          </a:effectRef>
+          <a:fontRef idx="minor">
+            <a:schemeClr val="lt1"/>
+          </a:fontRef>
+        </p:style>
+        <p:txBody>
+          <a:bodyPr rtlCol="0" anchor="ctr"/>
+          <a:lstStyle/>
+          <a:p>
+            <a:pPr algn="ctr"/>
+            <a:r>
+              <a:rPr lang="en-US" sz="1600" dirty="0"/>
+              <a:t>IoT Edge</a:t>
+            </a:r>
+          </a:p>
+        </p:txBody>
+      </p:sp>
+      <p:sp>
+        <p:nvSpPr>
+          <p:cNvPr id="89" name="Rectangle 88">
+            <a:extLst>
+              <a:ext uri="{FF2B5EF4-FFF2-40B4-BE49-F238E27FC236}">
+                <a16:creationId xmlns:a16="http://schemas.microsoft.com/office/drawing/2014/main" id="{34D60A83-0423-CB44-99DB-CB2F81C49CA4}"/>
+              </a:ext>
+            </a:extLst>
+          </p:cNvPr>
+          <p:cNvSpPr/>
+          <p:nvPr/>
+        </p:nvSpPr>
+        <p:spPr>
+          <a:xfrm>
+            <a:off x="11064240" y="5049520"/>
+            <a:ext cx="680720" cy="599440"/>
+          </a:xfrm>
+          <a:prstGeom prst="rect">
+            <a:avLst/>
+          </a:prstGeom>
+        </p:spPr>
+        <p:style>
+          <a:lnRef idx="2">
+            <a:schemeClr val="accent1">
+              <a:shade val="50000"/>
+            </a:schemeClr>
+          </a:lnRef>
+          <a:fillRef idx="1">
+            <a:schemeClr val="accent1"/>
+          </a:fillRef>
+          <a:effectRef idx="0">
+            <a:schemeClr val="accent1"/>
+          </a:effectRef>
+          <a:fontRef idx="minor">
+            <a:schemeClr val="lt1"/>
+          </a:fontRef>
+        </p:style>
+        <p:txBody>
+          <a:bodyPr rtlCol="0" anchor="ctr"/>
+          <a:lstStyle/>
+          <a:p>
+            <a:pPr algn="ctr"/>
+            <a:r>
+              <a:rPr lang="en-US" sz="1600" dirty="0"/>
+              <a:t>IoT Edge</a:t>
+            </a:r>
+          </a:p>
+        </p:txBody>
+      </p:sp>
+      <p:sp>
+        <p:nvSpPr>
+          <p:cNvPr id="91" name="Rectangle 90">
+            <a:extLst>
+              <a:ext uri="{FF2B5EF4-FFF2-40B4-BE49-F238E27FC236}">
+                <a16:creationId xmlns:a16="http://schemas.microsoft.com/office/drawing/2014/main" id="{2D979820-04C5-7A4D-8B00-AE51DC1785C2}"/>
+              </a:ext>
+            </a:extLst>
+          </p:cNvPr>
+          <p:cNvSpPr/>
+          <p:nvPr/>
+        </p:nvSpPr>
+        <p:spPr>
+          <a:xfrm>
+            <a:off x="11064240" y="5760720"/>
+            <a:ext cx="680720" cy="599440"/>
+          </a:xfrm>
+          <a:prstGeom prst="rect">
+            <a:avLst/>
+          </a:prstGeom>
+        </p:spPr>
+        <p:style>
+          <a:lnRef idx="2">
+            <a:schemeClr val="accent1">
+              <a:shade val="50000"/>
+            </a:schemeClr>
+          </a:lnRef>
+          <a:fillRef idx="1">
+            <a:schemeClr val="accent1"/>
+          </a:fillRef>
+          <a:effectRef idx="0">
+            <a:schemeClr val="accent1"/>
+          </a:effectRef>
+          <a:fontRef idx="minor">
+            <a:schemeClr val="lt1"/>
+          </a:fontRef>
+        </p:style>
+        <p:txBody>
+          <a:bodyPr rtlCol="0" anchor="ctr"/>
+          <a:lstStyle/>
+          <a:p>
+            <a:pPr algn="ctr"/>
+            <a:r>
+              <a:rPr lang="en-US" sz="1600" dirty="0"/>
+              <a:t>IoT Edge</a:t>
+            </a:r>
+          </a:p>
+        </p:txBody>
+      </p:sp>
+      <p:sp>
+        <p:nvSpPr>
+          <p:cNvPr id="61" name="Rectangle 60">
+            <a:extLst>
+              <a:ext uri="{FF2B5EF4-FFF2-40B4-BE49-F238E27FC236}">
+                <a16:creationId xmlns:a16="http://schemas.microsoft.com/office/drawing/2014/main" id="{305B18DB-2FB1-244E-9A56-DD75DE21B689}"/>
+              </a:ext>
+            </a:extLst>
+          </p:cNvPr>
+          <p:cNvSpPr/>
+          <p:nvPr/>
+        </p:nvSpPr>
+        <p:spPr>
+          <a:xfrm>
+            <a:off x="10942320" y="863600"/>
+            <a:ext cx="680720" cy="599440"/>
+          </a:xfrm>
+          <a:prstGeom prst="rect">
+            <a:avLst/>
+          </a:prstGeom>
+        </p:spPr>
+        <p:style>
+          <a:lnRef idx="2">
+            <a:schemeClr val="accent1">
+              <a:shade val="50000"/>
+            </a:schemeClr>
+          </a:lnRef>
+          <a:fillRef idx="1">
+            <a:schemeClr val="accent1"/>
+          </a:fillRef>
+          <a:effectRef idx="0">
+            <a:schemeClr val="accent1"/>
+          </a:effectRef>
+          <a:fontRef idx="minor">
+            <a:schemeClr val="lt1"/>
+          </a:fontRef>
+        </p:style>
+        <p:txBody>
+          <a:bodyPr rtlCol="0" anchor="ctr"/>
+          <a:lstStyle/>
+          <a:p>
+            <a:pPr algn="ctr"/>
+            <a:r>
+              <a:rPr lang="en-US" sz="1600" dirty="0"/>
+              <a:t>IoT Edge</a:t>
+            </a:r>
+          </a:p>
+        </p:txBody>
+      </p:sp>
+      <p:sp>
+        <p:nvSpPr>
+          <p:cNvPr id="63" name="Rectangle 62">
+            <a:extLst>
+              <a:ext uri="{FF2B5EF4-FFF2-40B4-BE49-F238E27FC236}">
+                <a16:creationId xmlns:a16="http://schemas.microsoft.com/office/drawing/2014/main" id="{EB380842-82E0-1F4E-BC08-CCCE09BF1C60}"/>
+              </a:ext>
+            </a:extLst>
+          </p:cNvPr>
+          <p:cNvSpPr/>
+          <p:nvPr/>
+        </p:nvSpPr>
+        <p:spPr>
+          <a:xfrm>
+            <a:off x="10942320" y="1574800"/>
+            <a:ext cx="680720" cy="599440"/>
+          </a:xfrm>
+          <a:prstGeom prst="rect">
+            <a:avLst/>
+          </a:prstGeom>
+        </p:spPr>
+        <p:style>
+          <a:lnRef idx="2">
+            <a:schemeClr val="accent1">
+              <a:shade val="50000"/>
+            </a:schemeClr>
+          </a:lnRef>
+          <a:fillRef idx="1">
+            <a:schemeClr val="accent1"/>
+          </a:fillRef>
+          <a:effectRef idx="0">
+            <a:schemeClr val="accent1"/>
+          </a:effectRef>
+          <a:fontRef idx="minor">
+            <a:schemeClr val="lt1"/>
+          </a:fontRef>
+        </p:style>
+        <p:txBody>
+          <a:bodyPr rtlCol="0" anchor="ctr"/>
+          <a:lstStyle/>
+          <a:p>
+            <a:pPr algn="ctr"/>
+            <a:r>
+              <a:rPr lang="en-US" sz="1600" dirty="0"/>
+              <a:t>IoT Edge</a:t>
+            </a:r>
+          </a:p>
+        </p:txBody>
+      </p:sp>
+      <p:sp>
+        <p:nvSpPr>
+          <p:cNvPr id="65" name="Rectangle 64">
+            <a:extLst>
+              <a:ext uri="{FF2B5EF4-FFF2-40B4-BE49-F238E27FC236}">
+                <a16:creationId xmlns:a16="http://schemas.microsoft.com/office/drawing/2014/main" id="{FB637E01-1C13-E445-B7CE-B7E6619A6553}"/>
+              </a:ext>
+            </a:extLst>
+          </p:cNvPr>
+          <p:cNvSpPr/>
+          <p:nvPr/>
+        </p:nvSpPr>
+        <p:spPr>
+          <a:xfrm>
+            <a:off x="10942320" y="2286000"/>
+            <a:ext cx="680720" cy="599440"/>
+          </a:xfrm>
+          <a:prstGeom prst="rect">
+            <a:avLst/>
+          </a:prstGeom>
+        </p:spPr>
+        <p:style>
+          <a:lnRef idx="2">
+            <a:schemeClr val="accent1">
+              <a:shade val="50000"/>
+            </a:schemeClr>
+          </a:lnRef>
+          <a:fillRef idx="1">
+            <a:schemeClr val="accent1"/>
+          </a:fillRef>
+          <a:effectRef idx="0">
+            <a:schemeClr val="accent1"/>
+          </a:effectRef>
+          <a:fontRef idx="minor">
+            <a:schemeClr val="lt1"/>
+          </a:fontRef>
+        </p:style>
+        <p:txBody>
+          <a:bodyPr rtlCol="0" anchor="ctr"/>
+          <a:lstStyle/>
+          <a:p>
+            <a:pPr algn="ctr"/>
+            <a:r>
+              <a:rPr lang="en-US" sz="1600" dirty="0"/>
+              <a:t>IoT Edge</a:t>
+            </a:r>
+          </a:p>
+        </p:txBody>
+      </p:sp>
+      <p:sp>
+        <p:nvSpPr>
+          <p:cNvPr id="67" name="Rectangle 66">
+            <a:extLst>
+              <a:ext uri="{FF2B5EF4-FFF2-40B4-BE49-F238E27FC236}">
+                <a16:creationId xmlns:a16="http://schemas.microsoft.com/office/drawing/2014/main" id="{7D1C7256-831D-7F4D-86B3-6F83F4E360B7}"/>
+              </a:ext>
+            </a:extLst>
+          </p:cNvPr>
+          <p:cNvSpPr/>
+          <p:nvPr/>
+        </p:nvSpPr>
+        <p:spPr>
+          <a:xfrm>
+            <a:off x="10942320" y="2997200"/>
+            <a:ext cx="680720" cy="599440"/>
+          </a:xfrm>
+          <a:prstGeom prst="rect">
+            <a:avLst/>
+          </a:prstGeom>
+        </p:spPr>
+        <p:style>
+          <a:lnRef idx="2">
+            <a:schemeClr val="accent1">
+              <a:shade val="50000"/>
+            </a:schemeClr>
+          </a:lnRef>
+          <a:fillRef idx="1">
+            <a:schemeClr val="accent1"/>
+          </a:fillRef>
+          <a:effectRef idx="0">
+            <a:schemeClr val="accent1"/>
+          </a:effectRef>
+          <a:fontRef idx="minor">
+            <a:schemeClr val="lt1"/>
+          </a:fontRef>
+        </p:style>
+        <p:txBody>
+          <a:bodyPr rtlCol="0" anchor="ctr"/>
+          <a:lstStyle/>
+          <a:p>
+            <a:pPr algn="ctr"/>
+            <a:r>
+              <a:rPr lang="en-US" sz="1600" dirty="0"/>
+              <a:t>IoT Edge</a:t>
+            </a:r>
+          </a:p>
+        </p:txBody>
+      </p:sp>
+      <p:sp>
+        <p:nvSpPr>
+          <p:cNvPr id="69" name="Rectangle 68">
+            <a:extLst>
+              <a:ext uri="{FF2B5EF4-FFF2-40B4-BE49-F238E27FC236}">
+                <a16:creationId xmlns:a16="http://schemas.microsoft.com/office/drawing/2014/main" id="{DB1751C0-A5EA-C641-95C2-3189FD1AD15D}"/>
+              </a:ext>
+            </a:extLst>
+          </p:cNvPr>
+          <p:cNvSpPr/>
+          <p:nvPr/>
+        </p:nvSpPr>
+        <p:spPr>
+          <a:xfrm>
+            <a:off x="10942320" y="3708400"/>
+            <a:ext cx="680720" cy="599440"/>
+          </a:xfrm>
+          <a:prstGeom prst="rect">
+            <a:avLst/>
+          </a:prstGeom>
+        </p:spPr>
+        <p:style>
+          <a:lnRef idx="2">
+            <a:schemeClr val="accent1">
+              <a:shade val="50000"/>
+            </a:schemeClr>
+          </a:lnRef>
+          <a:fillRef idx="1">
+            <a:schemeClr val="accent1"/>
+          </a:fillRef>
+          <a:effectRef idx="0">
+            <a:schemeClr val="accent1"/>
+          </a:effectRef>
+          <a:fontRef idx="minor">
+            <a:schemeClr val="lt1"/>
+          </a:fontRef>
+        </p:style>
+        <p:txBody>
+          <a:bodyPr rtlCol="0" anchor="ctr"/>
+          <a:lstStyle/>
+          <a:p>
+            <a:pPr algn="ctr"/>
+            <a:r>
+              <a:rPr lang="en-US" sz="1600" dirty="0"/>
+              <a:t>IoT Edge</a:t>
+            </a:r>
+          </a:p>
+        </p:txBody>
+      </p:sp>
+      <p:sp>
+        <p:nvSpPr>
+          <p:cNvPr id="71" name="Rectangle 70">
+            <a:extLst>
+              <a:ext uri="{FF2B5EF4-FFF2-40B4-BE49-F238E27FC236}">
+                <a16:creationId xmlns:a16="http://schemas.microsoft.com/office/drawing/2014/main" id="{39271239-7EEC-9545-B055-10A15B8900FF}"/>
+              </a:ext>
+            </a:extLst>
+          </p:cNvPr>
+          <p:cNvSpPr/>
+          <p:nvPr/>
+        </p:nvSpPr>
+        <p:spPr>
+          <a:xfrm>
+            <a:off x="10942320" y="4419600"/>
+            <a:ext cx="680720" cy="599440"/>
+          </a:xfrm>
+          <a:prstGeom prst="rect">
+            <a:avLst/>
+          </a:prstGeom>
+        </p:spPr>
+        <p:style>
+          <a:lnRef idx="2">
+            <a:schemeClr val="accent1">
+              <a:shade val="50000"/>
+            </a:schemeClr>
+          </a:lnRef>
+          <a:fillRef idx="1">
+            <a:schemeClr val="accent1"/>
+          </a:fillRef>
+          <a:effectRef idx="0">
+            <a:schemeClr val="accent1"/>
+          </a:effectRef>
+          <a:fontRef idx="minor">
+            <a:schemeClr val="lt1"/>
+          </a:fontRef>
+        </p:style>
+        <p:txBody>
+          <a:bodyPr rtlCol="0" anchor="ctr"/>
+          <a:lstStyle/>
+          <a:p>
+            <a:pPr algn="ctr"/>
+            <a:r>
+              <a:rPr lang="en-US" sz="1600" dirty="0"/>
+              <a:t>IoT Edge</a:t>
+            </a:r>
+          </a:p>
+        </p:txBody>
+      </p:sp>
+      <p:sp>
+        <p:nvSpPr>
+          <p:cNvPr id="73" name="Rectangle 72">
+            <a:extLst>
+              <a:ext uri="{FF2B5EF4-FFF2-40B4-BE49-F238E27FC236}">
+                <a16:creationId xmlns:a16="http://schemas.microsoft.com/office/drawing/2014/main" id="{CB4215B9-3197-E44C-A5FE-068989F363CF}"/>
+              </a:ext>
+            </a:extLst>
+          </p:cNvPr>
+          <p:cNvSpPr/>
+          <p:nvPr/>
+        </p:nvSpPr>
+        <p:spPr>
+          <a:xfrm>
+            <a:off x="10942320" y="5130800"/>
+            <a:ext cx="680720" cy="599440"/>
+          </a:xfrm>
+          <a:prstGeom prst="rect">
+            <a:avLst/>
+          </a:prstGeom>
+        </p:spPr>
+        <p:style>
+          <a:lnRef idx="2">
+            <a:schemeClr val="accent1">
+              <a:shade val="50000"/>
+            </a:schemeClr>
+          </a:lnRef>
+          <a:fillRef idx="1">
+            <a:schemeClr val="accent1"/>
+          </a:fillRef>
+          <a:effectRef idx="0">
+            <a:schemeClr val="accent1"/>
+          </a:effectRef>
+          <a:fontRef idx="minor">
+            <a:schemeClr val="lt1"/>
+          </a:fontRef>
+        </p:style>
+        <p:txBody>
+          <a:bodyPr rtlCol="0" anchor="ctr"/>
+          <a:lstStyle/>
+          <a:p>
+            <a:pPr algn="ctr"/>
+            <a:r>
+              <a:rPr lang="en-US" sz="1600" dirty="0"/>
+              <a:t>IoT Edge</a:t>
+            </a:r>
+          </a:p>
+        </p:txBody>
+      </p:sp>
+      <p:sp>
+        <p:nvSpPr>
+          <p:cNvPr id="75" name="Rectangle 74">
+            <a:extLst>
+              <a:ext uri="{FF2B5EF4-FFF2-40B4-BE49-F238E27FC236}">
+                <a16:creationId xmlns:a16="http://schemas.microsoft.com/office/drawing/2014/main" id="{03A217A7-B5E1-244D-B61B-F594E5C6B7ED}"/>
+              </a:ext>
+            </a:extLst>
+          </p:cNvPr>
+          <p:cNvSpPr/>
+          <p:nvPr/>
+        </p:nvSpPr>
+        <p:spPr>
+          <a:xfrm>
+            <a:off x="10942320" y="5842000"/>
+            <a:ext cx="680720" cy="599440"/>
+          </a:xfrm>
+          <a:prstGeom prst="rect">
+            <a:avLst/>
+          </a:prstGeom>
+        </p:spPr>
+        <p:style>
+          <a:lnRef idx="2">
+            <a:schemeClr val="accent1">
+              <a:shade val="50000"/>
+            </a:schemeClr>
+          </a:lnRef>
+          <a:fillRef idx="1">
+            <a:schemeClr val="accent1"/>
+          </a:fillRef>
+          <a:effectRef idx="0">
+            <a:schemeClr val="accent1"/>
+          </a:effectRef>
+          <a:fontRef idx="minor">
+            <a:schemeClr val="lt1"/>
+          </a:fontRef>
+        </p:style>
+        <p:txBody>
+          <a:bodyPr rtlCol="0" anchor="ctr"/>
+          <a:lstStyle/>
+          <a:p>
+            <a:pPr algn="ctr"/>
+            <a:r>
+              <a:rPr lang="en-US" sz="1600" dirty="0"/>
+              <a:t>IoT Edge</a:t>
+            </a:r>
+          </a:p>
+        </p:txBody>
+      </p:sp>
+      <p:sp>
+        <p:nvSpPr>
+          <p:cNvPr id="4" name="Rectangle 3">
+            <a:extLst>
+              <a:ext uri="{FF2B5EF4-FFF2-40B4-BE49-F238E27FC236}">
+                <a16:creationId xmlns:a16="http://schemas.microsoft.com/office/drawing/2014/main" id="{77E41D8D-5577-764D-890A-065A28924813}"/>
+              </a:ext>
+            </a:extLst>
+          </p:cNvPr>
+          <p:cNvSpPr/>
+          <p:nvPr/>
+        </p:nvSpPr>
+        <p:spPr>
+          <a:xfrm>
+            <a:off x="3749040" y="3393440"/>
+            <a:ext cx="2103120" cy="965200"/>
+          </a:xfrm>
+          <a:prstGeom prst="rect">
+            <a:avLst/>
+          </a:prstGeom>
+        </p:spPr>
+        <p:style>
+          <a:lnRef idx="2">
+            <a:schemeClr val="accent1">
+              <a:shade val="50000"/>
+            </a:schemeClr>
+          </a:lnRef>
+          <a:fillRef idx="1">
+            <a:schemeClr val="accent1"/>
+          </a:fillRef>
+          <a:effectRef idx="0">
+            <a:schemeClr val="accent1"/>
+          </a:effectRef>
+          <a:fontRef idx="minor">
+            <a:schemeClr val="lt1"/>
+          </a:fontRef>
+        </p:style>
+        <p:txBody>
+          <a:bodyPr rtlCol="0" anchor="ctr"/>
+          <a:lstStyle/>
+          <a:p>
+            <a:pPr algn="ctr"/>
+            <a:r>
+              <a:rPr lang="en-US" dirty="0"/>
+              <a:t>Azure Functions</a:t>
+            </a:r>
+          </a:p>
+        </p:txBody>
+      </p:sp>
+      <p:sp>
+        <p:nvSpPr>
+          <p:cNvPr id="6" name="Rectangle 5">
+            <a:extLst>
+              <a:ext uri="{FF2B5EF4-FFF2-40B4-BE49-F238E27FC236}">
+                <a16:creationId xmlns:a16="http://schemas.microsoft.com/office/drawing/2014/main" id="{35898F89-4545-0942-B5FC-016164055E43}"/>
+              </a:ext>
+            </a:extLst>
+          </p:cNvPr>
+          <p:cNvSpPr/>
+          <p:nvPr/>
+        </p:nvSpPr>
+        <p:spPr>
+          <a:xfrm>
+            <a:off x="6492240" y="3393440"/>
+            <a:ext cx="2499360" cy="965200"/>
+          </a:xfrm>
+          <a:prstGeom prst="rect">
+            <a:avLst/>
+          </a:prstGeom>
+        </p:spPr>
+        <p:style>
+          <a:lnRef idx="2">
+            <a:schemeClr val="accent1">
+              <a:shade val="50000"/>
+            </a:schemeClr>
+          </a:lnRef>
+          <a:fillRef idx="1">
+            <a:schemeClr val="accent1"/>
+          </a:fillRef>
+          <a:effectRef idx="0">
+            <a:schemeClr val="accent1"/>
+          </a:effectRef>
+          <a:fontRef idx="minor">
+            <a:schemeClr val="lt1"/>
+          </a:fontRef>
+        </p:style>
+        <p:txBody>
+          <a:bodyPr rtlCol="0" anchor="ctr"/>
+          <a:lstStyle/>
+          <a:p>
+            <a:pPr algn="ctr"/>
+            <a:r>
+              <a:rPr lang="en-US" dirty="0"/>
+              <a:t>Azure IoT Hub</a:t>
+            </a:r>
+          </a:p>
+        </p:txBody>
+      </p:sp>
+      <p:sp>
+        <p:nvSpPr>
+          <p:cNvPr id="8" name="Rectangle 7">
+            <a:extLst>
+              <a:ext uri="{FF2B5EF4-FFF2-40B4-BE49-F238E27FC236}">
+                <a16:creationId xmlns:a16="http://schemas.microsoft.com/office/drawing/2014/main" id="{FC85D7F1-3D7A-FA49-B1B5-DCE6A002D52C}"/>
+              </a:ext>
+            </a:extLst>
+          </p:cNvPr>
+          <p:cNvSpPr/>
+          <p:nvPr/>
+        </p:nvSpPr>
+        <p:spPr>
+          <a:xfrm>
+            <a:off x="10789920" y="924560"/>
+            <a:ext cx="680720" cy="599440"/>
+          </a:xfrm>
+          <a:prstGeom prst="rect">
+            <a:avLst/>
+          </a:prstGeom>
+        </p:spPr>
+        <p:style>
+          <a:lnRef idx="2">
+            <a:schemeClr val="accent1">
+              <a:shade val="50000"/>
+            </a:schemeClr>
+          </a:lnRef>
+          <a:fillRef idx="1">
+            <a:schemeClr val="accent1"/>
+          </a:fillRef>
+          <a:effectRef idx="0">
+            <a:schemeClr val="accent1"/>
+          </a:effectRef>
+          <a:fontRef idx="minor">
+            <a:schemeClr val="lt1"/>
+          </a:fontRef>
+        </p:style>
+        <p:txBody>
+          <a:bodyPr rtlCol="0" anchor="ctr"/>
+          <a:lstStyle/>
+          <a:p>
+            <a:pPr algn="ctr"/>
+            <a:r>
+              <a:rPr lang="en-US" sz="1600" dirty="0"/>
+              <a:t>IoT Edge</a:t>
+            </a:r>
+          </a:p>
+        </p:txBody>
+      </p:sp>
+      <p:sp>
+        <p:nvSpPr>
+          <p:cNvPr id="10" name="Rectangle 9">
+            <a:extLst>
+              <a:ext uri="{FF2B5EF4-FFF2-40B4-BE49-F238E27FC236}">
+                <a16:creationId xmlns:a16="http://schemas.microsoft.com/office/drawing/2014/main" id="{16A4B458-C891-F944-AD45-5535801187D0}"/>
+              </a:ext>
+            </a:extLst>
+          </p:cNvPr>
+          <p:cNvSpPr/>
+          <p:nvPr/>
+        </p:nvSpPr>
+        <p:spPr>
+          <a:xfrm>
+            <a:off x="10789920" y="1635760"/>
+            <a:ext cx="680720" cy="599440"/>
+          </a:xfrm>
+          <a:prstGeom prst="rect">
+            <a:avLst/>
+          </a:prstGeom>
+        </p:spPr>
+        <p:style>
+          <a:lnRef idx="2">
+            <a:schemeClr val="accent1">
+              <a:shade val="50000"/>
+            </a:schemeClr>
+          </a:lnRef>
+          <a:fillRef idx="1">
+            <a:schemeClr val="accent1"/>
+          </a:fillRef>
+          <a:effectRef idx="0">
+            <a:schemeClr val="accent1"/>
+          </a:effectRef>
+          <a:fontRef idx="minor">
+            <a:schemeClr val="lt1"/>
+          </a:fontRef>
+        </p:style>
+        <p:txBody>
+          <a:bodyPr rtlCol="0" anchor="ctr"/>
+          <a:lstStyle/>
+          <a:p>
+            <a:pPr algn="ctr"/>
+            <a:r>
+              <a:rPr lang="en-US" sz="1600" dirty="0"/>
+              <a:t>IoT Edge</a:t>
+            </a:r>
+          </a:p>
+        </p:txBody>
+      </p:sp>
+      <p:sp>
+        <p:nvSpPr>
+          <p:cNvPr id="12" name="Rectangle 11">
+            <a:extLst>
+              <a:ext uri="{FF2B5EF4-FFF2-40B4-BE49-F238E27FC236}">
+                <a16:creationId xmlns:a16="http://schemas.microsoft.com/office/drawing/2014/main" id="{9A1AB10F-38AA-7544-AC3A-B87E3345B84C}"/>
+              </a:ext>
+            </a:extLst>
+          </p:cNvPr>
+          <p:cNvSpPr/>
+          <p:nvPr/>
+        </p:nvSpPr>
+        <p:spPr>
+          <a:xfrm>
+            <a:off x="10789920" y="2346960"/>
+            <a:ext cx="680720" cy="599440"/>
+          </a:xfrm>
+          <a:prstGeom prst="rect">
+            <a:avLst/>
+          </a:prstGeom>
+        </p:spPr>
+        <p:style>
+          <a:lnRef idx="2">
+            <a:schemeClr val="accent1">
+              <a:shade val="50000"/>
+            </a:schemeClr>
+          </a:lnRef>
+          <a:fillRef idx="1">
+            <a:schemeClr val="accent1"/>
+          </a:fillRef>
+          <a:effectRef idx="0">
+            <a:schemeClr val="accent1"/>
+          </a:effectRef>
+          <a:fontRef idx="minor">
+            <a:schemeClr val="lt1"/>
+          </a:fontRef>
+        </p:style>
+        <p:txBody>
+          <a:bodyPr rtlCol="0" anchor="ctr"/>
+          <a:lstStyle/>
+          <a:p>
+            <a:pPr algn="ctr"/>
+            <a:r>
+              <a:rPr lang="en-US" sz="1600" dirty="0"/>
+              <a:t>IoT Edge</a:t>
+            </a:r>
+          </a:p>
+        </p:txBody>
+      </p:sp>
+      <p:sp>
+        <p:nvSpPr>
+          <p:cNvPr id="14" name="Rectangle 13">
+            <a:extLst>
+              <a:ext uri="{FF2B5EF4-FFF2-40B4-BE49-F238E27FC236}">
+                <a16:creationId xmlns:a16="http://schemas.microsoft.com/office/drawing/2014/main" id="{C2C8E7F3-9423-5145-AE35-54A88A1A364D}"/>
+              </a:ext>
+            </a:extLst>
+          </p:cNvPr>
+          <p:cNvSpPr/>
+          <p:nvPr/>
+        </p:nvSpPr>
+        <p:spPr>
+          <a:xfrm>
+            <a:off x="10789920" y="3058160"/>
+            <a:ext cx="680720" cy="599440"/>
+          </a:xfrm>
+          <a:prstGeom prst="rect">
+            <a:avLst/>
+          </a:prstGeom>
+        </p:spPr>
+        <p:style>
+          <a:lnRef idx="2">
+            <a:schemeClr val="accent1">
+              <a:shade val="50000"/>
+            </a:schemeClr>
+          </a:lnRef>
+          <a:fillRef idx="1">
+            <a:schemeClr val="accent1"/>
+          </a:fillRef>
+          <a:effectRef idx="0">
+            <a:schemeClr val="accent1"/>
+          </a:effectRef>
+          <a:fontRef idx="minor">
+            <a:schemeClr val="lt1"/>
+          </a:fontRef>
+        </p:style>
+        <p:txBody>
+          <a:bodyPr rtlCol="0" anchor="ctr"/>
+          <a:lstStyle/>
+          <a:p>
+            <a:pPr algn="ctr"/>
+            <a:r>
+              <a:rPr lang="en-US" sz="1600" dirty="0"/>
+              <a:t>IoT Edge</a:t>
+            </a:r>
+          </a:p>
+        </p:txBody>
+      </p:sp>
+      <p:sp>
+        <p:nvSpPr>
+          <p:cNvPr id="16" name="Rectangle 15">
+            <a:extLst>
+              <a:ext uri="{FF2B5EF4-FFF2-40B4-BE49-F238E27FC236}">
+                <a16:creationId xmlns:a16="http://schemas.microsoft.com/office/drawing/2014/main" id="{D8A9F067-ECFF-B94A-A034-A4FC5B9392C0}"/>
+              </a:ext>
+            </a:extLst>
+          </p:cNvPr>
+          <p:cNvSpPr/>
+          <p:nvPr/>
+        </p:nvSpPr>
+        <p:spPr>
+          <a:xfrm>
+            <a:off x="10789920" y="3769360"/>
+            <a:ext cx="680720" cy="599440"/>
+          </a:xfrm>
+          <a:prstGeom prst="rect">
+            <a:avLst/>
+          </a:prstGeom>
+        </p:spPr>
+        <p:style>
+          <a:lnRef idx="2">
+            <a:schemeClr val="accent1">
+              <a:shade val="50000"/>
+            </a:schemeClr>
+          </a:lnRef>
+          <a:fillRef idx="1">
+            <a:schemeClr val="accent1"/>
+          </a:fillRef>
+          <a:effectRef idx="0">
+            <a:schemeClr val="accent1"/>
+          </a:effectRef>
+          <a:fontRef idx="minor">
+            <a:schemeClr val="lt1"/>
+          </a:fontRef>
+        </p:style>
+        <p:txBody>
+          <a:bodyPr rtlCol="0" anchor="ctr"/>
+          <a:lstStyle/>
+          <a:p>
+            <a:pPr algn="ctr"/>
+            <a:r>
+              <a:rPr lang="en-US" sz="1600" dirty="0"/>
+              <a:t>IoT Edge</a:t>
+            </a:r>
+          </a:p>
+        </p:txBody>
+      </p:sp>
+      <p:sp>
+        <p:nvSpPr>
+          <p:cNvPr id="28" name="Rectangle 27">
+            <a:extLst>
+              <a:ext uri="{FF2B5EF4-FFF2-40B4-BE49-F238E27FC236}">
+                <a16:creationId xmlns:a16="http://schemas.microsoft.com/office/drawing/2014/main" id="{8AB37541-AEF4-AE47-A65E-24CBD1AF1857}"/>
+              </a:ext>
+            </a:extLst>
+          </p:cNvPr>
+          <p:cNvSpPr/>
+          <p:nvPr/>
+        </p:nvSpPr>
+        <p:spPr>
+          <a:xfrm>
+            <a:off x="10789920" y="4480560"/>
+            <a:ext cx="680720" cy="599440"/>
+          </a:xfrm>
+          <a:prstGeom prst="rect">
+            <a:avLst/>
+          </a:prstGeom>
+        </p:spPr>
+        <p:style>
+          <a:lnRef idx="2">
+            <a:schemeClr val="accent1">
+              <a:shade val="50000"/>
+            </a:schemeClr>
+          </a:lnRef>
+          <a:fillRef idx="1">
+            <a:schemeClr val="accent1"/>
+          </a:fillRef>
+          <a:effectRef idx="0">
+            <a:schemeClr val="accent1"/>
+          </a:effectRef>
+          <a:fontRef idx="minor">
+            <a:schemeClr val="lt1"/>
+          </a:fontRef>
+        </p:style>
+        <p:txBody>
+          <a:bodyPr rtlCol="0" anchor="ctr"/>
+          <a:lstStyle/>
+          <a:p>
+            <a:pPr algn="ctr"/>
+            <a:r>
+              <a:rPr lang="en-US" sz="1600" dirty="0"/>
+              <a:t>IoT Edge</a:t>
+            </a:r>
+          </a:p>
+        </p:txBody>
+      </p:sp>
+      <p:sp>
+        <p:nvSpPr>
+          <p:cNvPr id="30" name="Rectangle 29">
+            <a:extLst>
+              <a:ext uri="{FF2B5EF4-FFF2-40B4-BE49-F238E27FC236}">
+                <a16:creationId xmlns:a16="http://schemas.microsoft.com/office/drawing/2014/main" id="{15980033-9549-4C42-96AB-F50EC14DA53B}"/>
+              </a:ext>
+            </a:extLst>
+          </p:cNvPr>
+          <p:cNvSpPr/>
+          <p:nvPr/>
+        </p:nvSpPr>
+        <p:spPr>
+          <a:xfrm>
+            <a:off x="10789920" y="5191760"/>
+            <a:ext cx="680720" cy="599440"/>
+          </a:xfrm>
+          <a:prstGeom prst="rect">
+            <a:avLst/>
+          </a:prstGeom>
+        </p:spPr>
+        <p:style>
+          <a:lnRef idx="2">
+            <a:schemeClr val="accent1">
+              <a:shade val="50000"/>
+            </a:schemeClr>
+          </a:lnRef>
+          <a:fillRef idx="1">
+            <a:schemeClr val="accent1"/>
+          </a:fillRef>
+          <a:effectRef idx="0">
+            <a:schemeClr val="accent1"/>
+          </a:effectRef>
+          <a:fontRef idx="minor">
+            <a:schemeClr val="lt1"/>
+          </a:fontRef>
+        </p:style>
+        <p:txBody>
+          <a:bodyPr rtlCol="0" anchor="ctr"/>
+          <a:lstStyle/>
+          <a:p>
+            <a:pPr algn="ctr"/>
+            <a:r>
+              <a:rPr lang="en-US" sz="1600" dirty="0"/>
+              <a:t>IoT Edge</a:t>
+            </a:r>
+          </a:p>
+        </p:txBody>
+      </p:sp>
+      <p:sp>
+        <p:nvSpPr>
+          <p:cNvPr id="32" name="Rectangle 31">
+            <a:extLst>
+              <a:ext uri="{FF2B5EF4-FFF2-40B4-BE49-F238E27FC236}">
+                <a16:creationId xmlns:a16="http://schemas.microsoft.com/office/drawing/2014/main" id="{D0988F21-6DF0-6445-822C-40627EA63772}"/>
+              </a:ext>
+            </a:extLst>
+          </p:cNvPr>
+          <p:cNvSpPr/>
+          <p:nvPr/>
+        </p:nvSpPr>
+        <p:spPr>
+          <a:xfrm>
+            <a:off x="10789920" y="5902960"/>
+            <a:ext cx="680720" cy="599440"/>
+          </a:xfrm>
+          <a:prstGeom prst="rect">
+            <a:avLst/>
+          </a:prstGeom>
+        </p:spPr>
+        <p:style>
+          <a:lnRef idx="2">
+            <a:schemeClr val="accent1">
+              <a:shade val="50000"/>
+            </a:schemeClr>
+          </a:lnRef>
+          <a:fillRef idx="1">
+            <a:schemeClr val="accent1"/>
+          </a:fillRef>
+          <a:effectRef idx="0">
+            <a:schemeClr val="accent1"/>
+          </a:effectRef>
+          <a:fontRef idx="minor">
+            <a:schemeClr val="lt1"/>
+          </a:fontRef>
+        </p:style>
+        <p:txBody>
+          <a:bodyPr rtlCol="0" anchor="ctr"/>
+          <a:lstStyle/>
+          <a:p>
+            <a:pPr algn="ctr"/>
+            <a:r>
+              <a:rPr lang="en-US" sz="1600" dirty="0"/>
+              <a:t>IoT Edge</a:t>
+            </a:r>
+          </a:p>
+        </p:txBody>
+      </p:sp>
+      <p:cxnSp>
+        <p:nvCxnSpPr>
+          <p:cNvPr id="38" name="Straight Connector 37">
+            <a:extLst>
+              <a:ext uri="{FF2B5EF4-FFF2-40B4-BE49-F238E27FC236}">
+                <a16:creationId xmlns:a16="http://schemas.microsoft.com/office/drawing/2014/main" id="{7B8228EB-B4D2-494B-B98A-684BB9A366EE}"/>
+              </a:ext>
+            </a:extLst>
+          </p:cNvPr>
+          <p:cNvCxnSpPr>
+            <a:cxnSpLocks/>
+            <a:stCxn id="6" idx="3"/>
+            <a:endCxn id="8" idx="1"/>
+          </p:cNvCxnSpPr>
+          <p:nvPr/>
+        </p:nvCxnSpPr>
+        <p:spPr>
+          <a:xfrm flipV="1">
+            <a:off x="8991600" y="1224280"/>
+            <a:ext cx="1798320" cy="2651760"/>
+          </a:xfrm>
+          <a:prstGeom prst="line">
+            <a:avLst/>
+          </a:prstGeom>
+        </p:spPr>
+        <p:style>
+          <a:lnRef idx="1">
+            <a:schemeClr val="accent1"/>
+          </a:lnRef>
+          <a:fillRef idx="0">
+            <a:schemeClr val="accent1"/>
+          </a:fillRef>
+          <a:effectRef idx="0">
+            <a:schemeClr val="accent1"/>
+          </a:effectRef>
+          <a:fontRef idx="minor">
+            <a:schemeClr val="tx1"/>
+          </a:fontRef>
+        </p:style>
+      </p:cxnSp>
+      <p:cxnSp>
+        <p:nvCxnSpPr>
+          <p:cNvPr id="39" name="Straight Connector 38">
+            <a:extLst>
+              <a:ext uri="{FF2B5EF4-FFF2-40B4-BE49-F238E27FC236}">
+                <a16:creationId xmlns:a16="http://schemas.microsoft.com/office/drawing/2014/main" id="{5CDA190E-95E0-7547-A666-2886F40C866A}"/>
+              </a:ext>
+            </a:extLst>
+          </p:cNvPr>
+          <p:cNvCxnSpPr>
+            <a:cxnSpLocks/>
+            <a:stCxn id="6" idx="3"/>
+            <a:endCxn id="10" idx="1"/>
+          </p:cNvCxnSpPr>
+          <p:nvPr/>
+        </p:nvCxnSpPr>
+        <p:spPr>
+          <a:xfrm flipV="1">
+            <a:off x="8991600" y="1935480"/>
+            <a:ext cx="1798320" cy="1940560"/>
+          </a:xfrm>
+          <a:prstGeom prst="line">
+            <a:avLst/>
+          </a:prstGeom>
+        </p:spPr>
+        <p:style>
+          <a:lnRef idx="1">
+            <a:schemeClr val="accent1"/>
+          </a:lnRef>
+          <a:fillRef idx="0">
+            <a:schemeClr val="accent1"/>
+          </a:fillRef>
+          <a:effectRef idx="0">
+            <a:schemeClr val="accent1"/>
+          </a:effectRef>
+          <a:fontRef idx="minor">
+            <a:schemeClr val="tx1"/>
+          </a:fontRef>
+        </p:style>
+      </p:cxnSp>
+      <p:cxnSp>
+        <p:nvCxnSpPr>
+          <p:cNvPr id="42" name="Straight Connector 41">
+            <a:extLst>
+              <a:ext uri="{FF2B5EF4-FFF2-40B4-BE49-F238E27FC236}">
+                <a16:creationId xmlns:a16="http://schemas.microsoft.com/office/drawing/2014/main" id="{E48818FC-DB35-E648-B85C-AE402D07F59B}"/>
+              </a:ext>
+            </a:extLst>
+          </p:cNvPr>
+          <p:cNvCxnSpPr>
+            <a:cxnSpLocks/>
+            <a:stCxn id="6" idx="3"/>
+            <a:endCxn id="12" idx="1"/>
+          </p:cNvCxnSpPr>
+          <p:nvPr/>
+        </p:nvCxnSpPr>
+        <p:spPr>
+          <a:xfrm flipV="1">
+            <a:off x="8991600" y="2646680"/>
+            <a:ext cx="1798320" cy="1229360"/>
+          </a:xfrm>
+          <a:prstGeom prst="line">
+            <a:avLst/>
+          </a:prstGeom>
+        </p:spPr>
+        <p:style>
+          <a:lnRef idx="1">
+            <a:schemeClr val="accent1"/>
+          </a:lnRef>
+          <a:fillRef idx="0">
+            <a:schemeClr val="accent1"/>
+          </a:fillRef>
+          <a:effectRef idx="0">
+            <a:schemeClr val="accent1"/>
+          </a:effectRef>
+          <a:fontRef idx="minor">
+            <a:schemeClr val="tx1"/>
+          </a:fontRef>
+        </p:style>
+      </p:cxnSp>
+      <p:cxnSp>
+        <p:nvCxnSpPr>
+          <p:cNvPr id="45" name="Straight Connector 44">
+            <a:extLst>
+              <a:ext uri="{FF2B5EF4-FFF2-40B4-BE49-F238E27FC236}">
+                <a16:creationId xmlns:a16="http://schemas.microsoft.com/office/drawing/2014/main" id="{B2D2B48C-8964-8742-8890-0352C4053E2D}"/>
+              </a:ext>
+            </a:extLst>
+          </p:cNvPr>
+          <p:cNvCxnSpPr>
+            <a:cxnSpLocks/>
+            <a:stCxn id="6" idx="3"/>
+            <a:endCxn id="14" idx="1"/>
+          </p:cNvCxnSpPr>
+          <p:nvPr/>
+        </p:nvCxnSpPr>
+        <p:spPr>
+          <a:xfrm flipV="1">
+            <a:off x="8991600" y="3357880"/>
+            <a:ext cx="1798320" cy="518160"/>
+          </a:xfrm>
+          <a:prstGeom prst="line">
+            <a:avLst/>
+          </a:prstGeom>
+        </p:spPr>
+        <p:style>
+          <a:lnRef idx="1">
+            <a:schemeClr val="accent1"/>
+          </a:lnRef>
+          <a:fillRef idx="0">
+            <a:schemeClr val="accent1"/>
+          </a:fillRef>
+          <a:effectRef idx="0">
+            <a:schemeClr val="accent1"/>
+          </a:effectRef>
+          <a:fontRef idx="minor">
+            <a:schemeClr val="tx1"/>
+          </a:fontRef>
+        </p:style>
+      </p:cxnSp>
+      <p:cxnSp>
+        <p:nvCxnSpPr>
+          <p:cNvPr id="48" name="Straight Connector 47">
+            <a:extLst>
+              <a:ext uri="{FF2B5EF4-FFF2-40B4-BE49-F238E27FC236}">
+                <a16:creationId xmlns:a16="http://schemas.microsoft.com/office/drawing/2014/main" id="{7664AFF4-1C37-9244-9F54-957B696E2372}"/>
+              </a:ext>
+            </a:extLst>
+          </p:cNvPr>
+          <p:cNvCxnSpPr>
+            <a:cxnSpLocks/>
+            <a:stCxn id="6" idx="3"/>
+            <a:endCxn id="16" idx="1"/>
+          </p:cNvCxnSpPr>
+          <p:nvPr/>
+        </p:nvCxnSpPr>
+        <p:spPr>
+          <a:xfrm>
+            <a:off x="8991600" y="3876040"/>
+            <a:ext cx="1798320" cy="193040"/>
+          </a:xfrm>
+          <a:prstGeom prst="line">
+            <a:avLst/>
+          </a:prstGeom>
+        </p:spPr>
+        <p:style>
+          <a:lnRef idx="1">
+            <a:schemeClr val="accent1"/>
+          </a:lnRef>
+          <a:fillRef idx="0">
+            <a:schemeClr val="accent1"/>
+          </a:fillRef>
+          <a:effectRef idx="0">
+            <a:schemeClr val="accent1"/>
+          </a:effectRef>
+          <a:fontRef idx="minor">
+            <a:schemeClr val="tx1"/>
+          </a:fontRef>
+        </p:style>
+      </p:cxnSp>
+      <p:cxnSp>
+        <p:nvCxnSpPr>
+          <p:cNvPr id="51" name="Straight Connector 50">
+            <a:extLst>
+              <a:ext uri="{FF2B5EF4-FFF2-40B4-BE49-F238E27FC236}">
+                <a16:creationId xmlns:a16="http://schemas.microsoft.com/office/drawing/2014/main" id="{89F719CF-0F15-9646-A45E-6761DA7BC48A}"/>
+              </a:ext>
+            </a:extLst>
+          </p:cNvPr>
+          <p:cNvCxnSpPr>
+            <a:cxnSpLocks/>
+            <a:stCxn id="6" idx="3"/>
+            <a:endCxn id="28" idx="1"/>
+          </p:cNvCxnSpPr>
+          <p:nvPr/>
+        </p:nvCxnSpPr>
+        <p:spPr>
+          <a:xfrm>
+            <a:off x="8991600" y="3876040"/>
+            <a:ext cx="1798320" cy="904240"/>
+          </a:xfrm>
+          <a:prstGeom prst="line">
+            <a:avLst/>
+          </a:prstGeom>
+        </p:spPr>
+        <p:style>
+          <a:lnRef idx="1">
+            <a:schemeClr val="accent1"/>
+          </a:lnRef>
+          <a:fillRef idx="0">
+            <a:schemeClr val="accent1"/>
+          </a:fillRef>
+          <a:effectRef idx="0">
+            <a:schemeClr val="accent1"/>
+          </a:effectRef>
+          <a:fontRef idx="minor">
+            <a:schemeClr val="tx1"/>
+          </a:fontRef>
+        </p:style>
+      </p:cxnSp>
+      <p:cxnSp>
+        <p:nvCxnSpPr>
+          <p:cNvPr id="54" name="Straight Connector 53">
+            <a:extLst>
+              <a:ext uri="{FF2B5EF4-FFF2-40B4-BE49-F238E27FC236}">
+                <a16:creationId xmlns:a16="http://schemas.microsoft.com/office/drawing/2014/main" id="{B5490162-FACB-D747-9622-B7279750C081}"/>
+              </a:ext>
+            </a:extLst>
+          </p:cNvPr>
+          <p:cNvCxnSpPr>
+            <a:cxnSpLocks/>
+            <a:stCxn id="6" idx="3"/>
+            <a:endCxn id="30" idx="1"/>
+          </p:cNvCxnSpPr>
+          <p:nvPr/>
+        </p:nvCxnSpPr>
+        <p:spPr>
+          <a:xfrm>
+            <a:off x="8991600" y="3876040"/>
+            <a:ext cx="1798320" cy="1615440"/>
+          </a:xfrm>
+          <a:prstGeom prst="line">
+            <a:avLst/>
+          </a:prstGeom>
+        </p:spPr>
+        <p:style>
+          <a:lnRef idx="1">
+            <a:schemeClr val="accent1"/>
+          </a:lnRef>
+          <a:fillRef idx="0">
+            <a:schemeClr val="accent1"/>
+          </a:fillRef>
+          <a:effectRef idx="0">
+            <a:schemeClr val="accent1"/>
+          </a:effectRef>
+          <a:fontRef idx="minor">
+            <a:schemeClr val="tx1"/>
+          </a:fontRef>
+        </p:style>
+      </p:cxnSp>
+      <p:cxnSp>
+        <p:nvCxnSpPr>
+          <p:cNvPr id="57" name="Straight Connector 56">
+            <a:extLst>
+              <a:ext uri="{FF2B5EF4-FFF2-40B4-BE49-F238E27FC236}">
+                <a16:creationId xmlns:a16="http://schemas.microsoft.com/office/drawing/2014/main" id="{1AF36B77-3EEE-8647-816B-37899EE45B1F}"/>
+              </a:ext>
+            </a:extLst>
+          </p:cNvPr>
+          <p:cNvCxnSpPr>
+            <a:cxnSpLocks/>
+            <a:stCxn id="6" idx="3"/>
+            <a:endCxn id="32" idx="1"/>
+          </p:cNvCxnSpPr>
+          <p:nvPr/>
+        </p:nvCxnSpPr>
+        <p:spPr>
+          <a:xfrm>
+            <a:off x="8991600" y="3876040"/>
+            <a:ext cx="1798320" cy="2326640"/>
+          </a:xfrm>
+          <a:prstGeom prst="line">
+            <a:avLst/>
+          </a:prstGeom>
+        </p:spPr>
+        <p:style>
+          <a:lnRef idx="1">
+            <a:schemeClr val="accent1"/>
+          </a:lnRef>
+          <a:fillRef idx="0">
+            <a:schemeClr val="accent1"/>
+          </a:fillRef>
+          <a:effectRef idx="0">
+            <a:schemeClr val="accent1"/>
+          </a:effectRef>
+          <a:fontRef idx="minor">
+            <a:schemeClr val="tx1"/>
+          </a:fontRef>
+        </p:style>
+      </p:cxnSp>
+      <p:sp>
+        <p:nvSpPr>
+          <p:cNvPr id="126" name="TextBox 125">
+            <a:extLst>
+              <a:ext uri="{FF2B5EF4-FFF2-40B4-BE49-F238E27FC236}">
+                <a16:creationId xmlns:a16="http://schemas.microsoft.com/office/drawing/2014/main" id="{F509B969-3804-2549-968D-00642C88E531}"/>
+              </a:ext>
+            </a:extLst>
+          </p:cNvPr>
+          <p:cNvSpPr txBox="1"/>
+          <p:nvPr/>
+        </p:nvSpPr>
+        <p:spPr>
+          <a:xfrm>
+            <a:off x="3803850" y="4632160"/>
+            <a:ext cx="2387600" cy="369332"/>
+          </a:xfrm>
+          <a:prstGeom prst="rect">
+            <a:avLst/>
+          </a:prstGeom>
+          <a:noFill/>
+        </p:spPr>
+        <p:txBody>
+          <a:bodyPr wrap="square" rtlCol="0">
+            <a:spAutoFit/>
+          </a:bodyPr>
+          <a:lstStyle/>
+          <a:p>
+            <a:r>
+              <a:rPr lang="en-US" dirty="0"/>
+              <a:t>Azure IoT Service SDK</a:t>
+            </a:r>
+          </a:p>
+        </p:txBody>
+      </p:sp>
+      <p:pic>
+        <p:nvPicPr>
+          <p:cNvPr id="139" name="Picture 138">
+            <a:extLst>
+              <a:ext uri="{FF2B5EF4-FFF2-40B4-BE49-F238E27FC236}">
+                <a16:creationId xmlns:a16="http://schemas.microsoft.com/office/drawing/2014/main" id="{C20EFA70-DB5D-8D46-BA94-A2A6F5525DA4}"/>
+              </a:ext>
+            </a:extLst>
+          </p:cNvPr>
+          <p:cNvPicPr>
+            <a:picLocks noChangeAspect="1"/>
+          </p:cNvPicPr>
+          <p:nvPr/>
+        </p:nvPicPr>
+        <p:blipFill>
+          <a:blip r:embed="rId2"/>
+          <a:stretch>
+            <a:fillRect/>
+          </a:stretch>
+        </p:blipFill>
+        <p:spPr>
+          <a:xfrm>
+            <a:off x="154005" y="727488"/>
+            <a:ext cx="3291840" cy="1850416"/>
+          </a:xfrm>
+          <a:prstGeom prst="rect">
+            <a:avLst/>
+          </a:prstGeom>
+        </p:spPr>
+      </p:pic>
+      <p:sp>
+        <p:nvSpPr>
+          <p:cNvPr id="141" name="Rectangle 140">
+            <a:extLst>
+              <a:ext uri="{FF2B5EF4-FFF2-40B4-BE49-F238E27FC236}">
+                <a16:creationId xmlns:a16="http://schemas.microsoft.com/office/drawing/2014/main" id="{1244E8FD-8AA2-0B48-B046-30B5BBCD57BD}"/>
+              </a:ext>
+            </a:extLst>
+          </p:cNvPr>
+          <p:cNvSpPr/>
+          <p:nvPr/>
+        </p:nvSpPr>
+        <p:spPr>
+          <a:xfrm>
+            <a:off x="160536" y="864238"/>
+            <a:ext cx="497243" cy="1713666"/>
+          </a:xfrm>
+          <a:prstGeom prst="rect">
+            <a:avLst/>
+          </a:prstGeom>
+          <a:solidFill>
+            <a:schemeClr val="accent3">
+              <a:lumMod val="20000"/>
+              <a:lumOff val="80000"/>
+              <a:alpha val="50000"/>
+            </a:schemeClr>
+          </a:solidFill>
+        </p:spPr>
+        <p:style>
+          <a:lnRef idx="2">
+            <a:schemeClr val="accent1">
+              <a:shade val="50000"/>
+            </a:schemeClr>
+          </a:lnRef>
+          <a:fillRef idx="1">
+            <a:schemeClr val="accent1"/>
+          </a:fillRef>
+          <a:effectRef idx="0">
+            <a:schemeClr val="accent1"/>
+          </a:effectRef>
+          <a:fontRef idx="minor">
+            <a:schemeClr val="lt1"/>
+          </a:fontRef>
+        </p:style>
+        <p:txBody>
+          <a:bodyPr wrap="none" rtlCol="0" anchor="ctr"/>
+          <a:lstStyle/>
+          <a:p>
+            <a:pPr algn="ctr"/>
+            <a:r>
+              <a:rPr lang="en-US" sz="1400" dirty="0">
+                <a:solidFill>
+                  <a:srgbClr val="FF0000"/>
+                </a:solidFill>
+              </a:rPr>
+              <a:t>Edges</a:t>
+            </a:r>
+          </a:p>
+        </p:txBody>
+      </p:sp>
+      <p:sp>
+        <p:nvSpPr>
+          <p:cNvPr id="143" name="Rectangle 142">
+            <a:extLst>
+              <a:ext uri="{FF2B5EF4-FFF2-40B4-BE49-F238E27FC236}">
+                <a16:creationId xmlns:a16="http://schemas.microsoft.com/office/drawing/2014/main" id="{82273A1C-9B88-C34A-82A9-A8687B1A869E}"/>
+              </a:ext>
+            </a:extLst>
+          </p:cNvPr>
+          <p:cNvSpPr/>
+          <p:nvPr/>
+        </p:nvSpPr>
+        <p:spPr>
+          <a:xfrm>
+            <a:off x="664310" y="968583"/>
+            <a:ext cx="2781535" cy="684113"/>
+          </a:xfrm>
+          <a:prstGeom prst="rect">
+            <a:avLst/>
+          </a:prstGeom>
+          <a:solidFill>
+            <a:schemeClr val="accent3">
+              <a:lumMod val="20000"/>
+              <a:lumOff val="80000"/>
+              <a:alpha val="50000"/>
+            </a:schemeClr>
+          </a:solidFill>
+        </p:spPr>
+        <p:style>
+          <a:lnRef idx="2">
+            <a:schemeClr val="accent1">
+              <a:shade val="50000"/>
+            </a:schemeClr>
+          </a:lnRef>
+          <a:fillRef idx="1">
+            <a:schemeClr val="accent1"/>
+          </a:fillRef>
+          <a:effectRef idx="0">
+            <a:schemeClr val="accent1"/>
+          </a:effectRef>
+          <a:fontRef idx="minor">
+            <a:schemeClr val="lt1"/>
+          </a:fontRef>
+        </p:style>
+        <p:txBody>
+          <a:bodyPr wrap="none" rtlCol="0" anchor="ctr"/>
+          <a:lstStyle/>
+          <a:p>
+            <a:pPr algn="ctr"/>
+            <a:r>
+              <a:rPr lang="en-US" sz="1400" dirty="0">
+                <a:solidFill>
+                  <a:srgbClr val="FF0000"/>
+                </a:solidFill>
+              </a:rPr>
+              <a:t>Modules</a:t>
+            </a:r>
+          </a:p>
+        </p:txBody>
+      </p:sp>
+      <p:sp>
+        <p:nvSpPr>
+          <p:cNvPr id="145" name="Rectangle 144">
+            <a:extLst>
+              <a:ext uri="{FF2B5EF4-FFF2-40B4-BE49-F238E27FC236}">
+                <a16:creationId xmlns:a16="http://schemas.microsoft.com/office/drawing/2014/main" id="{3A91DB98-96E6-914B-B1B0-C07B3528A3F3}"/>
+              </a:ext>
+            </a:extLst>
+          </p:cNvPr>
+          <p:cNvSpPr/>
+          <p:nvPr/>
+        </p:nvSpPr>
+        <p:spPr>
+          <a:xfrm>
+            <a:off x="664310" y="1741391"/>
+            <a:ext cx="2781535" cy="500585"/>
+          </a:xfrm>
+          <a:prstGeom prst="rect">
+            <a:avLst/>
+          </a:prstGeom>
+          <a:solidFill>
+            <a:schemeClr val="accent3">
+              <a:lumMod val="20000"/>
+              <a:lumOff val="80000"/>
+              <a:alpha val="50000"/>
+            </a:schemeClr>
+          </a:solidFill>
+        </p:spPr>
+        <p:style>
+          <a:lnRef idx="2">
+            <a:schemeClr val="accent1">
+              <a:shade val="50000"/>
+            </a:schemeClr>
+          </a:lnRef>
+          <a:fillRef idx="1">
+            <a:schemeClr val="accent1"/>
+          </a:fillRef>
+          <a:effectRef idx="0">
+            <a:schemeClr val="accent1"/>
+          </a:effectRef>
+          <a:fontRef idx="minor">
+            <a:schemeClr val="lt1"/>
+          </a:fontRef>
+        </p:style>
+        <p:txBody>
+          <a:bodyPr wrap="none" rtlCol="0" anchor="ctr"/>
+          <a:lstStyle/>
+          <a:p>
+            <a:pPr algn="ctr"/>
+            <a:r>
+              <a:rPr lang="en-US" sz="1400" dirty="0">
+                <a:solidFill>
+                  <a:srgbClr val="FF0000"/>
+                </a:solidFill>
+              </a:rPr>
+              <a:t>Routes</a:t>
+            </a:r>
+          </a:p>
+        </p:txBody>
+      </p:sp>
+      <p:sp>
+        <p:nvSpPr>
+          <p:cNvPr id="146" name="Rectangle 145">
+            <a:extLst>
+              <a:ext uri="{FF2B5EF4-FFF2-40B4-BE49-F238E27FC236}">
+                <a16:creationId xmlns:a16="http://schemas.microsoft.com/office/drawing/2014/main" id="{040063EE-6E1C-0948-BA07-3CD7CA8B0BA4}"/>
+              </a:ext>
+            </a:extLst>
+          </p:cNvPr>
+          <p:cNvSpPr/>
+          <p:nvPr/>
+        </p:nvSpPr>
+        <p:spPr>
+          <a:xfrm>
+            <a:off x="746760" y="3426263"/>
+            <a:ext cx="2103120" cy="881577"/>
+          </a:xfrm>
+          <a:prstGeom prst="rect">
+            <a:avLst/>
+          </a:prstGeom>
+        </p:spPr>
+        <p:style>
+          <a:lnRef idx="2">
+            <a:schemeClr val="accent1">
+              <a:shade val="50000"/>
+            </a:schemeClr>
+          </a:lnRef>
+          <a:fillRef idx="1">
+            <a:schemeClr val="accent1"/>
+          </a:fillRef>
+          <a:effectRef idx="0">
+            <a:schemeClr val="accent1"/>
+          </a:effectRef>
+          <a:fontRef idx="minor">
+            <a:schemeClr val="lt1"/>
+          </a:fontRef>
+        </p:style>
+        <p:txBody>
+          <a:bodyPr rtlCol="0" anchor="ctr"/>
+          <a:lstStyle/>
+          <a:p>
+            <a:pPr algn="ctr"/>
+            <a:r>
+              <a:rPr lang="en-US" dirty="0"/>
+              <a:t>Power Automate</a:t>
+            </a:r>
+          </a:p>
+        </p:txBody>
+      </p:sp>
+      <p:cxnSp>
+        <p:nvCxnSpPr>
+          <p:cNvPr id="149" name="Straight Arrow Connector 148">
+            <a:extLst>
+              <a:ext uri="{FF2B5EF4-FFF2-40B4-BE49-F238E27FC236}">
+                <a16:creationId xmlns:a16="http://schemas.microsoft.com/office/drawing/2014/main" id="{A7F4F2A1-1CD1-7F49-B107-65C5AE4912FB}"/>
+              </a:ext>
+            </a:extLst>
+          </p:cNvPr>
+          <p:cNvCxnSpPr>
+            <a:cxnSpLocks/>
+            <a:stCxn id="139" idx="2"/>
+            <a:endCxn id="146" idx="0"/>
+          </p:cNvCxnSpPr>
+          <p:nvPr/>
+        </p:nvCxnSpPr>
+        <p:spPr>
+          <a:xfrm flipH="1">
+            <a:off x="1798320" y="2577904"/>
+            <a:ext cx="1605" cy="848359"/>
+          </a:xfrm>
+          <a:prstGeom prst="straightConnector1">
+            <a:avLst/>
+          </a:prstGeom>
+          <a:ln>
+            <a:tailEnd type="triangle"/>
+          </a:ln>
+        </p:spPr>
+        <p:style>
+          <a:lnRef idx="1">
+            <a:schemeClr val="accent1"/>
+          </a:lnRef>
+          <a:fillRef idx="0">
+            <a:schemeClr val="accent1"/>
+          </a:fillRef>
+          <a:effectRef idx="0">
+            <a:schemeClr val="accent1"/>
+          </a:effectRef>
+          <a:fontRef idx="minor">
+            <a:schemeClr val="tx1"/>
+          </a:fontRef>
+        </p:style>
+      </p:cxnSp>
+      <p:cxnSp>
+        <p:nvCxnSpPr>
+          <p:cNvPr id="151" name="Straight Arrow Connector 150">
+            <a:extLst>
+              <a:ext uri="{FF2B5EF4-FFF2-40B4-BE49-F238E27FC236}">
+                <a16:creationId xmlns:a16="http://schemas.microsoft.com/office/drawing/2014/main" id="{0307EC65-B4B8-A64E-906A-F890524999DD}"/>
+              </a:ext>
+            </a:extLst>
+          </p:cNvPr>
+          <p:cNvCxnSpPr>
+            <a:cxnSpLocks/>
+            <a:stCxn id="146" idx="3"/>
+            <a:endCxn id="4" idx="1"/>
+          </p:cNvCxnSpPr>
+          <p:nvPr/>
+        </p:nvCxnSpPr>
+        <p:spPr>
+          <a:xfrm>
+            <a:off x="2849880" y="3867052"/>
+            <a:ext cx="899160" cy="8988"/>
+          </a:xfrm>
+          <a:prstGeom prst="straightConnector1">
+            <a:avLst/>
+          </a:prstGeom>
+          <a:ln>
+            <a:tailEnd type="triangle"/>
+          </a:ln>
+        </p:spPr>
+        <p:style>
+          <a:lnRef idx="1">
+            <a:schemeClr val="accent1"/>
+          </a:lnRef>
+          <a:fillRef idx="0">
+            <a:schemeClr val="accent1"/>
+          </a:fillRef>
+          <a:effectRef idx="0">
+            <a:schemeClr val="accent1"/>
+          </a:effectRef>
+          <a:fontRef idx="minor">
+            <a:schemeClr val="tx1"/>
+          </a:fontRef>
+        </p:style>
+      </p:cxnSp>
+      <p:cxnSp>
+        <p:nvCxnSpPr>
+          <p:cNvPr id="155" name="Straight Arrow Connector 154">
+            <a:extLst>
+              <a:ext uri="{FF2B5EF4-FFF2-40B4-BE49-F238E27FC236}">
+                <a16:creationId xmlns:a16="http://schemas.microsoft.com/office/drawing/2014/main" id="{28F5A743-8666-A245-8E0C-9AD2D69B1502}"/>
+              </a:ext>
+            </a:extLst>
+          </p:cNvPr>
+          <p:cNvCxnSpPr>
+            <a:cxnSpLocks/>
+            <a:stCxn id="4" idx="3"/>
+            <a:endCxn id="6" idx="1"/>
+          </p:cNvCxnSpPr>
+          <p:nvPr/>
+        </p:nvCxnSpPr>
+        <p:spPr>
+          <a:xfrm>
+            <a:off x="5852160" y="3876040"/>
+            <a:ext cx="640080" cy="0"/>
+          </a:xfrm>
+          <a:prstGeom prst="straightConnector1">
+            <a:avLst/>
+          </a:prstGeom>
+          <a:ln>
+            <a:tailEnd type="triangle"/>
+          </a:ln>
+        </p:spPr>
+        <p:style>
+          <a:lnRef idx="1">
+            <a:schemeClr val="accent1"/>
+          </a:lnRef>
+          <a:fillRef idx="0">
+            <a:schemeClr val="accent1"/>
+          </a:fillRef>
+          <a:effectRef idx="0">
+            <a:schemeClr val="accent1"/>
+          </a:effectRef>
+          <a:fontRef idx="minor">
+            <a:schemeClr val="tx1"/>
+          </a:fontRef>
+        </p:style>
+      </p:cxnSp>
+      <p:sp>
+        <p:nvSpPr>
+          <p:cNvPr id="157" name="TextBox 156">
+            <a:extLst>
+              <a:ext uri="{FF2B5EF4-FFF2-40B4-BE49-F238E27FC236}">
+                <a16:creationId xmlns:a16="http://schemas.microsoft.com/office/drawing/2014/main" id="{2D41CCE8-7772-0D4A-9B1A-DADD2DF9D397}"/>
+              </a:ext>
+            </a:extLst>
+          </p:cNvPr>
+          <p:cNvSpPr txBox="1"/>
+          <p:nvPr/>
+        </p:nvSpPr>
+        <p:spPr>
+          <a:xfrm>
+            <a:off x="2928620" y="3557508"/>
+            <a:ext cx="741680" cy="369332"/>
+          </a:xfrm>
+          <a:prstGeom prst="rect">
+            <a:avLst/>
+          </a:prstGeom>
+          <a:noFill/>
+        </p:spPr>
+        <p:txBody>
+          <a:bodyPr wrap="square" rtlCol="0">
+            <a:spAutoFit/>
+          </a:bodyPr>
+          <a:lstStyle/>
+          <a:p>
+            <a:r>
+              <a:rPr lang="en-US" dirty="0"/>
+              <a:t>POST</a:t>
+            </a:r>
+          </a:p>
+        </p:txBody>
+      </p:sp>
+      <p:cxnSp>
+        <p:nvCxnSpPr>
+          <p:cNvPr id="169" name="Straight Connector 168">
+            <a:extLst>
+              <a:ext uri="{FF2B5EF4-FFF2-40B4-BE49-F238E27FC236}">
+                <a16:creationId xmlns:a16="http://schemas.microsoft.com/office/drawing/2014/main" id="{5894EDBC-2734-5F4B-9E1C-A8CF7C0EF2C9}"/>
+              </a:ext>
+            </a:extLst>
+          </p:cNvPr>
+          <p:cNvCxnSpPr>
+            <a:stCxn id="4" idx="2"/>
+            <a:endCxn id="164" idx="0"/>
+          </p:cNvCxnSpPr>
+          <p:nvPr/>
+        </p:nvCxnSpPr>
+        <p:spPr>
+          <a:xfrm flipH="1">
+            <a:off x="4797633" y="4358640"/>
+            <a:ext cx="2967" cy="850575"/>
+          </a:xfrm>
+          <a:prstGeom prst="line">
+            <a:avLst/>
+          </a:prstGeom>
+        </p:spPr>
+        <p:style>
+          <a:lnRef idx="1">
+            <a:schemeClr val="accent1"/>
+          </a:lnRef>
+          <a:fillRef idx="0">
+            <a:schemeClr val="accent1"/>
+          </a:fillRef>
+          <a:effectRef idx="0">
+            <a:schemeClr val="accent1"/>
+          </a:effectRef>
+          <a:fontRef idx="minor">
+            <a:schemeClr val="tx1"/>
+          </a:fontRef>
+        </p:style>
+      </p:cxnSp>
+      <p:sp>
+        <p:nvSpPr>
+          <p:cNvPr id="2" name="Double Brace 1">
+            <a:extLst>
+              <a:ext uri="{FF2B5EF4-FFF2-40B4-BE49-F238E27FC236}">
+                <a16:creationId xmlns:a16="http://schemas.microsoft.com/office/drawing/2014/main" id="{D336A0F2-7A10-184F-93A8-F29294BB9289}"/>
+              </a:ext>
+            </a:extLst>
+          </p:cNvPr>
+          <p:cNvSpPr/>
+          <p:nvPr/>
+        </p:nvSpPr>
+        <p:spPr>
+          <a:xfrm>
+            <a:off x="4941744" y="5829940"/>
+            <a:ext cx="693019" cy="497841"/>
+          </a:xfrm>
+          <a:prstGeom prst="bracePair">
+            <a:avLst/>
+          </a:prstGeom>
+          <a:ln>
+            <a:solidFill>
+              <a:schemeClr val="bg1"/>
+            </a:solidFill>
+          </a:ln>
+        </p:spPr>
+        <p:style>
+          <a:lnRef idx="1">
+            <a:schemeClr val="accent1"/>
+          </a:lnRef>
+          <a:fillRef idx="0">
+            <a:schemeClr val="accent1"/>
+          </a:fillRef>
+          <a:effectRef idx="0">
+            <a:schemeClr val="accent1"/>
+          </a:effectRef>
+          <a:fontRef idx="minor">
+            <a:schemeClr val="tx1"/>
+          </a:fontRef>
+        </p:style>
+        <p:txBody>
+          <a:bodyPr wrap="none" rtlCol="0" anchor="ctr"/>
+          <a:lstStyle/>
+          <a:p>
+            <a:pPr algn="ctr"/>
+            <a:r>
+              <a:rPr lang="en-US" sz="1200" dirty="0"/>
+              <a:t>allmodules</a:t>
+            </a:r>
+          </a:p>
+        </p:txBody>
+      </p:sp>
+      <p:sp>
+        <p:nvSpPr>
+          <p:cNvPr id="3" name="Double Brace 2">
+            <a:extLst>
+              <a:ext uri="{FF2B5EF4-FFF2-40B4-BE49-F238E27FC236}">
+                <a16:creationId xmlns:a16="http://schemas.microsoft.com/office/drawing/2014/main" id="{745B5048-1F63-6A46-A8FD-B3003887E026}"/>
+              </a:ext>
+            </a:extLst>
+          </p:cNvPr>
+          <p:cNvSpPr/>
+          <p:nvPr/>
+        </p:nvSpPr>
+        <p:spPr>
+          <a:xfrm>
+            <a:off x="4013976" y="5840099"/>
+            <a:ext cx="693019" cy="497841"/>
+          </a:xfrm>
+          <a:prstGeom prst="bracePair">
+            <a:avLst/>
+          </a:prstGeom>
+          <a:ln>
+            <a:solidFill>
+              <a:schemeClr val="bg1"/>
+            </a:solidFill>
+          </a:ln>
+        </p:spPr>
+        <p:style>
+          <a:lnRef idx="1">
+            <a:schemeClr val="accent1"/>
+          </a:lnRef>
+          <a:fillRef idx="0">
+            <a:schemeClr val="accent1"/>
+          </a:fillRef>
+          <a:effectRef idx="0">
+            <a:schemeClr val="accent1"/>
+          </a:effectRef>
+          <a:fontRef idx="minor">
+            <a:schemeClr val="tx1"/>
+          </a:fontRef>
+        </p:style>
+        <p:txBody>
+          <a:bodyPr wrap="none" rtlCol="0" anchor="ctr"/>
+          <a:lstStyle/>
+          <a:p>
+            <a:pPr algn="ctr"/>
+            <a:r>
+              <a:rPr lang="en-US" sz="1200" dirty="0"/>
+              <a:t>manifest</a:t>
+            </a:r>
+          </a:p>
+        </p:txBody>
+      </p:sp>
+    </p:spTree>
+    <p:extLst>
+      <p:ext uri="{BB962C8B-B14F-4D97-AF65-F5344CB8AC3E}">
+        <p14:creationId xmlns:p14="http://schemas.microsoft.com/office/powerpoint/2010/main" val="388716848"/>
+      </p:ext>
+    </p:extLst>
+  </p:cSld>
+  <p:clrMapOvr>
+    <a:masterClrMapping/>
+  </p:clrMapOvr>
+</p:sld>
+</file>
+
+<file path=ppt/slides/slide6.xml><?xml version="1.0" encoding="utf-8"?>
 <p:sld xmlns:a="http://schemas.openxmlformats.org/drawingml/2006/main" xmlns:r="http://schemas.openxmlformats.org/officeDocument/2006/relationships" xmlns:p="http://schemas.openxmlformats.org/presentationml/2006/main">
   <p:cSld>
     <p:spTree>

--- a/MythicalIoT.pptx
+++ b/MythicalIoT.pptx
@@ -202,7 +202,7 @@
           <a:p>
             <a:fld id="{00F9A49F-B39A-6D40-8171-0C8144D2F78C}" type="datetimeFigureOut">
               <a:rPr lang="en-US" smtClean="0"/>
-              <a:t>12/7/20</a:t>
+              <a:t>12/11/20</a:t>
             </a:fld>
             <a:endParaRPr lang="en-US"/>
           </a:p>
@@ -616,7 +616,7 @@
           <a:p>
             <a:fld id="{0010EDA1-2036-5448-A4CE-E7A3E6B521D5}" type="datetimeFigureOut">
               <a:rPr lang="en-US" smtClean="0"/>
-              <a:t>12/7/20</a:t>
+              <a:t>12/11/20</a:t>
             </a:fld>
             <a:endParaRPr lang="en-US"/>
           </a:p>
@@ -814,7 +814,7 @@
           <a:p>
             <a:fld id="{0010EDA1-2036-5448-A4CE-E7A3E6B521D5}" type="datetimeFigureOut">
               <a:rPr lang="en-US" smtClean="0"/>
-              <a:t>12/7/20</a:t>
+              <a:t>12/11/20</a:t>
             </a:fld>
             <a:endParaRPr lang="en-US"/>
           </a:p>
@@ -1022,7 +1022,7 @@
           <a:p>
             <a:fld id="{0010EDA1-2036-5448-A4CE-E7A3E6B521D5}" type="datetimeFigureOut">
               <a:rPr lang="en-US" smtClean="0"/>
-              <a:t>12/7/20</a:t>
+              <a:t>12/11/20</a:t>
             </a:fld>
             <a:endParaRPr lang="en-US"/>
           </a:p>
@@ -1220,7 +1220,7 @@
           <a:p>
             <a:fld id="{0010EDA1-2036-5448-A4CE-E7A3E6B521D5}" type="datetimeFigureOut">
               <a:rPr lang="en-US" smtClean="0"/>
-              <a:t>12/7/20</a:t>
+              <a:t>12/11/20</a:t>
             </a:fld>
             <a:endParaRPr lang="en-US"/>
           </a:p>
@@ -1495,7 +1495,7 @@
           <a:p>
             <a:fld id="{0010EDA1-2036-5448-A4CE-E7A3E6B521D5}" type="datetimeFigureOut">
               <a:rPr lang="en-US" smtClean="0"/>
-              <a:t>12/7/20</a:t>
+              <a:t>12/11/20</a:t>
             </a:fld>
             <a:endParaRPr lang="en-US"/>
           </a:p>
@@ -1760,7 +1760,7 @@
           <a:p>
             <a:fld id="{0010EDA1-2036-5448-A4CE-E7A3E6B521D5}" type="datetimeFigureOut">
               <a:rPr lang="en-US" smtClean="0"/>
-              <a:t>12/7/20</a:t>
+              <a:t>12/11/20</a:t>
             </a:fld>
             <a:endParaRPr lang="en-US"/>
           </a:p>
@@ -2172,7 +2172,7 @@
           <a:p>
             <a:fld id="{0010EDA1-2036-5448-A4CE-E7A3E6B521D5}" type="datetimeFigureOut">
               <a:rPr lang="en-US" smtClean="0"/>
-              <a:t>12/7/20</a:t>
+              <a:t>12/11/20</a:t>
             </a:fld>
             <a:endParaRPr lang="en-US"/>
           </a:p>
@@ -2313,7 +2313,7 @@
           <a:p>
             <a:fld id="{0010EDA1-2036-5448-A4CE-E7A3E6B521D5}" type="datetimeFigureOut">
               <a:rPr lang="en-US" smtClean="0"/>
-              <a:t>12/7/20</a:t>
+              <a:t>12/11/20</a:t>
             </a:fld>
             <a:endParaRPr lang="en-US"/>
           </a:p>
@@ -2426,7 +2426,7 @@
           <a:p>
             <a:fld id="{0010EDA1-2036-5448-A4CE-E7A3E6B521D5}" type="datetimeFigureOut">
               <a:rPr lang="en-US" smtClean="0"/>
-              <a:t>12/7/20</a:t>
+              <a:t>12/11/20</a:t>
             </a:fld>
             <a:endParaRPr lang="en-US"/>
           </a:p>
@@ -2737,7 +2737,7 @@
           <a:p>
             <a:fld id="{0010EDA1-2036-5448-A4CE-E7A3E6B521D5}" type="datetimeFigureOut">
               <a:rPr lang="en-US" smtClean="0"/>
-              <a:t>12/7/20</a:t>
+              <a:t>12/11/20</a:t>
             </a:fld>
             <a:endParaRPr lang="en-US"/>
           </a:p>
@@ -3025,7 +3025,7 @@
           <a:p>
             <a:fld id="{0010EDA1-2036-5448-A4CE-E7A3E6B521D5}" type="datetimeFigureOut">
               <a:rPr lang="en-US" smtClean="0"/>
-              <a:t>12/7/20</a:t>
+              <a:t>12/11/20</a:t>
             </a:fld>
             <a:endParaRPr lang="en-US"/>
           </a:p>
@@ -3266,7 +3266,7 @@
           <a:p>
             <a:fld id="{0010EDA1-2036-5448-A4CE-E7A3E6B521D5}" type="datetimeFigureOut">
               <a:rPr lang="en-US" smtClean="0"/>
-              <a:t>12/7/20</a:t>
+              <a:t>12/11/20</a:t>
             </a:fld>
             <a:endParaRPr lang="en-US"/>
           </a:p>
@@ -11772,6 +11772,189 @@
           </a:prstGeom>
         </p:spPr>
       </p:pic>
+      <p:sp>
+        <p:nvSpPr>
+          <p:cNvPr id="2" name="Rectangle 1">
+            <a:extLst>
+              <a:ext uri="{FF2B5EF4-FFF2-40B4-BE49-F238E27FC236}">
+                <a16:creationId xmlns:a16="http://schemas.microsoft.com/office/drawing/2014/main" id="{E8DB1C8E-3F7E-AB46-94F5-5D2AB3161D2E}"/>
+              </a:ext>
+            </a:extLst>
+          </p:cNvPr>
+          <p:cNvSpPr/>
+          <p:nvPr/>
+        </p:nvSpPr>
+        <p:spPr>
+          <a:xfrm>
+            <a:off x="0" y="577516"/>
+            <a:ext cx="1934678" cy="6280484"/>
+          </a:xfrm>
+          <a:prstGeom prst="rect">
+            <a:avLst/>
+          </a:prstGeom>
+          <a:solidFill>
+            <a:srgbClr val="4472C4">
+              <a:alpha val="50196"/>
+            </a:srgbClr>
+          </a:solidFill>
+        </p:spPr>
+        <p:style>
+          <a:lnRef idx="2">
+            <a:schemeClr val="accent1">
+              <a:shade val="50000"/>
+            </a:schemeClr>
+          </a:lnRef>
+          <a:fillRef idx="1">
+            <a:schemeClr val="accent1"/>
+          </a:fillRef>
+          <a:effectRef idx="0">
+            <a:schemeClr val="accent1"/>
+          </a:effectRef>
+          <a:fontRef idx="minor">
+            <a:schemeClr val="lt1"/>
+          </a:fontRef>
+        </p:style>
+        <p:txBody>
+          <a:bodyPr rtlCol="0" anchor="ctr"/>
+          <a:lstStyle/>
+          <a:p>
+            <a:pPr algn="ctr"/>
+            <a:endParaRPr lang="en-US" dirty="0"/>
+          </a:p>
+        </p:txBody>
+      </p:sp>
+      <p:sp>
+        <p:nvSpPr>
+          <p:cNvPr id="3" name="Rectangle 2">
+            <a:extLst>
+              <a:ext uri="{FF2B5EF4-FFF2-40B4-BE49-F238E27FC236}">
+                <a16:creationId xmlns:a16="http://schemas.microsoft.com/office/drawing/2014/main" id="{C861A087-B93B-2E49-952D-7753CC253FEA}"/>
+              </a:ext>
+            </a:extLst>
+          </p:cNvPr>
+          <p:cNvSpPr/>
+          <p:nvPr/>
+        </p:nvSpPr>
+        <p:spPr>
+          <a:xfrm>
+            <a:off x="189298" y="2047056"/>
+            <a:ext cx="1658754" cy="1569660"/>
+          </a:xfrm>
+          <a:prstGeom prst="rect">
+            <a:avLst/>
+          </a:prstGeom>
+        </p:spPr>
+        <p:txBody>
+          <a:bodyPr wrap="square">
+            <a:spAutoFit/>
+          </a:bodyPr>
+          <a:lstStyle/>
+          <a:p>
+            <a:pPr algn="ctr"/>
+            <a:r>
+              <a:rPr lang="en-US" sz="3200" dirty="0">
+                <a:solidFill>
+                  <a:srgbClr val="FF0000"/>
+                </a:solidFill>
+              </a:rPr>
+              <a:t>List of </a:t>
+            </a:r>
+            <a:br>
+              <a:rPr lang="en-US" sz="3200" dirty="0">
+                <a:solidFill>
+                  <a:srgbClr val="FF0000"/>
+                </a:solidFill>
+              </a:rPr>
+            </a:br>
+            <a:r>
+              <a:rPr lang="en-US" sz="3200" dirty="0">
+                <a:solidFill>
+                  <a:srgbClr val="FF0000"/>
+                </a:solidFill>
+              </a:rPr>
+              <a:t>IoT Edges</a:t>
+            </a:r>
+          </a:p>
+        </p:txBody>
+      </p:sp>
+      <p:sp>
+        <p:nvSpPr>
+          <p:cNvPr id="6" name="Rectangle 5">
+            <a:extLst>
+              <a:ext uri="{FF2B5EF4-FFF2-40B4-BE49-F238E27FC236}">
+                <a16:creationId xmlns:a16="http://schemas.microsoft.com/office/drawing/2014/main" id="{3F310C6B-9F6C-674A-89CE-52C7EBA2680B}"/>
+              </a:ext>
+            </a:extLst>
+          </p:cNvPr>
+          <p:cNvSpPr/>
+          <p:nvPr/>
+        </p:nvSpPr>
+        <p:spPr>
+          <a:xfrm>
+            <a:off x="6241984" y="977047"/>
+            <a:ext cx="2825013" cy="1569660"/>
+          </a:xfrm>
+          <a:prstGeom prst="rect">
+            <a:avLst/>
+          </a:prstGeom>
+        </p:spPr>
+        <p:txBody>
+          <a:bodyPr wrap="square">
+            <a:spAutoFit/>
+          </a:bodyPr>
+          <a:lstStyle/>
+          <a:p>
+            <a:pPr algn="ctr"/>
+            <a:r>
+              <a:rPr lang="en-US" sz="3200" dirty="0">
+                <a:solidFill>
+                  <a:srgbClr val="FF0000"/>
+                </a:solidFill>
+              </a:rPr>
+              <a:t>Modules with Desired Properties</a:t>
+            </a:r>
+          </a:p>
+        </p:txBody>
+      </p:sp>
+      <p:sp>
+        <p:nvSpPr>
+          <p:cNvPr id="8" name="Rectangle 7">
+            <a:extLst>
+              <a:ext uri="{FF2B5EF4-FFF2-40B4-BE49-F238E27FC236}">
+                <a16:creationId xmlns:a16="http://schemas.microsoft.com/office/drawing/2014/main" id="{2B859768-4A81-8C4C-B4E9-7074F268F293}"/>
+              </a:ext>
+            </a:extLst>
+          </p:cNvPr>
+          <p:cNvSpPr/>
+          <p:nvPr/>
+        </p:nvSpPr>
+        <p:spPr>
+          <a:xfrm>
+            <a:off x="4594460" y="4026651"/>
+            <a:ext cx="2825013" cy="584775"/>
+          </a:xfrm>
+          <a:prstGeom prst="rect">
+            <a:avLst/>
+          </a:prstGeom>
+        </p:spPr>
+        <p:txBody>
+          <a:bodyPr wrap="square">
+            <a:spAutoFit/>
+          </a:bodyPr>
+          <a:lstStyle/>
+          <a:p>
+            <a:pPr algn="ctr"/>
+            <a:r>
+              <a:rPr lang="en-US" sz="3200" dirty="0">
+                <a:solidFill>
+                  <a:srgbClr val="FF0000"/>
+                </a:solidFill>
+              </a:rPr>
+              <a:t>Routes</a:t>
+            </a:r>
+          </a:p>
+        </p:txBody>
+      </p:sp>
     </p:spTree>
     <p:extLst>
       <p:ext uri="{BB962C8B-B14F-4D97-AF65-F5344CB8AC3E}">
